--- a/1.Unix/presentations/advanced_command_line_tutorial.pptx
+++ b/1.Unix/presentations/advanced_command_line_tutorial.pptx
@@ -5,7 +5,7 @@
     <p:sldMasterId id="2147483648" r:id="rId1"/>
   </p:sldMasterIdLst>
   <p:notesMasterIdLst>
-    <p:notesMasterId r:id="rId37"/>
+    <p:notesMasterId r:id="rId41"/>
   </p:notesMasterIdLst>
   <p:sldIdLst>
     <p:sldId id="257" r:id="rId2"/>
@@ -13,15 +13,15 @@
     <p:sldId id="275" r:id="rId4"/>
     <p:sldId id="276" r:id="rId5"/>
     <p:sldId id="277" r:id="rId6"/>
-    <p:sldId id="278" r:id="rId7"/>
-    <p:sldId id="279" r:id="rId8"/>
-    <p:sldId id="280" r:id="rId9"/>
-    <p:sldId id="269" r:id="rId10"/>
-    <p:sldId id="270" r:id="rId11"/>
-    <p:sldId id="271" r:id="rId12"/>
-    <p:sldId id="272" r:id="rId13"/>
-    <p:sldId id="273" r:id="rId14"/>
-    <p:sldId id="274" r:id="rId15"/>
+    <p:sldId id="293" r:id="rId7"/>
+    <p:sldId id="294" r:id="rId8"/>
+    <p:sldId id="278" r:id="rId9"/>
+    <p:sldId id="279" r:id="rId10"/>
+    <p:sldId id="280" r:id="rId11"/>
+    <p:sldId id="269" r:id="rId12"/>
+    <p:sldId id="270" r:id="rId13"/>
+    <p:sldId id="271" r:id="rId14"/>
+    <p:sldId id="292" r:id="rId15"/>
     <p:sldId id="281" r:id="rId16"/>
     <p:sldId id="282" r:id="rId17"/>
     <p:sldId id="283" r:id="rId18"/>
@@ -33,16 +33,20 @@
     <p:sldId id="289" r:id="rId24"/>
     <p:sldId id="290" r:id="rId25"/>
     <p:sldId id="291" r:id="rId26"/>
-    <p:sldId id="261" r:id="rId27"/>
-    <p:sldId id="259" r:id="rId28"/>
-    <p:sldId id="262" r:id="rId29"/>
-    <p:sldId id="263" r:id="rId30"/>
-    <p:sldId id="264" r:id="rId31"/>
-    <p:sldId id="265" r:id="rId32"/>
-    <p:sldId id="266" r:id="rId33"/>
-    <p:sldId id="267" r:id="rId34"/>
-    <p:sldId id="268" r:id="rId35"/>
-    <p:sldId id="260" r:id="rId36"/>
+    <p:sldId id="297" r:id="rId27"/>
+    <p:sldId id="298" r:id="rId28"/>
+    <p:sldId id="296" r:id="rId29"/>
+    <p:sldId id="261" r:id="rId30"/>
+    <p:sldId id="259" r:id="rId31"/>
+    <p:sldId id="262" r:id="rId32"/>
+    <p:sldId id="263" r:id="rId33"/>
+    <p:sldId id="264" r:id="rId34"/>
+    <p:sldId id="265" r:id="rId35"/>
+    <p:sldId id="266" r:id="rId36"/>
+    <p:sldId id="267" r:id="rId37"/>
+    <p:sldId id="268" r:id="rId38"/>
+    <p:sldId id="260" r:id="rId39"/>
+    <p:sldId id="295" r:id="rId40"/>
   </p:sldIdLst>
   <p:sldSz cx="12192000" cy="6858000"/>
   <p:notesSz cx="6858000" cy="9144000"/>
@@ -141,6 +145,11 @@
       </a:defRPr>
     </a:lvl9pPr>
   </p:defaultTextStyle>
+  <p:extLst>
+    <p:ext uri="{EFAFB233-063F-42B5-8137-9DF3F51BA10A}">
+      <p15:sldGuideLst xmlns:p15="http://schemas.microsoft.com/office/powerpoint/2012/main"/>
+    </p:ext>
+  </p:extLst>
 </p:presentation>
 </file>
 
@@ -226,7 +235,7 @@
           <a:p>
             <a:fld id="{B53B1810-B934-4BA9-818E-38DA22663669}" type="datetimeFigureOut">
               <a:rPr lang="en-US" smtClean="0"/>
-              <a:t>12/6/2019</a:t>
+              <a:t>1/6/2020</a:t>
             </a:fld>
             <a:endParaRPr lang="en-US"/>
           </a:p>
@@ -578,6 +587,110 @@
 </p:notes>
 </file>
 
+<file path=ppt/notesSlides/notesSlide2.xml><?xml version="1.0" encoding="utf-8"?>
+<p:notes xmlns:a="http://schemas.openxmlformats.org/drawingml/2006/main" xmlns:r="http://schemas.openxmlformats.org/officeDocument/2006/relationships" xmlns:p="http://schemas.openxmlformats.org/presentationml/2006/main">
+  <p:cSld>
+    <p:spTree>
+      <p:nvGrpSpPr>
+        <p:cNvPr id="1" name=""/>
+        <p:cNvGrpSpPr/>
+        <p:nvPr/>
+      </p:nvGrpSpPr>
+      <p:grpSpPr>
+        <a:xfrm>
+          <a:off x="0" y="0"/>
+          <a:ext cx="0" cy="0"/>
+          <a:chOff x="0" y="0"/>
+          <a:chExt cx="0" cy="0"/>
+        </a:xfrm>
+      </p:grpSpPr>
+      <p:sp>
+        <p:nvSpPr>
+          <p:cNvPr id="2" name="Slide Image Placeholder 1"/>
+          <p:cNvSpPr>
+            <a:spLocks noGrp="1" noRot="1" noChangeAspect="1"/>
+          </p:cNvSpPr>
+          <p:nvPr>
+            <p:ph type="sldImg"/>
+          </p:nvPr>
+        </p:nvSpPr>
+        <p:spPr/>
+      </p:sp>
+      <p:sp>
+        <p:nvSpPr>
+          <p:cNvPr id="3" name="Notes Placeholder 2"/>
+          <p:cNvSpPr>
+            <a:spLocks noGrp="1"/>
+          </p:cNvSpPr>
+          <p:nvPr>
+            <p:ph type="body" idx="1"/>
+          </p:nvPr>
+        </p:nvSpPr>
+        <p:spPr/>
+        <p:txBody>
+          <a:bodyPr/>
+          <a:lstStyle/>
+          <a:p>
+            <a:r>
+              <a:rPr lang="en-US" dirty="0" err="1" smtClean="0"/>
+              <a:t>Slurm</a:t>
+            </a:r>
+            <a:r>
+              <a:rPr lang="en-US" dirty="0" smtClean="0"/>
+              <a:t>= </a:t>
+            </a:r>
+            <a:r>
+              <a:rPr lang="en-US" sz="1200" b="0" i="0" kern="1200" dirty="0" smtClean="0">
+                <a:solidFill>
+                  <a:schemeClr val="tx1"/>
+                </a:solidFill>
+                <a:effectLst/>
+                <a:latin typeface="+mn-lt"/>
+                <a:ea typeface="+mn-ea"/>
+                <a:cs typeface="+mn-cs"/>
+              </a:rPr>
+              <a:t>Simple Linux Utility for Resource Management </a:t>
+            </a:r>
+            <a:endParaRPr lang="en-US" dirty="0"/>
+          </a:p>
+        </p:txBody>
+      </p:sp>
+      <p:sp>
+        <p:nvSpPr>
+          <p:cNvPr id="4" name="Slide Number Placeholder 3"/>
+          <p:cNvSpPr>
+            <a:spLocks noGrp="1"/>
+          </p:cNvSpPr>
+          <p:nvPr>
+            <p:ph type="sldNum" sz="quarter" idx="10"/>
+          </p:nvPr>
+        </p:nvSpPr>
+        <p:spPr/>
+        <p:txBody>
+          <a:bodyPr/>
+          <a:lstStyle/>
+          <a:p>
+            <a:fld id="{44A24711-76ED-447B-9DF1-D8BA240E5B4C}" type="slidenum">
+              <a:rPr lang="en-US" smtClean="0"/>
+              <a:t>28</a:t>
+            </a:fld>
+            <a:endParaRPr lang="en-US"/>
+          </a:p>
+        </p:txBody>
+      </p:sp>
+    </p:spTree>
+    <p:extLst>
+      <p:ext uri="{BB962C8B-B14F-4D97-AF65-F5344CB8AC3E}">
+        <p14:creationId xmlns:p14="http://schemas.microsoft.com/office/powerpoint/2010/main" val="92360357"/>
+      </p:ext>
+    </p:extLst>
+  </p:cSld>
+  <p:clrMapOvr>
+    <a:masterClrMapping/>
+  </p:clrMapOvr>
+</p:notes>
+</file>
+
 <file path=ppt/slideLayouts/slideLayout1.xml><?xml version="1.0" encoding="utf-8"?>
 <p:sldLayout xmlns:a="http://schemas.openxmlformats.org/drawingml/2006/main" xmlns:r="http://schemas.openxmlformats.org/officeDocument/2006/relationships" xmlns:p="http://schemas.openxmlformats.org/presentationml/2006/main" type="title" preserve="1">
   <p:cSld name="Title Slide">
@@ -709,7 +822,7 @@
           <a:p>
             <a:fld id="{AD7E496B-2690-4F52-8F9B-7F150E9B577E}" type="datetimeFigureOut">
               <a:rPr lang="en-US" smtClean="0"/>
-              <a:t>12/6/2019</a:t>
+              <a:t>1/6/2020</a:t>
             </a:fld>
             <a:endParaRPr lang="en-US"/>
           </a:p>
@@ -879,7 +992,7 @@
           <a:p>
             <a:fld id="{AD7E496B-2690-4F52-8F9B-7F150E9B577E}" type="datetimeFigureOut">
               <a:rPr lang="en-US" smtClean="0"/>
-              <a:t>12/6/2019</a:t>
+              <a:t>1/6/2020</a:t>
             </a:fld>
             <a:endParaRPr lang="en-US"/>
           </a:p>
@@ -1059,7 +1172,7 @@
           <a:p>
             <a:fld id="{AD7E496B-2690-4F52-8F9B-7F150E9B577E}" type="datetimeFigureOut">
               <a:rPr lang="en-US" smtClean="0"/>
-              <a:t>12/6/2019</a:t>
+              <a:t>1/6/2020</a:t>
             </a:fld>
             <a:endParaRPr lang="en-US"/>
           </a:p>
@@ -1229,7 +1342,7 @@
           <a:p>
             <a:fld id="{AD7E496B-2690-4F52-8F9B-7F150E9B577E}" type="datetimeFigureOut">
               <a:rPr lang="en-US" smtClean="0"/>
-              <a:t>12/6/2019</a:t>
+              <a:t>1/6/2020</a:t>
             </a:fld>
             <a:endParaRPr lang="en-US"/>
           </a:p>
@@ -1475,7 +1588,7 @@
           <a:p>
             <a:fld id="{AD7E496B-2690-4F52-8F9B-7F150E9B577E}" type="datetimeFigureOut">
               <a:rPr lang="en-US" smtClean="0"/>
-              <a:t>12/6/2019</a:t>
+              <a:t>1/6/2020</a:t>
             </a:fld>
             <a:endParaRPr lang="en-US"/>
           </a:p>
@@ -1707,7 +1820,7 @@
           <a:p>
             <a:fld id="{AD7E496B-2690-4F52-8F9B-7F150E9B577E}" type="datetimeFigureOut">
               <a:rPr lang="en-US" smtClean="0"/>
-              <a:t>12/6/2019</a:t>
+              <a:t>1/6/2020</a:t>
             </a:fld>
             <a:endParaRPr lang="en-US"/>
           </a:p>
@@ -2074,7 +2187,7 @@
           <a:p>
             <a:fld id="{AD7E496B-2690-4F52-8F9B-7F150E9B577E}" type="datetimeFigureOut">
               <a:rPr lang="en-US" smtClean="0"/>
-              <a:t>12/6/2019</a:t>
+              <a:t>1/6/2020</a:t>
             </a:fld>
             <a:endParaRPr lang="en-US"/>
           </a:p>
@@ -2192,7 +2305,7 @@
           <a:p>
             <a:fld id="{AD7E496B-2690-4F52-8F9B-7F150E9B577E}" type="datetimeFigureOut">
               <a:rPr lang="en-US" smtClean="0"/>
-              <a:t>12/6/2019</a:t>
+              <a:t>1/6/2020</a:t>
             </a:fld>
             <a:endParaRPr lang="en-US"/>
           </a:p>
@@ -2287,7 +2400,7 @@
           <a:p>
             <a:fld id="{AD7E496B-2690-4F52-8F9B-7F150E9B577E}" type="datetimeFigureOut">
               <a:rPr lang="en-US" smtClean="0"/>
-              <a:t>12/6/2019</a:t>
+              <a:t>1/6/2020</a:t>
             </a:fld>
             <a:endParaRPr lang="en-US"/>
           </a:p>
@@ -2564,7 +2677,7 @@
           <a:p>
             <a:fld id="{AD7E496B-2690-4F52-8F9B-7F150E9B577E}" type="datetimeFigureOut">
               <a:rPr lang="en-US" smtClean="0"/>
-              <a:t>12/6/2019</a:t>
+              <a:t>1/6/2020</a:t>
             </a:fld>
             <a:endParaRPr lang="en-US"/>
           </a:p>
@@ -2817,7 +2930,7 @@
           <a:p>
             <a:fld id="{AD7E496B-2690-4F52-8F9B-7F150E9B577E}" type="datetimeFigureOut">
               <a:rPr lang="en-US" smtClean="0"/>
-              <a:t>12/6/2019</a:t>
+              <a:t>1/6/2020</a:t>
             </a:fld>
             <a:endParaRPr lang="en-US"/>
           </a:p>
@@ -3030,7 +3143,7 @@
           <a:p>
             <a:fld id="{AD7E496B-2690-4F52-8F9B-7F150E9B577E}" type="datetimeFigureOut">
               <a:rPr lang="en-US" smtClean="0"/>
-              <a:t>12/6/2019</a:t>
+              <a:t>1/6/2020</a:t>
             </a:fld>
             <a:endParaRPr lang="en-US"/>
           </a:p>
@@ -3531,6 +3644,462 @@
           <a:p>
             <a:r>
               <a:rPr lang="en-US" dirty="0" smtClean="0"/>
+              <a:t>To reinforce the lesson</a:t>
+            </a:r>
+            <a:endParaRPr lang="en-US" dirty="0"/>
+          </a:p>
+        </p:txBody>
+      </p:sp>
+      <p:sp>
+        <p:nvSpPr>
+          <p:cNvPr id="3" name="Content Placeholder 2"/>
+          <p:cNvSpPr>
+            <a:spLocks noGrp="1"/>
+          </p:cNvSpPr>
+          <p:nvPr>
+            <p:ph idx="1"/>
+          </p:nvPr>
+        </p:nvSpPr>
+        <p:spPr/>
+        <p:txBody>
+          <a:bodyPr/>
+          <a:lstStyle/>
+          <a:p>
+            <a:r>
+              <a:rPr lang="en-US" dirty="0" smtClean="0"/>
+              <a:t>Try typing the following command and read the text that follows:</a:t>
+            </a:r>
+          </a:p>
+          <a:p>
+            <a:endParaRPr lang="en-US" dirty="0"/>
+          </a:p>
+          <a:p>
+            <a:endParaRPr lang="en-US" dirty="0" smtClean="0"/>
+          </a:p>
+          <a:p>
+            <a:r>
+              <a:rPr lang="en-US" dirty="0" smtClean="0"/>
+              <a:t>What do you think that this command at the top is telling you? </a:t>
+            </a:r>
+            <a:endParaRPr lang="en-US" dirty="0"/>
+          </a:p>
+        </p:txBody>
+      </p:sp>
+      <p:pic>
+        <p:nvPicPr>
+          <p:cNvPr id="4" name="Picture 3"/>
+          <p:cNvPicPr>
+            <a:picLocks noChangeAspect="1"/>
+          </p:cNvPicPr>
+          <p:nvPr/>
+        </p:nvPicPr>
+        <p:blipFill>
+          <a:blip r:embed="rId2"/>
+          <a:stretch>
+            <a:fillRect/>
+          </a:stretch>
+        </p:blipFill>
+        <p:spPr>
+          <a:xfrm>
+            <a:off x="4728797" y="2319704"/>
+            <a:ext cx="2171700" cy="266700"/>
+          </a:xfrm>
+          <a:prstGeom prst="rect">
+            <a:avLst/>
+          </a:prstGeom>
+        </p:spPr>
+      </p:pic>
+      <p:pic>
+        <p:nvPicPr>
+          <p:cNvPr id="5" name="Picture 4"/>
+          <p:cNvPicPr>
+            <a:picLocks noChangeAspect="1"/>
+          </p:cNvPicPr>
+          <p:nvPr/>
+        </p:nvPicPr>
+        <p:blipFill rotWithShape="1">
+          <a:blip r:embed="rId3"/>
+          <a:srcRect b="55943"/>
+          <a:stretch/>
+        </p:blipFill>
+        <p:spPr>
+          <a:xfrm>
+            <a:off x="2846877" y="4001295"/>
+            <a:ext cx="6181725" cy="201429"/>
+          </a:xfrm>
+          <a:prstGeom prst="rect">
+            <a:avLst/>
+          </a:prstGeom>
+        </p:spPr>
+      </p:pic>
+    </p:spTree>
+    <p:extLst>
+      <p:ext uri="{BB962C8B-B14F-4D97-AF65-F5344CB8AC3E}">
+        <p14:creationId xmlns:p14="http://schemas.microsoft.com/office/powerpoint/2010/main" val="1102963511"/>
+      </p:ext>
+    </p:extLst>
+  </p:cSld>
+  <p:clrMapOvr>
+    <a:masterClrMapping/>
+  </p:clrMapOvr>
+  <p:timing>
+    <p:tnLst>
+      <p:par>
+        <p:cTn id="1" dur="indefinite" restart="never" nodeType="tmRoot"/>
+      </p:par>
+    </p:tnLst>
+  </p:timing>
+</p:sld>
+</file>
+
+<file path=ppt/slides/slide11.xml><?xml version="1.0" encoding="utf-8"?>
+<p:sld xmlns:a="http://schemas.openxmlformats.org/drawingml/2006/main" xmlns:r="http://schemas.openxmlformats.org/officeDocument/2006/relationships" xmlns:p="http://schemas.openxmlformats.org/presentationml/2006/main">
+  <p:cSld>
+    <p:spTree>
+      <p:nvGrpSpPr>
+        <p:cNvPr id="1" name=""/>
+        <p:cNvGrpSpPr/>
+        <p:nvPr/>
+      </p:nvGrpSpPr>
+      <p:grpSpPr>
+        <a:xfrm>
+          <a:off x="0" y="0"/>
+          <a:ext cx="0" cy="0"/>
+          <a:chOff x="0" y="0"/>
+          <a:chExt cx="0" cy="0"/>
+        </a:xfrm>
+      </p:grpSpPr>
+      <p:sp>
+        <p:nvSpPr>
+          <p:cNvPr id="2" name="Title 1"/>
+          <p:cNvSpPr>
+            <a:spLocks noGrp="1"/>
+          </p:cNvSpPr>
+          <p:nvPr>
+            <p:ph type="title"/>
+          </p:nvPr>
+        </p:nvSpPr>
+        <p:spPr/>
+        <p:txBody>
+          <a:bodyPr/>
+          <a:lstStyle/>
+          <a:p>
+            <a:r>
+              <a:rPr lang="en-US" dirty="0" smtClean="0"/>
+              <a:t>STDOUT, STDERR and STDIN</a:t>
+            </a:r>
+            <a:endParaRPr lang="en-US" dirty="0"/>
+          </a:p>
+        </p:txBody>
+      </p:sp>
+      <p:sp>
+        <p:nvSpPr>
+          <p:cNvPr id="3" name="Content Placeholder 2"/>
+          <p:cNvSpPr>
+            <a:spLocks noGrp="1"/>
+          </p:cNvSpPr>
+          <p:nvPr>
+            <p:ph idx="1"/>
+          </p:nvPr>
+        </p:nvSpPr>
+        <p:spPr/>
+        <p:txBody>
+          <a:bodyPr>
+            <a:normAutofit fontScale="92500" lnSpcReduction="20000"/>
+          </a:bodyPr>
+          <a:lstStyle/>
+          <a:p>
+            <a:r>
+              <a:rPr lang="en-US" dirty="0" smtClean="0"/>
+              <a:t>Now let’s talk about the text you saw floating by on the screen. You can automate this yourself by taking advantage of one of the three data streams that Unix allows. In this case it was the </a:t>
+            </a:r>
+            <a:r>
+              <a:rPr lang="en-US" dirty="0" smtClean="0">
+                <a:solidFill>
+                  <a:srgbClr val="FF0000"/>
+                </a:solidFill>
+              </a:rPr>
+              <a:t>STDOUT</a:t>
+            </a:r>
+            <a:r>
+              <a:rPr lang="en-US" dirty="0" smtClean="0"/>
+              <a:t> channel.</a:t>
+            </a:r>
+          </a:p>
+          <a:p>
+            <a:r>
+              <a:rPr lang="en-US" dirty="0" smtClean="0"/>
+              <a:t>Let’s test this out ourselves! Please copy and unpack the following lesson plans:</a:t>
+            </a:r>
+          </a:p>
+          <a:p>
+            <a:endParaRPr lang="en-US" dirty="0" smtClean="0"/>
+          </a:p>
+          <a:p>
+            <a:endParaRPr lang="en-US" dirty="0"/>
+          </a:p>
+          <a:p>
+            <a:r>
+              <a:rPr lang="en-US" dirty="0" smtClean="0"/>
+              <a:t>In the </a:t>
+            </a:r>
+            <a:r>
+              <a:rPr lang="en-US" dirty="0" err="1" smtClean="0"/>
+              <a:t>SublessonA</a:t>
+            </a:r>
+            <a:r>
+              <a:rPr lang="en-US" dirty="0" smtClean="0"/>
+              <a:t> folder you should see three text files, and each uses a different stream! Let’s start with “</a:t>
+            </a:r>
+            <a:r>
+              <a:rPr lang="en-US" dirty="0" smtClean="0">
+                <a:solidFill>
+                  <a:srgbClr val="0070C0"/>
+                </a:solidFill>
+              </a:rPr>
+              <a:t>i_print_stdout.sh</a:t>
+            </a:r>
+            <a:r>
+              <a:rPr lang="en-US" dirty="0" smtClean="0"/>
+              <a:t>”. Remember how to make the file executable? Do it! And then run it!</a:t>
+            </a:r>
+          </a:p>
+          <a:p>
+            <a:r>
+              <a:rPr lang="en-US" dirty="0" smtClean="0"/>
+              <a:t>To test out the next channel, </a:t>
+            </a:r>
+            <a:r>
+              <a:rPr lang="en-US" dirty="0" smtClean="0">
+                <a:solidFill>
+                  <a:srgbClr val="FF0000"/>
+                </a:solidFill>
+              </a:rPr>
+              <a:t>STDERR</a:t>
+            </a:r>
+            <a:r>
+              <a:rPr lang="en-US" dirty="0" smtClean="0"/>
+              <a:t>, do the same on the “</a:t>
+            </a:r>
+            <a:r>
+              <a:rPr lang="en-US" dirty="0" smtClean="0">
+                <a:solidFill>
+                  <a:srgbClr val="0070C0"/>
+                </a:solidFill>
+              </a:rPr>
+              <a:t>i_print_stderr.sh</a:t>
+            </a:r>
+            <a:r>
+              <a:rPr lang="en-US" dirty="0" smtClean="0"/>
+              <a:t>” script. </a:t>
+            </a:r>
+            <a:endParaRPr lang="en-US" dirty="0">
+              <a:solidFill>
+                <a:srgbClr val="FF0000"/>
+              </a:solidFill>
+            </a:endParaRPr>
+          </a:p>
+        </p:txBody>
+      </p:sp>
+      <p:pic>
+        <p:nvPicPr>
+          <p:cNvPr id="6" name="Picture 5"/>
+          <p:cNvPicPr>
+            <a:picLocks noChangeAspect="1"/>
+          </p:cNvPicPr>
+          <p:nvPr/>
+        </p:nvPicPr>
+        <p:blipFill>
+          <a:blip r:embed="rId2"/>
+          <a:stretch>
+            <a:fillRect/>
+          </a:stretch>
+        </p:blipFill>
+        <p:spPr>
+          <a:xfrm>
+            <a:off x="3884214" y="3461721"/>
+            <a:ext cx="3901978" cy="333265"/>
+          </a:xfrm>
+          <a:prstGeom prst="rect">
+            <a:avLst/>
+          </a:prstGeom>
+        </p:spPr>
+      </p:pic>
+    </p:spTree>
+    <p:extLst>
+      <p:ext uri="{BB962C8B-B14F-4D97-AF65-F5344CB8AC3E}">
+        <p14:creationId xmlns:p14="http://schemas.microsoft.com/office/powerpoint/2010/main" val="896098646"/>
+      </p:ext>
+    </p:extLst>
+  </p:cSld>
+  <p:clrMapOvr>
+    <a:masterClrMapping/>
+  </p:clrMapOvr>
+  <p:timing>
+    <p:tnLst>
+      <p:par>
+        <p:cTn id="1" dur="indefinite" restart="never" nodeType="tmRoot">
+          <p:childTnLst>
+            <p:seq concurrent="1" nextAc="seek">
+              <p:cTn id="2" dur="indefinite" nodeType="mainSeq">
+                <p:childTnLst>
+                  <p:par>
+                    <p:cTn id="3" fill="hold">
+                      <p:stCondLst>
+                        <p:cond delay="indefinite"/>
+                      </p:stCondLst>
+                      <p:childTnLst>
+                        <p:par>
+                          <p:cTn id="4" fill="hold">
+                            <p:stCondLst>
+                              <p:cond delay="0"/>
+                            </p:stCondLst>
+                            <p:childTnLst>
+                              <p:par>
+                                <p:cTn id="5" presetID="1" presetClass="entr" presetSubtype="0" fill="hold" nodeType="clickEffect">
+                                  <p:stCondLst>
+                                    <p:cond delay="0"/>
+                                  </p:stCondLst>
+                                  <p:childTnLst>
+                                    <p:set>
+                                      <p:cBhvr>
+                                        <p:cTn id="6" dur="1" fill="hold">
+                                          <p:stCondLst>
+                                            <p:cond delay="0"/>
+                                          </p:stCondLst>
+                                        </p:cTn>
+                                        <p:tgtEl>
+                                          <p:spTgt spid="3">
+                                            <p:txEl>
+                                              <p:pRg st="4" end="4"/>
+                                            </p:txEl>
+                                          </p:spTgt>
+                                        </p:tgtEl>
+                                        <p:attrNameLst>
+                                          <p:attrName>style.visibility</p:attrName>
+                                        </p:attrNameLst>
+                                      </p:cBhvr>
+                                      <p:to>
+                                        <p:strVal val="visible"/>
+                                      </p:to>
+                                    </p:set>
+                                  </p:childTnLst>
+                                </p:cTn>
+                              </p:par>
+                            </p:childTnLst>
+                          </p:cTn>
+                        </p:par>
+                      </p:childTnLst>
+                    </p:cTn>
+                  </p:par>
+                  <p:par>
+                    <p:cTn id="7" fill="hold">
+                      <p:stCondLst>
+                        <p:cond delay="indefinite"/>
+                      </p:stCondLst>
+                      <p:childTnLst>
+                        <p:par>
+                          <p:cTn id="8" fill="hold">
+                            <p:stCondLst>
+                              <p:cond delay="0"/>
+                            </p:stCondLst>
+                            <p:childTnLst>
+                              <p:par>
+                                <p:cTn id="9" presetID="1" presetClass="entr" presetSubtype="0" fill="hold" nodeType="clickEffect">
+                                  <p:stCondLst>
+                                    <p:cond delay="0"/>
+                                  </p:stCondLst>
+                                  <p:childTnLst>
+                                    <p:set>
+                                      <p:cBhvr>
+                                        <p:cTn id="10" dur="1" fill="hold">
+                                          <p:stCondLst>
+                                            <p:cond delay="0"/>
+                                          </p:stCondLst>
+                                        </p:cTn>
+                                        <p:tgtEl>
+                                          <p:spTgt spid="3">
+                                            <p:txEl>
+                                              <p:pRg st="5" end="5"/>
+                                            </p:txEl>
+                                          </p:spTgt>
+                                        </p:tgtEl>
+                                        <p:attrNameLst>
+                                          <p:attrName>style.visibility</p:attrName>
+                                        </p:attrNameLst>
+                                      </p:cBhvr>
+                                      <p:to>
+                                        <p:strVal val="visible"/>
+                                      </p:to>
+                                    </p:set>
+                                  </p:childTnLst>
+                                </p:cTn>
+                              </p:par>
+                            </p:childTnLst>
+                          </p:cTn>
+                        </p:par>
+                      </p:childTnLst>
+                    </p:cTn>
+                  </p:par>
+                </p:childTnLst>
+              </p:cTn>
+              <p:prevCondLst>
+                <p:cond evt="onPrev" delay="0">
+                  <p:tgtEl>
+                    <p:sldTgt/>
+                  </p:tgtEl>
+                </p:cond>
+              </p:prevCondLst>
+              <p:nextCondLst>
+                <p:cond evt="onNext" delay="0">
+                  <p:tgtEl>
+                    <p:sldTgt/>
+                  </p:tgtEl>
+                </p:cond>
+              </p:nextCondLst>
+            </p:seq>
+          </p:childTnLst>
+        </p:cTn>
+      </p:par>
+    </p:tnLst>
+  </p:timing>
+</p:sld>
+</file>
+
+<file path=ppt/slides/slide12.xml><?xml version="1.0" encoding="utf-8"?>
+<p:sld xmlns:a="http://schemas.openxmlformats.org/drawingml/2006/main" xmlns:r="http://schemas.openxmlformats.org/officeDocument/2006/relationships" xmlns:p="http://schemas.openxmlformats.org/presentationml/2006/main">
+  <p:cSld>
+    <p:spTree>
+      <p:nvGrpSpPr>
+        <p:cNvPr id="1" name=""/>
+        <p:cNvGrpSpPr/>
+        <p:nvPr/>
+      </p:nvGrpSpPr>
+      <p:grpSpPr>
+        <a:xfrm>
+          <a:off x="0" y="0"/>
+          <a:ext cx="0" cy="0"/>
+          <a:chOff x="0" y="0"/>
+          <a:chExt cx="0" cy="0"/>
+        </a:xfrm>
+      </p:grpSpPr>
+      <p:sp>
+        <p:nvSpPr>
+          <p:cNvPr id="2" name="Title 1"/>
+          <p:cNvSpPr>
+            <a:spLocks noGrp="1"/>
+          </p:cNvSpPr>
+          <p:nvPr>
+            <p:ph type="title"/>
+          </p:nvPr>
+        </p:nvSpPr>
+        <p:spPr/>
+        <p:txBody>
+          <a:bodyPr/>
+          <a:lstStyle/>
+          <a:p>
+            <a:r>
+              <a:rPr lang="en-US" dirty="0" smtClean="0"/>
               <a:t>Finally, STDIN and the nuances here.</a:t>
             </a:r>
             <a:endParaRPr lang="en-US" dirty="0"/>
@@ -3854,7 +4423,7 @@
 </p:sld>
 </file>
 
-<file path=ppt/slides/slide11.xml><?xml version="1.0" encoding="utf-8"?>
+<file path=ppt/slides/slide13.xml><?xml version="1.0" encoding="utf-8"?>
 <p:sld xmlns:a="http://schemas.openxmlformats.org/drawingml/2006/main" xmlns:r="http://schemas.openxmlformats.org/officeDocument/2006/relationships" xmlns:p="http://schemas.openxmlformats.org/presentationml/2006/main">
   <p:cSld>
     <p:spTree>
@@ -3906,13 +4475,13 @@
         </p:nvSpPr>
         <p:spPr>
           <a:xfrm>
-            <a:off x="2152650" y="1825625"/>
-            <a:ext cx="7886700" cy="4591953"/>
+            <a:off x="1230923" y="1825625"/>
+            <a:ext cx="10122877" cy="4591953"/>
           </a:xfrm>
         </p:spPr>
         <p:txBody>
           <a:bodyPr>
-            <a:normAutofit fontScale="85000" lnSpcReduction="20000"/>
+            <a:normAutofit fontScale="92500" lnSpcReduction="10000"/>
           </a:bodyPr>
           <a:lstStyle/>
           <a:p>
@@ -3989,7 +4558,7 @@
         </p:blipFill>
         <p:spPr>
           <a:xfrm>
-            <a:off x="3837265" y="3204507"/>
+            <a:off x="4048280" y="3325922"/>
             <a:ext cx="4114800" cy="247650"/>
           </a:xfrm>
           <a:prstGeom prst="rect">
@@ -4005,7 +4574,7 @@
         </p:nvGrpSpPr>
         <p:grpSpPr>
           <a:xfrm>
-            <a:off x="6523840" y="2767708"/>
+            <a:off x="6734855" y="2889123"/>
             <a:ext cx="3062065" cy="705335"/>
             <a:chOff x="4999839" y="2767707"/>
             <a:chExt cx="3062065" cy="705335"/>
@@ -4083,11 +4652,6 @@
                 </a:rPr>
                 <a:t>The redirect STDOUT symbol</a:t>
               </a:r>
-              <a:endParaRPr lang="en-US" dirty="0">
-                <a:solidFill>
-                  <a:srgbClr val="0070C0"/>
-                </a:solidFill>
-              </a:endParaRPr>
             </a:p>
           </p:txBody>
         </p:sp>
@@ -4108,7 +4672,7 @@
         </p:blipFill>
         <p:spPr>
           <a:xfrm>
-            <a:off x="3837265" y="4809980"/>
+            <a:off x="3933980" y="5176864"/>
             <a:ext cx="4229100" cy="276225"/>
           </a:xfrm>
           <a:prstGeom prst="rect">
@@ -4124,7 +4688,7 @@
         </p:nvGrpSpPr>
         <p:grpSpPr>
           <a:xfrm>
-            <a:off x="6523839" y="4515921"/>
+            <a:off x="6620554" y="4882805"/>
             <a:ext cx="3146596" cy="566700"/>
             <a:chOff x="4999839" y="4515921"/>
             <a:chExt cx="3146596" cy="566700"/>
@@ -4206,11 +4770,6 @@
                 </a:rPr>
                 <a:t>The redirect STDERR symbol</a:t>
               </a:r>
-              <a:endParaRPr lang="en-US" dirty="0">
-                <a:solidFill>
-                  <a:srgbClr val="0070C0"/>
-                </a:solidFill>
-              </a:endParaRPr>
             </a:p>
           </p:txBody>
         </p:sp>
@@ -4231,7 +4790,7 @@
         </p:blipFill>
         <p:spPr>
           <a:xfrm>
-            <a:off x="3526697" y="5949018"/>
+            <a:off x="3236551" y="6423927"/>
             <a:ext cx="5524500" cy="257175"/>
           </a:xfrm>
           <a:prstGeom prst="rect">
@@ -4247,7 +4806,7 @@
         </p:nvGrpSpPr>
         <p:grpSpPr>
           <a:xfrm>
-            <a:off x="6620313" y="5580197"/>
+            <a:off x="6330167" y="6055106"/>
             <a:ext cx="2896903" cy="710585"/>
             <a:chOff x="5096312" y="5580196"/>
             <a:chExt cx="2896903" cy="710585"/>
@@ -4329,11 +4888,6 @@
                 </a:rPr>
                 <a:t>The redirect STDIN symbol</a:t>
               </a:r>
-              <a:endParaRPr lang="en-US" dirty="0">
-                <a:solidFill>
-                  <a:srgbClr val="0070C0"/>
-                </a:solidFill>
-              </a:endParaRPr>
             </a:p>
           </p:txBody>
         </p:sp>
@@ -4699,807 +5253,6 @@
 </p:sld>
 </file>
 
-<file path=ppt/slides/slide12.xml><?xml version="1.0" encoding="utf-8"?>
-<p:sld xmlns:a="http://schemas.openxmlformats.org/drawingml/2006/main" xmlns:r="http://schemas.openxmlformats.org/officeDocument/2006/relationships" xmlns:p="http://schemas.openxmlformats.org/presentationml/2006/main">
-  <p:cSld>
-    <p:spTree>
-      <p:nvGrpSpPr>
-        <p:cNvPr id="1" name=""/>
-        <p:cNvGrpSpPr/>
-        <p:nvPr/>
-      </p:nvGrpSpPr>
-      <p:grpSpPr>
-        <a:xfrm>
-          <a:off x="0" y="0"/>
-          <a:ext cx="0" cy="0"/>
-          <a:chOff x="0" y="0"/>
-          <a:chExt cx="0" cy="0"/>
-        </a:xfrm>
-      </p:grpSpPr>
-      <p:sp>
-        <p:nvSpPr>
-          <p:cNvPr id="2" name="Title 1"/>
-          <p:cNvSpPr>
-            <a:spLocks noGrp="1"/>
-          </p:cNvSpPr>
-          <p:nvPr>
-            <p:ph type="title"/>
-          </p:nvPr>
-        </p:nvSpPr>
-        <p:spPr/>
-        <p:txBody>
-          <a:bodyPr/>
-          <a:lstStyle/>
-          <a:p>
-            <a:r>
-              <a:rPr lang="en-US" dirty="0" smtClean="0"/>
-              <a:t>Back to the results (Important stuff)</a:t>
-            </a:r>
-            <a:endParaRPr lang="en-US" dirty="0"/>
-          </a:p>
-        </p:txBody>
-      </p:sp>
-      <p:sp>
-        <p:nvSpPr>
-          <p:cNvPr id="3" name="Content Placeholder 2"/>
-          <p:cNvSpPr>
-            <a:spLocks noGrp="1"/>
-          </p:cNvSpPr>
-          <p:nvPr>
-            <p:ph idx="1"/>
-          </p:nvPr>
-        </p:nvSpPr>
-        <p:spPr>
-          <a:xfrm>
-            <a:off x="2152650" y="1825625"/>
-            <a:ext cx="7886700" cy="4575175"/>
-          </a:xfrm>
-        </p:spPr>
-        <p:txBody>
-          <a:bodyPr>
-            <a:normAutofit fontScale="77500" lnSpcReduction="20000"/>
-          </a:bodyPr>
-          <a:lstStyle/>
-          <a:p>
-            <a:r>
-              <a:rPr lang="en-US" dirty="0" smtClean="0"/>
-              <a:t>Use “cd” to go back to the previous </a:t>
-            </a:r>
-            <a:r>
-              <a:rPr lang="en-US" dirty="0" err="1" smtClean="0"/>
-              <a:t>sublessonB</a:t>
-            </a:r>
-            <a:r>
-              <a:rPr lang="en-US" dirty="0" smtClean="0"/>
-              <a:t> in lecture1’s folder</a:t>
-            </a:r>
-          </a:p>
-          <a:p>
-            <a:endParaRPr lang="en-US" dirty="0"/>
-          </a:p>
-          <a:p>
-            <a:r>
-              <a:rPr lang="en-US" dirty="0" smtClean="0"/>
-              <a:t>Here is what an “ls” tells us is now in the directory:</a:t>
-            </a:r>
-          </a:p>
-          <a:p>
-            <a:endParaRPr lang="en-US" dirty="0"/>
-          </a:p>
-          <a:p>
-            <a:endParaRPr lang="en-US" dirty="0" smtClean="0"/>
-          </a:p>
-          <a:p>
-            <a:r>
-              <a:rPr lang="en-US" dirty="0" smtClean="0"/>
-              <a:t>If you do not have different colored highlighting, then the blue text denotes folders! Let’s see what’s in the folder, “</a:t>
-            </a:r>
-            <a:r>
-              <a:rPr lang="en-US" dirty="0" smtClean="0">
-                <a:solidFill>
-                  <a:srgbClr val="0070C0"/>
-                </a:solidFill>
-              </a:rPr>
-              <a:t>test1</a:t>
-            </a:r>
-            <a:r>
-              <a:rPr lang="en-US" dirty="0" smtClean="0"/>
-              <a:t>,” shall we? </a:t>
-            </a:r>
-          </a:p>
-          <a:p>
-            <a:endParaRPr lang="en-US" dirty="0"/>
-          </a:p>
-          <a:p>
-            <a:endParaRPr lang="en-US" dirty="0" smtClean="0"/>
-          </a:p>
-          <a:p>
-            <a:r>
-              <a:rPr lang="en-US" dirty="0" smtClean="0"/>
-              <a:t>Gulp! This got more complex! Within each folder there are 10 sub folders! It’ll take us ages to see what’s in each folder!! What ever will we do?</a:t>
-            </a:r>
-            <a:endParaRPr lang="en-US" dirty="0"/>
-          </a:p>
-        </p:txBody>
-      </p:sp>
-      <p:pic>
-        <p:nvPicPr>
-          <p:cNvPr id="4" name="Picture 3"/>
-          <p:cNvPicPr>
-            <a:picLocks noChangeAspect="1"/>
-          </p:cNvPicPr>
-          <p:nvPr/>
-        </p:nvPicPr>
-        <p:blipFill>
-          <a:blip r:embed="rId2"/>
-          <a:stretch>
-            <a:fillRect/>
-          </a:stretch>
-        </p:blipFill>
-        <p:spPr>
-          <a:xfrm>
-            <a:off x="1772129" y="3049194"/>
-            <a:ext cx="8484809" cy="386031"/>
-          </a:xfrm>
-          <a:prstGeom prst="rect">
-            <a:avLst/>
-          </a:prstGeom>
-        </p:spPr>
-      </p:pic>
-      <p:pic>
-        <p:nvPicPr>
-          <p:cNvPr id="5" name="Picture 4"/>
-          <p:cNvPicPr>
-            <a:picLocks noChangeAspect="1"/>
-          </p:cNvPicPr>
-          <p:nvPr/>
-        </p:nvPicPr>
-        <p:blipFill>
-          <a:blip r:embed="rId3"/>
-          <a:stretch>
-            <a:fillRect/>
-          </a:stretch>
-        </p:blipFill>
-        <p:spPr>
-          <a:xfrm>
-            <a:off x="2405063" y="4588941"/>
-            <a:ext cx="7381875" cy="409575"/>
-          </a:xfrm>
-          <a:prstGeom prst="rect">
-            <a:avLst/>
-          </a:prstGeom>
-        </p:spPr>
-      </p:pic>
-    </p:spTree>
-    <p:extLst>
-      <p:ext uri="{BB962C8B-B14F-4D97-AF65-F5344CB8AC3E}">
-        <p14:creationId xmlns:p14="http://schemas.microsoft.com/office/powerpoint/2010/main" val="3801027364"/>
-      </p:ext>
-    </p:extLst>
-  </p:cSld>
-  <p:clrMapOvr>
-    <a:masterClrMapping/>
-  </p:clrMapOvr>
-  <p:timing>
-    <p:tnLst>
-      <p:par>
-        <p:cTn id="1" dur="indefinite" restart="never" nodeType="tmRoot">
-          <p:childTnLst>
-            <p:seq concurrent="1" nextAc="seek">
-              <p:cTn id="2" dur="indefinite" nodeType="mainSeq">
-                <p:childTnLst>
-                  <p:par>
-                    <p:cTn id="3" fill="hold">
-                      <p:stCondLst>
-                        <p:cond delay="indefinite"/>
-                      </p:stCondLst>
-                      <p:childTnLst>
-                        <p:par>
-                          <p:cTn id="4" fill="hold">
-                            <p:stCondLst>
-                              <p:cond delay="0"/>
-                            </p:stCondLst>
-                            <p:childTnLst>
-                              <p:par>
-                                <p:cTn id="5" presetID="1" presetClass="entr" presetSubtype="0" fill="hold" nodeType="clickEffect">
-                                  <p:stCondLst>
-                                    <p:cond delay="0"/>
-                                  </p:stCondLst>
-                                  <p:childTnLst>
-                                    <p:set>
-                                      <p:cBhvr>
-                                        <p:cTn id="6" dur="1" fill="hold">
-                                          <p:stCondLst>
-                                            <p:cond delay="0"/>
-                                          </p:stCondLst>
-                                        </p:cTn>
-                                        <p:tgtEl>
-                                          <p:spTgt spid="3">
-                                            <p:txEl>
-                                              <p:pRg st="5" end="5"/>
-                                            </p:txEl>
-                                          </p:spTgt>
-                                        </p:tgtEl>
-                                        <p:attrNameLst>
-                                          <p:attrName>style.visibility</p:attrName>
-                                        </p:attrNameLst>
-                                      </p:cBhvr>
-                                      <p:to>
-                                        <p:strVal val="visible"/>
-                                      </p:to>
-                                    </p:set>
-                                  </p:childTnLst>
-                                </p:cTn>
-                              </p:par>
-                            </p:childTnLst>
-                          </p:cTn>
-                        </p:par>
-                      </p:childTnLst>
-                    </p:cTn>
-                  </p:par>
-                  <p:par>
-                    <p:cTn id="7" fill="hold">
-                      <p:stCondLst>
-                        <p:cond delay="indefinite"/>
-                      </p:stCondLst>
-                      <p:childTnLst>
-                        <p:par>
-                          <p:cTn id="8" fill="hold">
-                            <p:stCondLst>
-                              <p:cond delay="0"/>
-                            </p:stCondLst>
-                            <p:childTnLst>
-                              <p:par>
-                                <p:cTn id="9" presetID="1" presetClass="entr" presetSubtype="0" fill="hold" nodeType="clickEffect">
-                                  <p:stCondLst>
-                                    <p:cond delay="0"/>
-                                  </p:stCondLst>
-                                  <p:childTnLst>
-                                    <p:set>
-                                      <p:cBhvr>
-                                        <p:cTn id="10" dur="1" fill="hold">
-                                          <p:stCondLst>
-                                            <p:cond delay="0"/>
-                                          </p:stCondLst>
-                                        </p:cTn>
-                                        <p:tgtEl>
-                                          <p:spTgt spid="5"/>
-                                        </p:tgtEl>
-                                        <p:attrNameLst>
-                                          <p:attrName>style.visibility</p:attrName>
-                                        </p:attrNameLst>
-                                      </p:cBhvr>
-                                      <p:to>
-                                        <p:strVal val="visible"/>
-                                      </p:to>
-                                    </p:set>
-                                  </p:childTnLst>
-                                </p:cTn>
-                              </p:par>
-                              <p:par>
-                                <p:cTn id="11" presetID="1" presetClass="entr" presetSubtype="0" fill="hold" nodeType="withEffect">
-                                  <p:stCondLst>
-                                    <p:cond delay="0"/>
-                                  </p:stCondLst>
-                                  <p:childTnLst>
-                                    <p:set>
-                                      <p:cBhvr>
-                                        <p:cTn id="12" dur="1" fill="hold">
-                                          <p:stCondLst>
-                                            <p:cond delay="0"/>
-                                          </p:stCondLst>
-                                        </p:cTn>
-                                        <p:tgtEl>
-                                          <p:spTgt spid="3">
-                                            <p:txEl>
-                                              <p:pRg st="8" end="8"/>
-                                            </p:txEl>
-                                          </p:spTgt>
-                                        </p:tgtEl>
-                                        <p:attrNameLst>
-                                          <p:attrName>style.visibility</p:attrName>
-                                        </p:attrNameLst>
-                                      </p:cBhvr>
-                                      <p:to>
-                                        <p:strVal val="visible"/>
-                                      </p:to>
-                                    </p:set>
-                                  </p:childTnLst>
-                                </p:cTn>
-                              </p:par>
-                            </p:childTnLst>
-                          </p:cTn>
-                        </p:par>
-                      </p:childTnLst>
-                    </p:cTn>
-                  </p:par>
-                </p:childTnLst>
-              </p:cTn>
-              <p:prevCondLst>
-                <p:cond evt="onPrev" delay="0">
-                  <p:tgtEl>
-                    <p:sldTgt/>
-                  </p:tgtEl>
-                </p:cond>
-              </p:prevCondLst>
-              <p:nextCondLst>
-                <p:cond evt="onNext" delay="0">
-                  <p:tgtEl>
-                    <p:sldTgt/>
-                  </p:tgtEl>
-                </p:cond>
-              </p:nextCondLst>
-            </p:seq>
-          </p:childTnLst>
-        </p:cTn>
-      </p:par>
-    </p:tnLst>
-  </p:timing>
-</p:sld>
-</file>
-
-<file path=ppt/slides/slide13.xml><?xml version="1.0" encoding="utf-8"?>
-<p:sld xmlns:a="http://schemas.openxmlformats.org/drawingml/2006/main" xmlns:r="http://schemas.openxmlformats.org/officeDocument/2006/relationships" xmlns:p="http://schemas.openxmlformats.org/presentationml/2006/main">
-  <p:cSld>
-    <p:spTree>
-      <p:nvGrpSpPr>
-        <p:cNvPr id="1" name=""/>
-        <p:cNvGrpSpPr/>
-        <p:nvPr/>
-      </p:nvGrpSpPr>
-      <p:grpSpPr>
-        <a:xfrm>
-          <a:off x="0" y="0"/>
-          <a:ext cx="0" cy="0"/>
-          <a:chOff x="0" y="0"/>
-          <a:chExt cx="0" cy="0"/>
-        </a:xfrm>
-      </p:grpSpPr>
-      <p:sp>
-        <p:nvSpPr>
-          <p:cNvPr id="2" name="Title 1"/>
-          <p:cNvSpPr>
-            <a:spLocks noGrp="1"/>
-          </p:cNvSpPr>
-          <p:nvPr>
-            <p:ph type="title"/>
-          </p:nvPr>
-        </p:nvSpPr>
-        <p:spPr/>
-        <p:txBody>
-          <a:bodyPr/>
-          <a:lstStyle/>
-          <a:p>
-            <a:r>
-              <a:rPr lang="en-US" dirty="0" smtClean="0"/>
-              <a:t>Wildcard selection!</a:t>
-            </a:r>
-            <a:endParaRPr lang="en-US" dirty="0"/>
-          </a:p>
-        </p:txBody>
-      </p:sp>
-      <p:sp>
-        <p:nvSpPr>
-          <p:cNvPr id="3" name="Content Placeholder 2"/>
-          <p:cNvSpPr>
-            <a:spLocks noGrp="1"/>
-          </p:cNvSpPr>
-          <p:nvPr>
-            <p:ph idx="1"/>
-          </p:nvPr>
-        </p:nvSpPr>
-        <p:spPr>
-          <a:xfrm>
-            <a:off x="2085538" y="1546227"/>
-            <a:ext cx="7886700" cy="4351338"/>
-          </a:xfrm>
-        </p:spPr>
-        <p:txBody>
-          <a:bodyPr>
-            <a:normAutofit fontScale="92500" lnSpcReduction="20000"/>
-          </a:bodyPr>
-          <a:lstStyle/>
-          <a:p>
-            <a:r>
-              <a:rPr lang="en-US" dirty="0" smtClean="0"/>
-              <a:t>Good thing for us, </a:t>
-            </a:r>
-            <a:r>
-              <a:rPr lang="en-US" dirty="0" err="1" smtClean="0"/>
-              <a:t>unix</a:t>
-            </a:r>
-            <a:r>
-              <a:rPr lang="en-US" dirty="0" smtClean="0"/>
-              <a:t> has commands that allow us to select multiple files all at once! It’s context sensitive too. You could select all files that contain an “a” followed by five letters, or all files that end in “.txt”.</a:t>
-            </a:r>
-          </a:p>
-          <a:p>
-            <a:endParaRPr lang="en-US" dirty="0"/>
-          </a:p>
-          <a:p>
-            <a:r>
-              <a:rPr lang="en-US" dirty="0" smtClean="0"/>
-              <a:t>In order to select a file that has a (or multiple) variable character(s), use the question mark (“</a:t>
-            </a:r>
-            <a:r>
-              <a:rPr lang="en-US" dirty="0" smtClean="0">
-                <a:solidFill>
-                  <a:srgbClr val="FF0000"/>
-                </a:solidFill>
-              </a:rPr>
-              <a:t>?</a:t>
-            </a:r>
-            <a:r>
-              <a:rPr lang="en-US" dirty="0" smtClean="0"/>
-              <a:t>”). For a large number of variable characters in a row, use the asterisk (“</a:t>
-            </a:r>
-            <a:r>
-              <a:rPr lang="en-US" dirty="0" smtClean="0">
-                <a:solidFill>
-                  <a:srgbClr val="FF0000"/>
-                </a:solidFill>
-              </a:rPr>
-              <a:t>*</a:t>
-            </a:r>
-            <a:r>
-              <a:rPr lang="en-US" dirty="0" smtClean="0"/>
-              <a:t>”).  For a set “range” of characters, you can use square brackets (“</a:t>
-            </a:r>
-            <a:r>
-              <a:rPr lang="en-US" dirty="0" smtClean="0">
-                <a:solidFill>
-                  <a:srgbClr val="FF0000"/>
-                </a:solidFill>
-              </a:rPr>
-              <a:t>[]</a:t>
-            </a:r>
-            <a:r>
-              <a:rPr lang="en-US" dirty="0" smtClean="0"/>
-              <a:t>”)</a:t>
-            </a:r>
-          </a:p>
-          <a:p>
-            <a:endParaRPr lang="en-US" dirty="0"/>
-          </a:p>
-          <a:p>
-            <a:r>
-              <a:rPr lang="en-US" dirty="0" smtClean="0"/>
-              <a:t>Let’s test this out on your new subfolders. Use an “ls” to select all subfolders using the following commands: </a:t>
-            </a:r>
-            <a:endParaRPr lang="en-US" dirty="0"/>
-          </a:p>
-        </p:txBody>
-      </p:sp>
-      <p:pic>
-        <p:nvPicPr>
-          <p:cNvPr id="4" name="Picture 3"/>
-          <p:cNvPicPr>
-            <a:picLocks noChangeAspect="1"/>
-          </p:cNvPicPr>
-          <p:nvPr/>
-        </p:nvPicPr>
-        <p:blipFill>
-          <a:blip r:embed="rId2"/>
-          <a:stretch>
-            <a:fillRect/>
-          </a:stretch>
-        </p:blipFill>
-        <p:spPr>
-          <a:xfrm>
-            <a:off x="5149919" y="5602673"/>
-            <a:ext cx="1304925" cy="304800"/>
-          </a:xfrm>
-          <a:prstGeom prst="rect">
-            <a:avLst/>
-          </a:prstGeom>
-        </p:spPr>
-      </p:pic>
-      <p:pic>
-        <p:nvPicPr>
-          <p:cNvPr id="5" name="Picture 4"/>
-          <p:cNvPicPr>
-            <a:picLocks noChangeAspect="1"/>
-          </p:cNvPicPr>
-          <p:nvPr/>
-        </p:nvPicPr>
-        <p:blipFill>
-          <a:blip r:embed="rId3"/>
-          <a:stretch>
-            <a:fillRect/>
-          </a:stretch>
-        </p:blipFill>
-        <p:spPr>
-          <a:xfrm>
-            <a:off x="5397568" y="5998754"/>
-            <a:ext cx="809625" cy="257175"/>
-          </a:xfrm>
-          <a:prstGeom prst="rect">
-            <a:avLst/>
-          </a:prstGeom>
-        </p:spPr>
-      </p:pic>
-      <p:pic>
-        <p:nvPicPr>
-          <p:cNvPr id="7" name="Picture 6"/>
-          <p:cNvPicPr>
-            <a:picLocks noChangeAspect="1"/>
-          </p:cNvPicPr>
-          <p:nvPr/>
-        </p:nvPicPr>
-        <p:blipFill>
-          <a:blip r:embed="rId4"/>
-          <a:stretch>
-            <a:fillRect/>
-          </a:stretch>
-        </p:blipFill>
-        <p:spPr>
-          <a:xfrm>
-            <a:off x="4989571" y="6359118"/>
-            <a:ext cx="1743075" cy="314325"/>
-          </a:xfrm>
-          <a:prstGeom prst="rect">
-            <a:avLst/>
-          </a:prstGeom>
-        </p:spPr>
-      </p:pic>
-    </p:spTree>
-    <p:extLst>
-      <p:ext uri="{BB962C8B-B14F-4D97-AF65-F5344CB8AC3E}">
-        <p14:creationId xmlns:p14="http://schemas.microsoft.com/office/powerpoint/2010/main" val="3724220203"/>
-      </p:ext>
-    </p:extLst>
-  </p:cSld>
-  <p:clrMapOvr>
-    <a:masterClrMapping/>
-  </p:clrMapOvr>
-  <p:timing>
-    <p:tnLst>
-      <p:par>
-        <p:cTn id="1" dur="indefinite" restart="never" nodeType="tmRoot">
-          <p:childTnLst>
-            <p:seq concurrent="1" nextAc="seek">
-              <p:cTn id="2" dur="indefinite" nodeType="mainSeq">
-                <p:childTnLst>
-                  <p:par>
-                    <p:cTn id="3" fill="hold">
-                      <p:stCondLst>
-                        <p:cond delay="indefinite"/>
-                      </p:stCondLst>
-                      <p:childTnLst>
-                        <p:par>
-                          <p:cTn id="4" fill="hold">
-                            <p:stCondLst>
-                              <p:cond delay="0"/>
-                            </p:stCondLst>
-                            <p:childTnLst>
-                              <p:par>
-                                <p:cTn id="5" presetID="1" presetClass="entr" presetSubtype="0" fill="hold" nodeType="clickEffect">
-                                  <p:stCondLst>
-                                    <p:cond delay="0"/>
-                                  </p:stCondLst>
-                                  <p:childTnLst>
-                                    <p:set>
-                                      <p:cBhvr>
-                                        <p:cTn id="6" dur="1" fill="hold">
-                                          <p:stCondLst>
-                                            <p:cond delay="0"/>
-                                          </p:stCondLst>
-                                        </p:cTn>
-                                        <p:tgtEl>
-                                          <p:spTgt spid="3">
-                                            <p:txEl>
-                                              <p:pRg st="2" end="2"/>
-                                            </p:txEl>
-                                          </p:spTgt>
-                                        </p:tgtEl>
-                                        <p:attrNameLst>
-                                          <p:attrName>style.visibility</p:attrName>
-                                        </p:attrNameLst>
-                                      </p:cBhvr>
-                                      <p:to>
-                                        <p:strVal val="visible"/>
-                                      </p:to>
-                                    </p:set>
-                                  </p:childTnLst>
-                                </p:cTn>
-                              </p:par>
-                              <p:par>
-                                <p:cTn id="7" presetID="1" presetClass="entr" presetSubtype="0" fill="hold" nodeType="withEffect">
-                                  <p:stCondLst>
-                                    <p:cond delay="0"/>
-                                  </p:stCondLst>
-                                  <p:childTnLst>
-                                    <p:set>
-                                      <p:cBhvr>
-                                        <p:cTn id="8" dur="1" fill="hold">
-                                          <p:stCondLst>
-                                            <p:cond delay="0"/>
-                                          </p:stCondLst>
-                                        </p:cTn>
-                                        <p:tgtEl>
-                                          <p:spTgt spid="3">
-                                            <p:txEl>
-                                              <p:pRg st="4" end="4"/>
-                                            </p:txEl>
-                                          </p:spTgt>
-                                        </p:tgtEl>
-                                        <p:attrNameLst>
-                                          <p:attrName>style.visibility</p:attrName>
-                                        </p:attrNameLst>
-                                      </p:cBhvr>
-                                      <p:to>
-                                        <p:strVal val="visible"/>
-                                      </p:to>
-                                    </p:set>
-                                  </p:childTnLst>
-                                </p:cTn>
-                              </p:par>
-                            </p:childTnLst>
-                          </p:cTn>
-                        </p:par>
-                      </p:childTnLst>
-                    </p:cTn>
-                  </p:par>
-                  <p:par>
-                    <p:cTn id="9" fill="hold">
-                      <p:stCondLst>
-                        <p:cond delay="indefinite"/>
-                      </p:stCondLst>
-                      <p:childTnLst>
-                        <p:par>
-                          <p:cTn id="10" fill="hold">
-                            <p:stCondLst>
-                              <p:cond delay="0"/>
-                            </p:stCondLst>
-                            <p:childTnLst>
-                              <p:par>
-                                <p:cTn id="11" presetID="1" presetClass="entr" presetSubtype="0" fill="hold" nodeType="clickEffect">
-                                  <p:stCondLst>
-                                    <p:cond delay="0"/>
-                                  </p:stCondLst>
-                                  <p:childTnLst>
-                                    <p:set>
-                                      <p:cBhvr>
-                                        <p:cTn id="12" dur="1" fill="hold">
-                                          <p:stCondLst>
-                                            <p:cond delay="0"/>
-                                          </p:stCondLst>
-                                        </p:cTn>
-                                        <p:tgtEl>
-                                          <p:spTgt spid="4"/>
-                                        </p:tgtEl>
-                                        <p:attrNameLst>
-                                          <p:attrName>style.visibility</p:attrName>
-                                        </p:attrNameLst>
-                                      </p:cBhvr>
-                                      <p:to>
-                                        <p:strVal val="visible"/>
-                                      </p:to>
-                                    </p:set>
-                                  </p:childTnLst>
-                                </p:cTn>
-                              </p:par>
-                            </p:childTnLst>
-                          </p:cTn>
-                        </p:par>
-                      </p:childTnLst>
-                    </p:cTn>
-                  </p:par>
-                  <p:par>
-                    <p:cTn id="13" fill="hold">
-                      <p:stCondLst>
-                        <p:cond delay="indefinite"/>
-                      </p:stCondLst>
-                      <p:childTnLst>
-                        <p:par>
-                          <p:cTn id="14" fill="hold">
-                            <p:stCondLst>
-                              <p:cond delay="0"/>
-                            </p:stCondLst>
-                            <p:childTnLst>
-                              <p:par>
-                                <p:cTn id="15" presetID="1" presetClass="entr" presetSubtype="0" fill="hold" nodeType="clickEffect">
-                                  <p:stCondLst>
-                                    <p:cond delay="0"/>
-                                  </p:stCondLst>
-                                  <p:childTnLst>
-                                    <p:set>
-                                      <p:cBhvr>
-                                        <p:cTn id="16" dur="1" fill="hold">
-                                          <p:stCondLst>
-                                            <p:cond delay="0"/>
-                                          </p:stCondLst>
-                                        </p:cTn>
-                                        <p:tgtEl>
-                                          <p:spTgt spid="5"/>
-                                        </p:tgtEl>
-                                        <p:attrNameLst>
-                                          <p:attrName>style.visibility</p:attrName>
-                                        </p:attrNameLst>
-                                      </p:cBhvr>
-                                      <p:to>
-                                        <p:strVal val="visible"/>
-                                      </p:to>
-                                    </p:set>
-                                  </p:childTnLst>
-                                </p:cTn>
-                              </p:par>
-                            </p:childTnLst>
-                          </p:cTn>
-                        </p:par>
-                      </p:childTnLst>
-                    </p:cTn>
-                  </p:par>
-                  <p:par>
-                    <p:cTn id="17" fill="hold">
-                      <p:stCondLst>
-                        <p:cond delay="indefinite"/>
-                      </p:stCondLst>
-                      <p:childTnLst>
-                        <p:par>
-                          <p:cTn id="18" fill="hold">
-                            <p:stCondLst>
-                              <p:cond delay="0"/>
-                            </p:stCondLst>
-                            <p:childTnLst>
-                              <p:par>
-                                <p:cTn id="19" presetID="1" presetClass="entr" presetSubtype="0" fill="hold" nodeType="clickEffect">
-                                  <p:stCondLst>
-                                    <p:cond delay="0"/>
-                                  </p:stCondLst>
-                                  <p:childTnLst>
-                                    <p:set>
-                                      <p:cBhvr>
-                                        <p:cTn id="20" dur="1" fill="hold">
-                                          <p:stCondLst>
-                                            <p:cond delay="0"/>
-                                          </p:stCondLst>
-                                        </p:cTn>
-                                        <p:tgtEl>
-                                          <p:spTgt spid="7"/>
-                                        </p:tgtEl>
-                                        <p:attrNameLst>
-                                          <p:attrName>style.visibility</p:attrName>
-                                        </p:attrNameLst>
-                                      </p:cBhvr>
-                                      <p:to>
-                                        <p:strVal val="visible"/>
-                                      </p:to>
-                                    </p:set>
-                                  </p:childTnLst>
-                                </p:cTn>
-                              </p:par>
-                            </p:childTnLst>
-                          </p:cTn>
-                        </p:par>
-                      </p:childTnLst>
-                    </p:cTn>
-                  </p:par>
-                </p:childTnLst>
-              </p:cTn>
-              <p:prevCondLst>
-                <p:cond evt="onPrev" delay="0">
-                  <p:tgtEl>
-                    <p:sldTgt/>
-                  </p:tgtEl>
-                </p:cond>
-              </p:prevCondLst>
-              <p:nextCondLst>
-                <p:cond evt="onNext" delay="0">
-                  <p:tgtEl>
-                    <p:sldTgt/>
-                  </p:tgtEl>
-                </p:cond>
-              </p:nextCondLst>
-            </p:seq>
-          </p:childTnLst>
-        </p:cTn>
-      </p:par>
-    </p:tnLst>
-  </p:timing>
-</p:sld>
-</file>
-
 <file path=ppt/slides/slide14.xml><?xml version="1.0" encoding="utf-8"?>
 <p:sld xmlns:a="http://schemas.openxmlformats.org/drawingml/2006/main" xmlns:r="http://schemas.openxmlformats.org/officeDocument/2006/relationships" xmlns:p="http://schemas.openxmlformats.org/presentationml/2006/main">
   <p:cSld>
@@ -5534,7 +5287,11 @@
           <a:p>
             <a:r>
               <a:rPr lang="en-US" dirty="0" smtClean="0"/>
-              <a:t>Wildcards as a word puzzle</a:t>
+              <a:t>Recap before we go </a:t>
+            </a:r>
+            <a:r>
+              <a:rPr lang="en-US" dirty="0" smtClean="0"/>
+              <a:t>gallivanting off to the next lesson!</a:t>
             </a:r>
             <a:endParaRPr lang="en-US" dirty="0"/>
           </a:p>
@@ -5552,239 +5309,353 @@
         </p:nvSpPr>
         <p:spPr/>
         <p:txBody>
-          <a:bodyPr/>
+          <a:bodyPr>
+            <a:normAutofit/>
+          </a:bodyPr>
           <a:lstStyle/>
           <a:p>
             <a:r>
               <a:rPr lang="en-US" dirty="0" smtClean="0"/>
-              <a:t>Use them to automate analysis or to “group select” a bunch of files. You  can use the context of the words in your search to make your grouping more specific or less specific.</a:t>
+              <a:t>There are three data streams while working on the terminal:</a:t>
             </a:r>
           </a:p>
           <a:p>
             <a:endParaRPr lang="en-US" dirty="0"/>
           </a:p>
           <a:p>
-            <a:r>
-              <a:rPr lang="en-US" dirty="0" smtClean="0"/>
-              <a:t>Try this command and let’s talk about the nuances:</a:t>
-            </a:r>
+            <a:endParaRPr lang="en-US" dirty="0" smtClean="0"/>
           </a:p>
           <a:p>
             <a:endParaRPr lang="en-US" dirty="0"/>
           </a:p>
           <a:p>
-            <a:r>
-              <a:rPr lang="en-US" dirty="0" smtClean="0"/>
-              <a:t>Now try the following three commands and tell me which one is not like the others:</a:t>
-            </a:r>
+            <a:endParaRPr lang="en-US" dirty="0" smtClean="0"/>
+          </a:p>
+          <a:p>
+            <a:endParaRPr lang="en-US" dirty="0"/>
           </a:p>
         </p:txBody>
       </p:sp>
-      <p:pic>
-        <p:nvPicPr>
-          <p:cNvPr id="4" name="Picture 3"/>
-          <p:cNvPicPr>
-            <a:picLocks noChangeAspect="1"/>
-          </p:cNvPicPr>
-          <p:nvPr/>
-        </p:nvPicPr>
-        <p:blipFill>
-          <a:blip r:embed="rId2"/>
-          <a:stretch>
-            <a:fillRect/>
-          </a:stretch>
-        </p:blipFill>
-        <p:spPr>
-          <a:xfrm>
-            <a:off x="4906641" y="3697930"/>
-            <a:ext cx="1409700" cy="238125"/>
-          </a:xfrm>
-          <a:prstGeom prst="rect">
-            <a:avLst/>
-          </a:prstGeom>
-        </p:spPr>
-      </p:pic>
-      <p:grpSp>
-        <p:nvGrpSpPr>
-          <p:cNvPr id="11" name="Group 10"/>
-          <p:cNvGrpSpPr/>
-          <p:nvPr/>
-        </p:nvGrpSpPr>
-        <p:grpSpPr>
-          <a:xfrm>
-            <a:off x="3738694" y="4733730"/>
-            <a:ext cx="3140496" cy="1333695"/>
-            <a:chOff x="2214694" y="4733729"/>
-            <a:chExt cx="3140496" cy="1333695"/>
-          </a:xfrm>
-        </p:grpSpPr>
-        <p:pic>
-          <p:nvPicPr>
-            <p:cNvPr id="5" name="Picture 4"/>
-            <p:cNvPicPr>
-              <a:picLocks noChangeAspect="1"/>
-            </p:cNvPicPr>
-            <p:nvPr/>
-          </p:nvPicPr>
-          <p:blipFill>
-            <a:blip r:embed="rId3"/>
-            <a:stretch>
-              <a:fillRect/>
-            </a:stretch>
-          </p:blipFill>
-          <p:spPr>
-            <a:xfrm>
-              <a:off x="3154041" y="4780283"/>
-              <a:ext cx="1866900" cy="276225"/>
-            </a:xfrm>
-            <a:prstGeom prst="rect">
-              <a:avLst/>
-            </a:prstGeom>
-          </p:spPr>
-        </p:pic>
-        <p:pic>
-          <p:nvPicPr>
-            <p:cNvPr id="6" name="Picture 5"/>
-            <p:cNvPicPr>
-              <a:picLocks noChangeAspect="1"/>
-            </p:cNvPicPr>
-            <p:nvPr/>
-          </p:nvPicPr>
-          <p:blipFill>
-            <a:blip r:embed="rId4"/>
-            <a:stretch>
-              <a:fillRect/>
-            </a:stretch>
-          </p:blipFill>
-          <p:spPr>
-            <a:xfrm>
-              <a:off x="3154041" y="5230973"/>
-              <a:ext cx="1838325" cy="257175"/>
-            </a:xfrm>
-            <a:prstGeom prst="rect">
-              <a:avLst/>
-            </a:prstGeom>
-          </p:spPr>
-        </p:pic>
-        <p:pic>
-          <p:nvPicPr>
-            <p:cNvPr id="7" name="Picture 6"/>
-            <p:cNvPicPr>
-              <a:picLocks noChangeAspect="1"/>
-            </p:cNvPicPr>
-            <p:nvPr/>
-          </p:nvPicPr>
-          <p:blipFill>
-            <a:blip r:embed="rId5"/>
-            <a:stretch>
-              <a:fillRect/>
-            </a:stretch>
-          </p:blipFill>
-          <p:spPr>
-            <a:xfrm>
-              <a:off x="2983465" y="5734049"/>
-              <a:ext cx="2371725" cy="333375"/>
-            </a:xfrm>
-            <a:prstGeom prst="rect">
-              <a:avLst/>
-            </a:prstGeom>
-          </p:spPr>
-        </p:pic>
-        <p:sp>
-          <p:nvSpPr>
-            <p:cNvPr id="8" name="TextBox 7"/>
-            <p:cNvSpPr txBox="1"/>
-            <p:nvPr/>
-          </p:nvSpPr>
-          <p:spPr>
-            <a:xfrm>
-              <a:off x="2214694" y="4733729"/>
-              <a:ext cx="376770" cy="369332"/>
-            </a:xfrm>
-            <a:prstGeom prst="rect">
-              <a:avLst/>
-            </a:prstGeom>
-            <a:noFill/>
-          </p:spPr>
-          <p:txBody>
-            <a:bodyPr wrap="none" rtlCol="0">
-              <a:spAutoFit/>
-            </a:bodyPr>
-            <a:lstStyle/>
-            <a:p>
-              <a:r>
-                <a:rPr lang="en-US" dirty="0"/>
-                <a:t>A.</a:t>
-              </a:r>
-              <a:endParaRPr lang="en-US" dirty="0"/>
-            </a:p>
-          </p:txBody>
-        </p:sp>
-        <p:sp>
-          <p:nvSpPr>
-            <p:cNvPr id="9" name="TextBox 8"/>
-            <p:cNvSpPr txBox="1"/>
-            <p:nvPr/>
-          </p:nvSpPr>
-          <p:spPr>
-            <a:xfrm>
-              <a:off x="2224056" y="5174894"/>
-              <a:ext cx="367408" cy="369332"/>
-            </a:xfrm>
-            <a:prstGeom prst="rect">
-              <a:avLst/>
-            </a:prstGeom>
-            <a:noFill/>
-          </p:spPr>
-          <p:txBody>
-            <a:bodyPr wrap="none" rtlCol="0">
-              <a:spAutoFit/>
-            </a:bodyPr>
-            <a:lstStyle/>
-            <a:p>
-              <a:r>
-                <a:rPr lang="en-US" dirty="0"/>
-                <a:t>B.</a:t>
-              </a:r>
-              <a:endParaRPr lang="en-US" dirty="0"/>
-            </a:p>
-          </p:txBody>
-        </p:sp>
-        <p:sp>
-          <p:nvSpPr>
-            <p:cNvPr id="10" name="TextBox 9"/>
-            <p:cNvSpPr txBox="1"/>
-            <p:nvPr/>
-          </p:nvSpPr>
-          <p:spPr>
-            <a:xfrm>
-              <a:off x="2225658" y="5698092"/>
-              <a:ext cx="365806" cy="369332"/>
-            </a:xfrm>
-            <a:prstGeom prst="rect">
-              <a:avLst/>
-            </a:prstGeom>
-            <a:noFill/>
-          </p:spPr>
-          <p:txBody>
-            <a:bodyPr wrap="none" rtlCol="0">
-              <a:spAutoFit/>
-            </a:bodyPr>
-            <a:lstStyle/>
-            <a:p>
-              <a:r>
-                <a:rPr lang="en-US" dirty="0"/>
-                <a:t>C.</a:t>
-              </a:r>
-              <a:endParaRPr lang="en-US" dirty="0"/>
-            </a:p>
-          </p:txBody>
-        </p:sp>
-      </p:grpSp>
+      <p:graphicFrame>
+        <p:nvGraphicFramePr>
+          <p:cNvPr id="4" name="Table 3"/>
+          <p:cNvGraphicFramePr>
+            <a:graphicFrameLocks noGrp="1"/>
+          </p:cNvGraphicFramePr>
+          <p:nvPr>
+            <p:extLst>
+              <p:ext uri="{D42A27DB-BD31-4B8C-83A1-F6EECF244321}">
+                <p14:modId xmlns:p14="http://schemas.microsoft.com/office/powerpoint/2010/main" val="165751538"/>
+              </p:ext>
+            </p:extLst>
+          </p:nvPr>
+        </p:nvGraphicFramePr>
+        <p:xfrm>
+          <a:off x="1022838" y="2748999"/>
+          <a:ext cx="10330962" cy="3106679"/>
+        </p:xfrm>
+        <a:graphic>
+          <a:graphicData uri="http://schemas.openxmlformats.org/drawingml/2006/table">
+            <a:tbl>
+              <a:tblPr firstRow="1" bandRow="1">
+                <a:tableStyleId>{8EC20E35-A176-4012-BC5E-935CFFF8708E}</a:tableStyleId>
+              </a:tblPr>
+              <a:tblGrid>
+                <a:gridCol w="1253349">
+                  <a:extLst>
+                    <a:ext uri="{9D8B030D-6E8A-4147-A177-3AD203B41FA5}">
+                      <a16:colId xmlns:a16="http://schemas.microsoft.com/office/drawing/2014/main" val="1291003557"/>
+                    </a:ext>
+                  </a:extLst>
+                </a:gridCol>
+                <a:gridCol w="1656751">
+                  <a:extLst>
+                    <a:ext uri="{9D8B030D-6E8A-4147-A177-3AD203B41FA5}">
+                      <a16:colId xmlns:a16="http://schemas.microsoft.com/office/drawing/2014/main" val="2658670910"/>
+                    </a:ext>
+                  </a:extLst>
+                </a:gridCol>
+                <a:gridCol w="7420862">
+                  <a:extLst>
+                    <a:ext uri="{9D8B030D-6E8A-4147-A177-3AD203B41FA5}">
+                      <a16:colId xmlns:a16="http://schemas.microsoft.com/office/drawing/2014/main" val="701683831"/>
+                    </a:ext>
+                  </a:extLst>
+                </a:gridCol>
+              </a:tblGrid>
+              <a:tr h="542554">
+                <a:tc>
+                  <a:txBody>
+                    <a:bodyPr/>
+                    <a:lstStyle/>
+                    <a:p>
+                      <a:r>
+                        <a:rPr lang="en-US" sz="2400" dirty="0" smtClean="0"/>
+                        <a:t>Stream</a:t>
+                      </a:r>
+                      <a:endParaRPr lang="en-US" sz="2400" dirty="0"/>
+                    </a:p>
+                  </a:txBody>
+                  <a:tcPr/>
+                </a:tc>
+                <a:tc>
+                  <a:txBody>
+                    <a:bodyPr/>
+                    <a:lstStyle/>
+                    <a:p>
+                      <a:r>
+                        <a:rPr lang="en-US" sz="2400" dirty="0" smtClean="0"/>
+                        <a:t>Redirection</a:t>
+                      </a:r>
+                      <a:endParaRPr lang="en-US" sz="2400" dirty="0"/>
+                    </a:p>
+                  </a:txBody>
+                  <a:tcPr/>
+                </a:tc>
+                <a:tc>
+                  <a:txBody>
+                    <a:bodyPr/>
+                    <a:lstStyle/>
+                    <a:p>
+                      <a:r>
+                        <a:rPr lang="en-US" sz="2400" dirty="0" smtClean="0"/>
+                        <a:t>Description</a:t>
+                      </a:r>
+                      <a:endParaRPr lang="en-US" sz="2400" dirty="0"/>
+                    </a:p>
+                  </a:txBody>
+                  <a:tcPr/>
+                </a:tc>
+                <a:extLst>
+                  <a:ext uri="{0D108BD9-81ED-4DB2-BD59-A6C34878D82A}">
+                    <a16:rowId xmlns:a16="http://schemas.microsoft.com/office/drawing/2014/main" val="3713861379"/>
+                  </a:ext>
+                </a:extLst>
+              </a:tr>
+              <a:tr h="542554">
+                <a:tc>
+                  <a:txBody>
+                    <a:bodyPr/>
+                    <a:lstStyle/>
+                    <a:p>
+                      <a:r>
+                        <a:rPr lang="en-US" sz="2400" dirty="0" smtClean="0"/>
+                        <a:t>STDIN</a:t>
+                      </a:r>
+                      <a:endParaRPr lang="en-US" sz="2400" dirty="0"/>
+                    </a:p>
+                  </a:txBody>
+                  <a:tcPr/>
+                </a:tc>
+                <a:tc>
+                  <a:txBody>
+                    <a:bodyPr/>
+                    <a:lstStyle/>
+                    <a:p>
+                      <a:pPr algn="ctr"/>
+                      <a:r>
+                        <a:rPr lang="en-US" sz="2400" dirty="0" smtClean="0"/>
+                        <a:t>&lt;</a:t>
+                      </a:r>
+                      <a:endParaRPr lang="en-US" sz="2400" dirty="0"/>
+                    </a:p>
+                  </a:txBody>
+                  <a:tcPr/>
+                </a:tc>
+                <a:tc>
+                  <a:txBody>
+                    <a:bodyPr/>
+                    <a:lstStyle/>
+                    <a:p>
+                      <a:r>
+                        <a:rPr lang="en-US" sz="2400" dirty="0" smtClean="0"/>
+                        <a:t>Your keyboard (or piped) input to a program</a:t>
+                      </a:r>
+                      <a:r>
+                        <a:rPr lang="en-US" sz="2400" baseline="0" dirty="0" smtClean="0"/>
+                        <a:t> or script.</a:t>
+                      </a:r>
+                      <a:endParaRPr lang="en-US" sz="2400" dirty="0"/>
+                    </a:p>
+                  </a:txBody>
+                  <a:tcPr/>
+                </a:tc>
+                <a:extLst>
+                  <a:ext uri="{0D108BD9-81ED-4DB2-BD59-A6C34878D82A}">
+                    <a16:rowId xmlns:a16="http://schemas.microsoft.com/office/drawing/2014/main" val="2432968082"/>
+                  </a:ext>
+                </a:extLst>
+              </a:tr>
+              <a:tr h="542554">
+                <a:tc>
+                  <a:txBody>
+                    <a:bodyPr/>
+                    <a:lstStyle/>
+                    <a:p>
+                      <a:r>
+                        <a:rPr lang="en-US" sz="2400" dirty="0" smtClean="0"/>
+                        <a:t>STDOUT</a:t>
+                      </a:r>
+                      <a:endParaRPr lang="en-US" sz="2400" dirty="0"/>
+                    </a:p>
+                  </a:txBody>
+                  <a:tcPr/>
+                </a:tc>
+                <a:tc>
+                  <a:txBody>
+                    <a:bodyPr/>
+                    <a:lstStyle/>
+                    <a:p>
+                      <a:pPr algn="ctr"/>
+                      <a:r>
+                        <a:rPr lang="en-US" sz="2400" dirty="0" smtClean="0"/>
+                        <a:t>&gt;</a:t>
+                      </a:r>
+                      <a:endParaRPr lang="en-US" sz="2400" dirty="0"/>
+                    </a:p>
+                  </a:txBody>
+                  <a:tcPr/>
+                </a:tc>
+                <a:tc>
+                  <a:txBody>
+                    <a:bodyPr/>
+                    <a:lstStyle/>
+                    <a:p>
+                      <a:r>
+                        <a:rPr lang="en-US" sz="2400" dirty="0" smtClean="0"/>
+                        <a:t>The direct</a:t>
+                      </a:r>
+                      <a:r>
+                        <a:rPr lang="en-US" sz="2400" baseline="0" dirty="0" smtClean="0"/>
+                        <a:t> output to a terminal window.</a:t>
+                      </a:r>
+                      <a:endParaRPr lang="en-US" sz="2400" dirty="0"/>
+                    </a:p>
+                  </a:txBody>
+                  <a:tcPr/>
+                </a:tc>
+                <a:extLst>
+                  <a:ext uri="{0D108BD9-81ED-4DB2-BD59-A6C34878D82A}">
+                    <a16:rowId xmlns:a16="http://schemas.microsoft.com/office/drawing/2014/main" val="2101413102"/>
+                  </a:ext>
+                </a:extLst>
+              </a:tr>
+              <a:tr h="936463">
+                <a:tc>
+                  <a:txBody>
+                    <a:bodyPr/>
+                    <a:lstStyle/>
+                    <a:p>
+                      <a:r>
+                        <a:rPr lang="en-US" sz="2400" dirty="0" smtClean="0"/>
+                        <a:t>STDERR</a:t>
+                      </a:r>
+                      <a:endParaRPr lang="en-US" sz="2400" dirty="0"/>
+                    </a:p>
+                  </a:txBody>
+                  <a:tcPr/>
+                </a:tc>
+                <a:tc>
+                  <a:txBody>
+                    <a:bodyPr/>
+                    <a:lstStyle/>
+                    <a:p>
+                      <a:pPr algn="ctr"/>
+                      <a:r>
+                        <a:rPr lang="en-US" sz="2400" dirty="0" smtClean="0"/>
+                        <a:t>2&gt;</a:t>
+                      </a:r>
+                      <a:endParaRPr lang="en-US" sz="2400" dirty="0"/>
+                    </a:p>
+                  </a:txBody>
+                  <a:tcPr/>
+                </a:tc>
+                <a:tc>
+                  <a:txBody>
+                    <a:bodyPr/>
+                    <a:lstStyle/>
+                    <a:p>
+                      <a:r>
+                        <a:rPr lang="en-US" sz="2400" dirty="0" smtClean="0"/>
+                        <a:t>Also</a:t>
+                      </a:r>
+                      <a:r>
+                        <a:rPr lang="en-US" sz="2400" baseline="0" dirty="0" smtClean="0"/>
+                        <a:t> direct output to a terminal window – handled differently than STDOUT to allow for error messaging.</a:t>
+                      </a:r>
+                      <a:endParaRPr lang="en-US" sz="2400" dirty="0"/>
+                    </a:p>
+                  </a:txBody>
+                  <a:tcPr/>
+                </a:tc>
+                <a:extLst>
+                  <a:ext uri="{0D108BD9-81ED-4DB2-BD59-A6C34878D82A}">
+                    <a16:rowId xmlns:a16="http://schemas.microsoft.com/office/drawing/2014/main" val="3288652178"/>
+                  </a:ext>
+                </a:extLst>
+              </a:tr>
+              <a:tr h="542554">
+                <a:tc>
+                  <a:txBody>
+                    <a:bodyPr/>
+                    <a:lstStyle/>
+                    <a:p>
+                      <a:endParaRPr lang="en-US" sz="2400" dirty="0"/>
+                    </a:p>
+                  </a:txBody>
+                  <a:tcPr/>
+                </a:tc>
+                <a:tc>
+                  <a:txBody>
+                    <a:bodyPr/>
+                    <a:lstStyle/>
+                    <a:p>
+                      <a:pPr algn="ctr"/>
+                      <a:r>
+                        <a:rPr lang="en-US" sz="2400" dirty="0" smtClean="0"/>
+                        <a:t>&gt;&gt;</a:t>
+                      </a:r>
+                      <a:endParaRPr lang="en-US" sz="2400" dirty="0"/>
+                    </a:p>
+                  </a:txBody>
+                  <a:tcPr/>
+                </a:tc>
+                <a:tc>
+                  <a:txBody>
+                    <a:bodyPr/>
+                    <a:lstStyle/>
+                    <a:p>
+                      <a:r>
+                        <a:rPr lang="en-US" sz="2400" b="1" dirty="0" smtClean="0"/>
+                        <a:t>Appends</a:t>
+                      </a:r>
+                      <a:r>
+                        <a:rPr lang="en-US" sz="2400" dirty="0" smtClean="0"/>
+                        <a:t> STDOUT</a:t>
+                      </a:r>
+                      <a:r>
+                        <a:rPr lang="en-US" sz="2400" baseline="0" dirty="0" smtClean="0"/>
+                        <a:t> to the end of a file</a:t>
+                      </a:r>
+                      <a:endParaRPr lang="en-US" sz="2400" dirty="0"/>
+                    </a:p>
+                  </a:txBody>
+                  <a:tcPr/>
+                </a:tc>
+                <a:extLst>
+                  <a:ext uri="{0D108BD9-81ED-4DB2-BD59-A6C34878D82A}">
+                    <a16:rowId xmlns:a16="http://schemas.microsoft.com/office/drawing/2014/main" val="1508693376"/>
+                  </a:ext>
+                </a:extLst>
+              </a:tr>
+            </a:tbl>
+          </a:graphicData>
+        </a:graphic>
+      </p:graphicFrame>
     </p:spTree>
     <p:extLst>
       <p:ext uri="{BB962C8B-B14F-4D97-AF65-F5344CB8AC3E}">
-        <p14:creationId xmlns:p14="http://schemas.microsoft.com/office/powerpoint/2010/main" val="85392672"/>
+        <p14:creationId xmlns:p14="http://schemas.microsoft.com/office/powerpoint/2010/main" val="420911787"/>
       </p:ext>
     </p:extLst>
   </p:cSld>
@@ -5794,106 +5665,7 @@
   <p:timing>
     <p:tnLst>
       <p:par>
-        <p:cTn id="1" dur="indefinite" restart="never" nodeType="tmRoot">
-          <p:childTnLst>
-            <p:seq concurrent="1" nextAc="seek">
-              <p:cTn id="2" dur="indefinite" nodeType="mainSeq">
-                <p:childTnLst>
-                  <p:par>
-                    <p:cTn id="3" fill="hold">
-                      <p:stCondLst>
-                        <p:cond delay="indefinite"/>
-                      </p:stCondLst>
-                      <p:childTnLst>
-                        <p:par>
-                          <p:cTn id="4" fill="hold">
-                            <p:stCondLst>
-                              <p:cond delay="0"/>
-                            </p:stCondLst>
-                            <p:childTnLst>
-                              <p:par>
-                                <p:cTn id="5" presetID="1" presetClass="entr" presetSubtype="0" fill="hold" nodeType="clickEffect">
-                                  <p:stCondLst>
-                                    <p:cond delay="0"/>
-                                  </p:stCondLst>
-                                  <p:childTnLst>
-                                    <p:set>
-                                      <p:cBhvr>
-                                        <p:cTn id="6" dur="1" fill="hold">
-                                          <p:stCondLst>
-                                            <p:cond delay="0"/>
-                                          </p:stCondLst>
-                                        </p:cTn>
-                                        <p:tgtEl>
-                                          <p:spTgt spid="3">
-                                            <p:txEl>
-                                              <p:pRg st="4" end="4"/>
-                                            </p:txEl>
-                                          </p:spTgt>
-                                        </p:tgtEl>
-                                        <p:attrNameLst>
-                                          <p:attrName>style.visibility</p:attrName>
-                                        </p:attrNameLst>
-                                      </p:cBhvr>
-                                      <p:to>
-                                        <p:strVal val="visible"/>
-                                      </p:to>
-                                    </p:set>
-                                  </p:childTnLst>
-                                </p:cTn>
-                              </p:par>
-                              <p:par>
-                                <p:cTn id="7" presetID="1" presetClass="entr" presetSubtype="0" fill="hold" nodeType="withEffect">
-                                  <p:stCondLst>
-                                    <p:cond delay="0"/>
-                                  </p:stCondLst>
-                                  <p:childTnLst>
-                                    <p:set>
-                                      <p:cBhvr>
-                                        <p:cTn id="8" dur="1" fill="hold">
-                                          <p:stCondLst>
-                                            <p:cond delay="0"/>
-                                          </p:stCondLst>
-                                        </p:cTn>
-                                        <p:tgtEl>
-                                          <p:spTgt spid="11"/>
-                                        </p:tgtEl>
-                                        <p:attrNameLst>
-                                          <p:attrName>style.visibility</p:attrName>
-                                        </p:attrNameLst>
-                                      </p:cBhvr>
-                                      <p:to>
-                                        <p:strVal val="visible"/>
-                                      </p:to>
-                                    </p:set>
-                                  </p:childTnLst>
-                                </p:cTn>
-                              </p:par>
-                            </p:childTnLst>
-                          </p:cTn>
-                        </p:par>
-                      </p:childTnLst>
-                    </p:cTn>
-                  </p:par>
-                </p:childTnLst>
-              </p:cTn>
-              <p:prevCondLst>
-                <p:cond evt="onPrev" delay="0">
-                  <p:tgtEl>
-                    <p:sldTgt/>
-                  </p:tgtEl>
-                </p:cond>
-              </p:prevCondLst>
-              <p:nextCondLst>
-                <p:cond evt="onNext" delay="0">
-                  <p:tgtEl>
-                    <p:sldTgt/>
-                  </p:tgtEl>
-                </p:cond>
-              </p:nextCondLst>
-            </p:seq>
-          </p:childTnLst>
-        </p:cTn>
+        <p:cTn id="1" dur="indefinite" restart="never" nodeType="tmRoot"/>
       </p:par>
     </p:tnLst>
   </p:timing>
@@ -5956,13 +5728,13 @@
         </p:nvSpPr>
         <p:spPr>
           <a:xfrm>
-            <a:off x="2152650" y="1825625"/>
-            <a:ext cx="7886700" cy="4671890"/>
+            <a:off x="685800" y="1825625"/>
+            <a:ext cx="10454054" cy="4671890"/>
           </a:xfrm>
         </p:spPr>
         <p:txBody>
           <a:bodyPr>
-            <a:normAutofit fontScale="85000" lnSpcReduction="20000"/>
+            <a:normAutofit fontScale="92500" lnSpcReduction="10000"/>
           </a:bodyPr>
           <a:lstStyle/>
           <a:p>
@@ -6065,7 +5837,7 @@
         </p:blipFill>
         <p:spPr>
           <a:xfrm>
-            <a:off x="4487008" y="3308167"/>
+            <a:off x="4607718" y="3607106"/>
             <a:ext cx="2536947" cy="876300"/>
           </a:xfrm>
           <a:prstGeom prst="rect">
@@ -6089,7 +5861,7 @@
         </p:blipFill>
         <p:spPr>
           <a:xfrm>
-            <a:off x="3009167" y="5280147"/>
+            <a:off x="3009166" y="5631840"/>
             <a:ext cx="5734050" cy="219075"/>
           </a:xfrm>
           <a:prstGeom prst="rect">
@@ -6299,13 +6071,13 @@
         </p:nvSpPr>
         <p:spPr>
           <a:xfrm>
-            <a:off x="2152650" y="1889737"/>
-            <a:ext cx="7886700" cy="4351338"/>
+            <a:off x="483577" y="1889737"/>
+            <a:ext cx="11034346" cy="4351338"/>
           </a:xfrm>
         </p:spPr>
         <p:txBody>
           <a:bodyPr>
-            <a:normAutofit fontScale="85000" lnSpcReduction="20000"/>
+            <a:normAutofit fontScale="92500" lnSpcReduction="10000"/>
           </a:bodyPr>
           <a:lstStyle/>
           <a:p>
@@ -6476,12 +6248,20 @@
               <a:t>Let me show you how this is practical by going to the </a:t>
             </a:r>
             <a:r>
+              <a:rPr lang="en-US" dirty="0" smtClean="0"/>
+              <a:t>lesson3/</a:t>
+            </a:r>
+            <a:r>
               <a:rPr lang="en-US" dirty="0" err="1" smtClean="0"/>
               <a:t>sublessonB</a:t>
             </a:r>
             <a:r>
               <a:rPr lang="en-US" dirty="0" smtClean="0"/>
-              <a:t> folder. In that folder, you should see several “command.sh” commands!</a:t>
+              <a:t> </a:t>
+            </a:r>
+            <a:r>
+              <a:rPr lang="en-US" dirty="0" smtClean="0"/>
+              <a:t>folder. In that folder, you should see several “command.sh” commands!</a:t>
             </a:r>
             <a:endParaRPr lang="en-US" dirty="0"/>
           </a:p>
@@ -6526,8 +6306,8 @@
         </p:blipFill>
         <p:spPr>
           <a:xfrm>
-            <a:off x="1629508" y="6001493"/>
-            <a:ext cx="8932985" cy="479164"/>
+            <a:off x="671147" y="6054246"/>
+            <a:ext cx="11050329" cy="592738"/>
           </a:xfrm>
           <a:prstGeom prst="rect">
             <a:avLst/>
@@ -6752,7 +6532,12 @@
             <p:ph idx="1"/>
           </p:nvPr>
         </p:nvSpPr>
-        <p:spPr/>
+        <p:spPr>
+          <a:xfrm>
+            <a:off x="745921" y="1439910"/>
+            <a:ext cx="10515600" cy="4351338"/>
+          </a:xfrm>
+        </p:spPr>
         <p:txBody>
           <a:bodyPr>
             <a:normAutofit lnSpcReduction="10000"/>
@@ -6821,7 +6606,7 @@
         </p:blipFill>
         <p:spPr>
           <a:xfrm>
-            <a:off x="1963982" y="5496397"/>
+            <a:off x="1552922" y="5806753"/>
             <a:ext cx="7895126" cy="522305"/>
           </a:xfrm>
           <a:prstGeom prst="rect">
@@ -6837,7 +6622,7 @@
         </p:nvGrpSpPr>
         <p:grpSpPr>
           <a:xfrm>
-            <a:off x="5263368" y="5127064"/>
+            <a:off x="4852308" y="5437420"/>
             <a:ext cx="1984424" cy="526390"/>
             <a:chOff x="3739368" y="5127064"/>
             <a:chExt cx="1984424" cy="526390"/>
@@ -6935,11 +6720,6 @@
                 </a:rPr>
                 <a:t>!</a:t>
               </a:r>
-              <a:endParaRPr lang="en-US" dirty="0">
-                <a:solidFill>
-                  <a:srgbClr val="FF0000"/>
-                </a:solidFill>
-              </a:endParaRPr>
             </a:p>
           </p:txBody>
         </p:sp>
@@ -6952,7 +6732,7 @@
         </p:nvGrpSpPr>
         <p:grpSpPr>
           <a:xfrm>
-            <a:off x="1963982" y="5133071"/>
+            <a:off x="1552922" y="5443427"/>
             <a:ext cx="8070908" cy="885631"/>
             <a:chOff x="439982" y="5133070"/>
             <a:chExt cx="8070908" cy="885631"/>
@@ -7142,11 +6922,6 @@
                 </a:rPr>
                 <a:t>!</a:t>
               </a:r>
-              <a:endParaRPr lang="en-US" dirty="0">
-                <a:solidFill>
-                  <a:srgbClr val="0070C0"/>
-                </a:solidFill>
-              </a:endParaRPr>
             </a:p>
           </p:txBody>
         </p:sp>
@@ -7159,7 +6934,7 @@
         </p:nvGrpSpPr>
         <p:grpSpPr>
           <a:xfrm>
-            <a:off x="6182174" y="5836078"/>
+            <a:off x="5771114" y="6146434"/>
             <a:ext cx="2764283" cy="642593"/>
             <a:chOff x="4658173" y="5836077"/>
             <a:chExt cx="2764283" cy="642593"/>
@@ -7616,13 +7391,13 @@
         </p:nvSpPr>
         <p:spPr>
           <a:xfrm>
-            <a:off x="2140989" y="1816833"/>
-            <a:ext cx="7886700" cy="4351338"/>
+            <a:off x="677008" y="1816833"/>
+            <a:ext cx="10260623" cy="4351338"/>
           </a:xfrm>
         </p:spPr>
         <p:txBody>
           <a:bodyPr>
-            <a:normAutofit fontScale="92500" lnSpcReduction="20000"/>
+            <a:normAutofit fontScale="92500" lnSpcReduction="10000"/>
           </a:bodyPr>
           <a:lstStyle/>
           <a:p>
@@ -7832,21 +7607,8 @@
                   <a:srgbClr val="0070C0"/>
                 </a:solidFill>
               </a:rPr>
-              <a:t>m</a:t>
-            </a:r>
-            <a:r>
-              <a:rPr lang="en-US" dirty="0">
-                <a:solidFill>
-                  <a:srgbClr val="0070C0"/>
-                </a:solidFill>
-              </a:rPr>
-              <a:t>emorize this for now.</a:t>
-            </a:r>
-            <a:endParaRPr lang="en-US" dirty="0">
-              <a:solidFill>
-                <a:srgbClr val="0070C0"/>
-              </a:solidFill>
-            </a:endParaRPr>
+              <a:t>memorize this for now.</a:t>
+            </a:r>
           </a:p>
         </p:txBody>
       </p:sp>
@@ -7866,7 +7628,7 @@
         </p:blipFill>
         <p:spPr>
           <a:xfrm>
-            <a:off x="3085367" y="4547456"/>
+            <a:off x="3170063" y="4943422"/>
             <a:ext cx="5581650" cy="333375"/>
           </a:xfrm>
           <a:prstGeom prst="rect">
@@ -8270,7 +8032,7 @@
         </p:blipFill>
         <p:spPr>
           <a:xfrm>
-            <a:off x="5208343" y="4086287"/>
+            <a:off x="5116064" y="4776788"/>
             <a:ext cx="1247775" cy="304800"/>
           </a:xfrm>
           <a:prstGeom prst="rect">
@@ -8553,15 +8315,7 @@
             <a:pPr lvl="1"/>
             <a:r>
               <a:rPr lang="en-US" dirty="0" smtClean="0"/>
-              <a:t>What “if” we had a conditional test</a:t>
-            </a:r>
-            <a:r>
-              <a:rPr lang="en-US" dirty="0" smtClean="0"/>
-              <a:t>?</a:t>
-            </a:r>
-            <a:r>
-              <a:rPr lang="en-US" dirty="0" smtClean="0"/>
-              <a:t/>
+              <a:t>What “if” we had a conditional test?</a:t>
             </a:r>
             <a:br>
               <a:rPr lang="en-US" dirty="0" smtClean="0"/>
@@ -8997,7 +8751,7 @@
         </p:blipFill>
         <p:spPr>
           <a:xfrm>
-            <a:off x="1726407" y="4001295"/>
+            <a:off x="1726405" y="4529801"/>
             <a:ext cx="8739187" cy="208267"/>
           </a:xfrm>
           <a:prstGeom prst="rect">
@@ -9021,7 +8775,7 @@
         </p:blipFill>
         <p:spPr>
           <a:xfrm>
-            <a:off x="3900487" y="5409649"/>
+            <a:off x="3900485" y="5826425"/>
             <a:ext cx="4391025" cy="857250"/>
           </a:xfrm>
           <a:prstGeom prst="rect">
@@ -9345,7 +9099,7 @@
         </p:blipFill>
         <p:spPr>
           <a:xfrm>
-            <a:off x="4260606" y="3115470"/>
+            <a:off x="4260606" y="3643977"/>
             <a:ext cx="3143250" cy="885825"/>
           </a:xfrm>
           <a:prstGeom prst="rect">
@@ -9361,7 +9115,7 @@
         </p:nvSpPr>
         <p:spPr>
           <a:xfrm>
-            <a:off x="4891454" y="2760785"/>
+            <a:off x="4891454" y="3289292"/>
             <a:ext cx="228600" cy="354684"/>
           </a:xfrm>
           <a:prstGeom prst="downArrow">
@@ -9401,7 +9155,7 @@
         </p:nvSpPr>
         <p:spPr>
           <a:xfrm>
-            <a:off x="7210425" y="2760785"/>
+            <a:off x="7210425" y="3289292"/>
             <a:ext cx="228600" cy="354684"/>
           </a:xfrm>
           <a:prstGeom prst="downArrow">
@@ -9441,7 +9195,7 @@
         </p:nvGrpSpPr>
         <p:grpSpPr>
           <a:xfrm>
-            <a:off x="5120054" y="3115469"/>
+            <a:off x="5120054" y="3643976"/>
             <a:ext cx="4749644" cy="1041142"/>
             <a:chOff x="3596054" y="3115469"/>
             <a:chExt cx="4749644" cy="1041142"/>
@@ -9565,7 +9319,6 @@
                 <a:rPr lang="en-US" dirty="0"/>
                 <a:t>Is not empty!</a:t>
               </a:r>
-              <a:endParaRPr lang="en-US" dirty="0"/>
             </a:p>
           </p:txBody>
         </p:sp>
@@ -9822,7 +9575,7 @@
         </p:blipFill>
         <p:spPr>
           <a:xfrm>
-            <a:off x="2438400" y="3304809"/>
+            <a:off x="2471956" y="3745038"/>
             <a:ext cx="7315200" cy="2428875"/>
           </a:xfrm>
           <a:prstGeom prst="rect">
@@ -9838,7 +9591,7 @@
         </p:nvSpPr>
         <p:spPr>
           <a:xfrm>
-            <a:off x="2438401" y="3304808"/>
+            <a:off x="2471957" y="3745037"/>
             <a:ext cx="3965331" cy="696486"/>
           </a:xfrm>
           <a:prstGeom prst="rect">
@@ -9884,7 +9637,7 @@
         </p:nvSpPr>
         <p:spPr>
           <a:xfrm>
-            <a:off x="2438400" y="4001294"/>
+            <a:off x="2471956" y="4441523"/>
             <a:ext cx="7315200" cy="860852"/>
           </a:xfrm>
           <a:prstGeom prst="rect">
@@ -9930,7 +9683,7 @@
         </p:nvSpPr>
         <p:spPr>
           <a:xfrm>
-            <a:off x="2438401" y="4875882"/>
+            <a:off x="2471957" y="5316111"/>
             <a:ext cx="5011615" cy="860852"/>
           </a:xfrm>
           <a:prstGeom prst="rect">
@@ -10236,9 +9989,6 @@
             </a:r>
           </a:p>
           <a:p>
-            <a:endParaRPr lang="en-US" dirty="0"/>
-          </a:p>
-          <a:p>
             <a:endParaRPr lang="en-US" dirty="0" smtClean="0"/>
           </a:p>
           <a:p>
@@ -10246,9 +9996,6 @@
               <a:rPr lang="en-US" dirty="0" smtClean="0"/>
               <a:t>Make it executable and run it for a usage message:</a:t>
             </a:r>
-          </a:p>
-          <a:p>
-            <a:endParaRPr lang="en-US" dirty="0"/>
           </a:p>
           <a:p>
             <a:endParaRPr lang="en-US" dirty="0" smtClean="0"/>
@@ -10277,7 +10024,7 @@
         </p:blipFill>
         <p:spPr>
           <a:xfrm>
-            <a:off x="5021873" y="2645752"/>
+            <a:off x="5013484" y="2822875"/>
             <a:ext cx="1638300" cy="247650"/>
           </a:xfrm>
           <a:prstGeom prst="rect">
@@ -10301,7 +10048,7 @@
         </p:blipFill>
         <p:spPr>
           <a:xfrm>
-            <a:off x="4071938" y="3835096"/>
+            <a:off x="3971270" y="3725558"/>
             <a:ext cx="4048125" cy="466725"/>
           </a:xfrm>
           <a:prstGeom prst="rect">
@@ -10317,8 +10064,8 @@
         </p:nvSpPr>
         <p:spPr>
           <a:xfrm>
-            <a:off x="3379177" y="5314042"/>
-            <a:ext cx="6268916" cy="1200329"/>
+            <a:off x="2514600" y="5314042"/>
+            <a:ext cx="7133493" cy="1323439"/>
           </a:xfrm>
           <a:prstGeom prst="rect">
             <a:avLst/>
@@ -10336,7 +10083,7 @@
               <a:buChar char="•"/>
             </a:pPr>
             <a:r>
-              <a:rPr lang="en-US" dirty="0"/>
+              <a:rPr lang="en-US" sz="2000" dirty="0"/>
               <a:t>Tell the script “y” to create a new file</a:t>
             </a:r>
           </a:p>
@@ -10346,7 +10093,7 @@
               <a:buChar char="•"/>
             </a:pPr>
             <a:r>
-              <a:rPr lang="en-US" dirty="0"/>
+              <a:rPr lang="en-US" sz="2000" dirty="0"/>
               <a:t>Run the script with the name of the file you just created</a:t>
             </a:r>
           </a:p>
@@ -10356,10 +10103,9 @@
               <a:buChar char="•"/>
             </a:pPr>
             <a:r>
-              <a:rPr lang="en-US" dirty="0"/>
+              <a:rPr lang="en-US" sz="2000" dirty="0"/>
               <a:t>Give the script a new file name, but prevent it from running! (that’s mean!)</a:t>
             </a:r>
-            <a:endParaRPr lang="en-US" dirty="0"/>
           </a:p>
         </p:txBody>
       </p:sp>
@@ -10409,7 +10155,7 @@
                                         <p:tgtEl>
                                           <p:spTgt spid="3">
                                             <p:txEl>
-                                              <p:pRg st="6" end="6"/>
+                                              <p:pRg st="4" end="4"/>
                                             </p:txEl>
                                           </p:spTgt>
                                         </p:tgtEl>
@@ -10643,12 +10389,24 @@
           <a:lstStyle/>
           <a:p>
             <a:r>
-              <a:rPr lang="en-US" dirty="0" err="1" smtClean="0"/>
-              <a:t>Slurm</a:t>
-            </a:r>
-            <a:r>
-              <a:rPr lang="en-US" dirty="0" smtClean="0"/>
-              <a:t> commands</a:t>
+              <a:rPr lang="en-US" dirty="0" smtClean="0"/>
+              <a:t>What is </a:t>
+            </a:r>
+            <a:r>
+              <a:rPr lang="en-US" dirty="0" smtClean="0"/>
+              <a:t>an HPC? </a:t>
+            </a:r>
+            <a:r>
+              <a:rPr lang="en-US" dirty="0" smtClean="0"/>
+              <a:t>Organization of </a:t>
+            </a:r>
+            <a:r>
+              <a:rPr lang="en-US" dirty="0" smtClean="0"/>
+              <a:t>a </a:t>
+            </a:r>
+            <a:r>
+              <a:rPr lang="en-US" dirty="0" smtClean="0"/>
+              <a:t>cluster</a:t>
             </a:r>
             <a:endParaRPr lang="en-US" dirty="0"/>
           </a:p>
@@ -10664,317 +10422,411 @@
             <p:ph idx="1"/>
           </p:nvPr>
         </p:nvSpPr>
-        <p:spPr/>
+        <p:spPr>
+          <a:xfrm>
+            <a:off x="509953" y="1690689"/>
+            <a:ext cx="11359661" cy="3074192"/>
+          </a:xfrm>
+        </p:spPr>
         <p:txBody>
-          <a:bodyPr/>
+          <a:bodyPr>
+            <a:normAutofit fontScale="92500" lnSpcReduction="10000"/>
+          </a:bodyPr>
           <a:lstStyle/>
           <a:p>
             <a:r>
               <a:rPr lang="en-US" dirty="0" smtClean="0"/>
-              <a:t>These are the most important </a:t>
+              <a:t>Its very hard to buy a huge, honking computer to handle large tasks! There are big limitations to connecting processors, ram and storage under one unified system. </a:t>
+            </a:r>
+          </a:p>
+          <a:p>
+            <a:r>
+              <a:rPr lang="en-US" dirty="0" smtClean="0"/>
+              <a:t>Connecting multiple servers together is cheaper and easier to maintain over the </a:t>
             </a:r>
             <a:r>
               <a:rPr lang="en-US" dirty="0" err="1" smtClean="0"/>
-              <a:t>slurm</a:t>
-            </a:r>
-            <a:r>
-              <a:rPr lang="en-US" dirty="0" smtClean="0"/>
-              <a:t> commands for you to remember:</a:t>
+              <a:t>longrun</a:t>
+            </a:r>
+            <a:r>
+              <a:rPr lang="en-US" dirty="0" smtClean="0"/>
+              <a:t>. </a:t>
+            </a:r>
+          </a:p>
+          <a:p>
+            <a:r>
+              <a:rPr lang="en-US" dirty="0" smtClean="0"/>
+              <a:t>So, in order to do this, you need a central, or “head node” that handles user login and runs a job scheduler to manage tasks. Here’s how the system is set up on </a:t>
+            </a:r>
+            <a:r>
+              <a:rPr lang="en-US" dirty="0" smtClean="0"/>
+              <a:t>a typical </a:t>
+            </a:r>
+            <a:r>
+              <a:rPr lang="en-US" dirty="0" err="1" smtClean="0"/>
+              <a:t>hpc</a:t>
+            </a:r>
+            <a:r>
+              <a:rPr lang="en-US" dirty="0" smtClean="0"/>
+              <a:t>:</a:t>
             </a:r>
             <a:endParaRPr lang="en-US" dirty="0"/>
           </a:p>
         </p:txBody>
       </p:sp>
-      <p:graphicFrame>
-        <p:nvGraphicFramePr>
-          <p:cNvPr id="4" name="Table 3"/>
-          <p:cNvGraphicFramePr>
-            <a:graphicFrameLocks noGrp="1"/>
-          </p:cNvGraphicFramePr>
-          <p:nvPr>
-            <p:extLst/>
-          </p:nvPr>
-        </p:nvGraphicFramePr>
-        <p:xfrm>
-          <a:off x="2757055" y="2606963"/>
-          <a:ext cx="6096000" cy="2758440"/>
-        </p:xfrm>
-        <a:graphic>
-          <a:graphicData uri="http://schemas.openxmlformats.org/drawingml/2006/table">
-            <a:tbl>
-              <a:tblPr firstRow="1" bandRow="1">
-                <a:tableStyleId>{073A0DAA-6AF3-43AB-8588-CEC1D06C72B9}</a:tableStyleId>
-              </a:tblPr>
-              <a:tblGrid>
-                <a:gridCol w="1925781">
-                  <a:extLst>
-                    <a:ext uri="{9D8B030D-6E8A-4147-A177-3AD203B41FA5}">
-                      <a16:colId xmlns:a16="http://schemas.microsoft.com/office/drawing/2014/main" val="1473322880"/>
-                    </a:ext>
-                  </a:extLst>
-                </a:gridCol>
-                <a:gridCol w="4170219">
-                  <a:extLst>
-                    <a:ext uri="{9D8B030D-6E8A-4147-A177-3AD203B41FA5}">
-                      <a16:colId xmlns:a16="http://schemas.microsoft.com/office/drawing/2014/main" val="1744658554"/>
-                    </a:ext>
-                  </a:extLst>
-                </a:gridCol>
-              </a:tblGrid>
-              <a:tr h="0">
-                <a:tc>
-                  <a:txBody>
-                    <a:bodyPr/>
-                    <a:lstStyle/>
-                    <a:p>
-                      <a:r>
-                        <a:rPr lang="en-US" sz="1800" dirty="0" smtClean="0"/>
-                        <a:t>Command</a:t>
-                      </a:r>
-                      <a:endParaRPr lang="en-US" sz="1800" dirty="0"/>
-                    </a:p>
-                  </a:txBody>
-                  <a:tcPr/>
-                </a:tc>
-                <a:tc>
-                  <a:txBody>
-                    <a:bodyPr/>
-                    <a:lstStyle/>
-                    <a:p>
-                      <a:r>
-                        <a:rPr lang="en-US" sz="1800" dirty="0" smtClean="0"/>
-                        <a:t>Description</a:t>
-                      </a:r>
-                      <a:endParaRPr lang="en-US" sz="1800" dirty="0"/>
-                    </a:p>
-                  </a:txBody>
-                  <a:tcPr/>
-                </a:tc>
-                <a:extLst>
-                  <a:ext uri="{0D108BD9-81ED-4DB2-BD59-A6C34878D82A}">
-                    <a16:rowId xmlns:a16="http://schemas.microsoft.com/office/drawing/2014/main" val="2215671401"/>
-                  </a:ext>
-                </a:extLst>
-              </a:tr>
-              <a:tr h="370840">
-                <a:tc>
-                  <a:txBody>
-                    <a:bodyPr/>
-                    <a:lstStyle/>
-                    <a:p>
-                      <a:r>
-                        <a:rPr lang="en-US" sz="1800" dirty="0" err="1" smtClean="0"/>
-                        <a:t>sinfo</a:t>
-                      </a:r>
-                      <a:endParaRPr lang="en-US" sz="1800" dirty="0"/>
-                    </a:p>
-                  </a:txBody>
-                  <a:tcPr/>
-                </a:tc>
-                <a:tc>
-                  <a:txBody>
-                    <a:bodyPr/>
-                    <a:lstStyle/>
-                    <a:p>
-                      <a:r>
-                        <a:rPr lang="en-US" sz="1800" dirty="0" smtClean="0"/>
-                        <a:t>The nodes and partitions</a:t>
-                      </a:r>
-                      <a:r>
-                        <a:rPr lang="en-US" sz="1800" baseline="0" dirty="0" smtClean="0"/>
-                        <a:t> that are available for use</a:t>
-                      </a:r>
-                      <a:endParaRPr lang="en-US" sz="1800" dirty="0"/>
-                    </a:p>
-                  </a:txBody>
-                  <a:tcPr/>
-                </a:tc>
-                <a:extLst>
-                  <a:ext uri="{0D108BD9-81ED-4DB2-BD59-A6C34878D82A}">
-                    <a16:rowId xmlns:a16="http://schemas.microsoft.com/office/drawing/2014/main" val="3086480027"/>
-                  </a:ext>
-                </a:extLst>
-              </a:tr>
-              <a:tr h="370840">
-                <a:tc>
-                  <a:txBody>
-                    <a:bodyPr/>
-                    <a:lstStyle/>
-                    <a:p>
-                      <a:r>
-                        <a:rPr lang="en-US" sz="1800" dirty="0" err="1" smtClean="0"/>
-                        <a:t>squeue</a:t>
-                      </a:r>
-                      <a:endParaRPr lang="en-US" sz="1800" dirty="0"/>
-                    </a:p>
-                  </a:txBody>
-                  <a:tcPr/>
-                </a:tc>
-                <a:tc>
-                  <a:txBody>
-                    <a:bodyPr/>
-                    <a:lstStyle/>
-                    <a:p>
-                      <a:r>
-                        <a:rPr lang="en-US" sz="1800" dirty="0" smtClean="0"/>
-                        <a:t>The</a:t>
-                      </a:r>
-                      <a:r>
-                        <a:rPr lang="en-US" sz="1800" baseline="0" dirty="0" smtClean="0"/>
-                        <a:t> currently queued tasks on the cluster</a:t>
-                      </a:r>
-                      <a:endParaRPr lang="en-US" sz="1800" dirty="0"/>
-                    </a:p>
-                  </a:txBody>
-                  <a:tcPr/>
-                </a:tc>
-                <a:extLst>
-                  <a:ext uri="{0D108BD9-81ED-4DB2-BD59-A6C34878D82A}">
-                    <a16:rowId xmlns:a16="http://schemas.microsoft.com/office/drawing/2014/main" val="1474195463"/>
-                  </a:ext>
-                </a:extLst>
-              </a:tr>
-              <a:tr h="370840">
-                <a:tc>
-                  <a:txBody>
-                    <a:bodyPr/>
-                    <a:lstStyle/>
-                    <a:p>
-                      <a:r>
-                        <a:rPr lang="en-US" sz="1800" dirty="0" err="1" smtClean="0"/>
-                        <a:t>scancel</a:t>
-                      </a:r>
-                      <a:r>
-                        <a:rPr lang="en-US" sz="1800" baseline="0" dirty="0" smtClean="0"/>
-                        <a:t> (</a:t>
-                      </a:r>
-                      <a:r>
-                        <a:rPr lang="en-US" sz="1800" baseline="0" dirty="0" err="1" smtClean="0"/>
-                        <a:t>jobID</a:t>
-                      </a:r>
-                      <a:r>
-                        <a:rPr lang="en-US" sz="1800" baseline="0" dirty="0" smtClean="0"/>
-                        <a:t>)</a:t>
-                      </a:r>
-                      <a:endParaRPr lang="en-US" sz="1800" dirty="0"/>
-                    </a:p>
-                  </a:txBody>
-                  <a:tcPr/>
-                </a:tc>
-                <a:tc>
-                  <a:txBody>
-                    <a:bodyPr/>
-                    <a:lstStyle/>
-                    <a:p>
-                      <a:r>
-                        <a:rPr lang="en-US" sz="1800" dirty="0" smtClean="0"/>
-                        <a:t>A</a:t>
-                      </a:r>
-                      <a:r>
-                        <a:rPr lang="en-US" sz="1800" baseline="0" dirty="0" smtClean="0"/>
-                        <a:t> tool to cancel a job (use </a:t>
-                      </a:r>
-                      <a:r>
-                        <a:rPr lang="en-US" sz="1800" baseline="0" dirty="0" err="1" smtClean="0"/>
-                        <a:t>squeue</a:t>
-                      </a:r>
-                      <a:r>
-                        <a:rPr lang="en-US" sz="1800" baseline="0" dirty="0" smtClean="0"/>
-                        <a:t> to find out the job ID)</a:t>
-                      </a:r>
-                      <a:endParaRPr lang="en-US" sz="1800" dirty="0"/>
-                    </a:p>
-                  </a:txBody>
-                  <a:tcPr/>
-                </a:tc>
-                <a:extLst>
-                  <a:ext uri="{0D108BD9-81ED-4DB2-BD59-A6C34878D82A}">
-                    <a16:rowId xmlns:a16="http://schemas.microsoft.com/office/drawing/2014/main" val="963802719"/>
-                  </a:ext>
-                </a:extLst>
-              </a:tr>
-              <a:tr h="370840">
-                <a:tc>
-                  <a:txBody>
-                    <a:bodyPr/>
-                    <a:lstStyle/>
-                    <a:p>
-                      <a:r>
-                        <a:rPr lang="en-US" sz="1800" dirty="0" err="1" smtClean="0"/>
-                        <a:t>sbatch</a:t>
-                      </a:r>
-                      <a:endParaRPr lang="en-US" sz="1800" dirty="0"/>
-                    </a:p>
-                  </a:txBody>
-                  <a:tcPr/>
-                </a:tc>
-                <a:tc>
-                  <a:txBody>
-                    <a:bodyPr/>
-                    <a:lstStyle/>
-                    <a:p>
-                      <a:r>
-                        <a:rPr lang="en-US" sz="1800" dirty="0" smtClean="0"/>
-                        <a:t>Non-interactive job submission</a:t>
-                      </a:r>
-                      <a:endParaRPr lang="en-US" sz="1800" dirty="0"/>
-                    </a:p>
-                  </a:txBody>
-                  <a:tcPr/>
-                </a:tc>
-                <a:extLst>
-                  <a:ext uri="{0D108BD9-81ED-4DB2-BD59-A6C34878D82A}">
-                    <a16:rowId xmlns:a16="http://schemas.microsoft.com/office/drawing/2014/main" val="2754597354"/>
-                  </a:ext>
-                </a:extLst>
-              </a:tr>
-              <a:tr h="370840">
-                <a:tc>
-                  <a:txBody>
-                    <a:bodyPr/>
-                    <a:lstStyle/>
-                    <a:p>
-                      <a:r>
-                        <a:rPr lang="en-US" sz="1800" dirty="0" err="1" smtClean="0"/>
-                        <a:t>srun</a:t>
-                      </a:r>
-                      <a:endParaRPr lang="en-US" sz="1800" dirty="0"/>
-                    </a:p>
-                  </a:txBody>
-                  <a:tcPr/>
-                </a:tc>
-                <a:tc>
-                  <a:txBody>
-                    <a:bodyPr/>
-                    <a:lstStyle/>
-                    <a:p>
-                      <a:r>
-                        <a:rPr lang="en-US" sz="1800" dirty="0" smtClean="0"/>
-                        <a:t>Interactive</a:t>
-                      </a:r>
-                      <a:r>
-                        <a:rPr lang="en-US" sz="1800" baseline="0" dirty="0" smtClean="0"/>
-                        <a:t> job request</a:t>
-                      </a:r>
-                      <a:endParaRPr lang="en-US" sz="1800" dirty="0"/>
-                    </a:p>
-                  </a:txBody>
-                  <a:tcPr/>
-                </a:tc>
-                <a:extLst>
-                  <a:ext uri="{0D108BD9-81ED-4DB2-BD59-A6C34878D82A}">
-                    <a16:rowId xmlns:a16="http://schemas.microsoft.com/office/drawing/2014/main" val="3886221469"/>
-                  </a:ext>
-                </a:extLst>
-              </a:tr>
-            </a:tbl>
-          </a:graphicData>
-        </a:graphic>
-      </p:graphicFrame>
+      <p:grpSp>
+        <p:nvGrpSpPr>
+          <p:cNvPr id="11" name="Group 10"/>
+          <p:cNvGrpSpPr/>
+          <p:nvPr/>
+        </p:nvGrpSpPr>
+        <p:grpSpPr>
+          <a:xfrm>
+            <a:off x="2306516" y="4461164"/>
+            <a:ext cx="4253345" cy="2202872"/>
+            <a:chOff x="1371600" y="4461164"/>
+            <a:chExt cx="4253345" cy="2202872"/>
+          </a:xfrm>
+        </p:grpSpPr>
+        <p:sp>
+          <p:nvSpPr>
+            <p:cNvPr id="9" name="Rectangle 8"/>
+            <p:cNvSpPr/>
+            <p:nvPr/>
+          </p:nvSpPr>
+          <p:spPr>
+            <a:xfrm>
+              <a:off x="1371600" y="4461164"/>
+              <a:ext cx="4253345" cy="2202872"/>
+            </a:xfrm>
+            <a:prstGeom prst="rect">
+              <a:avLst/>
+            </a:prstGeom>
+          </p:spPr>
+          <p:style>
+            <a:lnRef idx="1">
+              <a:schemeClr val="accent4"/>
+            </a:lnRef>
+            <a:fillRef idx="2">
+              <a:schemeClr val="accent4"/>
+            </a:fillRef>
+            <a:effectRef idx="1">
+              <a:schemeClr val="accent4"/>
+            </a:effectRef>
+            <a:fontRef idx="minor">
+              <a:schemeClr val="dk1"/>
+            </a:fontRef>
+          </p:style>
+          <p:txBody>
+            <a:bodyPr rtlCol="0" anchor="ctr"/>
+            <a:lstStyle/>
+            <a:p>
+              <a:pPr algn="ctr"/>
+              <a:endParaRPr lang="en-US"/>
+            </a:p>
+          </p:txBody>
+        </p:sp>
+        <p:sp>
+          <p:nvSpPr>
+            <p:cNvPr id="4" name="Snip Diagonal Corner Rectangle 3"/>
+            <p:cNvSpPr/>
+            <p:nvPr/>
+          </p:nvSpPr>
+          <p:spPr>
+            <a:xfrm>
+              <a:off x="1572491" y="4598628"/>
+              <a:ext cx="1620982" cy="775854"/>
+            </a:xfrm>
+            <a:prstGeom prst="snip2DiagRect">
+              <a:avLst/>
+            </a:prstGeom>
+          </p:spPr>
+          <p:style>
+            <a:lnRef idx="2">
+              <a:schemeClr val="dk1">
+                <a:shade val="50000"/>
+              </a:schemeClr>
+            </a:lnRef>
+            <a:fillRef idx="1">
+              <a:schemeClr val="dk1"/>
+            </a:fillRef>
+            <a:effectRef idx="0">
+              <a:schemeClr val="dk1"/>
+            </a:effectRef>
+            <a:fontRef idx="minor">
+              <a:schemeClr val="lt1"/>
+            </a:fontRef>
+          </p:style>
+          <p:txBody>
+            <a:bodyPr rtlCol="0" anchor="ctr"/>
+            <a:lstStyle/>
+            <a:p>
+              <a:pPr algn="ctr"/>
+              <a:r>
+                <a:rPr lang="en-US" dirty="0"/>
+                <a:t>HEAD NODE</a:t>
+              </a:r>
+              <a:endParaRPr lang="en-US" dirty="0"/>
+            </a:p>
+          </p:txBody>
+        </p:sp>
+        <p:sp>
+          <p:nvSpPr>
+            <p:cNvPr id="5" name="Flowchart: Multidocument 4"/>
+            <p:cNvSpPr/>
+            <p:nvPr/>
+          </p:nvSpPr>
+          <p:spPr>
+            <a:xfrm>
+              <a:off x="3532909" y="4461164"/>
+              <a:ext cx="1787236" cy="1163781"/>
+            </a:xfrm>
+            <a:prstGeom prst="flowChartMultidocument">
+              <a:avLst/>
+            </a:prstGeom>
+          </p:spPr>
+          <p:style>
+            <a:lnRef idx="2">
+              <a:schemeClr val="accent3">
+                <a:shade val="50000"/>
+              </a:schemeClr>
+            </a:lnRef>
+            <a:fillRef idx="1">
+              <a:schemeClr val="accent3"/>
+            </a:fillRef>
+            <a:effectRef idx="0">
+              <a:schemeClr val="accent3"/>
+            </a:effectRef>
+            <a:fontRef idx="minor">
+              <a:schemeClr val="lt1"/>
+            </a:fontRef>
+          </p:style>
+          <p:txBody>
+            <a:bodyPr rtlCol="0" anchor="ctr"/>
+            <a:lstStyle/>
+            <a:p>
+              <a:pPr algn="ctr"/>
+              <a:endParaRPr lang="en-US"/>
+            </a:p>
+          </p:txBody>
+        </p:sp>
+        <p:sp>
+          <p:nvSpPr>
+            <p:cNvPr id="7" name="Flowchart: Multidocument 6"/>
+            <p:cNvSpPr/>
+            <p:nvPr/>
+          </p:nvSpPr>
+          <p:spPr>
+            <a:xfrm>
+              <a:off x="3532909" y="4890654"/>
+              <a:ext cx="1787236" cy="1163781"/>
+            </a:xfrm>
+            <a:prstGeom prst="flowChartMultidocument">
+              <a:avLst/>
+            </a:prstGeom>
+          </p:spPr>
+          <p:style>
+            <a:lnRef idx="2">
+              <a:schemeClr val="accent3">
+                <a:shade val="50000"/>
+              </a:schemeClr>
+            </a:lnRef>
+            <a:fillRef idx="1">
+              <a:schemeClr val="accent3"/>
+            </a:fillRef>
+            <a:effectRef idx="0">
+              <a:schemeClr val="accent3"/>
+            </a:effectRef>
+            <a:fontRef idx="minor">
+              <a:schemeClr val="lt1"/>
+            </a:fontRef>
+          </p:style>
+          <p:txBody>
+            <a:bodyPr rtlCol="0" anchor="ctr"/>
+            <a:lstStyle/>
+            <a:p>
+              <a:pPr algn="ctr"/>
+              <a:endParaRPr lang="en-US"/>
+            </a:p>
+          </p:txBody>
+        </p:sp>
+        <p:sp>
+          <p:nvSpPr>
+            <p:cNvPr id="6" name="Flowchart: Multidocument 5"/>
+            <p:cNvSpPr/>
+            <p:nvPr/>
+          </p:nvSpPr>
+          <p:spPr>
+            <a:xfrm>
+              <a:off x="3532909" y="5374482"/>
+              <a:ext cx="1787236" cy="1163781"/>
+            </a:xfrm>
+            <a:prstGeom prst="flowChartMultidocument">
+              <a:avLst/>
+            </a:prstGeom>
+          </p:spPr>
+          <p:style>
+            <a:lnRef idx="2">
+              <a:schemeClr val="accent3">
+                <a:shade val="50000"/>
+              </a:schemeClr>
+            </a:lnRef>
+            <a:fillRef idx="1">
+              <a:schemeClr val="accent3"/>
+            </a:fillRef>
+            <a:effectRef idx="0">
+              <a:schemeClr val="accent3"/>
+            </a:effectRef>
+            <a:fontRef idx="minor">
+              <a:schemeClr val="lt1"/>
+            </a:fontRef>
+          </p:style>
+          <p:txBody>
+            <a:bodyPr rtlCol="0" anchor="ctr"/>
+            <a:lstStyle/>
+            <a:p>
+              <a:pPr algn="ctr"/>
+              <a:r>
+                <a:rPr lang="en-US" dirty="0"/>
+                <a:t>Other NODES</a:t>
+              </a:r>
+              <a:endParaRPr lang="en-US" dirty="0"/>
+            </a:p>
+          </p:txBody>
+        </p:sp>
+        <p:sp>
+          <p:nvSpPr>
+            <p:cNvPr id="10" name="TextBox 9"/>
+            <p:cNvSpPr txBox="1"/>
+            <p:nvPr/>
+          </p:nvSpPr>
+          <p:spPr>
+            <a:xfrm>
+              <a:off x="1639028" y="5956372"/>
+              <a:ext cx="1487908" cy="369332"/>
+            </a:xfrm>
+            <a:prstGeom prst="rect">
+              <a:avLst/>
+            </a:prstGeom>
+            <a:noFill/>
+          </p:spPr>
+          <p:txBody>
+            <a:bodyPr wrap="none" rtlCol="0">
+              <a:spAutoFit/>
+            </a:bodyPr>
+            <a:lstStyle/>
+            <a:p>
+              <a:r>
+                <a:rPr lang="en-US" dirty="0"/>
+                <a:t>Job Scheduler</a:t>
+              </a:r>
+              <a:endParaRPr lang="en-US" dirty="0"/>
+            </a:p>
+          </p:txBody>
+        </p:sp>
+      </p:grpSp>
+      <p:grpSp>
+        <p:nvGrpSpPr>
+          <p:cNvPr id="13" name="Group 12"/>
+          <p:cNvGrpSpPr/>
+          <p:nvPr/>
+        </p:nvGrpSpPr>
+        <p:grpSpPr>
+          <a:xfrm>
+            <a:off x="7148945" y="4461164"/>
+            <a:ext cx="3027218" cy="2202872"/>
+            <a:chOff x="5624945" y="4461164"/>
+            <a:chExt cx="3027218" cy="2202872"/>
+          </a:xfrm>
+        </p:grpSpPr>
+        <p:sp>
+          <p:nvSpPr>
+            <p:cNvPr id="8" name="Flowchart: Magnetic Disk 7"/>
+            <p:cNvSpPr/>
+            <p:nvPr/>
+          </p:nvSpPr>
+          <p:spPr>
+            <a:xfrm>
+              <a:off x="6241472" y="4461164"/>
+              <a:ext cx="2410691" cy="2077099"/>
+            </a:xfrm>
+            <a:prstGeom prst="flowChartMagneticDisk">
+              <a:avLst/>
+            </a:prstGeom>
+          </p:spPr>
+          <p:style>
+            <a:lnRef idx="2">
+              <a:schemeClr val="accent1">
+                <a:shade val="50000"/>
+              </a:schemeClr>
+            </a:lnRef>
+            <a:fillRef idx="1">
+              <a:schemeClr val="accent1"/>
+            </a:fillRef>
+            <a:effectRef idx="0">
+              <a:schemeClr val="accent1"/>
+            </a:effectRef>
+            <a:fontRef idx="minor">
+              <a:schemeClr val="lt1"/>
+            </a:fontRef>
+          </p:style>
+          <p:txBody>
+            <a:bodyPr rtlCol="0" anchor="ctr"/>
+            <a:lstStyle/>
+            <a:p>
+              <a:pPr algn="ctr"/>
+              <a:r>
+                <a:rPr lang="en-US" sz="2400" dirty="0"/>
+                <a:t>Shared Storage</a:t>
+              </a:r>
+              <a:endParaRPr lang="en-US" dirty="0"/>
+            </a:p>
+          </p:txBody>
+        </p:sp>
+        <p:sp>
+          <p:nvSpPr>
+            <p:cNvPr id="12" name="Right Brace 11"/>
+            <p:cNvSpPr/>
+            <p:nvPr/>
+          </p:nvSpPr>
+          <p:spPr>
+            <a:xfrm>
+              <a:off x="5624945" y="4461164"/>
+              <a:ext cx="374073" cy="2202872"/>
+            </a:xfrm>
+            <a:prstGeom prst="rightBrace">
+              <a:avLst/>
+            </a:prstGeom>
+            <a:ln w="19050"/>
+          </p:spPr>
+          <p:style>
+            <a:lnRef idx="1">
+              <a:schemeClr val="dk1"/>
+            </a:lnRef>
+            <a:fillRef idx="0">
+              <a:schemeClr val="dk1"/>
+            </a:fillRef>
+            <a:effectRef idx="0">
+              <a:schemeClr val="dk1"/>
+            </a:effectRef>
+            <a:fontRef idx="minor">
+              <a:schemeClr val="tx1"/>
+            </a:fontRef>
+          </p:style>
+          <p:txBody>
+            <a:bodyPr rtlCol="0" anchor="ctr"/>
+            <a:lstStyle/>
+            <a:p>
+              <a:pPr algn="ctr"/>
+              <a:endParaRPr lang="en-US"/>
+            </a:p>
+          </p:txBody>
+        </p:sp>
+      </p:grpSp>
     </p:spTree>
     <p:extLst>
       <p:ext uri="{BB962C8B-B14F-4D97-AF65-F5344CB8AC3E}">
-        <p14:creationId xmlns:p14="http://schemas.microsoft.com/office/powerpoint/2010/main" val="3096986543"/>
+        <p14:creationId xmlns:p14="http://schemas.microsoft.com/office/powerpoint/2010/main" val="3602044681"/>
       </p:ext>
     </p:extLst>
   </p:cSld>
@@ -10984,7 +10836,151 @@
   <p:timing>
     <p:tnLst>
       <p:par>
-        <p:cTn id="1" dur="indefinite" restart="never" nodeType="tmRoot"/>
+        <p:cTn id="1" dur="indefinite" restart="never" nodeType="tmRoot">
+          <p:childTnLst>
+            <p:seq concurrent="1" nextAc="seek">
+              <p:cTn id="2" dur="indefinite" nodeType="mainSeq">
+                <p:childTnLst>
+                  <p:par>
+                    <p:cTn id="3" fill="hold">
+                      <p:stCondLst>
+                        <p:cond delay="indefinite"/>
+                      </p:stCondLst>
+                      <p:childTnLst>
+                        <p:par>
+                          <p:cTn id="4" fill="hold">
+                            <p:stCondLst>
+                              <p:cond delay="0"/>
+                            </p:stCondLst>
+                            <p:childTnLst>
+                              <p:par>
+                                <p:cTn id="5" presetID="1" presetClass="entr" presetSubtype="0" fill="hold" nodeType="clickEffect">
+                                  <p:stCondLst>
+                                    <p:cond delay="0"/>
+                                  </p:stCondLst>
+                                  <p:childTnLst>
+                                    <p:set>
+                                      <p:cBhvr>
+                                        <p:cTn id="6" dur="1" fill="hold">
+                                          <p:stCondLst>
+                                            <p:cond delay="0"/>
+                                          </p:stCondLst>
+                                        </p:cTn>
+                                        <p:tgtEl>
+                                          <p:spTgt spid="3">
+                                            <p:txEl>
+                                              <p:pRg st="2" end="2"/>
+                                            </p:txEl>
+                                          </p:spTgt>
+                                        </p:tgtEl>
+                                        <p:attrNameLst>
+                                          <p:attrName>style.visibility</p:attrName>
+                                        </p:attrNameLst>
+                                      </p:cBhvr>
+                                      <p:to>
+                                        <p:strVal val="visible"/>
+                                      </p:to>
+                                    </p:set>
+                                  </p:childTnLst>
+                                </p:cTn>
+                              </p:par>
+                              <p:par>
+                                <p:cTn id="7" presetID="1" presetClass="entr" presetSubtype="0" fill="hold" nodeType="withEffect">
+                                  <p:stCondLst>
+                                    <p:cond delay="0"/>
+                                  </p:stCondLst>
+                                  <p:childTnLst>
+                                    <p:set>
+                                      <p:cBhvr>
+                                        <p:cTn id="8" dur="1" fill="hold">
+                                          <p:stCondLst>
+                                            <p:cond delay="0"/>
+                                          </p:stCondLst>
+                                        </p:cTn>
+                                        <p:tgtEl>
+                                          <p:spTgt spid="11"/>
+                                        </p:tgtEl>
+                                        <p:attrNameLst>
+                                          <p:attrName>style.visibility</p:attrName>
+                                        </p:attrNameLst>
+                                      </p:cBhvr>
+                                      <p:to>
+                                        <p:strVal val="visible"/>
+                                      </p:to>
+                                    </p:set>
+                                  </p:childTnLst>
+                                </p:cTn>
+                              </p:par>
+                            </p:childTnLst>
+                          </p:cTn>
+                        </p:par>
+                      </p:childTnLst>
+                    </p:cTn>
+                  </p:par>
+                  <p:par>
+                    <p:cTn id="9" fill="hold">
+                      <p:stCondLst>
+                        <p:cond delay="indefinite"/>
+                      </p:stCondLst>
+                      <p:childTnLst>
+                        <p:par>
+                          <p:cTn id="10" fill="hold">
+                            <p:stCondLst>
+                              <p:cond delay="0"/>
+                            </p:stCondLst>
+                            <p:childTnLst>
+                              <p:par>
+                                <p:cTn id="11" presetID="1" presetClass="entr" presetSubtype="0" fill="hold" nodeType="clickEffect">
+                                  <p:stCondLst>
+                                    <p:cond delay="0"/>
+                                  </p:stCondLst>
+                                  <p:childTnLst>
+                                    <p:set>
+                                      <p:cBhvr>
+                                        <p:cTn id="12" dur="1" fill="hold">
+                                          <p:stCondLst>
+                                            <p:cond delay="0"/>
+                                          </p:stCondLst>
+                                        </p:cTn>
+                                        <p:tgtEl>
+                                          <p:spTgt spid="13"/>
+                                        </p:tgtEl>
+                                        <p:attrNameLst>
+                                          <p:attrName>style.visibility</p:attrName>
+                                        </p:attrNameLst>
+                                      </p:cBhvr>
+                                      <p:to>
+                                        <p:strVal val="visible"/>
+                                      </p:to>
+                                    </p:set>
+                                  </p:childTnLst>
+                                </p:cTn>
+                              </p:par>
+                            </p:childTnLst>
+                          </p:cTn>
+                        </p:par>
+                      </p:childTnLst>
+                    </p:cTn>
+                  </p:par>
+                </p:childTnLst>
+              </p:cTn>
+              <p:prevCondLst>
+                <p:cond evt="onPrev" delay="0">
+                  <p:tgtEl>
+                    <p:sldTgt/>
+                  </p:tgtEl>
+                </p:cond>
+              </p:prevCondLst>
+              <p:nextCondLst>
+                <p:cond evt="onNext" delay="0">
+                  <p:tgtEl>
+                    <p:sldTgt/>
+                  </p:tgtEl>
+                </p:cond>
+              </p:nextCondLst>
+            </p:seq>
+          </p:childTnLst>
+        </p:cTn>
       </p:par>
     </p:tnLst>
   </p:timing>
@@ -11025,423 +11021,102 @@
           <a:p>
             <a:r>
               <a:rPr lang="en-US" dirty="0" smtClean="0"/>
-              <a:t>Important resources in SBATCH and SRUN</a:t>
+              <a:t>Working on Ceres: the head node</a:t>
             </a:r>
             <a:endParaRPr lang="en-US" dirty="0"/>
           </a:p>
         </p:txBody>
       </p:sp>
-      <p:graphicFrame>
-        <p:nvGraphicFramePr>
-          <p:cNvPr id="4" name="Content Placeholder 3"/>
-          <p:cNvGraphicFramePr>
-            <a:graphicFrameLocks noGrp="1"/>
-          </p:cNvGraphicFramePr>
+      <p:sp>
+        <p:nvSpPr>
+          <p:cNvPr id="3" name="Content Placeholder 2"/>
+          <p:cNvSpPr>
+            <a:spLocks noGrp="1"/>
+          </p:cNvSpPr>
           <p:nvPr>
             <p:ph idx="1"/>
-            <p:extLst/>
           </p:nvPr>
-        </p:nvGraphicFramePr>
-        <p:xfrm>
-          <a:off x="2152650" y="1825625"/>
-          <a:ext cx="7886700" cy="3672840"/>
-        </p:xfrm>
-        <a:graphic>
-          <a:graphicData uri="http://schemas.openxmlformats.org/drawingml/2006/table">
-            <a:tbl>
-              <a:tblPr firstRow="1" bandRow="1">
-                <a:tableStyleId>{073A0DAA-6AF3-43AB-8588-CEC1D06C72B9}</a:tableStyleId>
-              </a:tblPr>
-              <a:tblGrid>
-                <a:gridCol w="1643495">
-                  <a:extLst>
-                    <a:ext uri="{9D8B030D-6E8A-4147-A177-3AD203B41FA5}">
-                      <a16:colId xmlns:a16="http://schemas.microsoft.com/office/drawing/2014/main" val="1881791918"/>
-                    </a:ext>
-                  </a:extLst>
-                </a:gridCol>
-                <a:gridCol w="2784764">
-                  <a:extLst>
-                    <a:ext uri="{9D8B030D-6E8A-4147-A177-3AD203B41FA5}">
-                      <a16:colId xmlns:a16="http://schemas.microsoft.com/office/drawing/2014/main" val="934674670"/>
-                    </a:ext>
-                  </a:extLst>
-                </a:gridCol>
-                <a:gridCol w="3458441">
-                  <a:extLst>
-                    <a:ext uri="{9D8B030D-6E8A-4147-A177-3AD203B41FA5}">
-                      <a16:colId xmlns:a16="http://schemas.microsoft.com/office/drawing/2014/main" val="4179359622"/>
-                    </a:ext>
-                  </a:extLst>
-                </a:gridCol>
-              </a:tblGrid>
-              <a:tr h="370840">
-                <a:tc>
-                  <a:txBody>
-                    <a:bodyPr/>
-                    <a:lstStyle/>
-                    <a:p>
-                      <a:r>
-                        <a:rPr lang="en-US" sz="1800" dirty="0" smtClean="0"/>
-                        <a:t>Short form</a:t>
-                      </a:r>
-                      <a:endParaRPr lang="en-US" sz="1800" dirty="0"/>
-                    </a:p>
-                  </a:txBody>
-                  <a:tcPr/>
-                </a:tc>
-                <a:tc>
-                  <a:txBody>
-                    <a:bodyPr/>
-                    <a:lstStyle/>
-                    <a:p>
-                      <a:r>
-                        <a:rPr lang="en-US" sz="1800" dirty="0" smtClean="0"/>
-                        <a:t>Long form</a:t>
-                      </a:r>
-                      <a:endParaRPr lang="en-US" sz="1800" dirty="0"/>
-                    </a:p>
-                  </a:txBody>
-                  <a:tcPr/>
-                </a:tc>
-                <a:tc>
-                  <a:txBody>
-                    <a:bodyPr/>
-                    <a:lstStyle/>
-                    <a:p>
-                      <a:r>
-                        <a:rPr lang="en-US" sz="1800" dirty="0" smtClean="0"/>
-                        <a:t>Description</a:t>
-                      </a:r>
-                      <a:endParaRPr lang="en-US" sz="1800" dirty="0"/>
-                    </a:p>
-                  </a:txBody>
-                  <a:tcPr/>
-                </a:tc>
-                <a:extLst>
-                  <a:ext uri="{0D108BD9-81ED-4DB2-BD59-A6C34878D82A}">
-                    <a16:rowId xmlns:a16="http://schemas.microsoft.com/office/drawing/2014/main" val="1667136482"/>
-                  </a:ext>
-                </a:extLst>
-              </a:tr>
-              <a:tr h="370840">
-                <a:tc>
-                  <a:txBody>
-                    <a:bodyPr/>
-                    <a:lstStyle/>
-                    <a:p>
-                      <a:r>
-                        <a:rPr lang="en-US" sz="1800" dirty="0" smtClean="0"/>
-                        <a:t>-N</a:t>
-                      </a:r>
-                      <a:endParaRPr lang="en-US" sz="1800" dirty="0"/>
-                    </a:p>
-                  </a:txBody>
-                  <a:tcPr/>
-                </a:tc>
-                <a:tc>
-                  <a:txBody>
-                    <a:bodyPr/>
-                    <a:lstStyle/>
-                    <a:p>
-                      <a:r>
-                        <a:rPr lang="en-US" sz="1800" dirty="0" smtClean="0"/>
-                        <a:t>--nodes=(value)</a:t>
-                      </a:r>
-                      <a:endParaRPr lang="en-US" sz="1800" dirty="0"/>
-                    </a:p>
-                  </a:txBody>
-                  <a:tcPr/>
-                </a:tc>
-                <a:tc>
-                  <a:txBody>
-                    <a:bodyPr/>
-                    <a:lstStyle/>
-                    <a:p>
-                      <a:r>
-                        <a:rPr lang="en-US" sz="1800" dirty="0" smtClean="0"/>
-                        <a:t>Number</a:t>
-                      </a:r>
-                      <a:r>
-                        <a:rPr lang="en-US" sz="1800" baseline="0" dirty="0" smtClean="0"/>
-                        <a:t> of nodes to use! (Usually 1)</a:t>
-                      </a:r>
-                      <a:endParaRPr lang="en-US" sz="1800" dirty="0"/>
-                    </a:p>
-                  </a:txBody>
-                  <a:tcPr/>
-                </a:tc>
-                <a:extLst>
-                  <a:ext uri="{0D108BD9-81ED-4DB2-BD59-A6C34878D82A}">
-                    <a16:rowId xmlns:a16="http://schemas.microsoft.com/office/drawing/2014/main" val="179360743"/>
-                  </a:ext>
-                </a:extLst>
-              </a:tr>
-              <a:tr h="370840">
-                <a:tc>
-                  <a:txBody>
-                    <a:bodyPr/>
-                    <a:lstStyle/>
-                    <a:p>
-                      <a:r>
-                        <a:rPr lang="en-US" sz="1800" dirty="0" smtClean="0"/>
-                        <a:t>-n</a:t>
-                      </a:r>
-                      <a:endParaRPr lang="en-US" sz="1800" dirty="0"/>
-                    </a:p>
-                  </a:txBody>
-                  <a:tcPr/>
-                </a:tc>
-                <a:tc>
-                  <a:txBody>
-                    <a:bodyPr/>
-                    <a:lstStyle/>
-                    <a:p>
-                      <a:r>
-                        <a:rPr lang="en-US" sz="1800" dirty="0" smtClean="0"/>
-                        <a:t>--</a:t>
-                      </a:r>
-                      <a:r>
-                        <a:rPr lang="en-US" sz="1800" dirty="0" err="1" smtClean="0"/>
-                        <a:t>ntasks</a:t>
-                      </a:r>
-                      <a:r>
-                        <a:rPr lang="en-US" sz="1800" dirty="0" smtClean="0"/>
-                        <a:t>-per-node=(value)</a:t>
-                      </a:r>
-                      <a:endParaRPr lang="en-US" sz="1800" dirty="0"/>
-                    </a:p>
-                  </a:txBody>
-                  <a:tcPr/>
-                </a:tc>
-                <a:tc>
-                  <a:txBody>
-                    <a:bodyPr/>
-                    <a:lstStyle/>
-                    <a:p>
-                      <a:r>
-                        <a:rPr lang="en-US" sz="1800" dirty="0" smtClean="0"/>
-                        <a:t>Number of CPUs to use on separate tasks.</a:t>
-                      </a:r>
-                      <a:endParaRPr lang="en-US" sz="1800" dirty="0"/>
-                    </a:p>
-                  </a:txBody>
-                  <a:tcPr/>
-                </a:tc>
-                <a:extLst>
-                  <a:ext uri="{0D108BD9-81ED-4DB2-BD59-A6C34878D82A}">
-                    <a16:rowId xmlns:a16="http://schemas.microsoft.com/office/drawing/2014/main" val="3564580302"/>
-                  </a:ext>
-                </a:extLst>
-              </a:tr>
-              <a:tr h="370840">
-                <a:tc>
-                  <a:txBody>
-                    <a:bodyPr/>
-                    <a:lstStyle/>
-                    <a:p>
-                      <a:r>
-                        <a:rPr lang="en-US" sz="1800" dirty="0" smtClean="0"/>
-                        <a:t>(none!)</a:t>
-                      </a:r>
-                      <a:endParaRPr lang="en-US" sz="1800" dirty="0"/>
-                    </a:p>
-                  </a:txBody>
-                  <a:tcPr/>
-                </a:tc>
-                <a:tc>
-                  <a:txBody>
-                    <a:bodyPr/>
-                    <a:lstStyle/>
-                    <a:p>
-                      <a:r>
-                        <a:rPr lang="en-US" sz="1800" dirty="0" smtClean="0"/>
-                        <a:t>--mem=(value)</a:t>
-                      </a:r>
-                      <a:endParaRPr lang="en-US" sz="1800" dirty="0"/>
-                    </a:p>
-                  </a:txBody>
-                  <a:tcPr/>
-                </a:tc>
-                <a:tc>
-                  <a:txBody>
-                    <a:bodyPr/>
-                    <a:lstStyle/>
-                    <a:p>
-                      <a:r>
-                        <a:rPr lang="en-US" sz="1800" dirty="0" smtClean="0"/>
-                        <a:t>Number of megabytes</a:t>
-                      </a:r>
-                      <a:r>
-                        <a:rPr lang="en-US" sz="1800" baseline="0" dirty="0" smtClean="0"/>
-                        <a:t> of RAM to use.</a:t>
-                      </a:r>
-                      <a:endParaRPr lang="en-US" sz="1800" dirty="0"/>
-                    </a:p>
-                  </a:txBody>
-                  <a:tcPr/>
-                </a:tc>
-                <a:extLst>
-                  <a:ext uri="{0D108BD9-81ED-4DB2-BD59-A6C34878D82A}">
-                    <a16:rowId xmlns:a16="http://schemas.microsoft.com/office/drawing/2014/main" val="116118161"/>
-                  </a:ext>
-                </a:extLst>
-              </a:tr>
-              <a:tr h="370840">
-                <a:tc>
-                  <a:txBody>
-                    <a:bodyPr/>
-                    <a:lstStyle/>
-                    <a:p>
-                      <a:r>
-                        <a:rPr lang="en-US" sz="1800" dirty="0" smtClean="0"/>
-                        <a:t>-p</a:t>
-                      </a:r>
-                      <a:endParaRPr lang="en-US" sz="1800" dirty="0"/>
-                    </a:p>
-                  </a:txBody>
-                  <a:tcPr/>
-                </a:tc>
-                <a:tc>
-                  <a:txBody>
-                    <a:bodyPr/>
-                    <a:lstStyle/>
-                    <a:p>
-                      <a:r>
-                        <a:rPr lang="en-US" sz="1800" dirty="0" smtClean="0"/>
-                        <a:t>--partition=(value)</a:t>
-                      </a:r>
-                      <a:endParaRPr lang="en-US" sz="1800" dirty="0"/>
-                    </a:p>
-                  </a:txBody>
-                  <a:tcPr/>
-                </a:tc>
-                <a:tc>
-                  <a:txBody>
-                    <a:bodyPr/>
-                    <a:lstStyle/>
-                    <a:p>
-                      <a:r>
-                        <a:rPr lang="en-US" sz="1800" dirty="0" smtClean="0"/>
-                        <a:t>The partition to use for the job (default is “short”)</a:t>
-                      </a:r>
-                      <a:endParaRPr lang="en-US" sz="1800" dirty="0"/>
-                    </a:p>
-                  </a:txBody>
-                  <a:tcPr/>
-                </a:tc>
-                <a:extLst>
-                  <a:ext uri="{0D108BD9-81ED-4DB2-BD59-A6C34878D82A}">
-                    <a16:rowId xmlns:a16="http://schemas.microsoft.com/office/drawing/2014/main" val="3538591526"/>
-                  </a:ext>
-                </a:extLst>
-              </a:tr>
-              <a:tr h="370840">
-                <a:tc>
-                  <a:txBody>
-                    <a:bodyPr/>
-                    <a:lstStyle/>
-                    <a:p>
-                      <a:r>
-                        <a:rPr lang="en-US" sz="1800" dirty="0" smtClean="0"/>
-                        <a:t>-t </a:t>
-                      </a:r>
-                      <a:endParaRPr lang="en-US" sz="1800" dirty="0"/>
-                    </a:p>
-                  </a:txBody>
-                  <a:tcPr/>
-                </a:tc>
-                <a:tc>
-                  <a:txBody>
-                    <a:bodyPr/>
-                    <a:lstStyle/>
-                    <a:p>
-                      <a:r>
-                        <a:rPr lang="en-US" sz="1800" dirty="0" smtClean="0"/>
-                        <a:t>--time=(value)</a:t>
-                      </a:r>
-                      <a:endParaRPr lang="en-US" sz="1800" dirty="0"/>
-                    </a:p>
-                  </a:txBody>
-                  <a:tcPr/>
-                </a:tc>
-                <a:tc>
-                  <a:txBody>
-                    <a:bodyPr/>
-                    <a:lstStyle/>
-                    <a:p>
-                      <a:r>
-                        <a:rPr lang="en-US" sz="1800" dirty="0" smtClean="0"/>
-                        <a:t>The time for running the job</a:t>
-                      </a:r>
-                      <a:endParaRPr lang="en-US" sz="1800" dirty="0"/>
-                    </a:p>
-                  </a:txBody>
-                  <a:tcPr/>
-                </a:tc>
-                <a:extLst>
-                  <a:ext uri="{0D108BD9-81ED-4DB2-BD59-A6C34878D82A}">
-                    <a16:rowId xmlns:a16="http://schemas.microsoft.com/office/drawing/2014/main" val="437313882"/>
-                  </a:ext>
-                </a:extLst>
-              </a:tr>
-              <a:tr h="370840">
-                <a:tc>
-                  <a:txBody>
-                    <a:bodyPr/>
-                    <a:lstStyle/>
-                    <a:p>
-                      <a:r>
-                        <a:rPr lang="en-US" sz="1800" dirty="0" smtClean="0"/>
-                        <a:t>-o</a:t>
-                      </a:r>
-                      <a:endParaRPr lang="en-US" sz="1800" dirty="0"/>
-                    </a:p>
-                  </a:txBody>
-                  <a:tcPr/>
-                </a:tc>
-                <a:tc>
-                  <a:txBody>
-                    <a:bodyPr/>
-                    <a:lstStyle/>
-                    <a:p>
-                      <a:r>
-                        <a:rPr lang="en-US" sz="1800" dirty="0" smtClean="0"/>
-                        <a:t>--output=(value)</a:t>
-                      </a:r>
-                      <a:endParaRPr lang="en-US" sz="1800" dirty="0"/>
-                    </a:p>
-                  </a:txBody>
-                  <a:tcPr/>
-                </a:tc>
-                <a:tc>
-                  <a:txBody>
-                    <a:bodyPr/>
-                    <a:lstStyle/>
-                    <a:p>
-                      <a:r>
-                        <a:rPr lang="en-US" sz="1800" dirty="0" smtClean="0"/>
-                        <a:t>The text file name for STDOUT</a:t>
-                      </a:r>
-                      <a:endParaRPr lang="en-US" sz="1800" dirty="0"/>
-                    </a:p>
-                  </a:txBody>
-                  <a:tcPr/>
-                </a:tc>
-                <a:extLst>
-                  <a:ext uri="{0D108BD9-81ED-4DB2-BD59-A6C34878D82A}">
-                    <a16:rowId xmlns:a16="http://schemas.microsoft.com/office/drawing/2014/main" val="2421615116"/>
-                  </a:ext>
-                </a:extLst>
-              </a:tr>
-            </a:tbl>
-          </a:graphicData>
-        </a:graphic>
-      </p:graphicFrame>
+        </p:nvSpPr>
+        <p:spPr/>
+        <p:txBody>
+          <a:bodyPr>
+            <a:normAutofit fontScale="92500" lnSpcReduction="20000"/>
+          </a:bodyPr>
+          <a:lstStyle/>
+          <a:p>
+            <a:r>
+              <a:rPr lang="en-US" dirty="0" smtClean="0"/>
+              <a:t>Remember how I told you that when you get a command prompt, you get allot of information regarding your user name, current folder and the node that you’re logged into? Well, when you first login to </a:t>
+            </a:r>
+            <a:r>
+              <a:rPr lang="en-US" dirty="0" smtClean="0"/>
+              <a:t>an HPC, </a:t>
+            </a:r>
+            <a:r>
+              <a:rPr lang="en-US" dirty="0" smtClean="0"/>
+              <a:t>you log in to the head node:</a:t>
+            </a:r>
+          </a:p>
+          <a:p>
+            <a:endParaRPr lang="en-US" dirty="0"/>
+          </a:p>
+          <a:p>
+            <a:endParaRPr lang="en-US" dirty="0" smtClean="0"/>
+          </a:p>
+          <a:p>
+            <a:r>
+              <a:rPr lang="en-US" dirty="0" smtClean="0"/>
+              <a:t>If you see the magic “8-1”, that means that you’re on the head or “login” node of the cluster!</a:t>
+            </a:r>
+          </a:p>
+          <a:p>
+            <a:endParaRPr lang="en-US" dirty="0"/>
+          </a:p>
+          <a:p>
+            <a:r>
+              <a:rPr lang="en-US" dirty="0" smtClean="0"/>
+              <a:t>This node needs to do some heavy lifting to make sure that everyone can access the cluster, so you are forbidden from running any job on there that is more complex than a “cd,” “ls” or “</a:t>
+            </a:r>
+            <a:r>
+              <a:rPr lang="en-US" dirty="0" err="1" smtClean="0"/>
+              <a:t>mkdir</a:t>
+            </a:r>
+            <a:r>
+              <a:rPr lang="en-US" dirty="0" smtClean="0"/>
+              <a:t>.”</a:t>
+            </a:r>
+            <a:endParaRPr lang="en-US" dirty="0"/>
+          </a:p>
+        </p:txBody>
+      </p:sp>
+      <p:pic>
+        <p:nvPicPr>
+          <p:cNvPr id="4" name="Picture 3"/>
+          <p:cNvPicPr>
+            <a:picLocks noChangeAspect="1"/>
+          </p:cNvPicPr>
+          <p:nvPr/>
+        </p:nvPicPr>
+        <p:blipFill>
+          <a:blip r:embed="rId2"/>
+          <a:stretch>
+            <a:fillRect/>
+          </a:stretch>
+        </p:blipFill>
+        <p:spPr>
+          <a:xfrm>
+            <a:off x="3384609" y="3350747"/>
+            <a:ext cx="4953000" cy="257175"/>
+          </a:xfrm>
+          <a:prstGeom prst="rect">
+            <a:avLst/>
+          </a:prstGeom>
+        </p:spPr>
+      </p:pic>
     </p:spTree>
     <p:extLst>
       <p:ext uri="{BB962C8B-B14F-4D97-AF65-F5344CB8AC3E}">
-        <p14:creationId xmlns:p14="http://schemas.microsoft.com/office/powerpoint/2010/main" val="1578263920"/>
+        <p14:creationId xmlns:p14="http://schemas.microsoft.com/office/powerpoint/2010/main" val="113630635"/>
       </p:ext>
     </p:extLst>
   </p:cSld>
@@ -11451,7 +11126,79 @@
   <p:timing>
     <p:tnLst>
       <p:par>
-        <p:cTn id="1" dur="indefinite" restart="never" nodeType="tmRoot"/>
+        <p:cTn id="1" dur="indefinite" restart="never" nodeType="tmRoot">
+          <p:childTnLst>
+            <p:seq concurrent="1" nextAc="seek">
+              <p:cTn id="2" dur="indefinite" nodeType="mainSeq">
+                <p:childTnLst>
+                  <p:par>
+                    <p:cTn id="3" fill="hold">
+                      <p:stCondLst>
+                        <p:cond delay="indefinite"/>
+                      </p:stCondLst>
+                      <p:childTnLst>
+                        <p:par>
+                          <p:cTn id="4" fill="hold">
+                            <p:stCondLst>
+                              <p:cond delay="0"/>
+                            </p:stCondLst>
+                            <p:childTnLst>
+                              <p:par>
+                                <p:cTn id="5" presetID="1" presetClass="entr" presetSubtype="0" fill="hold" nodeType="clickEffect">
+                                  <p:stCondLst>
+                                    <p:cond delay="0"/>
+                                  </p:stCondLst>
+                                  <p:childTnLst>
+                                    <p:set>
+                                      <p:cBhvr>
+                                        <p:cTn id="6" dur="1" fill="hold">
+                                          <p:stCondLst>
+                                            <p:cond delay="0"/>
+                                          </p:stCondLst>
+                                        </p:cTn>
+                                        <p:tgtEl>
+                                          <p:spTgt spid="3">
+                                            <p:txEl>
+                                              <p:pRg st="5" end="5"/>
+                                            </p:txEl>
+                                          </p:spTgt>
+                                        </p:tgtEl>
+                                        <p:attrNameLst>
+                                          <p:attrName>style.visibility</p:attrName>
+                                        </p:attrNameLst>
+                                      </p:cBhvr>
+                                      <p:to>
+                                        <p:strVal val="visible"/>
+                                      </p:to>
+                                    </p:set>
+                                  </p:childTnLst>
+                                </p:cTn>
+                              </p:par>
+                            </p:childTnLst>
+                          </p:cTn>
+                        </p:par>
+                      </p:childTnLst>
+                    </p:cTn>
+                  </p:par>
+                </p:childTnLst>
+              </p:cTn>
+              <p:prevCondLst>
+                <p:cond evt="onPrev" delay="0">
+                  <p:tgtEl>
+                    <p:sldTgt/>
+                  </p:tgtEl>
+                </p:cond>
+              </p:prevCondLst>
+              <p:nextCondLst>
+                <p:cond evt="onNext" delay="0">
+                  <p:tgtEl>
+                    <p:sldTgt/>
+                  </p:tgtEl>
+                </p:cond>
+              </p:nextCondLst>
+            </p:seq>
+          </p:childTnLst>
+        </p:cTn>
       </p:par>
     </p:tnLst>
   </p:timing>
@@ -11492,7 +11239,1524 @@
           <a:p>
             <a:r>
               <a:rPr lang="en-US" dirty="0" smtClean="0"/>
-              <a:t>Working on Ceres: submitting interactive or batch jobs</a:t>
+              <a:t>The </a:t>
+            </a:r>
+            <a:r>
+              <a:rPr lang="en-US" dirty="0" err="1" smtClean="0"/>
+              <a:t>Slurm</a:t>
+            </a:r>
+            <a:r>
+              <a:rPr lang="en-US" dirty="0" smtClean="0"/>
+              <a:t> job scheduler	</a:t>
+            </a:r>
+            <a:endParaRPr lang="en-US" dirty="0"/>
+          </a:p>
+        </p:txBody>
+      </p:sp>
+      <p:sp>
+        <p:nvSpPr>
+          <p:cNvPr id="3" name="Content Placeholder 2"/>
+          <p:cNvSpPr>
+            <a:spLocks noGrp="1"/>
+          </p:cNvSpPr>
+          <p:nvPr>
+            <p:ph idx="1"/>
+          </p:nvPr>
+        </p:nvSpPr>
+        <p:spPr/>
+        <p:txBody>
+          <a:bodyPr>
+            <a:normAutofit fontScale="92500" lnSpcReduction="20000"/>
+          </a:bodyPr>
+          <a:lstStyle/>
+          <a:p>
+            <a:r>
+              <a:rPr lang="en-US" dirty="0" smtClean="0"/>
+              <a:t>The person who named this job scheduler deserves a raise. The acronym sounds like the verb used to describe how a slug moves!</a:t>
+            </a:r>
+          </a:p>
+          <a:p>
+            <a:endParaRPr lang="en-US" dirty="0"/>
+          </a:p>
+          <a:p>
+            <a:r>
+              <a:rPr lang="en-US" dirty="0" smtClean="0"/>
+              <a:t>We talked about the organization of the cluster, and just to reinforce the point, I’d like you all to run a </a:t>
+            </a:r>
+            <a:r>
+              <a:rPr lang="en-US" dirty="0" err="1" smtClean="0"/>
+              <a:t>slurm</a:t>
+            </a:r>
+            <a:r>
+              <a:rPr lang="en-US" dirty="0" smtClean="0"/>
+              <a:t> command that shows you the nodes that are currently under the control of </a:t>
+            </a:r>
+            <a:r>
+              <a:rPr lang="en-US" dirty="0" err="1" smtClean="0"/>
+              <a:t>Slurm</a:t>
+            </a:r>
+            <a:r>
+              <a:rPr lang="en-US" dirty="0" smtClean="0"/>
+              <a:t> on CERES, </a:t>
+            </a:r>
+            <a:r>
+              <a:rPr lang="en-US" dirty="0" err="1" smtClean="0">
+                <a:solidFill>
+                  <a:srgbClr val="0070C0"/>
+                </a:solidFill>
+              </a:rPr>
+              <a:t>sinfo</a:t>
+            </a:r>
+            <a:r>
+              <a:rPr lang="en-US" dirty="0" smtClean="0"/>
+              <a:t>: </a:t>
+            </a:r>
+          </a:p>
+          <a:p>
+            <a:endParaRPr lang="en-US" dirty="0"/>
+          </a:p>
+          <a:p>
+            <a:r>
+              <a:rPr lang="en-US" dirty="0" smtClean="0"/>
+              <a:t>Because the computer nodes have different specifications, they are organized into different “</a:t>
+            </a:r>
+            <a:r>
+              <a:rPr lang="en-US" dirty="0" smtClean="0">
+                <a:solidFill>
+                  <a:srgbClr val="FF0000"/>
+                </a:solidFill>
+              </a:rPr>
+              <a:t>partitions</a:t>
+            </a:r>
+            <a:r>
+              <a:rPr lang="en-US" dirty="0" smtClean="0"/>
+              <a:t>” which have different limits. </a:t>
+            </a:r>
+          </a:p>
+          <a:p>
+            <a:endParaRPr lang="en-US" dirty="0"/>
+          </a:p>
+          <a:p>
+            <a:r>
+              <a:rPr lang="en-US" dirty="0" smtClean="0"/>
+              <a:t>To see the jobs currently running on the cluster, you use the “</a:t>
+            </a:r>
+            <a:r>
+              <a:rPr lang="en-US" dirty="0" err="1" smtClean="0">
+                <a:solidFill>
+                  <a:srgbClr val="0070C0"/>
+                </a:solidFill>
+              </a:rPr>
+              <a:t>squeue</a:t>
+            </a:r>
+            <a:r>
+              <a:rPr lang="en-US" dirty="0" smtClean="0"/>
+              <a:t>” command:</a:t>
+            </a:r>
+            <a:endParaRPr lang="en-US" dirty="0"/>
+          </a:p>
+        </p:txBody>
+      </p:sp>
+      <p:pic>
+        <p:nvPicPr>
+          <p:cNvPr id="4" name="Picture 3"/>
+          <p:cNvPicPr>
+            <a:picLocks noChangeAspect="1"/>
+          </p:cNvPicPr>
+          <p:nvPr/>
+        </p:nvPicPr>
+        <p:blipFill>
+          <a:blip r:embed="rId3"/>
+          <a:stretch>
+            <a:fillRect/>
+          </a:stretch>
+        </p:blipFill>
+        <p:spPr>
+          <a:xfrm>
+            <a:off x="4874821" y="3806465"/>
+            <a:ext cx="1224643" cy="389659"/>
+          </a:xfrm>
+          <a:prstGeom prst="rect">
+            <a:avLst/>
+          </a:prstGeom>
+        </p:spPr>
+      </p:pic>
+      <p:pic>
+        <p:nvPicPr>
+          <p:cNvPr id="5" name="Picture 4"/>
+          <p:cNvPicPr>
+            <a:picLocks noChangeAspect="1"/>
+          </p:cNvPicPr>
+          <p:nvPr/>
+        </p:nvPicPr>
+        <p:blipFill>
+          <a:blip r:embed="rId4"/>
+          <a:stretch>
+            <a:fillRect/>
+          </a:stretch>
+        </p:blipFill>
+        <p:spPr>
+          <a:xfrm>
+            <a:off x="4759777" y="6114905"/>
+            <a:ext cx="1454729" cy="393989"/>
+          </a:xfrm>
+          <a:prstGeom prst="rect">
+            <a:avLst/>
+          </a:prstGeom>
+        </p:spPr>
+      </p:pic>
+    </p:spTree>
+    <p:extLst>
+      <p:ext uri="{BB962C8B-B14F-4D97-AF65-F5344CB8AC3E}">
+        <p14:creationId xmlns:p14="http://schemas.microsoft.com/office/powerpoint/2010/main" val="4243959245"/>
+      </p:ext>
+    </p:extLst>
+  </p:cSld>
+  <p:clrMapOvr>
+    <a:masterClrMapping/>
+  </p:clrMapOvr>
+  <p:timing>
+    <p:tnLst>
+      <p:par>
+        <p:cTn id="1" dur="indefinite" restart="never" nodeType="tmRoot">
+          <p:childTnLst>
+            <p:seq concurrent="1" nextAc="seek">
+              <p:cTn id="2" dur="indefinite" nodeType="mainSeq">
+                <p:childTnLst>
+                  <p:par>
+                    <p:cTn id="3" fill="hold">
+                      <p:stCondLst>
+                        <p:cond delay="indefinite"/>
+                      </p:stCondLst>
+                      <p:childTnLst>
+                        <p:par>
+                          <p:cTn id="4" fill="hold">
+                            <p:stCondLst>
+                              <p:cond delay="0"/>
+                            </p:stCondLst>
+                            <p:childTnLst>
+                              <p:par>
+                                <p:cTn id="5" presetID="1" presetClass="entr" presetSubtype="0" fill="hold" nodeType="clickEffect">
+                                  <p:stCondLst>
+                                    <p:cond delay="0"/>
+                                  </p:stCondLst>
+                                  <p:childTnLst>
+                                    <p:set>
+                                      <p:cBhvr>
+                                        <p:cTn id="6" dur="1" fill="hold">
+                                          <p:stCondLst>
+                                            <p:cond delay="0"/>
+                                          </p:stCondLst>
+                                        </p:cTn>
+                                        <p:tgtEl>
+                                          <p:spTgt spid="3">
+                                            <p:txEl>
+                                              <p:pRg st="2" end="2"/>
+                                            </p:txEl>
+                                          </p:spTgt>
+                                        </p:tgtEl>
+                                        <p:attrNameLst>
+                                          <p:attrName>style.visibility</p:attrName>
+                                        </p:attrNameLst>
+                                      </p:cBhvr>
+                                      <p:to>
+                                        <p:strVal val="visible"/>
+                                      </p:to>
+                                    </p:set>
+                                  </p:childTnLst>
+                                </p:cTn>
+                              </p:par>
+                              <p:par>
+                                <p:cTn id="7" presetID="1" presetClass="entr" presetSubtype="0" fill="hold" nodeType="withEffect">
+                                  <p:stCondLst>
+                                    <p:cond delay="0"/>
+                                  </p:stCondLst>
+                                  <p:childTnLst>
+                                    <p:set>
+                                      <p:cBhvr>
+                                        <p:cTn id="8" dur="1" fill="hold">
+                                          <p:stCondLst>
+                                            <p:cond delay="0"/>
+                                          </p:stCondLst>
+                                        </p:cTn>
+                                        <p:tgtEl>
+                                          <p:spTgt spid="4"/>
+                                        </p:tgtEl>
+                                        <p:attrNameLst>
+                                          <p:attrName>style.visibility</p:attrName>
+                                        </p:attrNameLst>
+                                      </p:cBhvr>
+                                      <p:to>
+                                        <p:strVal val="visible"/>
+                                      </p:to>
+                                    </p:set>
+                                  </p:childTnLst>
+                                </p:cTn>
+                              </p:par>
+                              <p:par>
+                                <p:cTn id="9" presetID="1" presetClass="entr" presetSubtype="0" fill="hold" nodeType="withEffect">
+                                  <p:stCondLst>
+                                    <p:cond delay="0"/>
+                                  </p:stCondLst>
+                                  <p:childTnLst>
+                                    <p:set>
+                                      <p:cBhvr>
+                                        <p:cTn id="10" dur="1" fill="hold">
+                                          <p:stCondLst>
+                                            <p:cond delay="0"/>
+                                          </p:stCondLst>
+                                        </p:cTn>
+                                        <p:tgtEl>
+                                          <p:spTgt spid="3">
+                                            <p:txEl>
+                                              <p:pRg st="4" end="4"/>
+                                            </p:txEl>
+                                          </p:spTgt>
+                                        </p:tgtEl>
+                                        <p:attrNameLst>
+                                          <p:attrName>style.visibility</p:attrName>
+                                        </p:attrNameLst>
+                                      </p:cBhvr>
+                                      <p:to>
+                                        <p:strVal val="visible"/>
+                                      </p:to>
+                                    </p:set>
+                                  </p:childTnLst>
+                                </p:cTn>
+                              </p:par>
+                            </p:childTnLst>
+                          </p:cTn>
+                        </p:par>
+                      </p:childTnLst>
+                    </p:cTn>
+                  </p:par>
+                  <p:par>
+                    <p:cTn id="11" fill="hold">
+                      <p:stCondLst>
+                        <p:cond delay="indefinite"/>
+                      </p:stCondLst>
+                      <p:childTnLst>
+                        <p:par>
+                          <p:cTn id="12" fill="hold">
+                            <p:stCondLst>
+                              <p:cond delay="0"/>
+                            </p:stCondLst>
+                            <p:childTnLst>
+                              <p:par>
+                                <p:cTn id="13" presetID="1" presetClass="entr" presetSubtype="0" fill="hold" nodeType="clickEffect">
+                                  <p:stCondLst>
+                                    <p:cond delay="0"/>
+                                  </p:stCondLst>
+                                  <p:childTnLst>
+                                    <p:set>
+                                      <p:cBhvr>
+                                        <p:cTn id="14" dur="1" fill="hold">
+                                          <p:stCondLst>
+                                            <p:cond delay="0"/>
+                                          </p:stCondLst>
+                                        </p:cTn>
+                                        <p:tgtEl>
+                                          <p:spTgt spid="3">
+                                            <p:txEl>
+                                              <p:pRg st="6" end="6"/>
+                                            </p:txEl>
+                                          </p:spTgt>
+                                        </p:tgtEl>
+                                        <p:attrNameLst>
+                                          <p:attrName>style.visibility</p:attrName>
+                                        </p:attrNameLst>
+                                      </p:cBhvr>
+                                      <p:to>
+                                        <p:strVal val="visible"/>
+                                      </p:to>
+                                    </p:set>
+                                  </p:childTnLst>
+                                </p:cTn>
+                              </p:par>
+                              <p:par>
+                                <p:cTn id="15" presetID="1" presetClass="entr" presetSubtype="0" fill="hold" nodeType="withEffect">
+                                  <p:stCondLst>
+                                    <p:cond delay="0"/>
+                                  </p:stCondLst>
+                                  <p:childTnLst>
+                                    <p:set>
+                                      <p:cBhvr>
+                                        <p:cTn id="16" dur="1" fill="hold">
+                                          <p:stCondLst>
+                                            <p:cond delay="0"/>
+                                          </p:stCondLst>
+                                        </p:cTn>
+                                        <p:tgtEl>
+                                          <p:spTgt spid="5"/>
+                                        </p:tgtEl>
+                                        <p:attrNameLst>
+                                          <p:attrName>style.visibility</p:attrName>
+                                        </p:attrNameLst>
+                                      </p:cBhvr>
+                                      <p:to>
+                                        <p:strVal val="visible"/>
+                                      </p:to>
+                                    </p:set>
+                                  </p:childTnLst>
+                                </p:cTn>
+                              </p:par>
+                            </p:childTnLst>
+                          </p:cTn>
+                        </p:par>
+                      </p:childTnLst>
+                    </p:cTn>
+                  </p:par>
+                </p:childTnLst>
+              </p:cTn>
+              <p:prevCondLst>
+                <p:cond evt="onPrev" delay="0">
+                  <p:tgtEl>
+                    <p:sldTgt/>
+                  </p:tgtEl>
+                </p:cond>
+              </p:prevCondLst>
+              <p:nextCondLst>
+                <p:cond evt="onNext" delay="0">
+                  <p:tgtEl>
+                    <p:sldTgt/>
+                  </p:tgtEl>
+                </p:cond>
+              </p:nextCondLst>
+            </p:seq>
+          </p:childTnLst>
+        </p:cTn>
+      </p:par>
+    </p:tnLst>
+  </p:timing>
+</p:sld>
+</file>
+
+<file path=ppt/slides/slide29.xml><?xml version="1.0" encoding="utf-8"?>
+<p:sld xmlns:a="http://schemas.openxmlformats.org/drawingml/2006/main" xmlns:r="http://schemas.openxmlformats.org/officeDocument/2006/relationships" xmlns:p="http://schemas.openxmlformats.org/presentationml/2006/main">
+  <p:cSld>
+    <p:spTree>
+      <p:nvGrpSpPr>
+        <p:cNvPr id="1" name=""/>
+        <p:cNvGrpSpPr/>
+        <p:nvPr/>
+      </p:nvGrpSpPr>
+      <p:grpSpPr>
+        <a:xfrm>
+          <a:off x="0" y="0"/>
+          <a:ext cx="0" cy="0"/>
+          <a:chOff x="0" y="0"/>
+          <a:chExt cx="0" cy="0"/>
+        </a:xfrm>
+      </p:grpSpPr>
+      <p:sp>
+        <p:nvSpPr>
+          <p:cNvPr id="2" name="Title 1"/>
+          <p:cNvSpPr>
+            <a:spLocks noGrp="1"/>
+          </p:cNvSpPr>
+          <p:nvPr>
+            <p:ph type="title"/>
+          </p:nvPr>
+        </p:nvSpPr>
+        <p:spPr/>
+        <p:txBody>
+          <a:bodyPr/>
+          <a:lstStyle/>
+          <a:p>
+            <a:r>
+              <a:rPr lang="en-US" dirty="0" err="1" smtClean="0"/>
+              <a:t>Slurm</a:t>
+            </a:r>
+            <a:r>
+              <a:rPr lang="en-US" dirty="0" smtClean="0"/>
+              <a:t> commands</a:t>
+            </a:r>
+            <a:endParaRPr lang="en-US" dirty="0"/>
+          </a:p>
+        </p:txBody>
+      </p:sp>
+      <p:sp>
+        <p:nvSpPr>
+          <p:cNvPr id="3" name="Content Placeholder 2"/>
+          <p:cNvSpPr>
+            <a:spLocks noGrp="1"/>
+          </p:cNvSpPr>
+          <p:nvPr>
+            <p:ph idx="1"/>
+          </p:nvPr>
+        </p:nvSpPr>
+        <p:spPr/>
+        <p:txBody>
+          <a:bodyPr/>
+          <a:lstStyle/>
+          <a:p>
+            <a:r>
+              <a:rPr lang="en-US" dirty="0" smtClean="0"/>
+              <a:t>These are the most important </a:t>
+            </a:r>
+            <a:r>
+              <a:rPr lang="en-US" dirty="0" err="1" smtClean="0"/>
+              <a:t>slurm</a:t>
+            </a:r>
+            <a:r>
+              <a:rPr lang="en-US" dirty="0" smtClean="0"/>
+              <a:t> commands for you to remember:</a:t>
+            </a:r>
+            <a:endParaRPr lang="en-US" dirty="0"/>
+          </a:p>
+        </p:txBody>
+      </p:sp>
+      <p:graphicFrame>
+        <p:nvGraphicFramePr>
+          <p:cNvPr id="4" name="Table 3"/>
+          <p:cNvGraphicFramePr>
+            <a:graphicFrameLocks noGrp="1"/>
+          </p:cNvGraphicFramePr>
+          <p:nvPr>
+            <p:extLst>
+              <p:ext uri="{D42A27DB-BD31-4B8C-83A1-F6EECF244321}">
+                <p14:modId xmlns:p14="http://schemas.microsoft.com/office/powerpoint/2010/main" val="2697851464"/>
+              </p:ext>
+            </p:extLst>
+          </p:nvPr>
+        </p:nvGraphicFramePr>
+        <p:xfrm>
+          <a:off x="1380392" y="2606963"/>
+          <a:ext cx="9328639" cy="3474720"/>
+        </p:xfrm>
+        <a:graphic>
+          <a:graphicData uri="http://schemas.openxmlformats.org/drawingml/2006/table">
+            <a:tbl>
+              <a:tblPr firstRow="1" bandRow="1">
+                <a:tableStyleId>{073A0DAA-6AF3-43AB-8588-CEC1D06C72B9}</a:tableStyleId>
+              </a:tblPr>
+              <a:tblGrid>
+                <a:gridCol w="2947000">
+                  <a:extLst>
+                    <a:ext uri="{9D8B030D-6E8A-4147-A177-3AD203B41FA5}">
+                      <a16:colId xmlns:a16="http://schemas.microsoft.com/office/drawing/2014/main" val="1473322880"/>
+                    </a:ext>
+                  </a:extLst>
+                </a:gridCol>
+                <a:gridCol w="6381639">
+                  <a:extLst>
+                    <a:ext uri="{9D8B030D-6E8A-4147-A177-3AD203B41FA5}">
+                      <a16:colId xmlns:a16="http://schemas.microsoft.com/office/drawing/2014/main" val="1744658554"/>
+                    </a:ext>
+                  </a:extLst>
+                </a:gridCol>
+              </a:tblGrid>
+              <a:tr h="0">
+                <a:tc>
+                  <a:txBody>
+                    <a:bodyPr/>
+                    <a:lstStyle/>
+                    <a:p>
+                      <a:r>
+                        <a:rPr lang="en-US" sz="2400" dirty="0" smtClean="0"/>
+                        <a:t>Command</a:t>
+                      </a:r>
+                      <a:endParaRPr lang="en-US" sz="2400" dirty="0"/>
+                    </a:p>
+                  </a:txBody>
+                  <a:tcPr/>
+                </a:tc>
+                <a:tc>
+                  <a:txBody>
+                    <a:bodyPr/>
+                    <a:lstStyle/>
+                    <a:p>
+                      <a:r>
+                        <a:rPr lang="en-US" sz="2400" dirty="0" smtClean="0"/>
+                        <a:t>Description</a:t>
+                      </a:r>
+                      <a:endParaRPr lang="en-US" sz="2400" dirty="0"/>
+                    </a:p>
+                  </a:txBody>
+                  <a:tcPr/>
+                </a:tc>
+                <a:extLst>
+                  <a:ext uri="{0D108BD9-81ED-4DB2-BD59-A6C34878D82A}">
+                    <a16:rowId xmlns:a16="http://schemas.microsoft.com/office/drawing/2014/main" val="2215671401"/>
+                  </a:ext>
+                </a:extLst>
+              </a:tr>
+              <a:tr h="370840">
+                <a:tc>
+                  <a:txBody>
+                    <a:bodyPr/>
+                    <a:lstStyle/>
+                    <a:p>
+                      <a:r>
+                        <a:rPr lang="en-US" sz="2400" dirty="0" err="1" smtClean="0"/>
+                        <a:t>sinfo</a:t>
+                      </a:r>
+                      <a:endParaRPr lang="en-US" sz="2400" dirty="0"/>
+                    </a:p>
+                  </a:txBody>
+                  <a:tcPr/>
+                </a:tc>
+                <a:tc>
+                  <a:txBody>
+                    <a:bodyPr/>
+                    <a:lstStyle/>
+                    <a:p>
+                      <a:r>
+                        <a:rPr lang="en-US" sz="2400" dirty="0" smtClean="0"/>
+                        <a:t>The nodes and partitions</a:t>
+                      </a:r>
+                      <a:r>
+                        <a:rPr lang="en-US" sz="2400" baseline="0" dirty="0" smtClean="0"/>
+                        <a:t> that are available for use</a:t>
+                      </a:r>
+                      <a:endParaRPr lang="en-US" sz="2400" dirty="0"/>
+                    </a:p>
+                  </a:txBody>
+                  <a:tcPr/>
+                </a:tc>
+                <a:extLst>
+                  <a:ext uri="{0D108BD9-81ED-4DB2-BD59-A6C34878D82A}">
+                    <a16:rowId xmlns:a16="http://schemas.microsoft.com/office/drawing/2014/main" val="3086480027"/>
+                  </a:ext>
+                </a:extLst>
+              </a:tr>
+              <a:tr h="370840">
+                <a:tc>
+                  <a:txBody>
+                    <a:bodyPr/>
+                    <a:lstStyle/>
+                    <a:p>
+                      <a:r>
+                        <a:rPr lang="en-US" sz="2400" dirty="0" err="1" smtClean="0"/>
+                        <a:t>squeue</a:t>
+                      </a:r>
+                      <a:endParaRPr lang="en-US" sz="2400" dirty="0"/>
+                    </a:p>
+                  </a:txBody>
+                  <a:tcPr/>
+                </a:tc>
+                <a:tc>
+                  <a:txBody>
+                    <a:bodyPr/>
+                    <a:lstStyle/>
+                    <a:p>
+                      <a:r>
+                        <a:rPr lang="en-US" sz="2400" dirty="0" smtClean="0"/>
+                        <a:t>The</a:t>
+                      </a:r>
+                      <a:r>
+                        <a:rPr lang="en-US" sz="2400" baseline="0" dirty="0" smtClean="0"/>
+                        <a:t> currently queued tasks on the cluster</a:t>
+                      </a:r>
+                      <a:endParaRPr lang="en-US" sz="2400" dirty="0"/>
+                    </a:p>
+                  </a:txBody>
+                  <a:tcPr/>
+                </a:tc>
+                <a:extLst>
+                  <a:ext uri="{0D108BD9-81ED-4DB2-BD59-A6C34878D82A}">
+                    <a16:rowId xmlns:a16="http://schemas.microsoft.com/office/drawing/2014/main" val="1474195463"/>
+                  </a:ext>
+                </a:extLst>
+              </a:tr>
+              <a:tr h="370840">
+                <a:tc>
+                  <a:txBody>
+                    <a:bodyPr/>
+                    <a:lstStyle/>
+                    <a:p>
+                      <a:r>
+                        <a:rPr lang="en-US" sz="2400" dirty="0" err="1" smtClean="0"/>
+                        <a:t>scancel</a:t>
+                      </a:r>
+                      <a:r>
+                        <a:rPr lang="en-US" sz="2400" baseline="0" dirty="0" smtClean="0"/>
+                        <a:t> (</a:t>
+                      </a:r>
+                      <a:r>
+                        <a:rPr lang="en-US" sz="2400" baseline="0" dirty="0" err="1" smtClean="0"/>
+                        <a:t>jobID</a:t>
+                      </a:r>
+                      <a:r>
+                        <a:rPr lang="en-US" sz="2400" baseline="0" dirty="0" smtClean="0"/>
+                        <a:t>)</a:t>
+                      </a:r>
+                      <a:endParaRPr lang="en-US" sz="2400" dirty="0"/>
+                    </a:p>
+                  </a:txBody>
+                  <a:tcPr/>
+                </a:tc>
+                <a:tc>
+                  <a:txBody>
+                    <a:bodyPr/>
+                    <a:lstStyle/>
+                    <a:p>
+                      <a:r>
+                        <a:rPr lang="en-US" sz="2400" dirty="0" smtClean="0"/>
+                        <a:t>A</a:t>
+                      </a:r>
+                      <a:r>
+                        <a:rPr lang="en-US" sz="2400" baseline="0" dirty="0" smtClean="0"/>
+                        <a:t> tool to cancel a job (use </a:t>
+                      </a:r>
+                      <a:r>
+                        <a:rPr lang="en-US" sz="2400" baseline="0" dirty="0" err="1" smtClean="0"/>
+                        <a:t>squeue</a:t>
+                      </a:r>
+                      <a:r>
+                        <a:rPr lang="en-US" sz="2400" baseline="0" dirty="0" smtClean="0"/>
+                        <a:t> to find out the job ID)</a:t>
+                      </a:r>
+                      <a:endParaRPr lang="en-US" sz="2400" dirty="0"/>
+                    </a:p>
+                  </a:txBody>
+                  <a:tcPr/>
+                </a:tc>
+                <a:extLst>
+                  <a:ext uri="{0D108BD9-81ED-4DB2-BD59-A6C34878D82A}">
+                    <a16:rowId xmlns:a16="http://schemas.microsoft.com/office/drawing/2014/main" val="963802719"/>
+                  </a:ext>
+                </a:extLst>
+              </a:tr>
+              <a:tr h="370840">
+                <a:tc>
+                  <a:txBody>
+                    <a:bodyPr/>
+                    <a:lstStyle/>
+                    <a:p>
+                      <a:r>
+                        <a:rPr lang="en-US" sz="2400" dirty="0" err="1" smtClean="0"/>
+                        <a:t>sbatch</a:t>
+                      </a:r>
+                      <a:endParaRPr lang="en-US" sz="2400" dirty="0"/>
+                    </a:p>
+                  </a:txBody>
+                  <a:tcPr/>
+                </a:tc>
+                <a:tc>
+                  <a:txBody>
+                    <a:bodyPr/>
+                    <a:lstStyle/>
+                    <a:p>
+                      <a:r>
+                        <a:rPr lang="en-US" sz="2400" dirty="0" smtClean="0"/>
+                        <a:t>Non-interactive job submission</a:t>
+                      </a:r>
+                      <a:endParaRPr lang="en-US" sz="2400" dirty="0"/>
+                    </a:p>
+                  </a:txBody>
+                  <a:tcPr/>
+                </a:tc>
+                <a:extLst>
+                  <a:ext uri="{0D108BD9-81ED-4DB2-BD59-A6C34878D82A}">
+                    <a16:rowId xmlns:a16="http://schemas.microsoft.com/office/drawing/2014/main" val="2754597354"/>
+                  </a:ext>
+                </a:extLst>
+              </a:tr>
+              <a:tr h="370840">
+                <a:tc>
+                  <a:txBody>
+                    <a:bodyPr/>
+                    <a:lstStyle/>
+                    <a:p>
+                      <a:r>
+                        <a:rPr lang="en-US" sz="2400" dirty="0" err="1" smtClean="0"/>
+                        <a:t>srun</a:t>
+                      </a:r>
+                      <a:endParaRPr lang="en-US" sz="2400" dirty="0"/>
+                    </a:p>
+                  </a:txBody>
+                  <a:tcPr/>
+                </a:tc>
+                <a:tc>
+                  <a:txBody>
+                    <a:bodyPr/>
+                    <a:lstStyle/>
+                    <a:p>
+                      <a:r>
+                        <a:rPr lang="en-US" sz="2400" dirty="0" smtClean="0"/>
+                        <a:t>Interactive</a:t>
+                      </a:r>
+                      <a:r>
+                        <a:rPr lang="en-US" sz="2400" baseline="0" dirty="0" smtClean="0"/>
+                        <a:t> job request</a:t>
+                      </a:r>
+                      <a:endParaRPr lang="en-US" sz="2400" dirty="0"/>
+                    </a:p>
+                  </a:txBody>
+                  <a:tcPr/>
+                </a:tc>
+                <a:extLst>
+                  <a:ext uri="{0D108BD9-81ED-4DB2-BD59-A6C34878D82A}">
+                    <a16:rowId xmlns:a16="http://schemas.microsoft.com/office/drawing/2014/main" val="3886221469"/>
+                  </a:ext>
+                </a:extLst>
+              </a:tr>
+            </a:tbl>
+          </a:graphicData>
+        </a:graphic>
+      </p:graphicFrame>
+    </p:spTree>
+    <p:extLst>
+      <p:ext uri="{BB962C8B-B14F-4D97-AF65-F5344CB8AC3E}">
+        <p14:creationId xmlns:p14="http://schemas.microsoft.com/office/powerpoint/2010/main" val="3096986543"/>
+      </p:ext>
+    </p:extLst>
+  </p:cSld>
+  <p:clrMapOvr>
+    <a:masterClrMapping/>
+  </p:clrMapOvr>
+  <p:timing>
+    <p:tnLst>
+      <p:par>
+        <p:cTn id="1" dur="indefinite" restart="never" nodeType="tmRoot"/>
+      </p:par>
+    </p:tnLst>
+  </p:timing>
+</p:sld>
+</file>
+
+<file path=ppt/slides/slide3.xml><?xml version="1.0" encoding="utf-8"?>
+<p:sld xmlns:a="http://schemas.openxmlformats.org/drawingml/2006/main" xmlns:r="http://schemas.openxmlformats.org/officeDocument/2006/relationships" xmlns:p="http://schemas.openxmlformats.org/presentationml/2006/main">
+  <p:cSld>
+    <p:spTree>
+      <p:nvGrpSpPr>
+        <p:cNvPr id="1" name=""/>
+        <p:cNvGrpSpPr/>
+        <p:nvPr/>
+      </p:nvGrpSpPr>
+      <p:grpSpPr>
+        <a:xfrm>
+          <a:off x="0" y="0"/>
+          <a:ext cx="0" cy="0"/>
+          <a:chOff x="0" y="0"/>
+          <a:chExt cx="0" cy="0"/>
+        </a:xfrm>
+      </p:grpSpPr>
+      <p:sp>
+        <p:nvSpPr>
+          <p:cNvPr id="2" name="Title 1"/>
+          <p:cNvSpPr>
+            <a:spLocks noGrp="1"/>
+          </p:cNvSpPr>
+          <p:nvPr>
+            <p:ph type="title"/>
+          </p:nvPr>
+        </p:nvSpPr>
+        <p:spPr/>
+        <p:txBody>
+          <a:bodyPr/>
+          <a:lstStyle/>
+          <a:p>
+            <a:r>
+              <a:rPr lang="en-US" dirty="0" smtClean="0"/>
+              <a:t>The Unix environment</a:t>
+            </a:r>
+            <a:endParaRPr lang="en-US" dirty="0"/>
+          </a:p>
+        </p:txBody>
+      </p:sp>
+      <p:sp>
+        <p:nvSpPr>
+          <p:cNvPr id="3" name="Content Placeholder 2"/>
+          <p:cNvSpPr>
+            <a:spLocks noGrp="1"/>
+          </p:cNvSpPr>
+          <p:nvPr>
+            <p:ph idx="1"/>
+          </p:nvPr>
+        </p:nvSpPr>
+        <p:spPr/>
+        <p:txBody>
+          <a:bodyPr>
+            <a:normAutofit lnSpcReduction="10000"/>
+          </a:bodyPr>
+          <a:lstStyle/>
+          <a:p>
+            <a:r>
+              <a:rPr lang="en-US" dirty="0" smtClean="0"/>
+              <a:t>This will take a bit of getting used to, but you have a customized user environment in Unix. As soon as you log in, several text files are read in your home directory that will customize various details of your user experience.</a:t>
+            </a:r>
+          </a:p>
+          <a:p>
+            <a:endParaRPr lang="en-US" dirty="0"/>
+          </a:p>
+          <a:p>
+            <a:r>
+              <a:rPr lang="en-US" dirty="0" smtClean="0"/>
+              <a:t>If you haven’t been tinkering with your settings, you have the “default” settings that the Iowa staff produced for your user experience. </a:t>
+            </a:r>
+            <a:br>
+              <a:rPr lang="en-US" dirty="0" smtClean="0"/>
+            </a:br>
+            <a:endParaRPr lang="en-US" dirty="0" smtClean="0"/>
+          </a:p>
+          <a:p>
+            <a:r>
+              <a:rPr lang="en-US" dirty="0" smtClean="0"/>
+              <a:t>In order to see your current environmental variables, use the “set” command right now:</a:t>
+            </a:r>
+            <a:endParaRPr lang="en-US" dirty="0"/>
+          </a:p>
+        </p:txBody>
+      </p:sp>
+      <p:pic>
+        <p:nvPicPr>
+          <p:cNvPr id="4" name="Picture 3"/>
+          <p:cNvPicPr>
+            <a:picLocks noChangeAspect="1"/>
+          </p:cNvPicPr>
+          <p:nvPr/>
+        </p:nvPicPr>
+        <p:blipFill>
+          <a:blip r:embed="rId2"/>
+          <a:stretch>
+            <a:fillRect/>
+          </a:stretch>
+        </p:blipFill>
+        <p:spPr>
+          <a:xfrm>
+            <a:off x="4733925" y="5813059"/>
+            <a:ext cx="1387747" cy="515449"/>
+          </a:xfrm>
+          <a:prstGeom prst="rect">
+            <a:avLst/>
+          </a:prstGeom>
+        </p:spPr>
+      </p:pic>
+    </p:spTree>
+    <p:extLst>
+      <p:ext uri="{BB962C8B-B14F-4D97-AF65-F5344CB8AC3E}">
+        <p14:creationId xmlns:p14="http://schemas.microsoft.com/office/powerpoint/2010/main" val="870827819"/>
+      </p:ext>
+    </p:extLst>
+  </p:cSld>
+  <p:clrMapOvr>
+    <a:masterClrMapping/>
+  </p:clrMapOvr>
+  <p:timing>
+    <p:tnLst>
+      <p:par>
+        <p:cTn id="1" dur="indefinite" restart="never" nodeType="tmRoot">
+          <p:childTnLst>
+            <p:seq concurrent="1" nextAc="seek">
+              <p:cTn id="2" dur="indefinite" nodeType="mainSeq">
+                <p:childTnLst>
+                  <p:par>
+                    <p:cTn id="3" fill="hold">
+                      <p:stCondLst>
+                        <p:cond delay="indefinite"/>
+                      </p:stCondLst>
+                      <p:childTnLst>
+                        <p:par>
+                          <p:cTn id="4" fill="hold">
+                            <p:stCondLst>
+                              <p:cond delay="0"/>
+                            </p:stCondLst>
+                            <p:childTnLst>
+                              <p:par>
+                                <p:cTn id="5" presetID="1" presetClass="entr" presetSubtype="0" fill="hold" nodeType="clickEffect">
+                                  <p:stCondLst>
+                                    <p:cond delay="0"/>
+                                  </p:stCondLst>
+                                  <p:childTnLst>
+                                    <p:set>
+                                      <p:cBhvr>
+                                        <p:cTn id="6" dur="1" fill="hold">
+                                          <p:stCondLst>
+                                            <p:cond delay="0"/>
+                                          </p:stCondLst>
+                                        </p:cTn>
+                                        <p:tgtEl>
+                                          <p:spTgt spid="3">
+                                            <p:txEl>
+                                              <p:pRg st="3" end="3"/>
+                                            </p:txEl>
+                                          </p:spTgt>
+                                        </p:tgtEl>
+                                        <p:attrNameLst>
+                                          <p:attrName>style.visibility</p:attrName>
+                                        </p:attrNameLst>
+                                      </p:cBhvr>
+                                      <p:to>
+                                        <p:strVal val="visible"/>
+                                      </p:to>
+                                    </p:set>
+                                  </p:childTnLst>
+                                </p:cTn>
+                              </p:par>
+                              <p:par>
+                                <p:cTn id="7" presetID="1" presetClass="entr" presetSubtype="0" fill="hold" nodeType="withEffect">
+                                  <p:stCondLst>
+                                    <p:cond delay="0"/>
+                                  </p:stCondLst>
+                                  <p:childTnLst>
+                                    <p:set>
+                                      <p:cBhvr>
+                                        <p:cTn id="8" dur="1" fill="hold">
+                                          <p:stCondLst>
+                                            <p:cond delay="0"/>
+                                          </p:stCondLst>
+                                        </p:cTn>
+                                        <p:tgtEl>
+                                          <p:spTgt spid="4"/>
+                                        </p:tgtEl>
+                                        <p:attrNameLst>
+                                          <p:attrName>style.visibility</p:attrName>
+                                        </p:attrNameLst>
+                                      </p:cBhvr>
+                                      <p:to>
+                                        <p:strVal val="visible"/>
+                                      </p:to>
+                                    </p:set>
+                                  </p:childTnLst>
+                                </p:cTn>
+                              </p:par>
+                            </p:childTnLst>
+                          </p:cTn>
+                        </p:par>
+                      </p:childTnLst>
+                    </p:cTn>
+                  </p:par>
+                </p:childTnLst>
+              </p:cTn>
+              <p:prevCondLst>
+                <p:cond evt="onPrev" delay="0">
+                  <p:tgtEl>
+                    <p:sldTgt/>
+                  </p:tgtEl>
+                </p:cond>
+              </p:prevCondLst>
+              <p:nextCondLst>
+                <p:cond evt="onNext" delay="0">
+                  <p:tgtEl>
+                    <p:sldTgt/>
+                  </p:tgtEl>
+                </p:cond>
+              </p:nextCondLst>
+            </p:seq>
+          </p:childTnLst>
+        </p:cTn>
+      </p:par>
+    </p:tnLst>
+  </p:timing>
+</p:sld>
+</file>
+
+<file path=ppt/slides/slide30.xml><?xml version="1.0" encoding="utf-8"?>
+<p:sld xmlns:a="http://schemas.openxmlformats.org/drawingml/2006/main" xmlns:r="http://schemas.openxmlformats.org/officeDocument/2006/relationships" xmlns:p="http://schemas.openxmlformats.org/presentationml/2006/main">
+  <p:cSld>
+    <p:spTree>
+      <p:nvGrpSpPr>
+        <p:cNvPr id="1" name=""/>
+        <p:cNvGrpSpPr/>
+        <p:nvPr/>
+      </p:nvGrpSpPr>
+      <p:grpSpPr>
+        <a:xfrm>
+          <a:off x="0" y="0"/>
+          <a:ext cx="0" cy="0"/>
+          <a:chOff x="0" y="0"/>
+          <a:chExt cx="0" cy="0"/>
+        </a:xfrm>
+      </p:grpSpPr>
+      <p:sp>
+        <p:nvSpPr>
+          <p:cNvPr id="2" name="Title 1"/>
+          <p:cNvSpPr>
+            <a:spLocks noGrp="1"/>
+          </p:cNvSpPr>
+          <p:nvPr>
+            <p:ph type="title"/>
+          </p:nvPr>
+        </p:nvSpPr>
+        <p:spPr/>
+        <p:txBody>
+          <a:bodyPr/>
+          <a:lstStyle/>
+          <a:p>
+            <a:r>
+              <a:rPr lang="en-US" dirty="0" smtClean="0"/>
+              <a:t>Important resources in SBATCH and SRUN</a:t>
+            </a:r>
+            <a:endParaRPr lang="en-US" dirty="0"/>
+          </a:p>
+        </p:txBody>
+      </p:sp>
+      <p:graphicFrame>
+        <p:nvGraphicFramePr>
+          <p:cNvPr id="4" name="Content Placeholder 3"/>
+          <p:cNvGraphicFramePr>
+            <a:graphicFrameLocks noGrp="1"/>
+          </p:cNvGraphicFramePr>
+          <p:nvPr>
+            <p:ph idx="1"/>
+            <p:extLst>
+              <p:ext uri="{D42A27DB-BD31-4B8C-83A1-F6EECF244321}">
+                <p14:modId xmlns:p14="http://schemas.microsoft.com/office/powerpoint/2010/main" val="125430043"/>
+              </p:ext>
+            </p:extLst>
+          </p:nvPr>
+        </p:nvGraphicFramePr>
+        <p:xfrm>
+          <a:off x="838200" y="1825625"/>
+          <a:ext cx="10987453" cy="4297680"/>
+        </p:xfrm>
+        <a:graphic>
+          <a:graphicData uri="http://schemas.openxmlformats.org/drawingml/2006/table">
+            <a:tbl>
+              <a:tblPr firstRow="1" bandRow="1">
+                <a:tableStyleId>{073A0DAA-6AF3-43AB-8588-CEC1D06C72B9}</a:tableStyleId>
+              </a:tblPr>
+              <a:tblGrid>
+                <a:gridCol w="2289655">
+                  <a:extLst>
+                    <a:ext uri="{9D8B030D-6E8A-4147-A177-3AD203B41FA5}">
+                      <a16:colId xmlns:a16="http://schemas.microsoft.com/office/drawing/2014/main" val="1881791918"/>
+                    </a:ext>
+                  </a:extLst>
+                </a:gridCol>
+                <a:gridCol w="3879629">
+                  <a:extLst>
+                    <a:ext uri="{9D8B030D-6E8A-4147-A177-3AD203B41FA5}">
+                      <a16:colId xmlns:a16="http://schemas.microsoft.com/office/drawing/2014/main" val="934674670"/>
+                    </a:ext>
+                  </a:extLst>
+                </a:gridCol>
+                <a:gridCol w="4818169">
+                  <a:extLst>
+                    <a:ext uri="{9D8B030D-6E8A-4147-A177-3AD203B41FA5}">
+                      <a16:colId xmlns:a16="http://schemas.microsoft.com/office/drawing/2014/main" val="4179359622"/>
+                    </a:ext>
+                  </a:extLst>
+                </a:gridCol>
+              </a:tblGrid>
+              <a:tr h="370840">
+                <a:tc>
+                  <a:txBody>
+                    <a:bodyPr/>
+                    <a:lstStyle/>
+                    <a:p>
+                      <a:r>
+                        <a:rPr lang="en-US" sz="2400" dirty="0" smtClean="0"/>
+                        <a:t>Short form</a:t>
+                      </a:r>
+                      <a:endParaRPr lang="en-US" sz="2400" dirty="0"/>
+                    </a:p>
+                  </a:txBody>
+                  <a:tcPr/>
+                </a:tc>
+                <a:tc>
+                  <a:txBody>
+                    <a:bodyPr/>
+                    <a:lstStyle/>
+                    <a:p>
+                      <a:r>
+                        <a:rPr lang="en-US" sz="2400" dirty="0" smtClean="0"/>
+                        <a:t>Long form</a:t>
+                      </a:r>
+                      <a:endParaRPr lang="en-US" sz="2400" dirty="0"/>
+                    </a:p>
+                  </a:txBody>
+                  <a:tcPr/>
+                </a:tc>
+                <a:tc>
+                  <a:txBody>
+                    <a:bodyPr/>
+                    <a:lstStyle/>
+                    <a:p>
+                      <a:r>
+                        <a:rPr lang="en-US" sz="2400" dirty="0" smtClean="0"/>
+                        <a:t>Description</a:t>
+                      </a:r>
+                      <a:endParaRPr lang="en-US" sz="2400" dirty="0"/>
+                    </a:p>
+                  </a:txBody>
+                  <a:tcPr/>
+                </a:tc>
+                <a:extLst>
+                  <a:ext uri="{0D108BD9-81ED-4DB2-BD59-A6C34878D82A}">
+                    <a16:rowId xmlns:a16="http://schemas.microsoft.com/office/drawing/2014/main" val="1667136482"/>
+                  </a:ext>
+                </a:extLst>
+              </a:tr>
+              <a:tr h="370840">
+                <a:tc>
+                  <a:txBody>
+                    <a:bodyPr/>
+                    <a:lstStyle/>
+                    <a:p>
+                      <a:r>
+                        <a:rPr lang="en-US" sz="2400" dirty="0" smtClean="0"/>
+                        <a:t>-N</a:t>
+                      </a:r>
+                      <a:endParaRPr lang="en-US" sz="2400" dirty="0"/>
+                    </a:p>
+                  </a:txBody>
+                  <a:tcPr/>
+                </a:tc>
+                <a:tc>
+                  <a:txBody>
+                    <a:bodyPr/>
+                    <a:lstStyle/>
+                    <a:p>
+                      <a:r>
+                        <a:rPr lang="en-US" sz="2400" dirty="0" smtClean="0"/>
+                        <a:t>--nodes=(value)</a:t>
+                      </a:r>
+                      <a:endParaRPr lang="en-US" sz="2400" dirty="0"/>
+                    </a:p>
+                  </a:txBody>
+                  <a:tcPr/>
+                </a:tc>
+                <a:tc>
+                  <a:txBody>
+                    <a:bodyPr/>
+                    <a:lstStyle/>
+                    <a:p>
+                      <a:r>
+                        <a:rPr lang="en-US" sz="2400" dirty="0" smtClean="0"/>
+                        <a:t>Number</a:t>
+                      </a:r>
+                      <a:r>
+                        <a:rPr lang="en-US" sz="2400" baseline="0" dirty="0" smtClean="0"/>
+                        <a:t> of nodes to use! (Usually 1)</a:t>
+                      </a:r>
+                      <a:endParaRPr lang="en-US" sz="2400" dirty="0"/>
+                    </a:p>
+                  </a:txBody>
+                  <a:tcPr/>
+                </a:tc>
+                <a:extLst>
+                  <a:ext uri="{0D108BD9-81ED-4DB2-BD59-A6C34878D82A}">
+                    <a16:rowId xmlns:a16="http://schemas.microsoft.com/office/drawing/2014/main" val="179360743"/>
+                  </a:ext>
+                </a:extLst>
+              </a:tr>
+              <a:tr h="370840">
+                <a:tc>
+                  <a:txBody>
+                    <a:bodyPr/>
+                    <a:lstStyle/>
+                    <a:p>
+                      <a:r>
+                        <a:rPr lang="en-US" sz="2400" dirty="0" smtClean="0"/>
+                        <a:t>-n</a:t>
+                      </a:r>
+                      <a:endParaRPr lang="en-US" sz="2400" dirty="0"/>
+                    </a:p>
+                  </a:txBody>
+                  <a:tcPr/>
+                </a:tc>
+                <a:tc>
+                  <a:txBody>
+                    <a:bodyPr/>
+                    <a:lstStyle/>
+                    <a:p>
+                      <a:r>
+                        <a:rPr lang="en-US" sz="2400" dirty="0" smtClean="0"/>
+                        <a:t>--</a:t>
+                      </a:r>
+                      <a:r>
+                        <a:rPr lang="en-US" sz="2400" dirty="0" err="1" smtClean="0"/>
+                        <a:t>ntasks</a:t>
+                      </a:r>
+                      <a:r>
+                        <a:rPr lang="en-US" sz="2400" dirty="0" smtClean="0"/>
+                        <a:t>-per-node=(value)</a:t>
+                      </a:r>
+                      <a:endParaRPr lang="en-US" sz="2400" dirty="0"/>
+                    </a:p>
+                  </a:txBody>
+                  <a:tcPr/>
+                </a:tc>
+                <a:tc>
+                  <a:txBody>
+                    <a:bodyPr/>
+                    <a:lstStyle/>
+                    <a:p>
+                      <a:r>
+                        <a:rPr lang="en-US" sz="2400" dirty="0" smtClean="0"/>
+                        <a:t>Number of CPUs to use on separate tasks.</a:t>
+                      </a:r>
+                      <a:endParaRPr lang="en-US" sz="2400" dirty="0"/>
+                    </a:p>
+                  </a:txBody>
+                  <a:tcPr/>
+                </a:tc>
+                <a:extLst>
+                  <a:ext uri="{0D108BD9-81ED-4DB2-BD59-A6C34878D82A}">
+                    <a16:rowId xmlns:a16="http://schemas.microsoft.com/office/drawing/2014/main" val="3564580302"/>
+                  </a:ext>
+                </a:extLst>
+              </a:tr>
+              <a:tr h="370840">
+                <a:tc>
+                  <a:txBody>
+                    <a:bodyPr/>
+                    <a:lstStyle/>
+                    <a:p>
+                      <a:r>
+                        <a:rPr lang="en-US" sz="2400" dirty="0" smtClean="0"/>
+                        <a:t>(none!)</a:t>
+                      </a:r>
+                      <a:endParaRPr lang="en-US" sz="2400" dirty="0"/>
+                    </a:p>
+                  </a:txBody>
+                  <a:tcPr/>
+                </a:tc>
+                <a:tc>
+                  <a:txBody>
+                    <a:bodyPr/>
+                    <a:lstStyle/>
+                    <a:p>
+                      <a:r>
+                        <a:rPr lang="en-US" sz="2400" dirty="0" smtClean="0"/>
+                        <a:t>--mem=(value)</a:t>
+                      </a:r>
+                      <a:endParaRPr lang="en-US" sz="2400" dirty="0"/>
+                    </a:p>
+                  </a:txBody>
+                  <a:tcPr/>
+                </a:tc>
+                <a:tc>
+                  <a:txBody>
+                    <a:bodyPr/>
+                    <a:lstStyle/>
+                    <a:p>
+                      <a:r>
+                        <a:rPr lang="en-US" sz="2400" dirty="0" smtClean="0"/>
+                        <a:t>Number of megabytes</a:t>
+                      </a:r>
+                      <a:r>
+                        <a:rPr lang="en-US" sz="2400" baseline="0" dirty="0" smtClean="0"/>
+                        <a:t> of RAM to use.</a:t>
+                      </a:r>
+                      <a:endParaRPr lang="en-US" sz="2400" dirty="0"/>
+                    </a:p>
+                  </a:txBody>
+                  <a:tcPr/>
+                </a:tc>
+                <a:extLst>
+                  <a:ext uri="{0D108BD9-81ED-4DB2-BD59-A6C34878D82A}">
+                    <a16:rowId xmlns:a16="http://schemas.microsoft.com/office/drawing/2014/main" val="116118161"/>
+                  </a:ext>
+                </a:extLst>
+              </a:tr>
+              <a:tr h="370840">
+                <a:tc>
+                  <a:txBody>
+                    <a:bodyPr/>
+                    <a:lstStyle/>
+                    <a:p>
+                      <a:r>
+                        <a:rPr lang="en-US" sz="2400" dirty="0" smtClean="0"/>
+                        <a:t>-p</a:t>
+                      </a:r>
+                      <a:endParaRPr lang="en-US" sz="2400" dirty="0"/>
+                    </a:p>
+                  </a:txBody>
+                  <a:tcPr/>
+                </a:tc>
+                <a:tc>
+                  <a:txBody>
+                    <a:bodyPr/>
+                    <a:lstStyle/>
+                    <a:p>
+                      <a:r>
+                        <a:rPr lang="en-US" sz="2400" dirty="0" smtClean="0"/>
+                        <a:t>--partition=(value)</a:t>
+                      </a:r>
+                      <a:endParaRPr lang="en-US" sz="2400" dirty="0"/>
+                    </a:p>
+                  </a:txBody>
+                  <a:tcPr/>
+                </a:tc>
+                <a:tc>
+                  <a:txBody>
+                    <a:bodyPr/>
+                    <a:lstStyle/>
+                    <a:p>
+                      <a:r>
+                        <a:rPr lang="en-US" sz="2400" dirty="0" smtClean="0"/>
+                        <a:t>The partition to use for the job (default is “short”)</a:t>
+                      </a:r>
+                      <a:endParaRPr lang="en-US" sz="2400" dirty="0"/>
+                    </a:p>
+                  </a:txBody>
+                  <a:tcPr/>
+                </a:tc>
+                <a:extLst>
+                  <a:ext uri="{0D108BD9-81ED-4DB2-BD59-A6C34878D82A}">
+                    <a16:rowId xmlns:a16="http://schemas.microsoft.com/office/drawing/2014/main" val="3538591526"/>
+                  </a:ext>
+                </a:extLst>
+              </a:tr>
+              <a:tr h="370840">
+                <a:tc>
+                  <a:txBody>
+                    <a:bodyPr/>
+                    <a:lstStyle/>
+                    <a:p>
+                      <a:r>
+                        <a:rPr lang="en-US" sz="2400" dirty="0" smtClean="0"/>
+                        <a:t>-t </a:t>
+                      </a:r>
+                      <a:endParaRPr lang="en-US" sz="2400" dirty="0"/>
+                    </a:p>
+                  </a:txBody>
+                  <a:tcPr/>
+                </a:tc>
+                <a:tc>
+                  <a:txBody>
+                    <a:bodyPr/>
+                    <a:lstStyle/>
+                    <a:p>
+                      <a:r>
+                        <a:rPr lang="en-US" sz="2400" dirty="0" smtClean="0"/>
+                        <a:t>--time=(value)</a:t>
+                      </a:r>
+                      <a:endParaRPr lang="en-US" sz="2400" dirty="0"/>
+                    </a:p>
+                  </a:txBody>
+                  <a:tcPr/>
+                </a:tc>
+                <a:tc>
+                  <a:txBody>
+                    <a:bodyPr/>
+                    <a:lstStyle/>
+                    <a:p>
+                      <a:r>
+                        <a:rPr lang="en-US" sz="2400" dirty="0" smtClean="0"/>
+                        <a:t>The time for running the job</a:t>
+                      </a:r>
+                      <a:endParaRPr lang="en-US" sz="2400" dirty="0"/>
+                    </a:p>
+                  </a:txBody>
+                  <a:tcPr/>
+                </a:tc>
+                <a:extLst>
+                  <a:ext uri="{0D108BD9-81ED-4DB2-BD59-A6C34878D82A}">
+                    <a16:rowId xmlns:a16="http://schemas.microsoft.com/office/drawing/2014/main" val="437313882"/>
+                  </a:ext>
+                </a:extLst>
+              </a:tr>
+              <a:tr h="370840">
+                <a:tc>
+                  <a:txBody>
+                    <a:bodyPr/>
+                    <a:lstStyle/>
+                    <a:p>
+                      <a:r>
+                        <a:rPr lang="en-US" sz="2400" dirty="0" smtClean="0"/>
+                        <a:t>-o</a:t>
+                      </a:r>
+                      <a:endParaRPr lang="en-US" sz="2400" dirty="0"/>
+                    </a:p>
+                  </a:txBody>
+                  <a:tcPr/>
+                </a:tc>
+                <a:tc>
+                  <a:txBody>
+                    <a:bodyPr/>
+                    <a:lstStyle/>
+                    <a:p>
+                      <a:r>
+                        <a:rPr lang="en-US" sz="2400" dirty="0" smtClean="0"/>
+                        <a:t>--output=(value)</a:t>
+                      </a:r>
+                      <a:endParaRPr lang="en-US" sz="2400" dirty="0"/>
+                    </a:p>
+                  </a:txBody>
+                  <a:tcPr/>
+                </a:tc>
+                <a:tc>
+                  <a:txBody>
+                    <a:bodyPr/>
+                    <a:lstStyle/>
+                    <a:p>
+                      <a:r>
+                        <a:rPr lang="en-US" sz="2400" dirty="0" smtClean="0"/>
+                        <a:t>The text file name for STDOUT</a:t>
+                      </a:r>
+                      <a:endParaRPr lang="en-US" sz="2400" dirty="0"/>
+                    </a:p>
+                  </a:txBody>
+                  <a:tcPr/>
+                </a:tc>
+                <a:extLst>
+                  <a:ext uri="{0D108BD9-81ED-4DB2-BD59-A6C34878D82A}">
+                    <a16:rowId xmlns:a16="http://schemas.microsoft.com/office/drawing/2014/main" val="2421615116"/>
+                  </a:ext>
+                </a:extLst>
+              </a:tr>
+            </a:tbl>
+          </a:graphicData>
+        </a:graphic>
+      </p:graphicFrame>
+    </p:spTree>
+    <p:extLst>
+      <p:ext uri="{BB962C8B-B14F-4D97-AF65-F5344CB8AC3E}">
+        <p14:creationId xmlns:p14="http://schemas.microsoft.com/office/powerpoint/2010/main" val="1578263920"/>
+      </p:ext>
+    </p:extLst>
+  </p:cSld>
+  <p:clrMapOvr>
+    <a:masterClrMapping/>
+  </p:clrMapOvr>
+  <p:timing>
+    <p:tnLst>
+      <p:par>
+        <p:cTn id="1" dur="indefinite" restart="never" nodeType="tmRoot"/>
+      </p:par>
+    </p:tnLst>
+  </p:timing>
+</p:sld>
+</file>
+
+<file path=ppt/slides/slide31.xml><?xml version="1.0" encoding="utf-8"?>
+<p:sld xmlns:a="http://schemas.openxmlformats.org/drawingml/2006/main" xmlns:r="http://schemas.openxmlformats.org/officeDocument/2006/relationships" xmlns:p="http://schemas.openxmlformats.org/presentationml/2006/main">
+  <p:cSld>
+    <p:spTree>
+      <p:nvGrpSpPr>
+        <p:cNvPr id="1" name=""/>
+        <p:cNvGrpSpPr/>
+        <p:nvPr/>
+      </p:nvGrpSpPr>
+      <p:grpSpPr>
+        <a:xfrm>
+          <a:off x="0" y="0"/>
+          <a:ext cx="0" cy="0"/>
+          <a:chOff x="0" y="0"/>
+          <a:chExt cx="0" cy="0"/>
+        </a:xfrm>
+      </p:grpSpPr>
+      <p:sp>
+        <p:nvSpPr>
+          <p:cNvPr id="2" name="Title 1"/>
+          <p:cNvSpPr>
+            <a:spLocks noGrp="1"/>
+          </p:cNvSpPr>
+          <p:nvPr>
+            <p:ph type="title"/>
+          </p:nvPr>
+        </p:nvSpPr>
+        <p:spPr/>
+        <p:txBody>
+          <a:bodyPr/>
+          <a:lstStyle/>
+          <a:p>
+            <a:r>
+              <a:rPr lang="en-US" dirty="0" smtClean="0"/>
+              <a:t>Working on </a:t>
+            </a:r>
+            <a:r>
+              <a:rPr lang="en-US" dirty="0" smtClean="0"/>
+              <a:t>a cluster: </a:t>
+            </a:r>
+            <a:r>
+              <a:rPr lang="en-US" dirty="0" smtClean="0"/>
+              <a:t>submitting interactive or batch jobs</a:t>
             </a:r>
             <a:endParaRPr lang="en-US" dirty="0"/>
           </a:p>
@@ -11780,7 +13044,7 @@
 </p:sld>
 </file>
 
-<file path=ppt/slides/slide29.xml><?xml version="1.0" encoding="utf-8"?>
+<file path=ppt/slides/slide32.xml><?xml version="1.0" encoding="utf-8"?>
 <p:sld xmlns:a="http://schemas.openxmlformats.org/drawingml/2006/main" xmlns:r="http://schemas.openxmlformats.org/officeDocument/2006/relationships" xmlns:p="http://schemas.openxmlformats.org/presentationml/2006/main">
   <p:cSld>
     <p:spTree>
@@ -11832,8 +13096,8 @@
         </p:nvSpPr>
         <p:spPr>
           <a:xfrm>
-            <a:off x="2152650" y="1825625"/>
-            <a:ext cx="7886700" cy="4550008"/>
+            <a:off x="1002323" y="1825625"/>
+            <a:ext cx="10207869" cy="4550008"/>
           </a:xfrm>
         </p:spPr>
         <p:txBody>
@@ -11844,7 +13108,15 @@
           <a:p>
             <a:r>
               <a:rPr lang="en-US" dirty="0" smtClean="0"/>
-              <a:t>Let’s talk about how you can queue up an interactive session on Ceres using the “</a:t>
+              <a:t>Let’s talk about how you can queue up an interactive session on </a:t>
+            </a:r>
+            <a:r>
+              <a:rPr lang="en-US" dirty="0" smtClean="0"/>
+              <a:t>an HPC </a:t>
+            </a:r>
+            <a:r>
+              <a:rPr lang="en-US" dirty="0" smtClean="0"/>
+              <a:t>using the “</a:t>
             </a:r>
             <a:r>
               <a:rPr lang="en-US" dirty="0" err="1" smtClean="0">
@@ -12036,7 +13308,6 @@
                 <a:rPr lang="en-US" dirty="0"/>
                 <a:t>Command</a:t>
               </a:r>
-              <a:endParaRPr lang="en-US" dirty="0"/>
             </a:p>
           </p:txBody>
         </p:sp>
@@ -12146,7 +13417,6 @@
                   <a:rPr lang="en-US" dirty="0"/>
                   <a:t>Nodes</a:t>
                 </a:r>
-                <a:endParaRPr lang="en-US" dirty="0"/>
               </a:p>
             </p:txBody>
           </p:sp>
@@ -12338,7 +13608,6 @@
                   <a:rPr lang="en-US" dirty="0"/>
                   <a:t>Memory (Megabytes)</a:t>
                 </a:r>
-                <a:endParaRPr lang="en-US" dirty="0"/>
               </a:p>
             </p:txBody>
           </p:sp>
@@ -12435,7 +13704,6 @@
                 <a:rPr lang="en-US" dirty="0"/>
                 <a:t>Important (memorize)</a:t>
               </a:r>
-              <a:endParaRPr lang="en-US" dirty="0"/>
             </a:p>
           </p:txBody>
         </p:sp>
@@ -12667,234 +13935,7 @@
 </p:sld>
 </file>
 
-<file path=ppt/slides/slide3.xml><?xml version="1.0" encoding="utf-8"?>
-<p:sld xmlns:a="http://schemas.openxmlformats.org/drawingml/2006/main" xmlns:r="http://schemas.openxmlformats.org/officeDocument/2006/relationships" xmlns:p="http://schemas.openxmlformats.org/presentationml/2006/main">
-  <p:cSld>
-    <p:spTree>
-      <p:nvGrpSpPr>
-        <p:cNvPr id="1" name=""/>
-        <p:cNvGrpSpPr/>
-        <p:nvPr/>
-      </p:nvGrpSpPr>
-      <p:grpSpPr>
-        <a:xfrm>
-          <a:off x="0" y="0"/>
-          <a:ext cx="0" cy="0"/>
-          <a:chOff x="0" y="0"/>
-          <a:chExt cx="0" cy="0"/>
-        </a:xfrm>
-      </p:grpSpPr>
-      <p:sp>
-        <p:nvSpPr>
-          <p:cNvPr id="2" name="Title 1"/>
-          <p:cNvSpPr>
-            <a:spLocks noGrp="1"/>
-          </p:cNvSpPr>
-          <p:nvPr>
-            <p:ph type="title"/>
-          </p:nvPr>
-        </p:nvSpPr>
-        <p:spPr/>
-        <p:txBody>
-          <a:bodyPr/>
-          <a:lstStyle/>
-          <a:p>
-            <a:r>
-              <a:rPr lang="en-US" dirty="0" smtClean="0"/>
-              <a:t>The Unix environment</a:t>
-            </a:r>
-            <a:endParaRPr lang="en-US" dirty="0"/>
-          </a:p>
-        </p:txBody>
-      </p:sp>
-      <p:sp>
-        <p:nvSpPr>
-          <p:cNvPr id="3" name="Content Placeholder 2"/>
-          <p:cNvSpPr>
-            <a:spLocks noGrp="1"/>
-          </p:cNvSpPr>
-          <p:nvPr>
-            <p:ph idx="1"/>
-          </p:nvPr>
-        </p:nvSpPr>
-        <p:spPr/>
-        <p:txBody>
-          <a:bodyPr>
-            <a:normAutofit lnSpcReduction="10000"/>
-          </a:bodyPr>
-          <a:lstStyle/>
-          <a:p>
-            <a:r>
-              <a:rPr lang="en-US" dirty="0" smtClean="0"/>
-              <a:t>This will take a bit of getting used to, but you have a customized user environment in Unix. As soon as you log in, several text files are read in your home directory that will customize various details of your user experience.</a:t>
-            </a:r>
-          </a:p>
-          <a:p>
-            <a:endParaRPr lang="en-US" dirty="0"/>
-          </a:p>
-          <a:p>
-            <a:r>
-              <a:rPr lang="en-US" dirty="0" smtClean="0"/>
-              <a:t>If you haven’t been tinkering with your settings, you have the “default” settings that the Iowa staff produced for your user experience. </a:t>
-            </a:r>
-            <a:br>
-              <a:rPr lang="en-US" dirty="0" smtClean="0"/>
-            </a:br>
-            <a:endParaRPr lang="en-US" dirty="0" smtClean="0"/>
-          </a:p>
-          <a:p>
-            <a:r>
-              <a:rPr lang="en-US" dirty="0" smtClean="0"/>
-              <a:t>In order to see your current environmental variables, use the “set” command right now:</a:t>
-            </a:r>
-            <a:endParaRPr lang="en-US" dirty="0"/>
-          </a:p>
-        </p:txBody>
-      </p:sp>
-      <p:pic>
-        <p:nvPicPr>
-          <p:cNvPr id="4" name="Picture 3"/>
-          <p:cNvPicPr>
-            <a:picLocks noChangeAspect="1"/>
-          </p:cNvPicPr>
-          <p:nvPr/>
-        </p:nvPicPr>
-        <p:blipFill>
-          <a:blip r:embed="rId2"/>
-          <a:stretch>
-            <a:fillRect/>
-          </a:stretch>
-        </p:blipFill>
-        <p:spPr>
-          <a:xfrm>
-            <a:off x="5287841" y="5512045"/>
-            <a:ext cx="666750" cy="247650"/>
-          </a:xfrm>
-          <a:prstGeom prst="rect">
-            <a:avLst/>
-          </a:prstGeom>
-        </p:spPr>
-      </p:pic>
-    </p:spTree>
-    <p:extLst>
-      <p:ext uri="{BB962C8B-B14F-4D97-AF65-F5344CB8AC3E}">
-        <p14:creationId xmlns:p14="http://schemas.microsoft.com/office/powerpoint/2010/main" val="870827819"/>
-      </p:ext>
-    </p:extLst>
-  </p:cSld>
-  <p:clrMapOvr>
-    <a:masterClrMapping/>
-  </p:clrMapOvr>
-  <p:timing>
-    <p:tnLst>
-      <p:par>
-        <p:cTn id="1" dur="indefinite" restart="never" nodeType="tmRoot">
-          <p:childTnLst>
-            <p:seq concurrent="1" nextAc="seek">
-              <p:cTn id="2" dur="indefinite" nodeType="mainSeq">
-                <p:childTnLst>
-                  <p:par>
-                    <p:cTn id="3" fill="hold">
-                      <p:stCondLst>
-                        <p:cond delay="indefinite"/>
-                      </p:stCondLst>
-                      <p:childTnLst>
-                        <p:par>
-                          <p:cTn id="4" fill="hold">
-                            <p:stCondLst>
-                              <p:cond delay="0"/>
-                            </p:stCondLst>
-                            <p:childTnLst>
-                              <p:par>
-                                <p:cTn id="5" presetID="1" presetClass="entr" presetSubtype="0" fill="hold" nodeType="clickEffect">
-                                  <p:stCondLst>
-                                    <p:cond delay="0"/>
-                                  </p:stCondLst>
-                                  <p:childTnLst>
-                                    <p:set>
-                                      <p:cBhvr>
-                                        <p:cTn id="6" dur="1" fill="hold">
-                                          <p:stCondLst>
-                                            <p:cond delay="0"/>
-                                          </p:stCondLst>
-                                        </p:cTn>
-                                        <p:tgtEl>
-                                          <p:spTgt spid="3">
-                                            <p:txEl>
-                                              <p:pRg st="3" end="3"/>
-                                            </p:txEl>
-                                          </p:spTgt>
-                                        </p:tgtEl>
-                                        <p:attrNameLst>
-                                          <p:attrName>style.visibility</p:attrName>
-                                        </p:attrNameLst>
-                                      </p:cBhvr>
-                                      <p:to>
-                                        <p:strVal val="visible"/>
-                                      </p:to>
-                                    </p:set>
-                                  </p:childTnLst>
-                                </p:cTn>
-                              </p:par>
-                              <p:par>
-                                <p:cTn id="7" presetID="1" presetClass="entr" presetSubtype="0" fill="hold" nodeType="withEffect">
-                                  <p:stCondLst>
-                                    <p:cond delay="0"/>
-                                  </p:stCondLst>
-                                  <p:childTnLst>
-                                    <p:set>
-                                      <p:cBhvr>
-                                        <p:cTn id="8" dur="1" fill="hold">
-                                          <p:stCondLst>
-                                            <p:cond delay="0"/>
-                                          </p:stCondLst>
-                                        </p:cTn>
-                                        <p:tgtEl>
-                                          <p:spTgt spid="4"/>
-                                        </p:tgtEl>
-                                        <p:attrNameLst>
-                                          <p:attrName>style.visibility</p:attrName>
-                                        </p:attrNameLst>
-                                      </p:cBhvr>
-                                      <p:to>
-                                        <p:strVal val="visible"/>
-                                      </p:to>
-                                    </p:set>
-                                  </p:childTnLst>
-                                </p:cTn>
-                              </p:par>
-                            </p:childTnLst>
-                          </p:cTn>
-                        </p:par>
-                      </p:childTnLst>
-                    </p:cTn>
-                  </p:par>
-                </p:childTnLst>
-              </p:cTn>
-              <p:prevCondLst>
-                <p:cond evt="onPrev" delay="0">
-                  <p:tgtEl>
-                    <p:sldTgt/>
-                  </p:tgtEl>
-                </p:cond>
-              </p:prevCondLst>
-              <p:nextCondLst>
-                <p:cond evt="onNext" delay="0">
-                  <p:tgtEl>
-                    <p:sldTgt/>
-                  </p:tgtEl>
-                </p:cond>
-              </p:nextCondLst>
-            </p:seq>
-          </p:childTnLst>
-        </p:cTn>
-      </p:par>
-    </p:tnLst>
-  </p:timing>
-</p:sld>
-</file>
-
-<file path=ppt/slides/slide30.xml><?xml version="1.0" encoding="utf-8"?>
+<file path=ppt/slides/slide33.xml><?xml version="1.0" encoding="utf-8"?>
 <p:sld xmlns:a="http://schemas.openxmlformats.org/drawingml/2006/main" xmlns:r="http://schemas.openxmlformats.org/officeDocument/2006/relationships" xmlns:p="http://schemas.openxmlformats.org/presentationml/2006/main">
   <p:cSld>
     <p:spTree>
@@ -13078,7 +14119,7 @@
         </p:blipFill>
         <p:spPr>
           <a:xfrm>
-            <a:off x="3616595" y="5984172"/>
+            <a:off x="3880453" y="5984171"/>
             <a:ext cx="4114242" cy="385583"/>
           </a:xfrm>
           <a:prstGeom prst="rect">
@@ -13223,7 +14264,7 @@
 </p:sld>
 </file>
 
-<file path=ppt/slides/slide31.xml><?xml version="1.0" encoding="utf-8"?>
+<file path=ppt/slides/slide34.xml><?xml version="1.0" encoding="utf-8"?>
 <p:sld xmlns:a="http://schemas.openxmlformats.org/drawingml/2006/main" xmlns:r="http://schemas.openxmlformats.org/officeDocument/2006/relationships" xmlns:p="http://schemas.openxmlformats.org/presentationml/2006/main">
   <p:cSld>
     <p:spTree>
@@ -13337,7 +14378,7 @@
         </p:blipFill>
         <p:spPr>
           <a:xfrm>
-            <a:off x="1895475" y="2837151"/>
+            <a:off x="1952625" y="2895873"/>
             <a:ext cx="8401050" cy="657225"/>
           </a:xfrm>
           <a:prstGeom prst="rect">
@@ -13360,7 +14401,7 @@
         </p:blipFill>
         <p:spPr>
           <a:xfrm>
-            <a:off x="1838325" y="4688032"/>
+            <a:off x="1895475" y="4939701"/>
             <a:ext cx="8515350" cy="244187"/>
           </a:xfrm>
           <a:prstGeom prst="rect">
@@ -13480,7 +14521,7 @@
 </p:sld>
 </file>
 
-<file path=ppt/slides/slide32.xml><?xml version="1.0" encoding="utf-8"?>
+<file path=ppt/slides/slide35.xml><?xml version="1.0" encoding="utf-8"?>
 <p:sld xmlns:a="http://schemas.openxmlformats.org/drawingml/2006/main" xmlns:r="http://schemas.openxmlformats.org/officeDocument/2006/relationships" xmlns:p="http://schemas.openxmlformats.org/presentationml/2006/main">
   <p:cSld>
     <p:spTree>
@@ -13518,7 +14559,11 @@
             </a:r>
             <a:r>
               <a:rPr lang="en-US" dirty="0" smtClean="0"/>
-              <a:t>: Submitting batch jobs on Ceres</a:t>
+              <a:t>: Submitting batch jobs </a:t>
+            </a:r>
+            <a:r>
+              <a:rPr lang="en-US" dirty="0" smtClean="0"/>
+              <a:t>on SLURM</a:t>
             </a:r>
             <a:endParaRPr lang="en-US" dirty="0"/>
           </a:p>
@@ -13575,12 +14620,20 @@
               <a:t> jobs which run in the background. Let’s first move to the </a:t>
             </a:r>
             <a:r>
+              <a:rPr lang="en-US" dirty="0" smtClean="0"/>
+              <a:t>lesson2/</a:t>
+            </a:r>
+            <a:r>
               <a:rPr lang="en-US" dirty="0" err="1" smtClean="0"/>
               <a:t>sublessonC</a:t>
             </a:r>
             <a:r>
               <a:rPr lang="en-US" dirty="0" smtClean="0"/>
-              <a:t> folder in this lecture and try our hands with this.</a:t>
+              <a:t> </a:t>
+            </a:r>
+            <a:r>
+              <a:rPr lang="en-US" dirty="0" smtClean="0"/>
+              <a:t>folder in this lecture and try our hands with this.</a:t>
             </a:r>
           </a:p>
           <a:p>
@@ -13642,7 +14695,7 @@
         </p:blipFill>
         <p:spPr>
           <a:xfrm>
-            <a:off x="1790969" y="6043075"/>
+            <a:off x="1790967" y="6178011"/>
             <a:ext cx="8610061" cy="267777"/>
           </a:xfrm>
           <a:prstGeom prst="rect">
@@ -13666,7 +14719,7 @@
         </p:blipFill>
         <p:spPr>
           <a:xfrm>
-            <a:off x="3805238" y="3955250"/>
+            <a:off x="3805236" y="4190142"/>
             <a:ext cx="4581525" cy="476250"/>
           </a:xfrm>
           <a:prstGeom prst="rect">
@@ -13793,7 +14846,7 @@
 </p:sld>
 </file>
 
-<file path=ppt/slides/slide33.xml><?xml version="1.0" encoding="utf-8"?>
+<file path=ppt/slides/slide36.xml><?xml version="1.0" encoding="utf-8"?>
 <p:sld xmlns:a="http://schemas.openxmlformats.org/drawingml/2006/main" xmlns:r="http://schemas.openxmlformats.org/officeDocument/2006/relationships" xmlns:p="http://schemas.openxmlformats.org/presentationml/2006/main">
   <p:cSld>
     <p:spTree>
@@ -13849,13 +14902,13 @@
         </p:nvSpPr>
         <p:spPr>
           <a:xfrm>
-            <a:off x="2152650" y="1551710"/>
-            <a:ext cx="7886700" cy="5306291"/>
+            <a:off x="1011115" y="1551710"/>
+            <a:ext cx="10454054" cy="5306291"/>
           </a:xfrm>
         </p:spPr>
         <p:txBody>
           <a:bodyPr>
-            <a:normAutofit fontScale="85000" lnSpcReduction="20000"/>
+            <a:normAutofit fontScale="92500" lnSpcReduction="10000"/>
           </a:bodyPr>
           <a:lstStyle/>
           <a:p>
@@ -14040,7 +15093,7 @@
         </p:blipFill>
         <p:spPr>
           <a:xfrm>
-            <a:off x="4609941" y="5124584"/>
+            <a:off x="4609941" y="5407927"/>
             <a:ext cx="2684752" cy="317409"/>
           </a:xfrm>
           <a:prstGeom prst="rect">
@@ -14216,7 +15269,7 @@
 </p:sld>
 </file>
 
-<file path=ppt/slides/slide34.xml><?xml version="1.0" encoding="utf-8"?>
+<file path=ppt/slides/slide37.xml><?xml version="1.0" encoding="utf-8"?>
 <p:sld xmlns:a="http://schemas.openxmlformats.org/drawingml/2006/main" xmlns:r="http://schemas.openxmlformats.org/officeDocument/2006/relationships" xmlns:p="http://schemas.openxmlformats.org/presentationml/2006/main">
   <p:cSld>
     <p:spTree>
@@ -14411,7 +15464,7 @@
 </p:sld>
 </file>
 
-<file path=ppt/slides/slide35.xml><?xml version="1.0" encoding="utf-8"?>
+<file path=ppt/slides/slide38.xml><?xml version="1.0" encoding="utf-8"?>
 <p:sld xmlns:a="http://schemas.openxmlformats.org/drawingml/2006/main" xmlns:r="http://schemas.openxmlformats.org/officeDocument/2006/relationships" xmlns:p="http://schemas.openxmlformats.org/presentationml/2006/main">
   <p:cSld>
     <p:spTree>
@@ -14524,6 +15577,30 @@
           </a:p>
         </p:txBody>
       </p:sp>
+      <p:pic>
+        <p:nvPicPr>
+          <p:cNvPr id="5" name="Picture 4"/>
+          <p:cNvPicPr>
+            <a:picLocks noChangeAspect="1"/>
+          </p:cNvPicPr>
+          <p:nvPr/>
+        </p:nvPicPr>
+        <p:blipFill>
+          <a:blip r:embed="rId2"/>
+          <a:stretch>
+            <a:fillRect/>
+          </a:stretch>
+        </p:blipFill>
+        <p:spPr>
+          <a:xfrm>
+            <a:off x="645135" y="6102716"/>
+            <a:ext cx="11188635" cy="418367"/>
+          </a:xfrm>
+          <a:prstGeom prst="rect">
+            <a:avLst/>
+          </a:prstGeom>
+        </p:spPr>
+      </p:pic>
     </p:spTree>
     <p:extLst>
       <p:ext uri="{BB962C8B-B14F-4D97-AF65-F5344CB8AC3E}">
@@ -14758,6 +15835,298 @@
 </p:sld>
 </file>
 
+<file path=ppt/slides/slide39.xml><?xml version="1.0" encoding="utf-8"?>
+<p:sld xmlns:a="http://schemas.openxmlformats.org/drawingml/2006/main" xmlns:r="http://schemas.openxmlformats.org/officeDocument/2006/relationships" xmlns:p="http://schemas.openxmlformats.org/presentationml/2006/main">
+  <p:cSld>
+    <p:spTree>
+      <p:nvGrpSpPr>
+        <p:cNvPr id="1" name=""/>
+        <p:cNvGrpSpPr/>
+        <p:nvPr/>
+      </p:nvGrpSpPr>
+      <p:grpSpPr>
+        <a:xfrm>
+          <a:off x="0" y="0"/>
+          <a:ext cx="0" cy="0"/>
+          <a:chOff x="0" y="0"/>
+          <a:chExt cx="0" cy="0"/>
+        </a:xfrm>
+      </p:grpSpPr>
+      <p:sp>
+        <p:nvSpPr>
+          <p:cNvPr id="2" name="Title 1"/>
+          <p:cNvSpPr>
+            <a:spLocks noGrp="1"/>
+          </p:cNvSpPr>
+          <p:nvPr>
+            <p:ph type="title"/>
+          </p:nvPr>
+        </p:nvSpPr>
+        <p:spPr/>
+        <p:txBody>
+          <a:bodyPr/>
+          <a:lstStyle/>
+          <a:p>
+            <a:r>
+              <a:rPr lang="en-US" dirty="0" smtClean="0"/>
+              <a:t>Conclusions and more learning</a:t>
+            </a:r>
+            <a:endParaRPr lang="en-US" dirty="0"/>
+          </a:p>
+        </p:txBody>
+      </p:sp>
+      <p:sp>
+        <p:nvSpPr>
+          <p:cNvPr id="3" name="Content Placeholder 2"/>
+          <p:cNvSpPr>
+            <a:spLocks noGrp="1"/>
+          </p:cNvSpPr>
+          <p:nvPr>
+            <p:ph idx="1"/>
+          </p:nvPr>
+        </p:nvSpPr>
+        <p:spPr/>
+        <p:txBody>
+          <a:bodyPr>
+            <a:normAutofit fontScale="92500" lnSpcReduction="20000"/>
+          </a:bodyPr>
+          <a:lstStyle/>
+          <a:p>
+            <a:r>
+              <a:rPr lang="en-US" dirty="0" smtClean="0"/>
+              <a:t>You’ve now written and submitted your first shell script! Congratulations! If you submit enough of them, your reward will be to get a survey from the </a:t>
+            </a:r>
+            <a:r>
+              <a:rPr lang="en-US" dirty="0" err="1" smtClean="0"/>
+              <a:t>hpc</a:t>
+            </a:r>
+            <a:r>
+              <a:rPr lang="en-US" dirty="0" smtClean="0"/>
+              <a:t> administration </a:t>
+            </a:r>
+            <a:r>
+              <a:rPr lang="en-US" dirty="0" smtClean="0"/>
+              <a:t>team </a:t>
+            </a:r>
+            <a:r>
+              <a:rPr lang="en-US" dirty="0" smtClean="0"/>
+              <a:t>(probably berating you! Yay!)</a:t>
+            </a:r>
+            <a:endParaRPr lang="en-US" dirty="0" smtClean="0"/>
+          </a:p>
+          <a:p>
+            <a:endParaRPr lang="en-US" dirty="0"/>
+          </a:p>
+          <a:p>
+            <a:r>
+              <a:rPr lang="en-US" dirty="0" smtClean="0"/>
+              <a:t>Using that template </a:t>
+            </a:r>
+            <a:r>
+              <a:rPr lang="en-US" dirty="0" err="1" smtClean="0"/>
+              <a:t>slurm</a:t>
+            </a:r>
+            <a:r>
+              <a:rPr lang="en-US" dirty="0" smtClean="0"/>
+              <a:t> script, you should have the basics down to run your own scripts. Your imagination is the limit! To start you out, I have packaged several example scripts. Many won’t work without tinkering! But these should give you a good idea of the types of things that you can package into shell scripts. To get them: </a:t>
+            </a:r>
+          </a:p>
+          <a:p>
+            <a:endParaRPr lang="en-US" dirty="0"/>
+          </a:p>
+          <a:p>
+            <a:endParaRPr lang="en-US" dirty="0" smtClean="0"/>
+          </a:p>
+          <a:p>
+            <a:r>
+              <a:rPr lang="en-US" dirty="0" smtClean="0"/>
+              <a:t>Always, always practice and try to learn new things! Most of my </a:t>
+            </a:r>
+            <a:r>
+              <a:rPr lang="en-US" dirty="0" err="1" smtClean="0"/>
+              <a:t>slurm</a:t>
+            </a:r>
+            <a:r>
+              <a:rPr lang="en-US" dirty="0" smtClean="0"/>
+              <a:t> scripts are based on examples learned from others!</a:t>
+            </a:r>
+            <a:endParaRPr lang="en-US" dirty="0"/>
+          </a:p>
+        </p:txBody>
+      </p:sp>
+      <p:sp>
+        <p:nvSpPr>
+          <p:cNvPr id="4" name="Rectangle 3"/>
+          <p:cNvSpPr/>
+          <p:nvPr/>
+        </p:nvSpPr>
+        <p:spPr>
+          <a:xfrm>
+            <a:off x="905608" y="4881881"/>
+            <a:ext cx="10682653" cy="461665"/>
+          </a:xfrm>
+          <a:prstGeom prst="rect">
+            <a:avLst/>
+          </a:prstGeom>
+        </p:spPr>
+        <p:txBody>
+          <a:bodyPr wrap="square">
+            <a:spAutoFit/>
+          </a:bodyPr>
+          <a:lstStyle/>
+          <a:p>
+            <a:r>
+              <a:rPr lang="en-US" sz="2400" dirty="0">
+                <a:solidFill>
+                  <a:srgbClr val="0070C0"/>
+                </a:solidFill>
+              </a:rPr>
+              <a:t>https://drive.google.com/open?id=1qnJLVC-npOUZK8p432o_1GsEDEahKscQ</a:t>
+            </a:r>
+          </a:p>
+        </p:txBody>
+      </p:sp>
+    </p:spTree>
+    <p:extLst>
+      <p:ext uri="{BB962C8B-B14F-4D97-AF65-F5344CB8AC3E}">
+        <p14:creationId xmlns:p14="http://schemas.microsoft.com/office/powerpoint/2010/main" val="4234268119"/>
+      </p:ext>
+    </p:extLst>
+  </p:cSld>
+  <p:clrMapOvr>
+    <a:masterClrMapping/>
+  </p:clrMapOvr>
+  <p:timing>
+    <p:tnLst>
+      <p:par>
+        <p:cTn id="1" dur="indefinite" restart="never" nodeType="tmRoot">
+          <p:childTnLst>
+            <p:seq concurrent="1" nextAc="seek">
+              <p:cTn id="2" dur="indefinite" nodeType="mainSeq">
+                <p:childTnLst>
+                  <p:par>
+                    <p:cTn id="3" fill="hold">
+                      <p:stCondLst>
+                        <p:cond delay="indefinite"/>
+                      </p:stCondLst>
+                      <p:childTnLst>
+                        <p:par>
+                          <p:cTn id="4" fill="hold">
+                            <p:stCondLst>
+                              <p:cond delay="0"/>
+                            </p:stCondLst>
+                            <p:childTnLst>
+                              <p:par>
+                                <p:cTn id="5" presetID="1" presetClass="entr" presetSubtype="0" fill="hold" nodeType="clickEffect">
+                                  <p:stCondLst>
+                                    <p:cond delay="0"/>
+                                  </p:stCondLst>
+                                  <p:childTnLst>
+                                    <p:set>
+                                      <p:cBhvr>
+                                        <p:cTn id="6" dur="1" fill="hold">
+                                          <p:stCondLst>
+                                            <p:cond delay="0"/>
+                                          </p:stCondLst>
+                                        </p:cTn>
+                                        <p:tgtEl>
+                                          <p:spTgt spid="3">
+                                            <p:txEl>
+                                              <p:pRg st="2" end="2"/>
+                                            </p:txEl>
+                                          </p:spTgt>
+                                        </p:tgtEl>
+                                        <p:attrNameLst>
+                                          <p:attrName>style.visibility</p:attrName>
+                                        </p:attrNameLst>
+                                      </p:cBhvr>
+                                      <p:to>
+                                        <p:strVal val="visible"/>
+                                      </p:to>
+                                    </p:set>
+                                  </p:childTnLst>
+                                </p:cTn>
+                              </p:par>
+                            </p:childTnLst>
+                          </p:cTn>
+                        </p:par>
+                      </p:childTnLst>
+                    </p:cTn>
+                  </p:par>
+                  <p:par>
+                    <p:cTn id="7" fill="hold">
+                      <p:stCondLst>
+                        <p:cond delay="indefinite"/>
+                      </p:stCondLst>
+                      <p:childTnLst>
+                        <p:par>
+                          <p:cTn id="8" fill="hold">
+                            <p:stCondLst>
+                              <p:cond delay="0"/>
+                            </p:stCondLst>
+                            <p:childTnLst>
+                              <p:par>
+                                <p:cTn id="9" presetID="1" presetClass="entr" presetSubtype="0" fill="hold" nodeType="clickEffect">
+                                  <p:stCondLst>
+                                    <p:cond delay="0"/>
+                                  </p:stCondLst>
+                                  <p:childTnLst>
+                                    <p:set>
+                                      <p:cBhvr>
+                                        <p:cTn id="10" dur="1" fill="hold">
+                                          <p:stCondLst>
+                                            <p:cond delay="0"/>
+                                          </p:stCondLst>
+                                        </p:cTn>
+                                        <p:tgtEl>
+                                          <p:spTgt spid="3">
+                                            <p:txEl>
+                                              <p:pRg st="5" end="5"/>
+                                            </p:txEl>
+                                          </p:spTgt>
+                                        </p:tgtEl>
+                                        <p:attrNameLst>
+                                          <p:attrName>style.visibility</p:attrName>
+                                        </p:attrNameLst>
+                                      </p:cBhvr>
+                                      <p:to>
+                                        <p:strVal val="visible"/>
+                                      </p:to>
+                                    </p:set>
+                                  </p:childTnLst>
+                                </p:cTn>
+                              </p:par>
+                            </p:childTnLst>
+                          </p:cTn>
+                        </p:par>
+                      </p:childTnLst>
+                    </p:cTn>
+                  </p:par>
+                </p:childTnLst>
+              </p:cTn>
+              <p:prevCondLst>
+                <p:cond evt="onPrev" delay="0">
+                  <p:tgtEl>
+                    <p:sldTgt/>
+                  </p:tgtEl>
+                </p:cond>
+              </p:prevCondLst>
+              <p:nextCondLst>
+                <p:cond evt="onNext" delay="0">
+                  <p:tgtEl>
+                    <p:sldTgt/>
+                  </p:tgtEl>
+                </p:cond>
+              </p:nextCondLst>
+            </p:seq>
+          </p:childTnLst>
+        </p:cTn>
+      </p:par>
+    </p:tnLst>
+  </p:timing>
+</p:sld>
+</file>
+
 <file path=ppt/slides/slide4.xml><?xml version="1.0" encoding="utf-8"?>
 <p:sld xmlns:a="http://schemas.openxmlformats.org/drawingml/2006/main" xmlns:r="http://schemas.openxmlformats.org/officeDocument/2006/relationships" xmlns:p="http://schemas.openxmlformats.org/presentationml/2006/main">
   <p:cSld>
@@ -14808,7 +16177,12 @@
             <p:ph idx="1"/>
           </p:nvPr>
         </p:nvSpPr>
-        <p:spPr/>
+        <p:spPr>
+          <a:xfrm>
+            <a:off x="838200" y="1546088"/>
+            <a:ext cx="10515600" cy="4351338"/>
+          </a:xfrm>
+        </p:spPr>
         <p:txBody>
           <a:bodyPr>
             <a:normAutofit fontScale="92500" lnSpcReduction="20000"/>
@@ -14857,8 +16231,8 @@
         </p:blipFill>
         <p:spPr>
           <a:xfrm>
-            <a:off x="4721103" y="5651256"/>
-            <a:ext cx="2028825" cy="285750"/>
+            <a:off x="4352191" y="5519149"/>
+            <a:ext cx="2979281" cy="419617"/>
           </a:xfrm>
           <a:prstGeom prst="rect">
             <a:avLst/>
@@ -14977,7 +16351,6 @@
                 <a:rPr lang="en-US" dirty="0"/>
                 <a:t>A</a:t>
               </a:r>
-              <a:endParaRPr lang="en-US" dirty="0"/>
             </a:p>
           </p:txBody>
         </p:sp>
@@ -15007,7 +16380,6 @@
                 <a:rPr lang="en-US" dirty="0"/>
                 <a:t>B</a:t>
               </a:r>
-              <a:endParaRPr lang="en-US" dirty="0"/>
             </a:p>
           </p:txBody>
         </p:sp>
@@ -15037,7 +16409,6 @@
                 <a:rPr lang="en-US" dirty="0"/>
                 <a:t>C</a:t>
               </a:r>
-              <a:endParaRPr lang="en-US" dirty="0"/>
             </a:p>
           </p:txBody>
         </p:sp>
@@ -15231,7 +16602,19 @@
           <a:p>
             <a:r>
               <a:rPr lang="en-US" dirty="0" smtClean="0"/>
-              <a:t>Your PATH – the location of frequently used executables </a:t>
+              <a:t>Your </a:t>
+            </a:r>
+            <a:r>
+              <a:rPr lang="en-US" dirty="0" smtClean="0">
+                <a:solidFill>
+                  <a:srgbClr val="FF0000"/>
+                </a:solidFill>
+              </a:rPr>
+              <a:t>PATH</a:t>
+            </a:r>
+            <a:r>
+              <a:rPr lang="en-US" dirty="0" smtClean="0"/>
+              <a:t> – the location of frequently used executables </a:t>
             </a:r>
             <a:endParaRPr lang="en-US" dirty="0"/>
           </a:p>
@@ -15256,7 +16639,19 @@
           <a:p>
             <a:r>
               <a:rPr lang="en-US" dirty="0" smtClean="0"/>
-              <a:t>Having learned this, I want to introduce you to “$PATH” which is the most important environmental variable. The “$PATH” variable holds a colon delimited list of the locations of all executables on the system that are available to you. Type this to see your current $PATH:</a:t>
+              <a:t>Having learned this, I want to introduce you to “</a:t>
+            </a:r>
+            <a:r>
+              <a:rPr lang="en-US" dirty="0" smtClean="0">
+                <a:solidFill>
+                  <a:srgbClr val="FF0000"/>
+                </a:solidFill>
+              </a:rPr>
+              <a:t>$PATH</a:t>
+            </a:r>
+            <a:r>
+              <a:rPr lang="en-US" dirty="0" smtClean="0"/>
+              <a:t>” which is the most important environmental variable. The “$PATH” variable holds a colon delimited list of the locations of all executables on the system that are available to you. Type this to see your current $PATH:</a:t>
             </a:r>
           </a:p>
           <a:p>
@@ -15353,8 +16748,8 @@
         </p:blipFill>
         <p:spPr>
           <a:xfrm>
-            <a:off x="3667857" y="5948363"/>
-            <a:ext cx="4610100" cy="228600"/>
+            <a:off x="3451647" y="5758962"/>
+            <a:ext cx="5415395" cy="268532"/>
           </a:xfrm>
           <a:prstGeom prst="rect">
             <a:avLst/>
@@ -15590,7 +16985,386 @@
           <a:p>
             <a:r>
               <a:rPr lang="en-US" dirty="0" smtClean="0"/>
-              <a:t>The module system: the rationale</a:t>
+              <a:t>Let’s test this out</a:t>
+            </a:r>
+            <a:endParaRPr lang="en-US" dirty="0"/>
+          </a:p>
+        </p:txBody>
+      </p:sp>
+      <p:sp>
+        <p:nvSpPr>
+          <p:cNvPr id="3" name="Content Placeholder 2"/>
+          <p:cNvSpPr>
+            <a:spLocks noGrp="1"/>
+          </p:cNvSpPr>
+          <p:nvPr>
+            <p:ph idx="1"/>
+          </p:nvPr>
+        </p:nvSpPr>
+        <p:spPr/>
+        <p:txBody>
+          <a:bodyPr>
+            <a:normAutofit/>
+          </a:bodyPr>
+          <a:lstStyle/>
+          <a:p>
+            <a:r>
+              <a:rPr lang="en-US" dirty="0" smtClean="0"/>
+              <a:t>First, copy and unpack the lesson materials:</a:t>
+            </a:r>
+          </a:p>
+          <a:p>
+            <a:endParaRPr lang="en-US" dirty="0"/>
+          </a:p>
+          <a:p>
+            <a:r>
+              <a:rPr lang="en-US" dirty="0" smtClean="0"/>
+              <a:t>Now, let’s go to the </a:t>
+            </a:r>
+            <a:r>
+              <a:rPr lang="en-US" dirty="0" err="1" smtClean="0"/>
+              <a:t>SublessonA</a:t>
+            </a:r>
+            <a:r>
+              <a:rPr lang="en-US" dirty="0" smtClean="0"/>
+              <a:t> folder and check the contents with “ls!”. </a:t>
+            </a:r>
+            <a:endParaRPr lang="en-US" dirty="0"/>
+          </a:p>
+          <a:p>
+            <a:r>
+              <a:rPr lang="en-US" dirty="0" smtClean="0"/>
+              <a:t>Interesting</a:t>
+            </a:r>
+            <a:r>
+              <a:rPr lang="en-US" dirty="0" smtClean="0"/>
+              <a:t>! We have an impostor! Let’s make it executable with </a:t>
+            </a:r>
+            <a:r>
+              <a:rPr lang="en-US" dirty="0" err="1" smtClean="0"/>
+              <a:t>chmod</a:t>
+            </a:r>
+            <a:r>
+              <a:rPr lang="en-US" dirty="0" smtClean="0"/>
+              <a:t>.</a:t>
+            </a:r>
+          </a:p>
+          <a:p>
+            <a:r>
+              <a:rPr lang="en-US" dirty="0" smtClean="0"/>
+              <a:t>Then, get your current directory and then add it to your path using the following command (without the parentheses!):</a:t>
+            </a:r>
+          </a:p>
+        </p:txBody>
+      </p:sp>
+      <p:pic>
+        <p:nvPicPr>
+          <p:cNvPr id="5" name="Picture 4"/>
+          <p:cNvPicPr>
+            <a:picLocks noChangeAspect="1"/>
+          </p:cNvPicPr>
+          <p:nvPr/>
+        </p:nvPicPr>
+        <p:blipFill>
+          <a:blip r:embed="rId2"/>
+          <a:stretch>
+            <a:fillRect/>
+          </a:stretch>
+        </p:blipFill>
+        <p:spPr>
+          <a:xfrm>
+            <a:off x="4427661" y="2307096"/>
+            <a:ext cx="3143250" cy="257175"/>
+          </a:xfrm>
+          <a:prstGeom prst="rect">
+            <a:avLst/>
+          </a:prstGeom>
+        </p:spPr>
+      </p:pic>
+      <p:pic>
+        <p:nvPicPr>
+          <p:cNvPr id="6" name="Picture 5"/>
+          <p:cNvPicPr>
+            <a:picLocks noChangeAspect="1"/>
+          </p:cNvPicPr>
+          <p:nvPr/>
+        </p:nvPicPr>
+        <p:blipFill>
+          <a:blip r:embed="rId3"/>
+          <a:stretch>
+            <a:fillRect/>
+          </a:stretch>
+        </p:blipFill>
+        <p:spPr>
+          <a:xfrm>
+            <a:off x="3183182" y="3301945"/>
+            <a:ext cx="6238875" cy="428625"/>
+          </a:xfrm>
+          <a:prstGeom prst="rect">
+            <a:avLst/>
+          </a:prstGeom>
+        </p:spPr>
+      </p:pic>
+      <p:pic>
+        <p:nvPicPr>
+          <p:cNvPr id="7" name="Picture 6"/>
+          <p:cNvPicPr>
+            <a:picLocks noChangeAspect="1"/>
+          </p:cNvPicPr>
+          <p:nvPr/>
+        </p:nvPicPr>
+        <p:blipFill>
+          <a:blip r:embed="rId4"/>
+          <a:stretch>
+            <a:fillRect/>
+          </a:stretch>
+        </p:blipFill>
+        <p:spPr>
+          <a:xfrm>
+            <a:off x="3878506" y="5489844"/>
+            <a:ext cx="4733925" cy="495300"/>
+          </a:xfrm>
+          <a:prstGeom prst="rect">
+            <a:avLst/>
+          </a:prstGeom>
+        </p:spPr>
+      </p:pic>
+      <p:pic>
+        <p:nvPicPr>
+          <p:cNvPr id="8" name="Picture 7"/>
+          <p:cNvPicPr>
+            <a:picLocks noChangeAspect="1"/>
+          </p:cNvPicPr>
+          <p:nvPr/>
+        </p:nvPicPr>
+        <p:blipFill>
+          <a:blip r:embed="rId5"/>
+          <a:stretch>
+            <a:fillRect/>
+          </a:stretch>
+        </p:blipFill>
+        <p:spPr>
+          <a:xfrm>
+            <a:off x="3878506" y="6288624"/>
+            <a:ext cx="4848225" cy="257175"/>
+          </a:xfrm>
+          <a:prstGeom prst="rect">
+            <a:avLst/>
+          </a:prstGeom>
+        </p:spPr>
+      </p:pic>
+    </p:spTree>
+    <p:extLst>
+      <p:ext uri="{BB962C8B-B14F-4D97-AF65-F5344CB8AC3E}">
+        <p14:creationId xmlns:p14="http://schemas.microsoft.com/office/powerpoint/2010/main" val="2070061812"/>
+      </p:ext>
+    </p:extLst>
+  </p:cSld>
+  <p:clrMapOvr>
+    <a:masterClrMapping/>
+  </p:clrMapOvr>
+  <p:timing>
+    <p:tnLst>
+      <p:par>
+        <p:cTn id="1" dur="indefinite" restart="never" nodeType="tmRoot">
+          <p:childTnLst>
+            <p:seq concurrent="1" nextAc="seek">
+              <p:cTn id="2" dur="indefinite" nodeType="mainSeq">
+                <p:childTnLst>
+                  <p:par>
+                    <p:cTn id="3" fill="hold">
+                      <p:stCondLst>
+                        <p:cond delay="indefinite"/>
+                      </p:stCondLst>
+                      <p:childTnLst>
+                        <p:par>
+                          <p:cTn id="4" fill="hold">
+                            <p:stCondLst>
+                              <p:cond delay="0"/>
+                            </p:stCondLst>
+                            <p:childTnLst>
+                              <p:par>
+                                <p:cTn id="5" presetID="1" presetClass="entr" presetSubtype="0" fill="hold" nodeType="clickEffect">
+                                  <p:stCondLst>
+                                    <p:cond delay="0"/>
+                                  </p:stCondLst>
+                                  <p:childTnLst>
+                                    <p:set>
+                                      <p:cBhvr>
+                                        <p:cTn id="6" dur="1" fill="hold">
+                                          <p:stCondLst>
+                                            <p:cond delay="0"/>
+                                          </p:stCondLst>
+                                        </p:cTn>
+                                        <p:tgtEl>
+                                          <p:spTgt spid="3">
+                                            <p:txEl>
+                                              <p:pRg st="3" end="3"/>
+                                            </p:txEl>
+                                          </p:spTgt>
+                                        </p:tgtEl>
+                                        <p:attrNameLst>
+                                          <p:attrName>style.visibility</p:attrName>
+                                        </p:attrNameLst>
+                                      </p:cBhvr>
+                                      <p:to>
+                                        <p:strVal val="visible"/>
+                                      </p:to>
+                                    </p:set>
+                                  </p:childTnLst>
+                                </p:cTn>
+                              </p:par>
+                              <p:par>
+                                <p:cTn id="7" presetID="1" presetClass="entr" presetSubtype="0" fill="hold" nodeType="withEffect">
+                                  <p:stCondLst>
+                                    <p:cond delay="0"/>
+                                  </p:stCondLst>
+                                  <p:childTnLst>
+                                    <p:set>
+                                      <p:cBhvr>
+                                        <p:cTn id="8" dur="1" fill="hold">
+                                          <p:stCondLst>
+                                            <p:cond delay="0"/>
+                                          </p:stCondLst>
+                                        </p:cTn>
+                                        <p:tgtEl>
+                                          <p:spTgt spid="3">
+                                            <p:txEl>
+                                              <p:pRg st="4" end="4"/>
+                                            </p:txEl>
+                                          </p:spTgt>
+                                        </p:tgtEl>
+                                        <p:attrNameLst>
+                                          <p:attrName>style.visibility</p:attrName>
+                                        </p:attrNameLst>
+                                      </p:cBhvr>
+                                      <p:to>
+                                        <p:strVal val="visible"/>
+                                      </p:to>
+                                    </p:set>
+                                  </p:childTnLst>
+                                </p:cTn>
+                              </p:par>
+                              <p:par>
+                                <p:cTn id="9" presetID="1" presetClass="entr" presetSubtype="0" fill="hold" nodeType="withEffect">
+                                  <p:stCondLst>
+                                    <p:cond delay="0"/>
+                                  </p:stCondLst>
+                                  <p:childTnLst>
+                                    <p:set>
+                                      <p:cBhvr>
+                                        <p:cTn id="10" dur="1" fill="hold">
+                                          <p:stCondLst>
+                                            <p:cond delay="0"/>
+                                          </p:stCondLst>
+                                        </p:cTn>
+                                        <p:tgtEl>
+                                          <p:spTgt spid="7"/>
+                                        </p:tgtEl>
+                                        <p:attrNameLst>
+                                          <p:attrName>style.visibility</p:attrName>
+                                        </p:attrNameLst>
+                                      </p:cBhvr>
+                                      <p:to>
+                                        <p:strVal val="visible"/>
+                                      </p:to>
+                                    </p:set>
+                                  </p:childTnLst>
+                                </p:cTn>
+                              </p:par>
+                              <p:par>
+                                <p:cTn id="11" presetID="1" presetClass="entr" presetSubtype="0" fill="hold" nodeType="withEffect">
+                                  <p:stCondLst>
+                                    <p:cond delay="0"/>
+                                  </p:stCondLst>
+                                  <p:childTnLst>
+                                    <p:set>
+                                      <p:cBhvr>
+                                        <p:cTn id="12" dur="1" fill="hold">
+                                          <p:stCondLst>
+                                            <p:cond delay="0"/>
+                                          </p:stCondLst>
+                                        </p:cTn>
+                                        <p:tgtEl>
+                                          <p:spTgt spid="8"/>
+                                        </p:tgtEl>
+                                        <p:attrNameLst>
+                                          <p:attrName>style.visibility</p:attrName>
+                                        </p:attrNameLst>
+                                      </p:cBhvr>
+                                      <p:to>
+                                        <p:strVal val="visible"/>
+                                      </p:to>
+                                    </p:set>
+                                  </p:childTnLst>
+                                </p:cTn>
+                              </p:par>
+                            </p:childTnLst>
+                          </p:cTn>
+                        </p:par>
+                      </p:childTnLst>
+                    </p:cTn>
+                  </p:par>
+                </p:childTnLst>
+              </p:cTn>
+              <p:prevCondLst>
+                <p:cond evt="onPrev" delay="0">
+                  <p:tgtEl>
+                    <p:sldTgt/>
+                  </p:tgtEl>
+                </p:cond>
+              </p:prevCondLst>
+              <p:nextCondLst>
+                <p:cond evt="onNext" delay="0">
+                  <p:tgtEl>
+                    <p:sldTgt/>
+                  </p:tgtEl>
+                </p:cond>
+              </p:nextCondLst>
+            </p:seq>
+          </p:childTnLst>
+        </p:cTn>
+      </p:par>
+    </p:tnLst>
+  </p:timing>
+</p:sld>
+</file>
+
+<file path=ppt/slides/slide7.xml><?xml version="1.0" encoding="utf-8"?>
+<p:sld xmlns:a="http://schemas.openxmlformats.org/drawingml/2006/main" xmlns:r="http://schemas.openxmlformats.org/officeDocument/2006/relationships" xmlns:p="http://schemas.openxmlformats.org/presentationml/2006/main">
+  <p:cSld>
+    <p:spTree>
+      <p:nvGrpSpPr>
+        <p:cNvPr id="1" name=""/>
+        <p:cNvGrpSpPr/>
+        <p:nvPr/>
+      </p:nvGrpSpPr>
+      <p:grpSpPr>
+        <a:xfrm>
+          <a:off x="0" y="0"/>
+          <a:ext cx="0" cy="0"/>
+          <a:chOff x="0" y="0"/>
+          <a:chExt cx="0" cy="0"/>
+        </a:xfrm>
+      </p:grpSpPr>
+      <p:sp>
+        <p:nvSpPr>
+          <p:cNvPr id="2" name="Title 1"/>
+          <p:cNvSpPr>
+            <a:spLocks noGrp="1"/>
+          </p:cNvSpPr>
+          <p:nvPr>
+            <p:ph type="title"/>
+          </p:nvPr>
+        </p:nvSpPr>
+        <p:spPr/>
+        <p:txBody>
+          <a:bodyPr/>
+          <a:lstStyle/>
+          <a:p>
+            <a:r>
+              <a:rPr lang="en-US" dirty="0" smtClean="0"/>
+              <a:t>Uh oh! Uh oh!</a:t>
             </a:r>
             <a:endParaRPr lang="en-US" dirty="0"/>
           </a:p>
@@ -15613,6 +17387,270 @@
           <a:p>
             <a:r>
               <a:rPr lang="en-US" dirty="0" smtClean="0"/>
+              <a:t>Now try an “ls!” </a:t>
+            </a:r>
+            <a:r>
+              <a:rPr lang="en-US" dirty="0" err="1" smtClean="0"/>
+              <a:t>Muwahahaha</a:t>
+            </a:r>
+            <a:r>
+              <a:rPr lang="en-US" dirty="0" smtClean="0"/>
+              <a:t>! Now you are blind and stuck in the terminal forever!</a:t>
+            </a:r>
+            <a:br>
+              <a:rPr lang="en-US" dirty="0" smtClean="0"/>
+            </a:br>
+            <a:endParaRPr lang="en-US" dirty="0" smtClean="0"/>
+          </a:p>
+          <a:p>
+            <a:r>
+              <a:rPr lang="en-US" dirty="0" smtClean="0"/>
+              <a:t>As you can see, it’s VERY easy to confuse your PATH and overwrite key functions! But you can dig yourself back out of this hole! Which of these options will help you reset your session?</a:t>
+            </a:r>
+          </a:p>
+        </p:txBody>
+      </p:sp>
+      <p:sp>
+        <p:nvSpPr>
+          <p:cNvPr id="5" name="TextBox 4"/>
+          <p:cNvSpPr txBox="1"/>
+          <p:nvPr/>
+        </p:nvSpPr>
+        <p:spPr>
+          <a:xfrm>
+            <a:off x="3941886" y="4557574"/>
+            <a:ext cx="3789485" cy="1754326"/>
+          </a:xfrm>
+          <a:prstGeom prst="rect">
+            <a:avLst/>
+          </a:prstGeom>
+          <a:noFill/>
+        </p:spPr>
+        <p:txBody>
+          <a:bodyPr wrap="square" rtlCol="0">
+            <a:spAutoFit/>
+          </a:bodyPr>
+          <a:lstStyle/>
+          <a:p>
+            <a:pPr marL="342900" indent="-342900">
+              <a:buFont typeface="+mj-lt"/>
+              <a:buAutoNum type="arabicPeriod"/>
+            </a:pPr>
+            <a:r>
+              <a:rPr lang="en-US" dirty="0"/>
+              <a:t>Log out and log back in</a:t>
+            </a:r>
+            <a:br>
+              <a:rPr lang="en-US" dirty="0"/>
+            </a:br>
+            <a:endParaRPr lang="en-US" dirty="0"/>
+          </a:p>
+          <a:p>
+            <a:pPr marL="342900" indent="-342900">
+              <a:buFont typeface="+mj-lt"/>
+              <a:buAutoNum type="arabicPeriod"/>
+            </a:pPr>
+            <a:r>
+              <a:rPr lang="en-US" dirty="0"/>
+              <a:t>Try an export of PATH that doesn’t contain the errant folder</a:t>
+            </a:r>
+            <a:br>
+              <a:rPr lang="en-US" dirty="0"/>
+            </a:br>
+            <a:endParaRPr lang="en-US" dirty="0"/>
+          </a:p>
+          <a:p>
+            <a:pPr marL="342900" indent="-342900">
+              <a:buFont typeface="+mj-lt"/>
+              <a:buAutoNum type="arabicPeriod"/>
+            </a:pPr>
+            <a:r>
+              <a:rPr lang="en-US" dirty="0"/>
+              <a:t>Cry like you’ve never cried before</a:t>
+            </a:r>
+            <a:endParaRPr lang="en-US" dirty="0"/>
+          </a:p>
+        </p:txBody>
+      </p:sp>
+    </p:spTree>
+    <p:extLst>
+      <p:ext uri="{BB962C8B-B14F-4D97-AF65-F5344CB8AC3E}">
+        <p14:creationId xmlns:p14="http://schemas.microsoft.com/office/powerpoint/2010/main" val="26304996"/>
+      </p:ext>
+    </p:extLst>
+  </p:cSld>
+  <p:clrMapOvr>
+    <a:masterClrMapping/>
+  </p:clrMapOvr>
+  <p:timing>
+    <p:tnLst>
+      <p:par>
+        <p:cTn id="1" dur="indefinite" restart="never" nodeType="tmRoot">
+          <p:childTnLst>
+            <p:seq concurrent="1" nextAc="seek">
+              <p:cTn id="2" dur="indefinite" nodeType="mainSeq">
+                <p:childTnLst>
+                  <p:par>
+                    <p:cTn id="3" fill="hold">
+                      <p:stCondLst>
+                        <p:cond delay="indefinite"/>
+                      </p:stCondLst>
+                      <p:childTnLst>
+                        <p:par>
+                          <p:cTn id="4" fill="hold">
+                            <p:stCondLst>
+                              <p:cond delay="0"/>
+                            </p:stCondLst>
+                            <p:childTnLst>
+                              <p:par>
+                                <p:cTn id="5" presetID="1" presetClass="entr" presetSubtype="0" fill="hold" nodeType="clickEffect">
+                                  <p:stCondLst>
+                                    <p:cond delay="0"/>
+                                  </p:stCondLst>
+                                  <p:childTnLst>
+                                    <p:set>
+                                      <p:cBhvr>
+                                        <p:cTn id="6" dur="1" fill="hold">
+                                          <p:stCondLst>
+                                            <p:cond delay="0"/>
+                                          </p:stCondLst>
+                                        </p:cTn>
+                                        <p:tgtEl>
+                                          <p:spTgt spid="3">
+                                            <p:txEl>
+                                              <p:pRg st="1" end="1"/>
+                                            </p:txEl>
+                                          </p:spTgt>
+                                        </p:tgtEl>
+                                        <p:attrNameLst>
+                                          <p:attrName>style.visibility</p:attrName>
+                                        </p:attrNameLst>
+                                      </p:cBhvr>
+                                      <p:to>
+                                        <p:strVal val="visible"/>
+                                      </p:to>
+                                    </p:set>
+                                  </p:childTnLst>
+                                </p:cTn>
+                              </p:par>
+                              <p:par>
+                                <p:cTn id="7" presetID="1" presetClass="entr" presetSubtype="0" fill="hold" grpId="0" nodeType="withEffect">
+                                  <p:stCondLst>
+                                    <p:cond delay="0"/>
+                                  </p:stCondLst>
+                                  <p:childTnLst>
+                                    <p:set>
+                                      <p:cBhvr>
+                                        <p:cTn id="8" dur="1" fill="hold">
+                                          <p:stCondLst>
+                                            <p:cond delay="0"/>
+                                          </p:stCondLst>
+                                        </p:cTn>
+                                        <p:tgtEl>
+                                          <p:spTgt spid="5"/>
+                                        </p:tgtEl>
+                                        <p:attrNameLst>
+                                          <p:attrName>style.visibility</p:attrName>
+                                        </p:attrNameLst>
+                                      </p:cBhvr>
+                                      <p:to>
+                                        <p:strVal val="visible"/>
+                                      </p:to>
+                                    </p:set>
+                                  </p:childTnLst>
+                                </p:cTn>
+                              </p:par>
+                            </p:childTnLst>
+                          </p:cTn>
+                        </p:par>
+                      </p:childTnLst>
+                    </p:cTn>
+                  </p:par>
+                </p:childTnLst>
+              </p:cTn>
+              <p:prevCondLst>
+                <p:cond evt="onPrev" delay="0">
+                  <p:tgtEl>
+                    <p:sldTgt/>
+                  </p:tgtEl>
+                </p:cond>
+              </p:prevCondLst>
+              <p:nextCondLst>
+                <p:cond evt="onNext" delay="0">
+                  <p:tgtEl>
+                    <p:sldTgt/>
+                  </p:tgtEl>
+                </p:cond>
+              </p:nextCondLst>
+            </p:seq>
+          </p:childTnLst>
+        </p:cTn>
+      </p:par>
+    </p:tnLst>
+    <p:bldLst>
+      <p:bldP spid="5" grpId="0"/>
+    </p:bldLst>
+  </p:timing>
+</p:sld>
+</file>
+
+<file path=ppt/slides/slide8.xml><?xml version="1.0" encoding="utf-8"?>
+<p:sld xmlns:a="http://schemas.openxmlformats.org/drawingml/2006/main" xmlns:r="http://schemas.openxmlformats.org/officeDocument/2006/relationships" xmlns:p="http://schemas.openxmlformats.org/presentationml/2006/main">
+  <p:cSld>
+    <p:spTree>
+      <p:nvGrpSpPr>
+        <p:cNvPr id="1" name=""/>
+        <p:cNvGrpSpPr/>
+        <p:nvPr/>
+      </p:nvGrpSpPr>
+      <p:grpSpPr>
+        <a:xfrm>
+          <a:off x="0" y="0"/>
+          <a:ext cx="0" cy="0"/>
+          <a:chOff x="0" y="0"/>
+          <a:chExt cx="0" cy="0"/>
+        </a:xfrm>
+      </p:grpSpPr>
+      <p:sp>
+        <p:nvSpPr>
+          <p:cNvPr id="2" name="Title 1"/>
+          <p:cNvSpPr>
+            <a:spLocks noGrp="1"/>
+          </p:cNvSpPr>
+          <p:nvPr>
+            <p:ph type="title"/>
+          </p:nvPr>
+        </p:nvSpPr>
+        <p:spPr/>
+        <p:txBody>
+          <a:bodyPr/>
+          <a:lstStyle/>
+          <a:p>
+            <a:r>
+              <a:rPr lang="en-US" dirty="0" smtClean="0"/>
+              <a:t>The module system: the rationale</a:t>
+            </a:r>
+            <a:endParaRPr lang="en-US" dirty="0"/>
+          </a:p>
+        </p:txBody>
+      </p:sp>
+      <p:sp>
+        <p:nvSpPr>
+          <p:cNvPr id="3" name="Content Placeholder 2"/>
+          <p:cNvSpPr>
+            <a:spLocks noGrp="1"/>
+          </p:cNvSpPr>
+          <p:nvPr>
+            <p:ph idx="1"/>
+          </p:nvPr>
+        </p:nvSpPr>
+        <p:spPr/>
+        <p:txBody>
+          <a:bodyPr/>
+          <a:lstStyle/>
+          <a:p>
+            <a:r>
+              <a:rPr lang="en-US" dirty="0" smtClean="0"/>
               <a:t>Now that I have given you this power, you must use it responsibly! If you set all folders on your system to $PATH, then you may run into a problem with name collisions. </a:t>
             </a:r>
             <a:r>
@@ -15630,7 +17668,15 @@
           <a:p>
             <a:r>
               <a:rPr lang="en-US" dirty="0" smtClean="0"/>
-              <a:t>To get around this, the admins at CERES implemented a “module” system to preferentially load programs into your $PATH. This way, you can load different versions of the same program (often with the same name!) that do not collide! To see which modules are available, just type “module avail” into the terminal:</a:t>
+              <a:t>To get around this, the admins </a:t>
+            </a:r>
+            <a:r>
+              <a:rPr lang="en-US" dirty="0" smtClean="0"/>
+              <a:t>in Iowa implemented </a:t>
+            </a:r>
+            <a:r>
+              <a:rPr lang="en-US" dirty="0" smtClean="0"/>
+              <a:t>a “module” system to preferentially load programs into your $PATH. This way, you can load different versions of the same program (often with the same name!) that do not collide! To see which modules are available, just type “module avail” into the terminal:</a:t>
             </a:r>
             <a:endParaRPr lang="en-US" dirty="0"/>
           </a:p>
@@ -15652,7 +17698,7 @@
         </p:blipFill>
         <p:spPr>
           <a:xfrm>
-            <a:off x="4398719" y="5125183"/>
+            <a:off x="4415497" y="6039583"/>
             <a:ext cx="2759463" cy="396387"/>
           </a:xfrm>
           <a:prstGeom prst="rect">
@@ -15797,7 +17843,7 @@
 </p:sld>
 </file>
 
-<file path=ppt/slides/slide7.xml><?xml version="1.0" encoding="utf-8"?>
+<file path=ppt/slides/slide9.xml><?xml version="1.0" encoding="utf-8"?>
 <p:sld xmlns:a="http://schemas.openxmlformats.org/drawingml/2006/main" xmlns:r="http://schemas.openxmlformats.org/officeDocument/2006/relationships" xmlns:p="http://schemas.openxmlformats.org/presentationml/2006/main">
   <p:cSld>
     <p:spTree>
@@ -15845,12 +17891,16 @@
           </p:cNvGraphicFramePr>
           <p:nvPr>
             <p:ph idx="1"/>
-            <p:extLst/>
+            <p:extLst>
+              <p:ext uri="{D42A27DB-BD31-4B8C-83A1-F6EECF244321}">
+                <p14:modId xmlns:p14="http://schemas.microsoft.com/office/powerpoint/2010/main" val="3674715112"/>
+              </p:ext>
+            </p:extLst>
           </p:nvPr>
         </p:nvGraphicFramePr>
         <p:xfrm>
-          <a:off x="2152650" y="2370749"/>
-          <a:ext cx="7886700" cy="3893869"/>
+          <a:off x="838200" y="1992680"/>
+          <a:ext cx="10293991" cy="4625389"/>
         </p:xfrm>
         <a:graphic>
           <a:graphicData uri="http://schemas.openxmlformats.org/drawingml/2006/table">
@@ -15859,14 +17909,14 @@
                 <a:tableStyleId>{073A0DAA-6AF3-43AB-8588-CEC1D06C72B9}</a:tableStyleId>
               </a:tblPr>
               <a:tblGrid>
-                <a:gridCol w="2694842">
+                <a:gridCol w="3517400">
                   <a:extLst>
                     <a:ext uri="{9D8B030D-6E8A-4147-A177-3AD203B41FA5}">
                       <a16:colId xmlns:a16="http://schemas.microsoft.com/office/drawing/2014/main" val="132530348"/>
                     </a:ext>
                   </a:extLst>
                 </a:gridCol>
-                <a:gridCol w="5191858">
+                <a:gridCol w="6776591">
                   <a:extLst>
                     <a:ext uri="{9D8B030D-6E8A-4147-A177-3AD203B41FA5}">
                       <a16:colId xmlns:a16="http://schemas.microsoft.com/office/drawing/2014/main" val="1011178699"/>
@@ -15881,10 +17931,10 @@
                     <a:lstStyle/>
                     <a:p>
                       <a:r>
-                        <a:rPr lang="en-US" sz="1600" dirty="0" smtClean="0"/>
+                        <a:rPr lang="en-US" sz="2000" dirty="0" smtClean="0"/>
                         <a:t>Module command</a:t>
                       </a:r>
-                      <a:endParaRPr lang="en-US" sz="1600" dirty="0"/>
+                      <a:endParaRPr lang="en-US" sz="2000" dirty="0"/>
                     </a:p>
                   </a:txBody>
                   <a:tcPr/>
@@ -15895,10 +17945,10 @@
                     <a:lstStyle/>
                     <a:p>
                       <a:r>
-                        <a:rPr lang="en-US" sz="1600" dirty="0" smtClean="0"/>
+                        <a:rPr lang="en-US" sz="2000" dirty="0" smtClean="0"/>
                         <a:t>Description</a:t>
                       </a:r>
-                      <a:endParaRPr lang="en-US" sz="1600" dirty="0"/>
+                      <a:endParaRPr lang="en-US" sz="2000" dirty="0"/>
                     </a:p>
                   </a:txBody>
                   <a:tcPr/>
@@ -15916,10 +17966,10 @@
                     <a:lstStyle/>
                     <a:p>
                       <a:r>
-                        <a:rPr lang="en-US" sz="1600" dirty="0" smtClean="0"/>
+                        <a:rPr lang="en-US" sz="2000" dirty="0" smtClean="0"/>
                         <a:t>avail</a:t>
                       </a:r>
-                      <a:endParaRPr lang="en-US" sz="1600" dirty="0"/>
+                      <a:endParaRPr lang="en-US" sz="2000" dirty="0"/>
                     </a:p>
                   </a:txBody>
                   <a:tcPr/>
@@ -15930,22 +17980,22 @@
                     <a:lstStyle/>
                     <a:p>
                       <a:r>
-                        <a:rPr lang="en-US" sz="1600" dirty="0" smtClean="0"/>
+                        <a:rPr lang="en-US" sz="2000" dirty="0" smtClean="0"/>
                         <a:t>Display</a:t>
                       </a:r>
                       <a:r>
-                        <a:rPr lang="en-US" sz="1600" baseline="0" dirty="0" smtClean="0"/>
+                        <a:rPr lang="en-US" sz="2000" baseline="0" dirty="0" smtClean="0"/>
                         <a:t> list of possible modules using the </a:t>
                       </a:r>
                       <a:r>
-                        <a:rPr lang="en-US" sz="1600" baseline="0" dirty="0" err="1" smtClean="0"/>
+                        <a:rPr lang="en-US" sz="2000" baseline="0" dirty="0" err="1" smtClean="0"/>
                         <a:t>unix</a:t>
                       </a:r>
                       <a:r>
-                        <a:rPr lang="en-US" sz="1600" baseline="0" dirty="0" smtClean="0"/>
+                        <a:rPr lang="en-US" sz="2000" baseline="0" dirty="0" smtClean="0"/>
                         <a:t> “more” command (‘q’ to exit)</a:t>
                       </a:r>
-                      <a:endParaRPr lang="en-US" sz="1600" dirty="0"/>
+                      <a:endParaRPr lang="en-US" sz="2000" dirty="0"/>
                     </a:p>
                   </a:txBody>
                   <a:tcPr/>
@@ -15963,14 +18013,14 @@
                     <a:lstStyle/>
                     <a:p>
                       <a:r>
-                        <a:rPr lang="en-US" sz="1600" dirty="0" smtClean="0"/>
+                        <a:rPr lang="en-US" sz="2000" dirty="0" smtClean="0"/>
                         <a:t>show</a:t>
                       </a:r>
                       <a:r>
-                        <a:rPr lang="en-US" sz="1600" baseline="0" dirty="0" smtClean="0"/>
+                        <a:rPr lang="en-US" sz="2000" baseline="0" dirty="0" smtClean="0"/>
                         <a:t> (module name)</a:t>
                       </a:r>
-                      <a:endParaRPr lang="en-US" sz="1600" dirty="0"/>
+                      <a:endParaRPr lang="en-US" sz="2000" dirty="0"/>
                     </a:p>
                   </a:txBody>
                   <a:tcPr/>
@@ -15981,14 +18031,14 @@
                     <a:lstStyle/>
                     <a:p>
                       <a:r>
-                        <a:rPr lang="en-US" sz="1600" dirty="0" smtClean="0"/>
+                        <a:rPr lang="en-US" sz="2000" dirty="0" smtClean="0"/>
                         <a:t>Show more information on the module, including</a:t>
                       </a:r>
                       <a:r>
-                        <a:rPr lang="en-US" sz="1600" baseline="0" dirty="0" smtClean="0"/>
+                        <a:rPr lang="en-US" sz="2000" baseline="0" dirty="0" smtClean="0"/>
                         <a:t> what it loads and a brief description of it.</a:t>
                       </a:r>
-                      <a:endParaRPr lang="en-US" sz="1600" dirty="0"/>
+                      <a:endParaRPr lang="en-US" sz="2000" dirty="0"/>
                     </a:p>
                   </a:txBody>
                   <a:tcPr/>
@@ -16006,14 +18056,14 @@
                     <a:lstStyle/>
                     <a:p>
                       <a:r>
-                        <a:rPr lang="en-US" sz="1600" dirty="0" smtClean="0"/>
+                        <a:rPr lang="en-US" sz="2000" dirty="0" smtClean="0"/>
                         <a:t>keywords</a:t>
                       </a:r>
                       <a:r>
-                        <a:rPr lang="en-US" sz="1600" baseline="0" dirty="0" smtClean="0"/>
+                        <a:rPr lang="en-US" sz="2000" baseline="0" dirty="0" smtClean="0"/>
                         <a:t> (text)</a:t>
                       </a:r>
-                      <a:endParaRPr lang="en-US" sz="1600" dirty="0"/>
+                      <a:endParaRPr lang="en-US" sz="2000" dirty="0"/>
                     </a:p>
                   </a:txBody>
                   <a:tcPr/>
@@ -16024,14 +18074,14 @@
                     <a:lstStyle/>
                     <a:p>
                       <a:r>
-                        <a:rPr lang="en-US" sz="1600" dirty="0" smtClean="0"/>
+                        <a:rPr lang="en-US" sz="2000" dirty="0" smtClean="0"/>
                         <a:t>Search for a module</a:t>
                       </a:r>
                       <a:r>
-                        <a:rPr lang="en-US" sz="1600" baseline="0" dirty="0" smtClean="0"/>
+                        <a:rPr lang="en-US" sz="2000" baseline="0" dirty="0" smtClean="0"/>
                         <a:t> that contains this text in the module name or description (faster than “avail” if you know what you’re looking for!).</a:t>
                       </a:r>
-                      <a:endParaRPr lang="en-US" sz="1600" dirty="0"/>
+                      <a:endParaRPr lang="en-US" sz="2000" dirty="0"/>
                     </a:p>
                   </a:txBody>
                   <a:tcPr/>
@@ -16049,14 +18099,14 @@
                     <a:lstStyle/>
                     <a:p>
                       <a:r>
-                        <a:rPr lang="en-US" sz="1600" dirty="0" smtClean="0"/>
+                        <a:rPr lang="en-US" sz="2000" dirty="0" smtClean="0"/>
                         <a:t>load</a:t>
                       </a:r>
                       <a:r>
-                        <a:rPr lang="en-US" sz="1600" baseline="0" dirty="0" smtClean="0"/>
+                        <a:rPr lang="en-US" sz="2000" baseline="0" dirty="0" smtClean="0"/>
                         <a:t> (module name) …</a:t>
                       </a:r>
-                      <a:endParaRPr lang="en-US" sz="1600" dirty="0"/>
+                      <a:endParaRPr lang="en-US" sz="2000" dirty="0"/>
                     </a:p>
                   </a:txBody>
                   <a:tcPr/>
@@ -16067,14 +18117,14 @@
                     <a:lstStyle/>
                     <a:p>
                       <a:r>
-                        <a:rPr lang="en-US" sz="1600" dirty="0" smtClean="0"/>
+                        <a:rPr lang="en-US" sz="2000" dirty="0" smtClean="0"/>
                         <a:t>Load one</a:t>
                       </a:r>
                       <a:r>
-                        <a:rPr lang="en-US" sz="1600" baseline="0" dirty="0" smtClean="0"/>
+                        <a:rPr lang="en-US" sz="2000" baseline="0" dirty="0" smtClean="0"/>
                         <a:t> (or more space delimited) modules into the current session. Note, these will be unloaded for your next terminal session!</a:t>
                       </a:r>
-                      <a:endParaRPr lang="en-US" sz="1600" dirty="0"/>
+                      <a:endParaRPr lang="en-US" sz="2000" dirty="0"/>
                     </a:p>
                   </a:txBody>
                   <a:tcPr/>
@@ -16092,14 +18142,14 @@
                     <a:lstStyle/>
                     <a:p>
                       <a:r>
-                        <a:rPr lang="en-US" sz="1600" dirty="0" smtClean="0"/>
+                        <a:rPr lang="en-US" sz="2000" dirty="0" smtClean="0"/>
                         <a:t>unload</a:t>
                       </a:r>
                       <a:r>
-                        <a:rPr lang="en-US" sz="1600" baseline="0" dirty="0" smtClean="0"/>
+                        <a:rPr lang="en-US" sz="2000" baseline="0" dirty="0" smtClean="0"/>
                         <a:t> (module name) …</a:t>
                       </a:r>
-                      <a:endParaRPr lang="en-US" sz="1600" dirty="0"/>
+                      <a:endParaRPr lang="en-US" sz="2000" dirty="0"/>
                     </a:p>
                   </a:txBody>
                   <a:tcPr/>
@@ -16110,14 +18160,14 @@
                     <a:lstStyle/>
                     <a:p>
                       <a:r>
-                        <a:rPr lang="en-US" sz="1600" dirty="0" smtClean="0"/>
+                        <a:rPr lang="en-US" sz="2000" dirty="0" smtClean="0"/>
                         <a:t>Remove</a:t>
                       </a:r>
                       <a:r>
-                        <a:rPr lang="en-US" sz="1600" baseline="0" dirty="0" smtClean="0"/>
+                        <a:rPr lang="en-US" sz="2000" baseline="0" dirty="0" smtClean="0"/>
                         <a:t> one (or more space delimited) modules from the current session. </a:t>
                       </a:r>
-                      <a:endParaRPr lang="en-US" sz="1600" dirty="0"/>
+                      <a:endParaRPr lang="en-US" sz="2000" dirty="0"/>
                     </a:p>
                   </a:txBody>
                   <a:tcPr/>
@@ -16158,7 +18208,6 @@
               <a:rPr lang="en-US" dirty="0"/>
               <a:t>There are more arguments than just “avail!” Here are the  most useful ones.</a:t>
             </a:r>
-            <a:endParaRPr lang="en-US" dirty="0"/>
           </a:p>
         </p:txBody>
       </p:sp>
@@ -16176,485 +18225,6 @@
     <p:tnLst>
       <p:par>
         <p:cTn id="1" dur="indefinite" restart="never" nodeType="tmRoot"/>
-      </p:par>
-    </p:tnLst>
-  </p:timing>
-</p:sld>
-</file>
-
-<file path=ppt/slides/slide8.xml><?xml version="1.0" encoding="utf-8"?>
-<p:sld xmlns:a="http://schemas.openxmlformats.org/drawingml/2006/main" xmlns:r="http://schemas.openxmlformats.org/officeDocument/2006/relationships" xmlns:p="http://schemas.openxmlformats.org/presentationml/2006/main">
-  <p:cSld>
-    <p:spTree>
-      <p:nvGrpSpPr>
-        <p:cNvPr id="1" name=""/>
-        <p:cNvGrpSpPr/>
-        <p:nvPr/>
-      </p:nvGrpSpPr>
-      <p:grpSpPr>
-        <a:xfrm>
-          <a:off x="0" y="0"/>
-          <a:ext cx="0" cy="0"/>
-          <a:chOff x="0" y="0"/>
-          <a:chExt cx="0" cy="0"/>
-        </a:xfrm>
-      </p:grpSpPr>
-      <p:sp>
-        <p:nvSpPr>
-          <p:cNvPr id="2" name="Title 1"/>
-          <p:cNvSpPr>
-            <a:spLocks noGrp="1"/>
-          </p:cNvSpPr>
-          <p:nvPr>
-            <p:ph type="title"/>
-          </p:nvPr>
-        </p:nvSpPr>
-        <p:spPr/>
-        <p:txBody>
-          <a:bodyPr/>
-          <a:lstStyle/>
-          <a:p>
-            <a:r>
-              <a:rPr lang="en-US" dirty="0" smtClean="0"/>
-              <a:t>To reinforce the lesson</a:t>
-            </a:r>
-            <a:endParaRPr lang="en-US" dirty="0"/>
-          </a:p>
-        </p:txBody>
-      </p:sp>
-      <p:sp>
-        <p:nvSpPr>
-          <p:cNvPr id="3" name="Content Placeholder 2"/>
-          <p:cNvSpPr>
-            <a:spLocks noGrp="1"/>
-          </p:cNvSpPr>
-          <p:nvPr>
-            <p:ph idx="1"/>
-          </p:nvPr>
-        </p:nvSpPr>
-        <p:spPr/>
-        <p:txBody>
-          <a:bodyPr/>
-          <a:lstStyle/>
-          <a:p>
-            <a:r>
-              <a:rPr lang="en-US" dirty="0" smtClean="0"/>
-              <a:t>Try typing the following command and read the text that follows:</a:t>
-            </a:r>
-          </a:p>
-          <a:p>
-            <a:endParaRPr lang="en-US" dirty="0"/>
-          </a:p>
-          <a:p>
-            <a:endParaRPr lang="en-US" dirty="0" smtClean="0"/>
-          </a:p>
-          <a:p>
-            <a:r>
-              <a:rPr lang="en-US" dirty="0" smtClean="0"/>
-              <a:t>What do you think that this command at the top is telling you? </a:t>
-            </a:r>
-            <a:endParaRPr lang="en-US" dirty="0"/>
-          </a:p>
-        </p:txBody>
-      </p:sp>
-      <p:pic>
-        <p:nvPicPr>
-          <p:cNvPr id="4" name="Picture 3"/>
-          <p:cNvPicPr>
-            <a:picLocks noChangeAspect="1"/>
-          </p:cNvPicPr>
-          <p:nvPr/>
-        </p:nvPicPr>
-        <p:blipFill>
-          <a:blip r:embed="rId2"/>
-          <a:stretch>
-            <a:fillRect/>
-          </a:stretch>
-        </p:blipFill>
-        <p:spPr>
-          <a:xfrm>
-            <a:off x="4728797" y="2319704"/>
-            <a:ext cx="2171700" cy="266700"/>
-          </a:xfrm>
-          <a:prstGeom prst="rect">
-            <a:avLst/>
-          </a:prstGeom>
-        </p:spPr>
-      </p:pic>
-      <p:pic>
-        <p:nvPicPr>
-          <p:cNvPr id="5" name="Picture 4"/>
-          <p:cNvPicPr>
-            <a:picLocks noChangeAspect="1"/>
-          </p:cNvPicPr>
-          <p:nvPr/>
-        </p:nvPicPr>
-        <p:blipFill rotWithShape="1">
-          <a:blip r:embed="rId3"/>
-          <a:srcRect b="55943"/>
-          <a:stretch/>
-        </p:blipFill>
-        <p:spPr>
-          <a:xfrm>
-            <a:off x="2846877" y="4001295"/>
-            <a:ext cx="6181725" cy="201429"/>
-          </a:xfrm>
-          <a:prstGeom prst="rect">
-            <a:avLst/>
-          </a:prstGeom>
-        </p:spPr>
-      </p:pic>
-    </p:spTree>
-    <p:extLst>
-      <p:ext uri="{BB962C8B-B14F-4D97-AF65-F5344CB8AC3E}">
-        <p14:creationId xmlns:p14="http://schemas.microsoft.com/office/powerpoint/2010/main" val="1102963511"/>
-      </p:ext>
-    </p:extLst>
-  </p:cSld>
-  <p:clrMapOvr>
-    <a:masterClrMapping/>
-  </p:clrMapOvr>
-  <p:timing>
-    <p:tnLst>
-      <p:par>
-        <p:cTn id="1" dur="indefinite" restart="never" nodeType="tmRoot"/>
-      </p:par>
-    </p:tnLst>
-  </p:timing>
-</p:sld>
-</file>
-
-<file path=ppt/slides/slide9.xml><?xml version="1.0" encoding="utf-8"?>
-<p:sld xmlns:a="http://schemas.openxmlformats.org/drawingml/2006/main" xmlns:r="http://schemas.openxmlformats.org/officeDocument/2006/relationships" xmlns:p="http://schemas.openxmlformats.org/presentationml/2006/main">
-  <p:cSld>
-    <p:spTree>
-      <p:nvGrpSpPr>
-        <p:cNvPr id="1" name=""/>
-        <p:cNvGrpSpPr/>
-        <p:nvPr/>
-      </p:nvGrpSpPr>
-      <p:grpSpPr>
-        <a:xfrm>
-          <a:off x="0" y="0"/>
-          <a:ext cx="0" cy="0"/>
-          <a:chOff x="0" y="0"/>
-          <a:chExt cx="0" cy="0"/>
-        </a:xfrm>
-      </p:grpSpPr>
-      <p:sp>
-        <p:nvSpPr>
-          <p:cNvPr id="2" name="Title 1"/>
-          <p:cNvSpPr>
-            <a:spLocks noGrp="1"/>
-          </p:cNvSpPr>
-          <p:nvPr>
-            <p:ph type="title"/>
-          </p:nvPr>
-        </p:nvSpPr>
-        <p:spPr/>
-        <p:txBody>
-          <a:bodyPr/>
-          <a:lstStyle/>
-          <a:p>
-            <a:r>
-              <a:rPr lang="en-US" dirty="0" smtClean="0"/>
-              <a:t>STDOUT, STDERR and STDIN</a:t>
-            </a:r>
-            <a:endParaRPr lang="en-US" dirty="0"/>
-          </a:p>
-        </p:txBody>
-      </p:sp>
-      <p:sp>
-        <p:nvSpPr>
-          <p:cNvPr id="3" name="Content Placeholder 2"/>
-          <p:cNvSpPr>
-            <a:spLocks noGrp="1"/>
-          </p:cNvSpPr>
-          <p:nvPr>
-            <p:ph idx="1"/>
-          </p:nvPr>
-        </p:nvSpPr>
-        <p:spPr/>
-        <p:txBody>
-          <a:bodyPr>
-            <a:normAutofit fontScale="92500" lnSpcReduction="20000"/>
-          </a:bodyPr>
-          <a:lstStyle/>
-          <a:p>
-            <a:r>
-              <a:rPr lang="en-US" dirty="0" smtClean="0"/>
-              <a:t>Now let’s talk about the text you saw floating by on the screen. You can automate this yourself by taking advantage of one of the three data streams that Unix allows. In this case it was the </a:t>
-            </a:r>
-            <a:r>
-              <a:rPr lang="en-US" dirty="0" smtClean="0">
-                <a:solidFill>
-                  <a:srgbClr val="FF0000"/>
-                </a:solidFill>
-              </a:rPr>
-              <a:t>STDOUT</a:t>
-            </a:r>
-            <a:r>
-              <a:rPr lang="en-US" dirty="0" smtClean="0"/>
-              <a:t> channel.</a:t>
-            </a:r>
-          </a:p>
-          <a:p>
-            <a:r>
-              <a:rPr lang="en-US" dirty="0" smtClean="0"/>
-              <a:t>Let’s test this out ourselves! Please copy and unpack the following lesson plans:</a:t>
-            </a:r>
-          </a:p>
-          <a:p>
-            <a:endParaRPr lang="en-US" dirty="0" smtClean="0"/>
-          </a:p>
-          <a:p>
-            <a:endParaRPr lang="en-US" dirty="0"/>
-          </a:p>
-          <a:p>
-            <a:r>
-              <a:rPr lang="en-US" dirty="0" smtClean="0"/>
-              <a:t>In the </a:t>
-            </a:r>
-            <a:r>
-              <a:rPr lang="en-US" dirty="0" err="1" smtClean="0"/>
-              <a:t>SublessonA</a:t>
-            </a:r>
-            <a:r>
-              <a:rPr lang="en-US" dirty="0" smtClean="0"/>
-              <a:t> folder you should see three text files, and each uses a different stream! Let’s start with “</a:t>
-            </a:r>
-            <a:r>
-              <a:rPr lang="en-US" dirty="0" smtClean="0">
-                <a:solidFill>
-                  <a:srgbClr val="0070C0"/>
-                </a:solidFill>
-              </a:rPr>
-              <a:t>i_print_stdout.sh</a:t>
-            </a:r>
-            <a:r>
-              <a:rPr lang="en-US" dirty="0" smtClean="0"/>
-              <a:t>”. Remember how to make the file executable? Do it! And then run it!</a:t>
-            </a:r>
-          </a:p>
-          <a:p>
-            <a:r>
-              <a:rPr lang="en-US" dirty="0" smtClean="0"/>
-              <a:t>To test out the next channel, </a:t>
-            </a:r>
-            <a:r>
-              <a:rPr lang="en-US" dirty="0" smtClean="0">
-                <a:solidFill>
-                  <a:srgbClr val="FF0000"/>
-                </a:solidFill>
-              </a:rPr>
-              <a:t>STDERR</a:t>
-            </a:r>
-            <a:r>
-              <a:rPr lang="en-US" dirty="0" smtClean="0"/>
-              <a:t>, do the same on the “</a:t>
-            </a:r>
-            <a:r>
-              <a:rPr lang="en-US" dirty="0" smtClean="0">
-                <a:solidFill>
-                  <a:srgbClr val="0070C0"/>
-                </a:solidFill>
-              </a:rPr>
-              <a:t>i_print_stderr.sh</a:t>
-            </a:r>
-            <a:r>
-              <a:rPr lang="en-US" dirty="0" smtClean="0"/>
-              <a:t>” script. </a:t>
-            </a:r>
-            <a:endParaRPr lang="en-US" dirty="0">
-              <a:solidFill>
-                <a:srgbClr val="FF0000"/>
-              </a:solidFill>
-            </a:endParaRPr>
-          </a:p>
-        </p:txBody>
-      </p:sp>
-      <p:pic>
-        <p:nvPicPr>
-          <p:cNvPr id="4" name="Picture 3"/>
-          <p:cNvPicPr>
-            <a:picLocks noChangeAspect="1"/>
-          </p:cNvPicPr>
-          <p:nvPr/>
-        </p:nvPicPr>
-        <p:blipFill rotWithShape="1">
-          <a:blip r:embed="rId2"/>
-          <a:srcRect l="30993" t="6699"/>
-          <a:stretch/>
-        </p:blipFill>
-        <p:spPr>
-          <a:xfrm>
-            <a:off x="1689614" y="3782902"/>
-            <a:ext cx="8978386" cy="196147"/>
-          </a:xfrm>
-          <a:prstGeom prst="rect">
-            <a:avLst/>
-          </a:prstGeom>
-        </p:spPr>
-      </p:pic>
-      <p:pic>
-        <p:nvPicPr>
-          <p:cNvPr id="6" name="Picture 5"/>
-          <p:cNvPicPr>
-            <a:picLocks noChangeAspect="1"/>
-          </p:cNvPicPr>
-          <p:nvPr/>
-        </p:nvPicPr>
-        <p:blipFill>
-          <a:blip r:embed="rId3"/>
-          <a:stretch>
-            <a:fillRect/>
-          </a:stretch>
-        </p:blipFill>
-        <p:spPr>
-          <a:xfrm>
-            <a:off x="3878648" y="4113985"/>
-            <a:ext cx="3901978" cy="333265"/>
-          </a:xfrm>
-          <a:prstGeom prst="rect">
-            <a:avLst/>
-          </a:prstGeom>
-        </p:spPr>
-      </p:pic>
-    </p:spTree>
-    <p:extLst>
-      <p:ext uri="{BB962C8B-B14F-4D97-AF65-F5344CB8AC3E}">
-        <p14:creationId xmlns:p14="http://schemas.microsoft.com/office/powerpoint/2010/main" val="896098646"/>
-      </p:ext>
-    </p:extLst>
-  </p:cSld>
-  <p:clrMapOvr>
-    <a:masterClrMapping/>
-  </p:clrMapOvr>
-  <p:timing>
-    <p:tnLst>
-      <p:par>
-        <p:cTn id="1" dur="indefinite" restart="never" nodeType="tmRoot">
-          <p:childTnLst>
-            <p:seq concurrent="1" nextAc="seek">
-              <p:cTn id="2" dur="indefinite" nodeType="mainSeq">
-                <p:childTnLst>
-                  <p:par>
-                    <p:cTn id="3" fill="hold">
-                      <p:stCondLst>
-                        <p:cond delay="indefinite"/>
-                      </p:stCondLst>
-                      <p:childTnLst>
-                        <p:par>
-                          <p:cTn id="4" fill="hold">
-                            <p:stCondLst>
-                              <p:cond delay="0"/>
-                            </p:stCondLst>
-                            <p:childTnLst>
-                              <p:par>
-                                <p:cTn id="5" presetID="1" presetClass="entr" presetSubtype="0" fill="hold" nodeType="clickEffect">
-                                  <p:stCondLst>
-                                    <p:cond delay="0"/>
-                                  </p:stCondLst>
-                                  <p:childTnLst>
-                                    <p:set>
-                                      <p:cBhvr>
-                                        <p:cTn id="6" dur="1" fill="hold">
-                                          <p:stCondLst>
-                                            <p:cond delay="0"/>
-                                          </p:stCondLst>
-                                        </p:cTn>
-                                        <p:tgtEl>
-                                          <p:spTgt spid="3">
-                                            <p:txEl>
-                                              <p:pRg st="4" end="4"/>
-                                            </p:txEl>
-                                          </p:spTgt>
-                                        </p:tgtEl>
-                                        <p:attrNameLst>
-                                          <p:attrName>style.visibility</p:attrName>
-                                        </p:attrNameLst>
-                                      </p:cBhvr>
-                                      <p:to>
-                                        <p:strVal val="visible"/>
-                                      </p:to>
-                                    </p:set>
-                                  </p:childTnLst>
-                                </p:cTn>
-                              </p:par>
-                            </p:childTnLst>
-                          </p:cTn>
-                        </p:par>
-                      </p:childTnLst>
-                    </p:cTn>
-                  </p:par>
-                  <p:par>
-                    <p:cTn id="7" fill="hold">
-                      <p:stCondLst>
-                        <p:cond delay="indefinite"/>
-                      </p:stCondLst>
-                      <p:childTnLst>
-                        <p:par>
-                          <p:cTn id="8" fill="hold">
-                            <p:stCondLst>
-                              <p:cond delay="0"/>
-                            </p:stCondLst>
-                            <p:childTnLst>
-                              <p:par>
-                                <p:cTn id="9" presetID="1" presetClass="entr" presetSubtype="0" fill="hold" nodeType="clickEffect">
-                                  <p:stCondLst>
-                                    <p:cond delay="0"/>
-                                  </p:stCondLst>
-                                  <p:childTnLst>
-                                    <p:set>
-                                      <p:cBhvr>
-                                        <p:cTn id="10" dur="1" fill="hold">
-                                          <p:stCondLst>
-                                            <p:cond delay="0"/>
-                                          </p:stCondLst>
-                                        </p:cTn>
-                                        <p:tgtEl>
-                                          <p:spTgt spid="3">
-                                            <p:txEl>
-                                              <p:pRg st="5" end="5"/>
-                                            </p:txEl>
-                                          </p:spTgt>
-                                        </p:tgtEl>
-                                        <p:attrNameLst>
-                                          <p:attrName>style.visibility</p:attrName>
-                                        </p:attrNameLst>
-                                      </p:cBhvr>
-                                      <p:to>
-                                        <p:strVal val="visible"/>
-                                      </p:to>
-                                    </p:set>
-                                  </p:childTnLst>
-                                </p:cTn>
-                              </p:par>
-                            </p:childTnLst>
-                          </p:cTn>
-                        </p:par>
-                      </p:childTnLst>
-                    </p:cTn>
-                  </p:par>
-                </p:childTnLst>
-              </p:cTn>
-              <p:prevCondLst>
-                <p:cond evt="onPrev" delay="0">
-                  <p:tgtEl>
-                    <p:sldTgt/>
-                  </p:tgtEl>
-                </p:cond>
-              </p:prevCondLst>
-              <p:nextCondLst>
-                <p:cond evt="onNext" delay="0">
-                  <p:tgtEl>
-                    <p:sldTgt/>
-                  </p:tgtEl>
-                </p:cond>
-              </p:nextCondLst>
-            </p:seq>
-          </p:childTnLst>
-        </p:cTn>
       </p:par>
     </p:tnLst>
   </p:timing>

--- a/1.Unix/presentations/advanced_command_line_tutorial.pptx
+++ b/1.Unix/presentations/advanced_command_line_tutorial.pptx
@@ -5,7 +5,7 @@
     <p:sldMasterId id="2147483648" r:id="rId1"/>
   </p:sldMasterIdLst>
   <p:notesMasterIdLst>
-    <p:notesMasterId r:id="rId41"/>
+    <p:notesMasterId r:id="rId43"/>
   </p:notesMasterIdLst>
   <p:sldIdLst>
     <p:sldId id="257" r:id="rId2"/>
@@ -22,31 +22,33 @@
     <p:sldId id="270" r:id="rId13"/>
     <p:sldId id="271" r:id="rId14"/>
     <p:sldId id="292" r:id="rId15"/>
-    <p:sldId id="281" r:id="rId16"/>
-    <p:sldId id="282" r:id="rId17"/>
-    <p:sldId id="283" r:id="rId18"/>
-    <p:sldId id="284" r:id="rId19"/>
-    <p:sldId id="285" r:id="rId20"/>
-    <p:sldId id="286" r:id="rId21"/>
-    <p:sldId id="287" r:id="rId22"/>
-    <p:sldId id="288" r:id="rId23"/>
-    <p:sldId id="289" r:id="rId24"/>
-    <p:sldId id="290" r:id="rId25"/>
-    <p:sldId id="291" r:id="rId26"/>
-    <p:sldId id="297" r:id="rId27"/>
-    <p:sldId id="298" r:id="rId28"/>
-    <p:sldId id="296" r:id="rId29"/>
-    <p:sldId id="261" r:id="rId30"/>
-    <p:sldId id="259" r:id="rId31"/>
-    <p:sldId id="262" r:id="rId32"/>
-    <p:sldId id="263" r:id="rId33"/>
-    <p:sldId id="264" r:id="rId34"/>
-    <p:sldId id="265" r:id="rId35"/>
-    <p:sldId id="266" r:id="rId36"/>
-    <p:sldId id="267" r:id="rId37"/>
-    <p:sldId id="268" r:id="rId38"/>
-    <p:sldId id="260" r:id="rId39"/>
-    <p:sldId id="295" r:id="rId40"/>
+    <p:sldId id="299" r:id="rId16"/>
+    <p:sldId id="300" r:id="rId17"/>
+    <p:sldId id="281" r:id="rId18"/>
+    <p:sldId id="282" r:id="rId19"/>
+    <p:sldId id="283" r:id="rId20"/>
+    <p:sldId id="284" r:id="rId21"/>
+    <p:sldId id="285" r:id="rId22"/>
+    <p:sldId id="286" r:id="rId23"/>
+    <p:sldId id="287" r:id="rId24"/>
+    <p:sldId id="288" r:id="rId25"/>
+    <p:sldId id="289" r:id="rId26"/>
+    <p:sldId id="290" r:id="rId27"/>
+    <p:sldId id="291" r:id="rId28"/>
+    <p:sldId id="297" r:id="rId29"/>
+    <p:sldId id="298" r:id="rId30"/>
+    <p:sldId id="296" r:id="rId31"/>
+    <p:sldId id="261" r:id="rId32"/>
+    <p:sldId id="259" r:id="rId33"/>
+    <p:sldId id="262" r:id="rId34"/>
+    <p:sldId id="263" r:id="rId35"/>
+    <p:sldId id="264" r:id="rId36"/>
+    <p:sldId id="265" r:id="rId37"/>
+    <p:sldId id="266" r:id="rId38"/>
+    <p:sldId id="267" r:id="rId39"/>
+    <p:sldId id="268" r:id="rId40"/>
+    <p:sldId id="260" r:id="rId41"/>
+    <p:sldId id="295" r:id="rId42"/>
   </p:sldIdLst>
   <p:sldSz cx="12192000" cy="6858000"/>
   <p:notesSz cx="6858000" cy="9144000"/>
@@ -235,7 +237,7 @@
           <a:p>
             <a:fld id="{B53B1810-B934-4BA9-818E-38DA22663669}" type="datetimeFigureOut">
               <a:rPr lang="en-US" smtClean="0"/>
-              <a:t>1/6/2020</a:t>
+              <a:t>1/8/2020</a:t>
             </a:fld>
             <a:endParaRPr lang="en-US"/>
           </a:p>
@@ -568,7 +570,7 @@
           <a:p>
             <a:fld id="{588B5E83-B17D-491A-B8B5-618ECE1FBD21}" type="slidenum">
               <a:rPr lang="en-US" smtClean="0"/>
-              <a:t>23</a:t>
+              <a:t>25</a:t>
             </a:fld>
             <a:endParaRPr lang="en-US"/>
           </a:p>
@@ -672,7 +674,7 @@
           <a:p>
             <a:fld id="{44A24711-76ED-447B-9DF1-D8BA240E5B4C}" type="slidenum">
               <a:rPr lang="en-US" smtClean="0"/>
-              <a:t>28</a:t>
+              <a:t>30</a:t>
             </a:fld>
             <a:endParaRPr lang="en-US"/>
           </a:p>
@@ -822,7 +824,7 @@
           <a:p>
             <a:fld id="{AD7E496B-2690-4F52-8F9B-7F150E9B577E}" type="datetimeFigureOut">
               <a:rPr lang="en-US" smtClean="0"/>
-              <a:t>1/6/2020</a:t>
+              <a:t>1/8/2020</a:t>
             </a:fld>
             <a:endParaRPr lang="en-US"/>
           </a:p>
@@ -992,7 +994,7 @@
           <a:p>
             <a:fld id="{AD7E496B-2690-4F52-8F9B-7F150E9B577E}" type="datetimeFigureOut">
               <a:rPr lang="en-US" smtClean="0"/>
-              <a:t>1/6/2020</a:t>
+              <a:t>1/8/2020</a:t>
             </a:fld>
             <a:endParaRPr lang="en-US"/>
           </a:p>
@@ -1172,7 +1174,7 @@
           <a:p>
             <a:fld id="{AD7E496B-2690-4F52-8F9B-7F150E9B577E}" type="datetimeFigureOut">
               <a:rPr lang="en-US" smtClean="0"/>
-              <a:t>1/6/2020</a:t>
+              <a:t>1/8/2020</a:t>
             </a:fld>
             <a:endParaRPr lang="en-US"/>
           </a:p>
@@ -1342,7 +1344,7 @@
           <a:p>
             <a:fld id="{AD7E496B-2690-4F52-8F9B-7F150E9B577E}" type="datetimeFigureOut">
               <a:rPr lang="en-US" smtClean="0"/>
-              <a:t>1/6/2020</a:t>
+              <a:t>1/8/2020</a:t>
             </a:fld>
             <a:endParaRPr lang="en-US"/>
           </a:p>
@@ -1588,7 +1590,7 @@
           <a:p>
             <a:fld id="{AD7E496B-2690-4F52-8F9B-7F150E9B577E}" type="datetimeFigureOut">
               <a:rPr lang="en-US" smtClean="0"/>
-              <a:t>1/6/2020</a:t>
+              <a:t>1/8/2020</a:t>
             </a:fld>
             <a:endParaRPr lang="en-US"/>
           </a:p>
@@ -1820,7 +1822,7 @@
           <a:p>
             <a:fld id="{AD7E496B-2690-4F52-8F9B-7F150E9B577E}" type="datetimeFigureOut">
               <a:rPr lang="en-US" smtClean="0"/>
-              <a:t>1/6/2020</a:t>
+              <a:t>1/8/2020</a:t>
             </a:fld>
             <a:endParaRPr lang="en-US"/>
           </a:p>
@@ -2187,7 +2189,7 @@
           <a:p>
             <a:fld id="{AD7E496B-2690-4F52-8F9B-7F150E9B577E}" type="datetimeFigureOut">
               <a:rPr lang="en-US" smtClean="0"/>
-              <a:t>1/6/2020</a:t>
+              <a:t>1/8/2020</a:t>
             </a:fld>
             <a:endParaRPr lang="en-US"/>
           </a:p>
@@ -2305,7 +2307,7 @@
           <a:p>
             <a:fld id="{AD7E496B-2690-4F52-8F9B-7F150E9B577E}" type="datetimeFigureOut">
               <a:rPr lang="en-US" smtClean="0"/>
-              <a:t>1/6/2020</a:t>
+              <a:t>1/8/2020</a:t>
             </a:fld>
             <a:endParaRPr lang="en-US"/>
           </a:p>
@@ -2400,7 +2402,7 @@
           <a:p>
             <a:fld id="{AD7E496B-2690-4F52-8F9B-7F150E9B577E}" type="datetimeFigureOut">
               <a:rPr lang="en-US" smtClean="0"/>
-              <a:t>1/6/2020</a:t>
+              <a:t>1/8/2020</a:t>
             </a:fld>
             <a:endParaRPr lang="en-US"/>
           </a:p>
@@ -2677,7 +2679,7 @@
           <a:p>
             <a:fld id="{AD7E496B-2690-4F52-8F9B-7F150E9B577E}" type="datetimeFigureOut">
               <a:rPr lang="en-US" smtClean="0"/>
-              <a:t>1/6/2020</a:t>
+              <a:t>1/8/2020</a:t>
             </a:fld>
             <a:endParaRPr lang="en-US"/>
           </a:p>
@@ -2930,7 +2932,7 @@
           <a:p>
             <a:fld id="{AD7E496B-2690-4F52-8F9B-7F150E9B577E}" type="datetimeFigureOut">
               <a:rPr lang="en-US" smtClean="0"/>
-              <a:t>1/6/2020</a:t>
+              <a:t>1/8/2020</a:t>
             </a:fld>
             <a:endParaRPr lang="en-US"/>
           </a:p>
@@ -3143,7 +3145,7 @@
           <a:p>
             <a:fld id="{AD7E496B-2690-4F52-8F9B-7F150E9B577E}" type="datetimeFigureOut">
               <a:rPr lang="en-US" smtClean="0"/>
-              <a:t>1/6/2020</a:t>
+              <a:t>1/8/2020</a:t>
             </a:fld>
             <a:endParaRPr lang="en-US"/>
           </a:p>
@@ -5287,11 +5289,7 @@
           <a:p>
             <a:r>
               <a:rPr lang="en-US" dirty="0" smtClean="0"/>
-              <a:t>Recap before we go </a:t>
-            </a:r>
-            <a:r>
-              <a:rPr lang="en-US" dirty="0" smtClean="0"/>
-              <a:t>gallivanting off to the next lesson!</a:t>
+              <a:t>Recap before we go gallivanting off to the next lesson!</a:t>
             </a:r>
             <a:endParaRPr lang="en-US" dirty="0"/>
           </a:p>
@@ -5706,6 +5704,863 @@
           <a:p>
             <a:r>
               <a:rPr lang="en-US" dirty="0" smtClean="0"/>
+              <a:t>Pipes – not just for plumbing!</a:t>
+            </a:r>
+            <a:endParaRPr lang="en-US" dirty="0"/>
+          </a:p>
+        </p:txBody>
+      </p:sp>
+      <p:sp>
+        <p:nvSpPr>
+          <p:cNvPr id="3" name="Content Placeholder 2"/>
+          <p:cNvSpPr>
+            <a:spLocks noGrp="1"/>
+          </p:cNvSpPr>
+          <p:nvPr>
+            <p:ph idx="1"/>
+          </p:nvPr>
+        </p:nvSpPr>
+        <p:spPr/>
+        <p:txBody>
+          <a:bodyPr/>
+          <a:lstStyle/>
+          <a:p>
+            <a:r>
+              <a:rPr lang="en-US" dirty="0" smtClean="0"/>
+              <a:t>Now that you understand redirection, let’s throw a new concept into the mix: </a:t>
+            </a:r>
+            <a:r>
+              <a:rPr lang="en-US" dirty="0" smtClean="0">
+                <a:solidFill>
+                  <a:srgbClr val="FF0000"/>
+                </a:solidFill>
+              </a:rPr>
+              <a:t>piping</a:t>
+            </a:r>
+            <a:endParaRPr lang="en-US" dirty="0" smtClean="0"/>
+          </a:p>
+          <a:p>
+            <a:r>
+              <a:rPr lang="en-US" dirty="0" smtClean="0"/>
+              <a:t>Many Unix commands print output to STDOUT, and accept input from STDIN. If they follow this paradigm, you can pipe STDOUT from one program to another as STDIN and not need to create an intermediary file. Let’s illustrate this with the files from your current directory:</a:t>
+            </a:r>
+            <a:endParaRPr lang="en-US" dirty="0"/>
+          </a:p>
+        </p:txBody>
+      </p:sp>
+      <p:grpSp>
+        <p:nvGrpSpPr>
+          <p:cNvPr id="14" name="Group 13"/>
+          <p:cNvGrpSpPr/>
+          <p:nvPr/>
+        </p:nvGrpSpPr>
+        <p:grpSpPr>
+          <a:xfrm>
+            <a:off x="2318903" y="4500995"/>
+            <a:ext cx="7606698" cy="1183834"/>
+            <a:chOff x="2318903" y="4500995"/>
+            <a:chExt cx="7606698" cy="1183834"/>
+          </a:xfrm>
+        </p:grpSpPr>
+        <p:pic>
+          <p:nvPicPr>
+            <p:cNvPr id="4" name="Picture 3"/>
+            <p:cNvPicPr>
+              <a:picLocks noChangeAspect="1"/>
+            </p:cNvPicPr>
+            <p:nvPr/>
+          </p:nvPicPr>
+          <p:blipFill>
+            <a:blip r:embed="rId2"/>
+            <a:stretch>
+              <a:fillRect/>
+            </a:stretch>
+          </p:blipFill>
+          <p:spPr>
+            <a:xfrm>
+              <a:off x="2318903" y="4500995"/>
+              <a:ext cx="7320879" cy="403513"/>
+            </a:xfrm>
+            <a:prstGeom prst="rect">
+              <a:avLst/>
+            </a:prstGeom>
+          </p:spPr>
+        </p:pic>
+        <p:sp>
+          <p:nvSpPr>
+            <p:cNvPr id="5" name="TextBox 4"/>
+            <p:cNvSpPr txBox="1"/>
+            <p:nvPr/>
+          </p:nvSpPr>
+          <p:spPr>
+            <a:xfrm>
+              <a:off x="2318903" y="5223164"/>
+              <a:ext cx="7606698" cy="461665"/>
+            </a:xfrm>
+            <a:prstGeom prst="rect">
+              <a:avLst/>
+            </a:prstGeom>
+            <a:noFill/>
+          </p:spPr>
+          <p:txBody>
+            <a:bodyPr wrap="none" rtlCol="0">
+              <a:spAutoFit/>
+            </a:bodyPr>
+            <a:lstStyle/>
+            <a:p>
+              <a:r>
+                <a:rPr lang="en-US" sz="2400" dirty="0" smtClean="0"/>
+                <a:t>CMD 1: prints STDOUT        -&gt;    Reads STDIN, prints STDOUT</a:t>
+              </a:r>
+              <a:endParaRPr lang="en-US" dirty="0"/>
+            </a:p>
+          </p:txBody>
+        </p:sp>
+      </p:grpSp>
+      <p:grpSp>
+        <p:nvGrpSpPr>
+          <p:cNvPr id="13" name="Group 12"/>
+          <p:cNvGrpSpPr/>
+          <p:nvPr/>
+        </p:nvGrpSpPr>
+        <p:grpSpPr>
+          <a:xfrm>
+            <a:off x="3380509" y="4364182"/>
+            <a:ext cx="5995103" cy="2139514"/>
+            <a:chOff x="3380509" y="4364182"/>
+            <a:chExt cx="5995103" cy="2139514"/>
+          </a:xfrm>
+        </p:grpSpPr>
+        <p:sp>
+          <p:nvSpPr>
+            <p:cNvPr id="9" name="TextBox 8"/>
+            <p:cNvSpPr txBox="1"/>
+            <p:nvPr/>
+          </p:nvSpPr>
+          <p:spPr>
+            <a:xfrm>
+              <a:off x="3380509" y="6042031"/>
+              <a:ext cx="5995103" cy="461665"/>
+            </a:xfrm>
+            <a:prstGeom prst="rect">
+              <a:avLst/>
+            </a:prstGeom>
+            <a:noFill/>
+            <a:ln w="38100">
+              <a:solidFill>
+                <a:srgbClr val="FF0000"/>
+              </a:solidFill>
+            </a:ln>
+          </p:spPr>
+          <p:txBody>
+            <a:bodyPr wrap="none" rtlCol="0">
+              <a:spAutoFit/>
+            </a:bodyPr>
+            <a:lstStyle/>
+            <a:p>
+              <a:r>
+                <a:rPr lang="en-US" sz="2400" dirty="0" smtClean="0">
+                  <a:solidFill>
+                    <a:srgbClr val="FF0000"/>
+                  </a:solidFill>
+                </a:rPr>
+                <a:t>The Pipe “|” converts from STDOUT to STDIN!!</a:t>
+              </a:r>
+              <a:endParaRPr lang="en-US" sz="2400" dirty="0">
+                <a:solidFill>
+                  <a:srgbClr val="FF0000"/>
+                </a:solidFill>
+              </a:endParaRPr>
+            </a:p>
+          </p:txBody>
+        </p:sp>
+        <p:sp>
+          <p:nvSpPr>
+            <p:cNvPr id="10" name="Rectangle 9"/>
+            <p:cNvSpPr/>
+            <p:nvPr/>
+          </p:nvSpPr>
+          <p:spPr>
+            <a:xfrm>
+              <a:off x="5721927" y="4364182"/>
+              <a:ext cx="374073" cy="1320647"/>
+            </a:xfrm>
+            <a:prstGeom prst="rect">
+              <a:avLst/>
+            </a:prstGeom>
+            <a:noFill/>
+            <a:ln w="38100">
+              <a:solidFill>
+                <a:srgbClr val="FF0000"/>
+              </a:solidFill>
+            </a:ln>
+          </p:spPr>
+          <p:style>
+            <a:lnRef idx="2">
+              <a:schemeClr val="accent1">
+                <a:shade val="50000"/>
+              </a:schemeClr>
+            </a:lnRef>
+            <a:fillRef idx="1">
+              <a:schemeClr val="accent1"/>
+            </a:fillRef>
+            <a:effectRef idx="0">
+              <a:schemeClr val="accent1"/>
+            </a:effectRef>
+            <a:fontRef idx="minor">
+              <a:schemeClr val="lt1"/>
+            </a:fontRef>
+          </p:style>
+          <p:txBody>
+            <a:bodyPr rtlCol="0" anchor="ctr"/>
+            <a:lstStyle/>
+            <a:p>
+              <a:pPr algn="ctr"/>
+              <a:endParaRPr lang="en-US"/>
+            </a:p>
+          </p:txBody>
+        </p:sp>
+        <p:cxnSp>
+          <p:nvCxnSpPr>
+            <p:cNvPr id="12" name="Straight Connector 11"/>
+            <p:cNvCxnSpPr>
+              <a:stCxn id="10" idx="2"/>
+              <a:endCxn id="9" idx="0"/>
+            </p:cNvCxnSpPr>
+            <p:nvPr/>
+          </p:nvCxnSpPr>
+          <p:spPr>
+            <a:xfrm>
+              <a:off x="5908964" y="5684829"/>
+              <a:ext cx="469097" cy="357202"/>
+            </a:xfrm>
+            <a:prstGeom prst="line">
+              <a:avLst/>
+            </a:prstGeom>
+            <a:ln w="38100">
+              <a:solidFill>
+                <a:srgbClr val="FF0000"/>
+              </a:solidFill>
+            </a:ln>
+          </p:spPr>
+          <p:style>
+            <a:lnRef idx="1">
+              <a:schemeClr val="accent1"/>
+            </a:lnRef>
+            <a:fillRef idx="0">
+              <a:schemeClr val="accent1"/>
+            </a:fillRef>
+            <a:effectRef idx="0">
+              <a:schemeClr val="accent1"/>
+            </a:effectRef>
+            <a:fontRef idx="minor">
+              <a:schemeClr val="tx1"/>
+            </a:fontRef>
+          </p:style>
+        </p:cxnSp>
+      </p:grpSp>
+    </p:spTree>
+    <p:extLst>
+      <p:ext uri="{BB962C8B-B14F-4D97-AF65-F5344CB8AC3E}">
+        <p14:creationId xmlns:p14="http://schemas.microsoft.com/office/powerpoint/2010/main" val="115665779"/>
+      </p:ext>
+    </p:extLst>
+  </p:cSld>
+  <p:clrMapOvr>
+    <a:masterClrMapping/>
+  </p:clrMapOvr>
+  <p:timing>
+    <p:tnLst>
+      <p:par>
+        <p:cTn id="1" dur="indefinite" restart="never" nodeType="tmRoot">
+          <p:childTnLst>
+            <p:seq concurrent="1" nextAc="seek">
+              <p:cTn id="2" dur="indefinite" nodeType="mainSeq">
+                <p:childTnLst>
+                  <p:par>
+                    <p:cTn id="3" fill="hold">
+                      <p:stCondLst>
+                        <p:cond delay="indefinite"/>
+                      </p:stCondLst>
+                      <p:childTnLst>
+                        <p:par>
+                          <p:cTn id="4" fill="hold">
+                            <p:stCondLst>
+                              <p:cond delay="0"/>
+                            </p:stCondLst>
+                            <p:childTnLst>
+                              <p:par>
+                                <p:cTn id="5" presetID="1" presetClass="entr" presetSubtype="0" fill="hold" nodeType="clickEffect">
+                                  <p:stCondLst>
+                                    <p:cond delay="0"/>
+                                  </p:stCondLst>
+                                  <p:childTnLst>
+                                    <p:set>
+                                      <p:cBhvr>
+                                        <p:cTn id="6" dur="1" fill="hold">
+                                          <p:stCondLst>
+                                            <p:cond delay="0"/>
+                                          </p:stCondLst>
+                                        </p:cTn>
+                                        <p:tgtEl>
+                                          <p:spTgt spid="14"/>
+                                        </p:tgtEl>
+                                        <p:attrNameLst>
+                                          <p:attrName>style.visibility</p:attrName>
+                                        </p:attrNameLst>
+                                      </p:cBhvr>
+                                      <p:to>
+                                        <p:strVal val="visible"/>
+                                      </p:to>
+                                    </p:set>
+                                  </p:childTnLst>
+                                </p:cTn>
+                              </p:par>
+                            </p:childTnLst>
+                          </p:cTn>
+                        </p:par>
+                      </p:childTnLst>
+                    </p:cTn>
+                  </p:par>
+                  <p:par>
+                    <p:cTn id="7" fill="hold">
+                      <p:stCondLst>
+                        <p:cond delay="indefinite"/>
+                      </p:stCondLst>
+                      <p:childTnLst>
+                        <p:par>
+                          <p:cTn id="8" fill="hold">
+                            <p:stCondLst>
+                              <p:cond delay="0"/>
+                            </p:stCondLst>
+                            <p:childTnLst>
+                              <p:par>
+                                <p:cTn id="9" presetID="1" presetClass="entr" presetSubtype="0" fill="hold" nodeType="clickEffect">
+                                  <p:stCondLst>
+                                    <p:cond delay="0"/>
+                                  </p:stCondLst>
+                                  <p:childTnLst>
+                                    <p:set>
+                                      <p:cBhvr>
+                                        <p:cTn id="10" dur="1" fill="hold">
+                                          <p:stCondLst>
+                                            <p:cond delay="0"/>
+                                          </p:stCondLst>
+                                        </p:cTn>
+                                        <p:tgtEl>
+                                          <p:spTgt spid="13"/>
+                                        </p:tgtEl>
+                                        <p:attrNameLst>
+                                          <p:attrName>style.visibility</p:attrName>
+                                        </p:attrNameLst>
+                                      </p:cBhvr>
+                                      <p:to>
+                                        <p:strVal val="visible"/>
+                                      </p:to>
+                                    </p:set>
+                                  </p:childTnLst>
+                                </p:cTn>
+                              </p:par>
+                            </p:childTnLst>
+                          </p:cTn>
+                        </p:par>
+                      </p:childTnLst>
+                    </p:cTn>
+                  </p:par>
+                </p:childTnLst>
+              </p:cTn>
+              <p:prevCondLst>
+                <p:cond evt="onPrev" delay="0">
+                  <p:tgtEl>
+                    <p:sldTgt/>
+                  </p:tgtEl>
+                </p:cond>
+              </p:prevCondLst>
+              <p:nextCondLst>
+                <p:cond evt="onNext" delay="0">
+                  <p:tgtEl>
+                    <p:sldTgt/>
+                  </p:tgtEl>
+                </p:cond>
+              </p:nextCondLst>
+            </p:seq>
+          </p:childTnLst>
+        </p:cTn>
+      </p:par>
+    </p:tnLst>
+  </p:timing>
+</p:sld>
+</file>
+
+<file path=ppt/slides/slide16.xml><?xml version="1.0" encoding="utf-8"?>
+<p:sld xmlns:a="http://schemas.openxmlformats.org/drawingml/2006/main" xmlns:r="http://schemas.openxmlformats.org/officeDocument/2006/relationships" xmlns:p="http://schemas.openxmlformats.org/presentationml/2006/main">
+  <p:cSld>
+    <p:spTree>
+      <p:nvGrpSpPr>
+        <p:cNvPr id="1" name=""/>
+        <p:cNvGrpSpPr/>
+        <p:nvPr/>
+      </p:nvGrpSpPr>
+      <p:grpSpPr>
+        <a:xfrm>
+          <a:off x="0" y="0"/>
+          <a:ext cx="0" cy="0"/>
+          <a:chOff x="0" y="0"/>
+          <a:chExt cx="0" cy="0"/>
+        </a:xfrm>
+      </p:grpSpPr>
+      <p:sp>
+        <p:nvSpPr>
+          <p:cNvPr id="2" name="Title 1"/>
+          <p:cNvSpPr>
+            <a:spLocks noGrp="1"/>
+          </p:cNvSpPr>
+          <p:nvPr>
+            <p:ph type="title"/>
+          </p:nvPr>
+        </p:nvSpPr>
+        <p:spPr>
+          <a:xfrm>
+            <a:off x="789709" y="0"/>
+            <a:ext cx="10515600" cy="1325563"/>
+          </a:xfrm>
+        </p:spPr>
+        <p:txBody>
+          <a:bodyPr/>
+          <a:lstStyle/>
+          <a:p>
+            <a:r>
+              <a:rPr lang="en-US" dirty="0" smtClean="0"/>
+              <a:t>Useful Pipes</a:t>
+            </a:r>
+            <a:endParaRPr lang="en-US" dirty="0"/>
+          </a:p>
+        </p:txBody>
+      </p:sp>
+      <p:sp>
+        <p:nvSpPr>
+          <p:cNvPr id="3" name="Content Placeholder 2"/>
+          <p:cNvSpPr>
+            <a:spLocks noGrp="1"/>
+          </p:cNvSpPr>
+          <p:nvPr>
+            <p:ph idx="1"/>
+          </p:nvPr>
+        </p:nvSpPr>
+        <p:spPr>
+          <a:xfrm>
+            <a:off x="907473" y="1174461"/>
+            <a:ext cx="10515600" cy="4351338"/>
+          </a:xfrm>
+        </p:spPr>
+        <p:txBody>
+          <a:bodyPr/>
+          <a:lstStyle/>
+          <a:p>
+            <a:r>
+              <a:rPr lang="en-US" dirty="0" smtClean="0"/>
+              <a:t>This type of redirection is very useful! But don’t just take my word for it, here are a list of very useful pipe commands:</a:t>
+            </a:r>
+            <a:endParaRPr lang="en-US" dirty="0"/>
+          </a:p>
+        </p:txBody>
+      </p:sp>
+      <p:graphicFrame>
+        <p:nvGraphicFramePr>
+          <p:cNvPr id="4" name="Table 3"/>
+          <p:cNvGraphicFramePr>
+            <a:graphicFrameLocks noGrp="1"/>
+          </p:cNvGraphicFramePr>
+          <p:nvPr>
+            <p:extLst>
+              <p:ext uri="{D42A27DB-BD31-4B8C-83A1-F6EECF244321}">
+                <p14:modId xmlns:p14="http://schemas.microsoft.com/office/powerpoint/2010/main" val="4124120634"/>
+              </p:ext>
+            </p:extLst>
+          </p:nvPr>
+        </p:nvGraphicFramePr>
+        <p:xfrm>
+          <a:off x="277091" y="2128260"/>
+          <a:ext cx="11540836" cy="4572000"/>
+        </p:xfrm>
+        <a:graphic>
+          <a:graphicData uri="http://schemas.openxmlformats.org/drawingml/2006/table">
+            <a:tbl>
+              <a:tblPr firstRow="1" bandRow="1">
+                <a:tableStyleId>{8FD4443E-F989-4FC4-A0C8-D5A2AF1F390B}</a:tableStyleId>
+              </a:tblPr>
+              <a:tblGrid>
+                <a:gridCol w="4315876">
+                  <a:extLst>
+                    <a:ext uri="{9D8B030D-6E8A-4147-A177-3AD203B41FA5}">
+                      <a16:colId xmlns:a16="http://schemas.microsoft.com/office/drawing/2014/main" val="458755428"/>
+                    </a:ext>
+                  </a:extLst>
+                </a:gridCol>
+                <a:gridCol w="7224960">
+                  <a:extLst>
+                    <a:ext uri="{9D8B030D-6E8A-4147-A177-3AD203B41FA5}">
+                      <a16:colId xmlns:a16="http://schemas.microsoft.com/office/drawing/2014/main" val="2833167312"/>
+                    </a:ext>
+                  </a:extLst>
+                </a:gridCol>
+              </a:tblGrid>
+              <a:tr h="370840">
+                <a:tc>
+                  <a:txBody>
+                    <a:bodyPr/>
+                    <a:lstStyle/>
+                    <a:p>
+                      <a:r>
+                        <a:rPr lang="en-US" sz="2400" dirty="0" smtClean="0"/>
+                        <a:t>Command</a:t>
+                      </a:r>
+                      <a:endParaRPr lang="en-US" sz="2400" dirty="0"/>
+                    </a:p>
+                  </a:txBody>
+                  <a:tcPr/>
+                </a:tc>
+                <a:tc>
+                  <a:txBody>
+                    <a:bodyPr/>
+                    <a:lstStyle/>
+                    <a:p>
+                      <a:r>
+                        <a:rPr lang="en-US" sz="2400" dirty="0" smtClean="0"/>
+                        <a:t>Brief description</a:t>
+                      </a:r>
+                      <a:endParaRPr lang="en-US" sz="2400" dirty="0"/>
+                    </a:p>
+                  </a:txBody>
+                  <a:tcPr/>
+                </a:tc>
+                <a:extLst>
+                  <a:ext uri="{0D108BD9-81ED-4DB2-BD59-A6C34878D82A}">
+                    <a16:rowId xmlns:a16="http://schemas.microsoft.com/office/drawing/2014/main" val="8306767"/>
+                  </a:ext>
+                </a:extLst>
+              </a:tr>
+              <a:tr h="370840">
+                <a:tc>
+                  <a:txBody>
+                    <a:bodyPr/>
+                    <a:lstStyle/>
+                    <a:p>
+                      <a:r>
+                        <a:rPr lang="en-US" sz="2400" dirty="0" smtClean="0"/>
+                        <a:t>ls</a:t>
+                      </a:r>
+                      <a:r>
+                        <a:rPr lang="en-US" sz="2400" baseline="0" dirty="0" smtClean="0"/>
+                        <a:t> –halt | head</a:t>
+                      </a:r>
+                      <a:endParaRPr lang="en-US" sz="2400" dirty="0"/>
+                    </a:p>
+                  </a:txBody>
+                  <a:tcPr/>
+                </a:tc>
+                <a:tc>
+                  <a:txBody>
+                    <a:bodyPr/>
+                    <a:lstStyle/>
+                    <a:p>
+                      <a:r>
+                        <a:rPr lang="en-US" sz="2400" dirty="0" smtClean="0"/>
+                        <a:t>List the</a:t>
+                      </a:r>
+                      <a:r>
+                        <a:rPr lang="en-US" sz="2400" baseline="0" dirty="0" smtClean="0"/>
+                        <a:t> first 10 files, sorted by time modified.</a:t>
+                      </a:r>
+                      <a:endParaRPr lang="en-US" sz="2400" dirty="0"/>
+                    </a:p>
+                  </a:txBody>
+                  <a:tcPr/>
+                </a:tc>
+                <a:extLst>
+                  <a:ext uri="{0D108BD9-81ED-4DB2-BD59-A6C34878D82A}">
+                    <a16:rowId xmlns:a16="http://schemas.microsoft.com/office/drawing/2014/main" val="1167023276"/>
+                  </a:ext>
+                </a:extLst>
+              </a:tr>
+              <a:tr h="370840">
+                <a:tc>
+                  <a:txBody>
+                    <a:bodyPr/>
+                    <a:lstStyle/>
+                    <a:p>
+                      <a:r>
+                        <a:rPr lang="en-US" sz="2400" dirty="0" smtClean="0"/>
+                        <a:t>history</a:t>
+                      </a:r>
+                      <a:r>
+                        <a:rPr lang="en-US" sz="2400" baseline="0" dirty="0" smtClean="0"/>
+                        <a:t> | more</a:t>
+                      </a:r>
+                      <a:endParaRPr lang="en-US" sz="2400" dirty="0"/>
+                    </a:p>
+                  </a:txBody>
+                  <a:tcPr/>
+                </a:tc>
+                <a:tc>
+                  <a:txBody>
+                    <a:bodyPr/>
+                    <a:lstStyle/>
+                    <a:p>
+                      <a:r>
+                        <a:rPr lang="en-US" sz="2400" dirty="0" smtClean="0"/>
+                        <a:t>Print out your Unix</a:t>
+                      </a:r>
+                      <a:r>
+                        <a:rPr lang="en-US" sz="2400" baseline="0" dirty="0" smtClean="0"/>
+                        <a:t> history (last 1000 commands) and read through at your own pace!</a:t>
+                      </a:r>
+                      <a:endParaRPr lang="en-US" sz="2400" dirty="0"/>
+                    </a:p>
+                  </a:txBody>
+                  <a:tcPr/>
+                </a:tc>
+                <a:extLst>
+                  <a:ext uri="{0D108BD9-81ED-4DB2-BD59-A6C34878D82A}">
+                    <a16:rowId xmlns:a16="http://schemas.microsoft.com/office/drawing/2014/main" val="3247870887"/>
+                  </a:ext>
+                </a:extLst>
+              </a:tr>
+              <a:tr h="370840">
+                <a:tc>
+                  <a:txBody>
+                    <a:bodyPr/>
+                    <a:lstStyle/>
+                    <a:p>
+                      <a:r>
+                        <a:rPr lang="en-US" sz="2400" dirty="0" err="1" smtClean="0"/>
+                        <a:t>grep</a:t>
+                      </a:r>
+                      <a:r>
+                        <a:rPr lang="en-US" sz="2400" baseline="0" dirty="0" smtClean="0"/>
+                        <a:t> ‘&gt;’ </a:t>
+                      </a:r>
+                      <a:r>
+                        <a:rPr lang="en-US" sz="2400" baseline="0" dirty="0" err="1" smtClean="0"/>
+                        <a:t>fasta_file.fa</a:t>
+                      </a:r>
+                      <a:r>
+                        <a:rPr lang="en-US" sz="2400" baseline="0" dirty="0" smtClean="0"/>
+                        <a:t> | </a:t>
+                      </a:r>
+                      <a:r>
+                        <a:rPr lang="en-US" sz="2400" baseline="0" dirty="0" err="1" smtClean="0"/>
+                        <a:t>wc</a:t>
+                      </a:r>
+                      <a:r>
+                        <a:rPr lang="en-US" sz="2400" baseline="0" dirty="0" smtClean="0"/>
+                        <a:t> –l </a:t>
+                      </a:r>
+                      <a:endParaRPr lang="en-US" sz="2400" dirty="0"/>
+                    </a:p>
+                  </a:txBody>
+                  <a:tcPr/>
+                </a:tc>
+                <a:tc>
+                  <a:txBody>
+                    <a:bodyPr/>
+                    <a:lstStyle/>
+                    <a:p>
+                      <a:r>
+                        <a:rPr lang="en-US" sz="2400" dirty="0" smtClean="0"/>
+                        <a:t>Grab the sequence</a:t>
+                      </a:r>
+                      <a:r>
+                        <a:rPr lang="en-US" sz="2400" baseline="0" dirty="0" smtClean="0"/>
+                        <a:t> headers in a sequence data file (</a:t>
+                      </a:r>
+                      <a:r>
+                        <a:rPr lang="en-US" sz="2400" baseline="0" dirty="0" err="1" smtClean="0"/>
+                        <a:t>fasta</a:t>
+                      </a:r>
+                      <a:r>
+                        <a:rPr lang="en-US" sz="2400" baseline="0" dirty="0" smtClean="0"/>
+                        <a:t> format), and count how many there are!</a:t>
+                      </a:r>
+                      <a:endParaRPr lang="en-US" sz="2400" dirty="0"/>
+                    </a:p>
+                  </a:txBody>
+                  <a:tcPr/>
+                </a:tc>
+                <a:extLst>
+                  <a:ext uri="{0D108BD9-81ED-4DB2-BD59-A6C34878D82A}">
+                    <a16:rowId xmlns:a16="http://schemas.microsoft.com/office/drawing/2014/main" val="466230902"/>
+                  </a:ext>
+                </a:extLst>
+              </a:tr>
+              <a:tr h="370840">
+                <a:tc>
+                  <a:txBody>
+                    <a:bodyPr/>
+                    <a:lstStyle/>
+                    <a:p>
+                      <a:r>
+                        <a:rPr lang="en-US" sz="2400" dirty="0" smtClean="0"/>
+                        <a:t>ls</a:t>
+                      </a:r>
+                      <a:r>
+                        <a:rPr lang="en-US" sz="2400" baseline="0" dirty="0" smtClean="0"/>
+                        <a:t> | cut –d’.’ –f1 | cat</a:t>
+                      </a:r>
+                      <a:endParaRPr lang="en-US" sz="2400" dirty="0"/>
+                    </a:p>
+                  </a:txBody>
+                  <a:tcPr/>
+                </a:tc>
+                <a:tc>
+                  <a:txBody>
+                    <a:bodyPr/>
+                    <a:lstStyle/>
+                    <a:p>
+                      <a:r>
+                        <a:rPr lang="en-US" sz="2400" dirty="0" smtClean="0"/>
+                        <a:t>List files, separate</a:t>
+                      </a:r>
+                      <a:r>
+                        <a:rPr lang="en-US" sz="2400" baseline="0" dirty="0" smtClean="0"/>
+                        <a:t> them by a “.” and print only the first portion (</a:t>
+                      </a:r>
+                      <a:r>
+                        <a:rPr lang="en-US" sz="2400" baseline="0" dirty="0" err="1" smtClean="0"/>
+                        <a:t>ie</a:t>
+                      </a:r>
+                      <a:r>
+                        <a:rPr lang="en-US" sz="2400" baseline="0" dirty="0" smtClean="0"/>
+                        <a:t>. “file.txt” becomes “file”), then print all to STDOUT</a:t>
+                      </a:r>
+                      <a:endParaRPr lang="en-US" sz="2400" dirty="0"/>
+                    </a:p>
+                  </a:txBody>
+                  <a:tcPr/>
+                </a:tc>
+                <a:extLst>
+                  <a:ext uri="{0D108BD9-81ED-4DB2-BD59-A6C34878D82A}">
+                    <a16:rowId xmlns:a16="http://schemas.microsoft.com/office/drawing/2014/main" val="1409272448"/>
+                  </a:ext>
+                </a:extLst>
+              </a:tr>
+              <a:tr h="370840">
+                <a:tc>
+                  <a:txBody>
+                    <a:bodyPr/>
+                    <a:lstStyle/>
+                    <a:p>
+                      <a:r>
+                        <a:rPr lang="en-US" sz="2400" dirty="0" smtClean="0"/>
+                        <a:t>history</a:t>
+                      </a:r>
+                      <a:r>
+                        <a:rPr lang="en-US" sz="2400" baseline="0" dirty="0" smtClean="0"/>
+                        <a:t> | </a:t>
+                      </a:r>
+                      <a:r>
+                        <a:rPr lang="en-US" sz="2400" baseline="0" dirty="0" err="1" smtClean="0"/>
+                        <a:t>grep</a:t>
+                      </a:r>
+                      <a:r>
+                        <a:rPr lang="en-US" sz="2400" baseline="0" dirty="0" smtClean="0"/>
+                        <a:t> –P ‘ ls ’ | </a:t>
+                      </a:r>
+                      <a:r>
+                        <a:rPr lang="en-US" sz="2400" baseline="0" dirty="0" err="1" smtClean="0"/>
+                        <a:t>wc</a:t>
+                      </a:r>
+                      <a:r>
+                        <a:rPr lang="en-US" sz="2400" baseline="0" dirty="0" smtClean="0"/>
+                        <a:t> -l</a:t>
+                      </a:r>
+                      <a:endParaRPr lang="en-US" sz="2400" dirty="0"/>
+                    </a:p>
+                  </a:txBody>
+                  <a:tcPr/>
+                </a:tc>
+                <a:tc>
+                  <a:txBody>
+                    <a:bodyPr/>
+                    <a:lstStyle/>
+                    <a:p>
+                      <a:r>
+                        <a:rPr lang="en-US" sz="2400" dirty="0" smtClean="0"/>
+                        <a:t>Print out your Unix</a:t>
+                      </a:r>
+                      <a:r>
+                        <a:rPr lang="en-US" sz="2400" baseline="0" dirty="0" smtClean="0"/>
+                        <a:t> history, grab all the cases where you used “ls” and count them!</a:t>
+                      </a:r>
+                      <a:endParaRPr lang="en-US" sz="2400" dirty="0"/>
+                    </a:p>
+                  </a:txBody>
+                  <a:tcPr/>
+                </a:tc>
+                <a:extLst>
+                  <a:ext uri="{0D108BD9-81ED-4DB2-BD59-A6C34878D82A}">
+                    <a16:rowId xmlns:a16="http://schemas.microsoft.com/office/drawing/2014/main" val="2691433194"/>
+                  </a:ext>
+                </a:extLst>
+              </a:tr>
+            </a:tbl>
+          </a:graphicData>
+        </a:graphic>
+      </p:graphicFrame>
+    </p:spTree>
+    <p:extLst>
+      <p:ext uri="{BB962C8B-B14F-4D97-AF65-F5344CB8AC3E}">
+        <p14:creationId xmlns:p14="http://schemas.microsoft.com/office/powerpoint/2010/main" val="3659852657"/>
+      </p:ext>
+    </p:extLst>
+  </p:cSld>
+  <p:clrMapOvr>
+    <a:masterClrMapping/>
+  </p:clrMapOvr>
+  <p:timing>
+    <p:tnLst>
+      <p:par>
+        <p:cTn id="1" dur="indefinite" restart="never" nodeType="tmRoot"/>
+      </p:par>
+    </p:tnLst>
+  </p:timing>
+</p:sld>
+</file>
+
+<file path=ppt/slides/slide17.xml><?xml version="1.0" encoding="utf-8"?>
+<p:sld xmlns:a="http://schemas.openxmlformats.org/drawingml/2006/main" xmlns:r="http://schemas.openxmlformats.org/officeDocument/2006/relationships" xmlns:p="http://schemas.openxmlformats.org/presentationml/2006/main">
+  <p:cSld>
+    <p:spTree>
+      <p:nvGrpSpPr>
+        <p:cNvPr id="1" name=""/>
+        <p:cNvGrpSpPr/>
+        <p:nvPr/>
+      </p:nvGrpSpPr>
+      <p:grpSpPr>
+        <a:xfrm>
+          <a:off x="0" y="0"/>
+          <a:ext cx="0" cy="0"/>
+          <a:chOff x="0" y="0"/>
+          <a:chExt cx="0" cy="0"/>
+        </a:xfrm>
+      </p:grpSpPr>
+      <p:sp>
+        <p:nvSpPr>
+          <p:cNvPr id="2" name="Title 1"/>
+          <p:cNvSpPr>
+            <a:spLocks noGrp="1"/>
+          </p:cNvSpPr>
+          <p:nvPr>
+            <p:ph type="title"/>
+          </p:nvPr>
+        </p:nvSpPr>
+        <p:spPr/>
+        <p:txBody>
+          <a:bodyPr/>
+          <a:lstStyle/>
+          <a:p>
+            <a:r>
+              <a:rPr lang="en-US" dirty="0" smtClean="0"/>
               <a:t>Unix for loops allow you to queue </a:t>
             </a:r>
             <a:r>
@@ -6019,7 +6874,7 @@
 </p:sld>
 </file>
 
-<file path=ppt/slides/slide16.xml><?xml version="1.0" encoding="utf-8"?>
+<file path=ppt/slides/slide18.xml><?xml version="1.0" encoding="utf-8"?>
 <p:sld xmlns:a="http://schemas.openxmlformats.org/drawingml/2006/main" xmlns:r="http://schemas.openxmlformats.org/officeDocument/2006/relationships" xmlns:p="http://schemas.openxmlformats.org/presentationml/2006/main">
   <p:cSld>
     <p:spTree>
@@ -6245,11 +7100,7 @@
           <a:p>
             <a:r>
               <a:rPr lang="en-US" dirty="0" smtClean="0"/>
-              <a:t>Let me show you how this is practical by going to the </a:t>
-            </a:r>
-            <a:r>
-              <a:rPr lang="en-US" dirty="0" smtClean="0"/>
-              <a:t>lesson3/</a:t>
+              <a:t>Let me show you how this is practical by going to the lesson3/</a:t>
             </a:r>
             <a:r>
               <a:rPr lang="en-US" dirty="0" err="1" smtClean="0"/>
@@ -6257,11 +7108,7 @@
             </a:r>
             <a:r>
               <a:rPr lang="en-US" dirty="0" smtClean="0"/>
-              <a:t> </a:t>
-            </a:r>
-            <a:r>
-              <a:rPr lang="en-US" dirty="0" smtClean="0"/>
-              <a:t>folder. In that folder, you should see several “command.sh” commands!</a:t>
+              <a:t> folder. In that folder, you should see several “command.sh” commands!</a:t>
             </a:r>
             <a:endParaRPr lang="en-US" dirty="0"/>
           </a:p>
@@ -6482,7 +7329,7 @@
 </p:sld>
 </file>
 
-<file path=ppt/slides/slide17.xml><?xml version="1.0" encoding="utf-8"?>
+<file path=ppt/slides/slide19.xml><?xml version="1.0" encoding="utf-8"?>
 <p:sld xmlns:a="http://schemas.openxmlformats.org/drawingml/2006/main" xmlns:r="http://schemas.openxmlformats.org/officeDocument/2006/relationships" xmlns:p="http://schemas.openxmlformats.org/presentationml/2006/main">
   <p:cSld>
     <p:spTree>
@@ -7339,7 +8186,160 @@
 </p:sld>
 </file>
 
-<file path=ppt/slides/slide18.xml><?xml version="1.0" encoding="utf-8"?>
+<file path=ppt/slides/slide2.xml><?xml version="1.0" encoding="utf-8"?>
+<p:sld xmlns:a="http://schemas.openxmlformats.org/drawingml/2006/main" xmlns:r="http://schemas.openxmlformats.org/officeDocument/2006/relationships" xmlns:p="http://schemas.openxmlformats.org/presentationml/2006/main">
+  <p:cSld>
+    <p:spTree>
+      <p:nvGrpSpPr>
+        <p:cNvPr id="1" name=""/>
+        <p:cNvGrpSpPr/>
+        <p:nvPr/>
+      </p:nvGrpSpPr>
+      <p:grpSpPr>
+        <a:xfrm>
+          <a:off x="0" y="0"/>
+          <a:ext cx="0" cy="0"/>
+          <a:chOff x="0" y="0"/>
+          <a:chExt cx="0" cy="0"/>
+        </a:xfrm>
+      </p:grpSpPr>
+      <p:sp>
+        <p:nvSpPr>
+          <p:cNvPr id="2" name="Title 1"/>
+          <p:cNvSpPr>
+            <a:spLocks noGrp="1"/>
+          </p:cNvSpPr>
+          <p:nvPr>
+            <p:ph type="title"/>
+          </p:nvPr>
+        </p:nvSpPr>
+        <p:spPr/>
+        <p:txBody>
+          <a:bodyPr/>
+          <a:lstStyle/>
+          <a:p>
+            <a:r>
+              <a:rPr lang="en-US" dirty="0" smtClean="0"/>
+              <a:t>Lesson Plan</a:t>
+            </a:r>
+            <a:endParaRPr lang="en-US" dirty="0"/>
+          </a:p>
+        </p:txBody>
+      </p:sp>
+      <p:sp>
+        <p:nvSpPr>
+          <p:cNvPr id="3" name="Content Placeholder 2"/>
+          <p:cNvSpPr>
+            <a:spLocks noGrp="1"/>
+          </p:cNvSpPr>
+          <p:nvPr>
+            <p:ph idx="1"/>
+          </p:nvPr>
+        </p:nvSpPr>
+        <p:spPr/>
+        <p:txBody>
+          <a:bodyPr>
+            <a:normAutofit fontScale="92500" lnSpcReduction="10000"/>
+          </a:bodyPr>
+          <a:lstStyle/>
+          <a:p>
+            <a:r>
+              <a:rPr lang="en-US" dirty="0" err="1" smtClean="0"/>
+              <a:t>Slurm</a:t>
+            </a:r>
+            <a:r>
+              <a:rPr lang="en-US" dirty="0" smtClean="0"/>
+              <a:t> job submission </a:t>
+            </a:r>
+            <a:r>
+              <a:rPr lang="en-US" dirty="0" err="1" smtClean="0"/>
+              <a:t>redux</a:t>
+            </a:r>
+            <a:r>
+              <a:rPr lang="en-US" dirty="0" smtClean="0"/>
+              <a:t>!</a:t>
+            </a:r>
+            <a:br>
+              <a:rPr lang="en-US" dirty="0" smtClean="0"/>
+            </a:br>
+            <a:endParaRPr lang="en-US" dirty="0" smtClean="0"/>
+          </a:p>
+          <a:p>
+            <a:r>
+              <a:rPr lang="en-US" dirty="0" smtClean="0"/>
+              <a:t>The Unix environment</a:t>
+            </a:r>
+          </a:p>
+          <a:p>
+            <a:endParaRPr lang="en-US" dirty="0"/>
+          </a:p>
+          <a:p>
+            <a:r>
+              <a:rPr lang="en-US" dirty="0" smtClean="0"/>
+              <a:t>Piping and redirection</a:t>
+            </a:r>
+            <a:endParaRPr lang="en-US" dirty="0"/>
+          </a:p>
+          <a:p>
+            <a:pPr marL="342900" lvl="1" indent="0">
+              <a:buNone/>
+            </a:pPr>
+            <a:endParaRPr lang="en-US" dirty="0" smtClean="0"/>
+          </a:p>
+          <a:p>
+            <a:r>
+              <a:rPr lang="en-US" dirty="0" smtClean="0"/>
+              <a:t>Shell loops and conditionals</a:t>
+            </a:r>
+          </a:p>
+          <a:p>
+            <a:pPr lvl="1"/>
+            <a:r>
+              <a:rPr lang="en-US" dirty="0" smtClean="0"/>
+              <a:t>For and while loop</a:t>
+            </a:r>
+          </a:p>
+          <a:p>
+            <a:pPr lvl="1"/>
+            <a:r>
+              <a:rPr lang="en-US" dirty="0" smtClean="0"/>
+              <a:t>What “if” we had a conditional test?</a:t>
+            </a:r>
+            <a:br>
+              <a:rPr lang="en-US" dirty="0" smtClean="0"/>
+            </a:br>
+            <a:endParaRPr lang="en-US" dirty="0" smtClean="0"/>
+          </a:p>
+          <a:p>
+            <a:r>
+              <a:rPr lang="en-US" dirty="0" smtClean="0"/>
+              <a:t>HPC and SLURM job submission</a:t>
+            </a:r>
+            <a:endParaRPr lang="en-US" dirty="0"/>
+          </a:p>
+        </p:txBody>
+      </p:sp>
+    </p:spTree>
+    <p:extLst>
+      <p:ext uri="{BB962C8B-B14F-4D97-AF65-F5344CB8AC3E}">
+        <p14:creationId xmlns:p14="http://schemas.microsoft.com/office/powerpoint/2010/main" val="900893260"/>
+      </p:ext>
+    </p:extLst>
+  </p:cSld>
+  <p:clrMapOvr>
+    <a:masterClrMapping/>
+  </p:clrMapOvr>
+  <p:timing>
+    <p:tnLst>
+      <p:par>
+        <p:cTn id="1" dur="indefinite" restart="never" nodeType="tmRoot"/>
+      </p:par>
+    </p:tnLst>
+  </p:timing>
+</p:sld>
+</file>
+
+<file path=ppt/slides/slide20.xml><?xml version="1.0" encoding="utf-8"?>
 <p:sld xmlns:a="http://schemas.openxmlformats.org/drawingml/2006/main" xmlns:r="http://schemas.openxmlformats.org/officeDocument/2006/relationships" xmlns:p="http://schemas.openxmlformats.org/presentationml/2006/main">
   <p:cSld>
     <p:spTree>
@@ -7890,7 +8890,7 @@
 </p:sld>
 </file>
 
-<file path=ppt/slides/slide19.xml><?xml version="1.0" encoding="utf-8"?>
+<file path=ppt/slides/slide21.xml><?xml version="1.0" encoding="utf-8"?>
 <p:sld xmlns:a="http://schemas.openxmlformats.org/drawingml/2006/main" xmlns:r="http://schemas.openxmlformats.org/officeDocument/2006/relationships" xmlns:p="http://schemas.openxmlformats.org/presentationml/2006/main">
   <p:cSld>
     <p:spTree>
@@ -8198,160 +9198,7 @@
 </p:sld>
 </file>
 
-<file path=ppt/slides/slide2.xml><?xml version="1.0" encoding="utf-8"?>
-<p:sld xmlns:a="http://schemas.openxmlformats.org/drawingml/2006/main" xmlns:r="http://schemas.openxmlformats.org/officeDocument/2006/relationships" xmlns:p="http://schemas.openxmlformats.org/presentationml/2006/main">
-  <p:cSld>
-    <p:spTree>
-      <p:nvGrpSpPr>
-        <p:cNvPr id="1" name=""/>
-        <p:cNvGrpSpPr/>
-        <p:nvPr/>
-      </p:nvGrpSpPr>
-      <p:grpSpPr>
-        <a:xfrm>
-          <a:off x="0" y="0"/>
-          <a:ext cx="0" cy="0"/>
-          <a:chOff x="0" y="0"/>
-          <a:chExt cx="0" cy="0"/>
-        </a:xfrm>
-      </p:grpSpPr>
-      <p:sp>
-        <p:nvSpPr>
-          <p:cNvPr id="2" name="Title 1"/>
-          <p:cNvSpPr>
-            <a:spLocks noGrp="1"/>
-          </p:cNvSpPr>
-          <p:nvPr>
-            <p:ph type="title"/>
-          </p:nvPr>
-        </p:nvSpPr>
-        <p:spPr/>
-        <p:txBody>
-          <a:bodyPr/>
-          <a:lstStyle/>
-          <a:p>
-            <a:r>
-              <a:rPr lang="en-US" dirty="0" smtClean="0"/>
-              <a:t>Lesson Plan</a:t>
-            </a:r>
-            <a:endParaRPr lang="en-US" dirty="0"/>
-          </a:p>
-        </p:txBody>
-      </p:sp>
-      <p:sp>
-        <p:nvSpPr>
-          <p:cNvPr id="3" name="Content Placeholder 2"/>
-          <p:cNvSpPr>
-            <a:spLocks noGrp="1"/>
-          </p:cNvSpPr>
-          <p:nvPr>
-            <p:ph idx="1"/>
-          </p:nvPr>
-        </p:nvSpPr>
-        <p:spPr/>
-        <p:txBody>
-          <a:bodyPr>
-            <a:normAutofit fontScale="92500" lnSpcReduction="10000"/>
-          </a:bodyPr>
-          <a:lstStyle/>
-          <a:p>
-            <a:r>
-              <a:rPr lang="en-US" dirty="0" err="1" smtClean="0"/>
-              <a:t>Slurm</a:t>
-            </a:r>
-            <a:r>
-              <a:rPr lang="en-US" dirty="0" smtClean="0"/>
-              <a:t> job submission </a:t>
-            </a:r>
-            <a:r>
-              <a:rPr lang="en-US" dirty="0" err="1" smtClean="0"/>
-              <a:t>redux</a:t>
-            </a:r>
-            <a:r>
-              <a:rPr lang="en-US" dirty="0" smtClean="0"/>
-              <a:t>!</a:t>
-            </a:r>
-            <a:br>
-              <a:rPr lang="en-US" dirty="0" smtClean="0"/>
-            </a:br>
-            <a:endParaRPr lang="en-US" dirty="0" smtClean="0"/>
-          </a:p>
-          <a:p>
-            <a:r>
-              <a:rPr lang="en-US" dirty="0" smtClean="0"/>
-              <a:t>The Unix environment</a:t>
-            </a:r>
-          </a:p>
-          <a:p>
-            <a:endParaRPr lang="en-US" dirty="0"/>
-          </a:p>
-          <a:p>
-            <a:r>
-              <a:rPr lang="en-US" dirty="0" smtClean="0"/>
-              <a:t>Piping and redirection</a:t>
-            </a:r>
-            <a:endParaRPr lang="en-US" dirty="0"/>
-          </a:p>
-          <a:p>
-            <a:pPr marL="342900" lvl="1" indent="0">
-              <a:buNone/>
-            </a:pPr>
-            <a:endParaRPr lang="en-US" dirty="0" smtClean="0"/>
-          </a:p>
-          <a:p>
-            <a:r>
-              <a:rPr lang="en-US" dirty="0" smtClean="0"/>
-              <a:t>Shell loops and conditionals</a:t>
-            </a:r>
-          </a:p>
-          <a:p>
-            <a:pPr lvl="1"/>
-            <a:r>
-              <a:rPr lang="en-US" dirty="0" smtClean="0"/>
-              <a:t>For and while loop</a:t>
-            </a:r>
-          </a:p>
-          <a:p>
-            <a:pPr lvl="1"/>
-            <a:r>
-              <a:rPr lang="en-US" dirty="0" smtClean="0"/>
-              <a:t>What “if” we had a conditional test?</a:t>
-            </a:r>
-            <a:br>
-              <a:rPr lang="en-US" dirty="0" smtClean="0"/>
-            </a:br>
-            <a:endParaRPr lang="en-US" dirty="0" smtClean="0"/>
-          </a:p>
-          <a:p>
-            <a:r>
-              <a:rPr lang="en-US" dirty="0" smtClean="0"/>
-              <a:t>HPC and SLURM job submission</a:t>
-            </a:r>
-            <a:endParaRPr lang="en-US" dirty="0"/>
-          </a:p>
-        </p:txBody>
-      </p:sp>
-    </p:spTree>
-    <p:extLst>
-      <p:ext uri="{BB962C8B-B14F-4D97-AF65-F5344CB8AC3E}">
-        <p14:creationId xmlns:p14="http://schemas.microsoft.com/office/powerpoint/2010/main" val="900893260"/>
-      </p:ext>
-    </p:extLst>
-  </p:cSld>
-  <p:clrMapOvr>
-    <a:masterClrMapping/>
-  </p:clrMapOvr>
-  <p:timing>
-    <p:tnLst>
-      <p:par>
-        <p:cTn id="1" dur="indefinite" restart="never" nodeType="tmRoot"/>
-      </p:par>
-    </p:tnLst>
-  </p:timing>
-</p:sld>
-</file>
-
-<file path=ppt/slides/slide20.xml><?xml version="1.0" encoding="utf-8"?>
+<file path=ppt/slides/slide22.xml><?xml version="1.0" encoding="utf-8"?>
 <p:sld xmlns:a="http://schemas.openxmlformats.org/drawingml/2006/main" xmlns:r="http://schemas.openxmlformats.org/officeDocument/2006/relationships" xmlns:p="http://schemas.openxmlformats.org/presentationml/2006/main">
   <p:cSld>
     <p:spTree>
@@ -8622,7 +9469,7 @@
 </p:sld>
 </file>
 
-<file path=ppt/slides/slide21.xml><?xml version="1.0" encoding="utf-8"?>
+<file path=ppt/slides/slide23.xml><?xml version="1.0" encoding="utf-8"?>
 <p:sld xmlns:a="http://schemas.openxmlformats.org/drawingml/2006/main" xmlns:r="http://schemas.openxmlformats.org/officeDocument/2006/relationships" xmlns:p="http://schemas.openxmlformats.org/presentationml/2006/main">
   <p:cSld>
     <p:spTree>
@@ -8978,7 +9825,7 @@
 </p:sld>
 </file>
 
-<file path=ppt/slides/slide22.xml><?xml version="1.0" encoding="utf-8"?>
+<file path=ppt/slides/slide24.xml><?xml version="1.0" encoding="utf-8"?>
 <p:sld xmlns:a="http://schemas.openxmlformats.org/drawingml/2006/main" xmlns:r="http://schemas.openxmlformats.org/officeDocument/2006/relationships" xmlns:p="http://schemas.openxmlformats.org/presentationml/2006/main">
   <p:cSld>
     <p:spTree>
@@ -9460,7 +10307,7 @@
 </p:sld>
 </file>
 
-<file path=ppt/slides/slide23.xml><?xml version="1.0" encoding="utf-8"?>
+<file path=ppt/slides/slide25.xml><?xml version="1.0" encoding="utf-8"?>
 <p:sld xmlns:a="http://schemas.openxmlformats.org/drawingml/2006/main" xmlns:r="http://schemas.openxmlformats.org/officeDocument/2006/relationships" xmlns:p="http://schemas.openxmlformats.org/presentationml/2006/main">
   <p:cSld>
     <p:spTree>
@@ -9904,7 +10751,7 @@
 </p:sld>
 </file>
 
-<file path=ppt/slides/slide24.xml><?xml version="1.0" encoding="utf-8"?>
+<file path=ppt/slides/slide26.xml><?xml version="1.0" encoding="utf-8"?>
 <p:sld xmlns:a="http://schemas.openxmlformats.org/drawingml/2006/main" xmlns:r="http://schemas.openxmlformats.org/officeDocument/2006/relationships" xmlns:p="http://schemas.openxmlformats.org/presentationml/2006/main">
   <p:cSld>
     <p:spTree>
@@ -10231,7 +11078,7 @@
 </p:sld>
 </file>
 
-<file path=ppt/slides/slide25.xml><?xml version="1.0" encoding="utf-8"?>
+<file path=ppt/slides/slide27.xml><?xml version="1.0" encoding="utf-8"?>
 <p:sld xmlns:a="http://schemas.openxmlformats.org/drawingml/2006/main" xmlns:r="http://schemas.openxmlformats.org/officeDocument/2006/relationships" xmlns:p="http://schemas.openxmlformats.org/presentationml/2006/main">
   <p:cSld>
     <p:spTree>
@@ -10356,7 +11203,7 @@
 </p:sld>
 </file>
 
-<file path=ppt/slides/slide26.xml><?xml version="1.0" encoding="utf-8"?>
+<file path=ppt/slides/slide28.xml><?xml version="1.0" encoding="utf-8"?>
 <p:sld xmlns:a="http://schemas.openxmlformats.org/drawingml/2006/main" xmlns:r="http://schemas.openxmlformats.org/officeDocument/2006/relationships" xmlns:p="http://schemas.openxmlformats.org/presentationml/2006/main">
   <p:cSld>
     <p:spTree>
@@ -10390,23 +11237,7 @@
           <a:p>
             <a:r>
               <a:rPr lang="en-US" dirty="0" smtClean="0"/>
-              <a:t>What is </a:t>
-            </a:r>
-            <a:r>
-              <a:rPr lang="en-US" dirty="0" smtClean="0"/>
-              <a:t>an HPC? </a:t>
-            </a:r>
-            <a:r>
-              <a:rPr lang="en-US" dirty="0" smtClean="0"/>
-              <a:t>Organization of </a:t>
-            </a:r>
-            <a:r>
-              <a:rPr lang="en-US" dirty="0" smtClean="0"/>
-              <a:t>a </a:t>
-            </a:r>
-            <a:r>
-              <a:rPr lang="en-US" dirty="0" smtClean="0"/>
-              <a:t>cluster</a:t>
+              <a:t>What is an HPC? Organization of a cluster</a:t>
             </a:r>
             <a:endParaRPr lang="en-US" dirty="0"/>
           </a:p>
@@ -10456,11 +11287,7 @@
           <a:p>
             <a:r>
               <a:rPr lang="en-US" dirty="0" smtClean="0"/>
-              <a:t>So, in order to do this, you need a central, or “head node” that handles user login and runs a job scheduler to manage tasks. Here’s how the system is set up on </a:t>
-            </a:r>
-            <a:r>
-              <a:rPr lang="en-US" dirty="0" smtClean="0"/>
-              <a:t>a typical </a:t>
+              <a:t>So, in order to do this, you need a central, or “head node” that handles user login and runs a job scheduler to manage tasks. Here’s how the system is set up on a typical </a:t>
             </a:r>
             <a:r>
               <a:rPr lang="en-US" dirty="0" err="1" smtClean="0"/>
@@ -10566,7 +11393,6 @@
                 <a:rPr lang="en-US" dirty="0"/>
                 <a:t>HEAD NODE</a:t>
               </a:r>
-              <a:endParaRPr lang="en-US" dirty="0"/>
             </a:p>
           </p:txBody>
         </p:sp>
@@ -10690,7 +11516,6 @@
                 <a:rPr lang="en-US" dirty="0"/>
                 <a:t>Other NODES</a:t>
               </a:r>
-              <a:endParaRPr lang="en-US" dirty="0"/>
             </a:p>
           </p:txBody>
         </p:sp>
@@ -10720,7 +11545,6 @@
                 <a:rPr lang="en-US" dirty="0"/>
                 <a:t>Job Scheduler</a:t>
               </a:r>
-              <a:endParaRPr lang="en-US" dirty="0"/>
             </a:p>
           </p:txBody>
         </p:sp>
@@ -10987,7 +11811,7 @@
 </p:sld>
 </file>
 
-<file path=ppt/slides/slide27.xml><?xml version="1.0" encoding="utf-8"?>
+<file path=ppt/slides/slide29.xml><?xml version="1.0" encoding="utf-8"?>
 <p:sld xmlns:a="http://schemas.openxmlformats.org/drawingml/2006/main" xmlns:r="http://schemas.openxmlformats.org/officeDocument/2006/relationships" xmlns:p="http://schemas.openxmlformats.org/presentationml/2006/main">
   <p:cSld>
     <p:spTree>
@@ -11021,7 +11845,7 @@
           <a:p>
             <a:r>
               <a:rPr lang="en-US" dirty="0" smtClean="0"/>
-              <a:t>Working on Ceres: the head node</a:t>
+              <a:t>Working on an HPC: the head node</a:t>
             </a:r>
             <a:endParaRPr lang="en-US" dirty="0"/>
           </a:p>
@@ -11046,15 +11870,7 @@
           <a:p>
             <a:r>
               <a:rPr lang="en-US" dirty="0" smtClean="0"/>
-              <a:t>Remember how I told you that when you get a command prompt, you get allot of information regarding your user name, current folder and the node that you’re logged into? Well, when you first login to </a:t>
-            </a:r>
-            <a:r>
-              <a:rPr lang="en-US" dirty="0" smtClean="0"/>
-              <a:t>an HPC, </a:t>
-            </a:r>
-            <a:r>
-              <a:rPr lang="en-US" dirty="0" smtClean="0"/>
-              <a:t>you log in to the head node:</a:t>
+              <a:t>Remember how I told you that when you get a command prompt, you get allot of information regarding your user name, current folder and the node that you’re logged into? Well, when you first login to an HPC, you log in to the head node:</a:t>
             </a:r>
           </a:p>
           <a:p>
@@ -11205,7 +12021,234 @@
 </p:sld>
 </file>
 
-<file path=ppt/slides/slide28.xml><?xml version="1.0" encoding="utf-8"?>
+<file path=ppt/slides/slide3.xml><?xml version="1.0" encoding="utf-8"?>
+<p:sld xmlns:a="http://schemas.openxmlformats.org/drawingml/2006/main" xmlns:r="http://schemas.openxmlformats.org/officeDocument/2006/relationships" xmlns:p="http://schemas.openxmlformats.org/presentationml/2006/main">
+  <p:cSld>
+    <p:spTree>
+      <p:nvGrpSpPr>
+        <p:cNvPr id="1" name=""/>
+        <p:cNvGrpSpPr/>
+        <p:nvPr/>
+      </p:nvGrpSpPr>
+      <p:grpSpPr>
+        <a:xfrm>
+          <a:off x="0" y="0"/>
+          <a:ext cx="0" cy="0"/>
+          <a:chOff x="0" y="0"/>
+          <a:chExt cx="0" cy="0"/>
+        </a:xfrm>
+      </p:grpSpPr>
+      <p:sp>
+        <p:nvSpPr>
+          <p:cNvPr id="2" name="Title 1"/>
+          <p:cNvSpPr>
+            <a:spLocks noGrp="1"/>
+          </p:cNvSpPr>
+          <p:nvPr>
+            <p:ph type="title"/>
+          </p:nvPr>
+        </p:nvSpPr>
+        <p:spPr/>
+        <p:txBody>
+          <a:bodyPr/>
+          <a:lstStyle/>
+          <a:p>
+            <a:r>
+              <a:rPr lang="en-US" dirty="0" smtClean="0"/>
+              <a:t>The Unix environment</a:t>
+            </a:r>
+            <a:endParaRPr lang="en-US" dirty="0"/>
+          </a:p>
+        </p:txBody>
+      </p:sp>
+      <p:sp>
+        <p:nvSpPr>
+          <p:cNvPr id="3" name="Content Placeholder 2"/>
+          <p:cNvSpPr>
+            <a:spLocks noGrp="1"/>
+          </p:cNvSpPr>
+          <p:nvPr>
+            <p:ph idx="1"/>
+          </p:nvPr>
+        </p:nvSpPr>
+        <p:spPr/>
+        <p:txBody>
+          <a:bodyPr>
+            <a:normAutofit lnSpcReduction="10000"/>
+          </a:bodyPr>
+          <a:lstStyle/>
+          <a:p>
+            <a:r>
+              <a:rPr lang="en-US" dirty="0" smtClean="0"/>
+              <a:t>This will take a bit of getting used to, but you have a customized user environment in Unix. As soon as you log in, several text files are read in your home directory that will customize various details of your user experience.</a:t>
+            </a:r>
+          </a:p>
+          <a:p>
+            <a:endParaRPr lang="en-US" dirty="0"/>
+          </a:p>
+          <a:p>
+            <a:r>
+              <a:rPr lang="en-US" dirty="0" smtClean="0"/>
+              <a:t>If you haven’t been tinkering with your settings, you have the “default” settings that the Iowa staff produced for your user experience. </a:t>
+            </a:r>
+            <a:br>
+              <a:rPr lang="en-US" dirty="0" smtClean="0"/>
+            </a:br>
+            <a:endParaRPr lang="en-US" dirty="0" smtClean="0"/>
+          </a:p>
+          <a:p>
+            <a:r>
+              <a:rPr lang="en-US" dirty="0" smtClean="0"/>
+              <a:t>In order to see your current environmental variables, use the “set” command right now:</a:t>
+            </a:r>
+            <a:endParaRPr lang="en-US" dirty="0"/>
+          </a:p>
+        </p:txBody>
+      </p:sp>
+      <p:pic>
+        <p:nvPicPr>
+          <p:cNvPr id="4" name="Picture 3"/>
+          <p:cNvPicPr>
+            <a:picLocks noChangeAspect="1"/>
+          </p:cNvPicPr>
+          <p:nvPr/>
+        </p:nvPicPr>
+        <p:blipFill>
+          <a:blip r:embed="rId2"/>
+          <a:stretch>
+            <a:fillRect/>
+          </a:stretch>
+        </p:blipFill>
+        <p:spPr>
+          <a:xfrm>
+            <a:off x="4733925" y="5813059"/>
+            <a:ext cx="1387747" cy="515449"/>
+          </a:xfrm>
+          <a:prstGeom prst="rect">
+            <a:avLst/>
+          </a:prstGeom>
+        </p:spPr>
+      </p:pic>
+    </p:spTree>
+    <p:extLst>
+      <p:ext uri="{BB962C8B-B14F-4D97-AF65-F5344CB8AC3E}">
+        <p14:creationId xmlns:p14="http://schemas.microsoft.com/office/powerpoint/2010/main" val="870827819"/>
+      </p:ext>
+    </p:extLst>
+  </p:cSld>
+  <p:clrMapOvr>
+    <a:masterClrMapping/>
+  </p:clrMapOvr>
+  <p:timing>
+    <p:tnLst>
+      <p:par>
+        <p:cTn id="1" dur="indefinite" restart="never" nodeType="tmRoot">
+          <p:childTnLst>
+            <p:seq concurrent="1" nextAc="seek">
+              <p:cTn id="2" dur="indefinite" nodeType="mainSeq">
+                <p:childTnLst>
+                  <p:par>
+                    <p:cTn id="3" fill="hold">
+                      <p:stCondLst>
+                        <p:cond delay="indefinite"/>
+                      </p:stCondLst>
+                      <p:childTnLst>
+                        <p:par>
+                          <p:cTn id="4" fill="hold">
+                            <p:stCondLst>
+                              <p:cond delay="0"/>
+                            </p:stCondLst>
+                            <p:childTnLst>
+                              <p:par>
+                                <p:cTn id="5" presetID="1" presetClass="entr" presetSubtype="0" fill="hold" nodeType="clickEffect">
+                                  <p:stCondLst>
+                                    <p:cond delay="0"/>
+                                  </p:stCondLst>
+                                  <p:childTnLst>
+                                    <p:set>
+                                      <p:cBhvr>
+                                        <p:cTn id="6" dur="1" fill="hold">
+                                          <p:stCondLst>
+                                            <p:cond delay="0"/>
+                                          </p:stCondLst>
+                                        </p:cTn>
+                                        <p:tgtEl>
+                                          <p:spTgt spid="3">
+                                            <p:txEl>
+                                              <p:pRg st="3" end="3"/>
+                                            </p:txEl>
+                                          </p:spTgt>
+                                        </p:tgtEl>
+                                        <p:attrNameLst>
+                                          <p:attrName>style.visibility</p:attrName>
+                                        </p:attrNameLst>
+                                      </p:cBhvr>
+                                      <p:to>
+                                        <p:strVal val="visible"/>
+                                      </p:to>
+                                    </p:set>
+                                  </p:childTnLst>
+                                </p:cTn>
+                              </p:par>
+                              <p:par>
+                                <p:cTn id="7" presetID="1" presetClass="entr" presetSubtype="0" fill="hold" nodeType="withEffect">
+                                  <p:stCondLst>
+                                    <p:cond delay="0"/>
+                                  </p:stCondLst>
+                                  <p:childTnLst>
+                                    <p:set>
+                                      <p:cBhvr>
+                                        <p:cTn id="8" dur="1" fill="hold">
+                                          <p:stCondLst>
+                                            <p:cond delay="0"/>
+                                          </p:stCondLst>
+                                        </p:cTn>
+                                        <p:tgtEl>
+                                          <p:spTgt spid="4"/>
+                                        </p:tgtEl>
+                                        <p:attrNameLst>
+                                          <p:attrName>style.visibility</p:attrName>
+                                        </p:attrNameLst>
+                                      </p:cBhvr>
+                                      <p:to>
+                                        <p:strVal val="visible"/>
+                                      </p:to>
+                                    </p:set>
+                                  </p:childTnLst>
+                                </p:cTn>
+                              </p:par>
+                            </p:childTnLst>
+                          </p:cTn>
+                        </p:par>
+                      </p:childTnLst>
+                    </p:cTn>
+                  </p:par>
+                </p:childTnLst>
+              </p:cTn>
+              <p:prevCondLst>
+                <p:cond evt="onPrev" delay="0">
+                  <p:tgtEl>
+                    <p:sldTgt/>
+                  </p:tgtEl>
+                </p:cond>
+              </p:prevCondLst>
+              <p:nextCondLst>
+                <p:cond evt="onNext" delay="0">
+                  <p:tgtEl>
+                    <p:sldTgt/>
+                  </p:tgtEl>
+                </p:cond>
+              </p:nextCondLst>
+            </p:seq>
+          </p:childTnLst>
+        </p:cTn>
+      </p:par>
+    </p:tnLst>
+  </p:timing>
+</p:sld>
+</file>
+
+<file path=ppt/slides/slide30.xml><?xml version="1.0" encoding="utf-8"?>
 <p:sld xmlns:a="http://schemas.openxmlformats.org/drawingml/2006/main" xmlns:r="http://schemas.openxmlformats.org/officeDocument/2006/relationships" xmlns:p="http://schemas.openxmlformats.org/presentationml/2006/main">
   <p:cSld>
     <p:spTree>
@@ -11631,7 +12674,7 @@
 </p:sld>
 </file>
 
-<file path=ppt/slides/slide29.xml><?xml version="1.0" encoding="utf-8"?>
+<file path=ppt/slides/slide31.xml><?xml version="1.0" encoding="utf-8"?>
 <p:sld xmlns:a="http://schemas.openxmlformats.org/drawingml/2006/main" xmlns:r="http://schemas.openxmlformats.org/officeDocument/2006/relationships" xmlns:p="http://schemas.openxmlformats.org/presentationml/2006/main">
   <p:cSld>
     <p:spTree>
@@ -12016,234 +13059,7 @@
 </p:sld>
 </file>
 
-<file path=ppt/slides/slide3.xml><?xml version="1.0" encoding="utf-8"?>
-<p:sld xmlns:a="http://schemas.openxmlformats.org/drawingml/2006/main" xmlns:r="http://schemas.openxmlformats.org/officeDocument/2006/relationships" xmlns:p="http://schemas.openxmlformats.org/presentationml/2006/main">
-  <p:cSld>
-    <p:spTree>
-      <p:nvGrpSpPr>
-        <p:cNvPr id="1" name=""/>
-        <p:cNvGrpSpPr/>
-        <p:nvPr/>
-      </p:nvGrpSpPr>
-      <p:grpSpPr>
-        <a:xfrm>
-          <a:off x="0" y="0"/>
-          <a:ext cx="0" cy="0"/>
-          <a:chOff x="0" y="0"/>
-          <a:chExt cx="0" cy="0"/>
-        </a:xfrm>
-      </p:grpSpPr>
-      <p:sp>
-        <p:nvSpPr>
-          <p:cNvPr id="2" name="Title 1"/>
-          <p:cNvSpPr>
-            <a:spLocks noGrp="1"/>
-          </p:cNvSpPr>
-          <p:nvPr>
-            <p:ph type="title"/>
-          </p:nvPr>
-        </p:nvSpPr>
-        <p:spPr/>
-        <p:txBody>
-          <a:bodyPr/>
-          <a:lstStyle/>
-          <a:p>
-            <a:r>
-              <a:rPr lang="en-US" dirty="0" smtClean="0"/>
-              <a:t>The Unix environment</a:t>
-            </a:r>
-            <a:endParaRPr lang="en-US" dirty="0"/>
-          </a:p>
-        </p:txBody>
-      </p:sp>
-      <p:sp>
-        <p:nvSpPr>
-          <p:cNvPr id="3" name="Content Placeholder 2"/>
-          <p:cNvSpPr>
-            <a:spLocks noGrp="1"/>
-          </p:cNvSpPr>
-          <p:nvPr>
-            <p:ph idx="1"/>
-          </p:nvPr>
-        </p:nvSpPr>
-        <p:spPr/>
-        <p:txBody>
-          <a:bodyPr>
-            <a:normAutofit lnSpcReduction="10000"/>
-          </a:bodyPr>
-          <a:lstStyle/>
-          <a:p>
-            <a:r>
-              <a:rPr lang="en-US" dirty="0" smtClean="0"/>
-              <a:t>This will take a bit of getting used to, but you have a customized user environment in Unix. As soon as you log in, several text files are read in your home directory that will customize various details of your user experience.</a:t>
-            </a:r>
-          </a:p>
-          <a:p>
-            <a:endParaRPr lang="en-US" dirty="0"/>
-          </a:p>
-          <a:p>
-            <a:r>
-              <a:rPr lang="en-US" dirty="0" smtClean="0"/>
-              <a:t>If you haven’t been tinkering with your settings, you have the “default” settings that the Iowa staff produced for your user experience. </a:t>
-            </a:r>
-            <a:br>
-              <a:rPr lang="en-US" dirty="0" smtClean="0"/>
-            </a:br>
-            <a:endParaRPr lang="en-US" dirty="0" smtClean="0"/>
-          </a:p>
-          <a:p>
-            <a:r>
-              <a:rPr lang="en-US" dirty="0" smtClean="0"/>
-              <a:t>In order to see your current environmental variables, use the “set” command right now:</a:t>
-            </a:r>
-            <a:endParaRPr lang="en-US" dirty="0"/>
-          </a:p>
-        </p:txBody>
-      </p:sp>
-      <p:pic>
-        <p:nvPicPr>
-          <p:cNvPr id="4" name="Picture 3"/>
-          <p:cNvPicPr>
-            <a:picLocks noChangeAspect="1"/>
-          </p:cNvPicPr>
-          <p:nvPr/>
-        </p:nvPicPr>
-        <p:blipFill>
-          <a:blip r:embed="rId2"/>
-          <a:stretch>
-            <a:fillRect/>
-          </a:stretch>
-        </p:blipFill>
-        <p:spPr>
-          <a:xfrm>
-            <a:off x="4733925" y="5813059"/>
-            <a:ext cx="1387747" cy="515449"/>
-          </a:xfrm>
-          <a:prstGeom prst="rect">
-            <a:avLst/>
-          </a:prstGeom>
-        </p:spPr>
-      </p:pic>
-    </p:spTree>
-    <p:extLst>
-      <p:ext uri="{BB962C8B-B14F-4D97-AF65-F5344CB8AC3E}">
-        <p14:creationId xmlns:p14="http://schemas.microsoft.com/office/powerpoint/2010/main" val="870827819"/>
-      </p:ext>
-    </p:extLst>
-  </p:cSld>
-  <p:clrMapOvr>
-    <a:masterClrMapping/>
-  </p:clrMapOvr>
-  <p:timing>
-    <p:tnLst>
-      <p:par>
-        <p:cTn id="1" dur="indefinite" restart="never" nodeType="tmRoot">
-          <p:childTnLst>
-            <p:seq concurrent="1" nextAc="seek">
-              <p:cTn id="2" dur="indefinite" nodeType="mainSeq">
-                <p:childTnLst>
-                  <p:par>
-                    <p:cTn id="3" fill="hold">
-                      <p:stCondLst>
-                        <p:cond delay="indefinite"/>
-                      </p:stCondLst>
-                      <p:childTnLst>
-                        <p:par>
-                          <p:cTn id="4" fill="hold">
-                            <p:stCondLst>
-                              <p:cond delay="0"/>
-                            </p:stCondLst>
-                            <p:childTnLst>
-                              <p:par>
-                                <p:cTn id="5" presetID="1" presetClass="entr" presetSubtype="0" fill="hold" nodeType="clickEffect">
-                                  <p:stCondLst>
-                                    <p:cond delay="0"/>
-                                  </p:stCondLst>
-                                  <p:childTnLst>
-                                    <p:set>
-                                      <p:cBhvr>
-                                        <p:cTn id="6" dur="1" fill="hold">
-                                          <p:stCondLst>
-                                            <p:cond delay="0"/>
-                                          </p:stCondLst>
-                                        </p:cTn>
-                                        <p:tgtEl>
-                                          <p:spTgt spid="3">
-                                            <p:txEl>
-                                              <p:pRg st="3" end="3"/>
-                                            </p:txEl>
-                                          </p:spTgt>
-                                        </p:tgtEl>
-                                        <p:attrNameLst>
-                                          <p:attrName>style.visibility</p:attrName>
-                                        </p:attrNameLst>
-                                      </p:cBhvr>
-                                      <p:to>
-                                        <p:strVal val="visible"/>
-                                      </p:to>
-                                    </p:set>
-                                  </p:childTnLst>
-                                </p:cTn>
-                              </p:par>
-                              <p:par>
-                                <p:cTn id="7" presetID="1" presetClass="entr" presetSubtype="0" fill="hold" nodeType="withEffect">
-                                  <p:stCondLst>
-                                    <p:cond delay="0"/>
-                                  </p:stCondLst>
-                                  <p:childTnLst>
-                                    <p:set>
-                                      <p:cBhvr>
-                                        <p:cTn id="8" dur="1" fill="hold">
-                                          <p:stCondLst>
-                                            <p:cond delay="0"/>
-                                          </p:stCondLst>
-                                        </p:cTn>
-                                        <p:tgtEl>
-                                          <p:spTgt spid="4"/>
-                                        </p:tgtEl>
-                                        <p:attrNameLst>
-                                          <p:attrName>style.visibility</p:attrName>
-                                        </p:attrNameLst>
-                                      </p:cBhvr>
-                                      <p:to>
-                                        <p:strVal val="visible"/>
-                                      </p:to>
-                                    </p:set>
-                                  </p:childTnLst>
-                                </p:cTn>
-                              </p:par>
-                            </p:childTnLst>
-                          </p:cTn>
-                        </p:par>
-                      </p:childTnLst>
-                    </p:cTn>
-                  </p:par>
-                </p:childTnLst>
-              </p:cTn>
-              <p:prevCondLst>
-                <p:cond evt="onPrev" delay="0">
-                  <p:tgtEl>
-                    <p:sldTgt/>
-                  </p:tgtEl>
-                </p:cond>
-              </p:prevCondLst>
-              <p:nextCondLst>
-                <p:cond evt="onNext" delay="0">
-                  <p:tgtEl>
-                    <p:sldTgt/>
-                  </p:tgtEl>
-                </p:cond>
-              </p:nextCondLst>
-            </p:seq>
-          </p:childTnLst>
-        </p:cTn>
-      </p:par>
-    </p:tnLst>
-  </p:timing>
-</p:sld>
-</file>
-
-<file path=ppt/slides/slide30.xml><?xml version="1.0" encoding="utf-8"?>
+<file path=ppt/slides/slide32.xml><?xml version="1.0" encoding="utf-8"?>
 <p:sld xmlns:a="http://schemas.openxmlformats.org/drawingml/2006/main" xmlns:r="http://schemas.openxmlformats.org/officeDocument/2006/relationships" xmlns:p="http://schemas.openxmlformats.org/presentationml/2006/main">
   <p:cSld>
     <p:spTree>
@@ -12714,7 +13530,7 @@
 </p:sld>
 </file>
 
-<file path=ppt/slides/slide31.xml><?xml version="1.0" encoding="utf-8"?>
+<file path=ppt/slides/slide33.xml><?xml version="1.0" encoding="utf-8"?>
 <p:sld xmlns:a="http://schemas.openxmlformats.org/drawingml/2006/main" xmlns:r="http://schemas.openxmlformats.org/officeDocument/2006/relationships" xmlns:p="http://schemas.openxmlformats.org/presentationml/2006/main">
   <p:cSld>
     <p:spTree>
@@ -12748,15 +13564,7 @@
           <a:p>
             <a:r>
               <a:rPr lang="en-US" dirty="0" smtClean="0"/>
-              <a:t>Working on </a:t>
-            </a:r>
-            <a:r>
-              <a:rPr lang="en-US" dirty="0" smtClean="0"/>
-              <a:t>a cluster: </a:t>
-            </a:r>
-            <a:r>
-              <a:rPr lang="en-US" dirty="0" smtClean="0"/>
-              <a:t>submitting interactive or batch jobs</a:t>
+              <a:t>Working on a cluster: submitting interactive or batch jobs</a:t>
             </a:r>
             <a:endParaRPr lang="en-US" dirty="0"/>
           </a:p>
@@ -13044,7 +13852,7 @@
 </p:sld>
 </file>
 
-<file path=ppt/slides/slide32.xml><?xml version="1.0" encoding="utf-8"?>
+<file path=ppt/slides/slide34.xml><?xml version="1.0" encoding="utf-8"?>
 <p:sld xmlns:a="http://schemas.openxmlformats.org/drawingml/2006/main" xmlns:r="http://schemas.openxmlformats.org/officeDocument/2006/relationships" xmlns:p="http://schemas.openxmlformats.org/presentationml/2006/main">
   <p:cSld>
     <p:spTree>
@@ -13108,15 +13916,7 @@
           <a:p>
             <a:r>
               <a:rPr lang="en-US" dirty="0" smtClean="0"/>
-              <a:t>Let’s talk about how you can queue up an interactive session on </a:t>
-            </a:r>
-            <a:r>
-              <a:rPr lang="en-US" dirty="0" smtClean="0"/>
-              <a:t>an HPC </a:t>
-            </a:r>
-            <a:r>
-              <a:rPr lang="en-US" dirty="0" smtClean="0"/>
-              <a:t>using the “</a:t>
+              <a:t>Let’s talk about how you can queue up an interactive session on an HPC using the “</a:t>
             </a:r>
             <a:r>
               <a:rPr lang="en-US" dirty="0" err="1" smtClean="0">
@@ -13935,7 +14735,7 @@
 </p:sld>
 </file>
 
-<file path=ppt/slides/slide33.xml><?xml version="1.0" encoding="utf-8"?>
+<file path=ppt/slides/slide35.xml><?xml version="1.0" encoding="utf-8"?>
 <p:sld xmlns:a="http://schemas.openxmlformats.org/drawingml/2006/main" xmlns:r="http://schemas.openxmlformats.org/officeDocument/2006/relationships" xmlns:p="http://schemas.openxmlformats.org/presentationml/2006/main">
   <p:cSld>
     <p:spTree>
@@ -14264,7 +15064,7 @@
 </p:sld>
 </file>
 
-<file path=ppt/slides/slide34.xml><?xml version="1.0" encoding="utf-8"?>
+<file path=ppt/slides/slide36.xml><?xml version="1.0" encoding="utf-8"?>
 <p:sld xmlns:a="http://schemas.openxmlformats.org/drawingml/2006/main" xmlns:r="http://schemas.openxmlformats.org/officeDocument/2006/relationships" xmlns:p="http://schemas.openxmlformats.org/presentationml/2006/main">
   <p:cSld>
     <p:spTree>
@@ -14521,7 +15321,7 @@
 </p:sld>
 </file>
 
-<file path=ppt/slides/slide35.xml><?xml version="1.0" encoding="utf-8"?>
+<file path=ppt/slides/slide37.xml><?xml version="1.0" encoding="utf-8"?>
 <p:sld xmlns:a="http://schemas.openxmlformats.org/drawingml/2006/main" xmlns:r="http://schemas.openxmlformats.org/officeDocument/2006/relationships" xmlns:p="http://schemas.openxmlformats.org/presentationml/2006/main">
   <p:cSld>
     <p:spTree>
@@ -14559,11 +15359,7 @@
             </a:r>
             <a:r>
               <a:rPr lang="en-US" dirty="0" smtClean="0"/>
-              <a:t>: Submitting batch jobs </a:t>
-            </a:r>
-            <a:r>
-              <a:rPr lang="en-US" dirty="0" smtClean="0"/>
-              <a:t>on SLURM</a:t>
+              <a:t>: Submitting batch jobs on SLURM</a:t>
             </a:r>
             <a:endParaRPr lang="en-US" dirty="0"/>
           </a:p>
@@ -14617,11 +15413,7 @@
             </a:r>
             <a:r>
               <a:rPr lang="en-US" dirty="0" smtClean="0"/>
-              <a:t> jobs which run in the background. Let’s first move to the </a:t>
-            </a:r>
-            <a:r>
-              <a:rPr lang="en-US" dirty="0" smtClean="0"/>
-              <a:t>lesson2/</a:t>
+              <a:t> jobs which run in the background. Let’s first move to the lesson2/</a:t>
             </a:r>
             <a:r>
               <a:rPr lang="en-US" dirty="0" err="1" smtClean="0"/>
@@ -14629,11 +15421,7 @@
             </a:r>
             <a:r>
               <a:rPr lang="en-US" dirty="0" smtClean="0"/>
-              <a:t> </a:t>
-            </a:r>
-            <a:r>
-              <a:rPr lang="en-US" dirty="0" smtClean="0"/>
-              <a:t>folder in this lecture and try our hands with this.</a:t>
+              <a:t> folder in this lecture and try our hands with this.</a:t>
             </a:r>
           </a:p>
           <a:p>
@@ -14846,7 +15634,7 @@
 </p:sld>
 </file>
 
-<file path=ppt/slides/slide36.xml><?xml version="1.0" encoding="utf-8"?>
+<file path=ppt/slides/slide38.xml><?xml version="1.0" encoding="utf-8"?>
 <p:sld xmlns:a="http://schemas.openxmlformats.org/drawingml/2006/main" xmlns:r="http://schemas.openxmlformats.org/officeDocument/2006/relationships" xmlns:p="http://schemas.openxmlformats.org/presentationml/2006/main">
   <p:cSld>
     <p:spTree>
@@ -15269,7 +16057,7 @@
 </p:sld>
 </file>
 
-<file path=ppt/slides/slide37.xml><?xml version="1.0" encoding="utf-8"?>
+<file path=ppt/slides/slide39.xml><?xml version="1.0" encoding="utf-8"?>
 <p:sld xmlns:a="http://schemas.openxmlformats.org/drawingml/2006/main" xmlns:r="http://schemas.openxmlformats.org/officeDocument/2006/relationships" xmlns:p="http://schemas.openxmlformats.org/presentationml/2006/main">
   <p:cSld>
     <p:spTree>
@@ -15419,669 +16207,6 @@
                                           <p:spTgt spid="3">
                                             <p:txEl>
                                               <p:pRg st="4" end="4"/>
-                                            </p:txEl>
-                                          </p:spTgt>
-                                        </p:tgtEl>
-                                        <p:attrNameLst>
-                                          <p:attrName>style.visibility</p:attrName>
-                                        </p:attrNameLst>
-                                      </p:cBhvr>
-                                      <p:to>
-                                        <p:strVal val="visible"/>
-                                      </p:to>
-                                    </p:set>
-                                  </p:childTnLst>
-                                </p:cTn>
-                              </p:par>
-                            </p:childTnLst>
-                          </p:cTn>
-                        </p:par>
-                      </p:childTnLst>
-                    </p:cTn>
-                  </p:par>
-                </p:childTnLst>
-              </p:cTn>
-              <p:prevCondLst>
-                <p:cond evt="onPrev" delay="0">
-                  <p:tgtEl>
-                    <p:sldTgt/>
-                  </p:tgtEl>
-                </p:cond>
-              </p:prevCondLst>
-              <p:nextCondLst>
-                <p:cond evt="onNext" delay="0">
-                  <p:tgtEl>
-                    <p:sldTgt/>
-                  </p:tgtEl>
-                </p:cond>
-              </p:nextCondLst>
-            </p:seq>
-          </p:childTnLst>
-        </p:cTn>
-      </p:par>
-    </p:tnLst>
-  </p:timing>
-</p:sld>
-</file>
-
-<file path=ppt/slides/slide38.xml><?xml version="1.0" encoding="utf-8"?>
-<p:sld xmlns:a="http://schemas.openxmlformats.org/drawingml/2006/main" xmlns:r="http://schemas.openxmlformats.org/officeDocument/2006/relationships" xmlns:p="http://schemas.openxmlformats.org/presentationml/2006/main">
-  <p:cSld>
-    <p:spTree>
-      <p:nvGrpSpPr>
-        <p:cNvPr id="1" name=""/>
-        <p:cNvGrpSpPr/>
-        <p:nvPr/>
-      </p:nvGrpSpPr>
-      <p:grpSpPr>
-        <a:xfrm>
-          <a:off x="0" y="0"/>
-          <a:ext cx="0" cy="0"/>
-          <a:chOff x="0" y="0"/>
-          <a:chExt cx="0" cy="0"/>
-        </a:xfrm>
-      </p:grpSpPr>
-      <p:sp>
-        <p:nvSpPr>
-          <p:cNvPr id="2" name="Title 1"/>
-          <p:cNvSpPr>
-            <a:spLocks noGrp="1"/>
-          </p:cNvSpPr>
-          <p:nvPr>
-            <p:ph type="title"/>
-          </p:nvPr>
-        </p:nvSpPr>
-        <p:spPr/>
-        <p:txBody>
-          <a:bodyPr/>
-          <a:lstStyle/>
-          <a:p>
-            <a:r>
-              <a:rPr lang="en-US" dirty="0" smtClean="0"/>
-              <a:t>How to know what resources to set for your jobs?</a:t>
-            </a:r>
-            <a:endParaRPr lang="en-US" dirty="0"/>
-          </a:p>
-        </p:txBody>
-      </p:sp>
-      <p:sp>
-        <p:nvSpPr>
-          <p:cNvPr id="3" name="Content Placeholder 2"/>
-          <p:cNvSpPr>
-            <a:spLocks noGrp="1"/>
-          </p:cNvSpPr>
-          <p:nvPr>
-            <p:ph idx="1"/>
-          </p:nvPr>
-        </p:nvSpPr>
-        <p:spPr/>
-        <p:txBody>
-          <a:bodyPr>
-            <a:normAutofit fontScale="92500" lnSpcReduction="20000"/>
-          </a:bodyPr>
-          <a:lstStyle/>
-          <a:p>
-            <a:r>
-              <a:rPr lang="en-US" dirty="0" smtClean="0"/>
-              <a:t>This is the million dollar question! In a nutshell – you learn this through experience.</a:t>
-            </a:r>
-          </a:p>
-          <a:p>
-            <a:endParaRPr lang="en-US" dirty="0"/>
-          </a:p>
-          <a:p>
-            <a:r>
-              <a:rPr lang="en-US" dirty="0" smtClean="0"/>
-              <a:t>Some tricks of the trade:</a:t>
-            </a:r>
-          </a:p>
-          <a:p>
-            <a:pPr lvl="1"/>
-            <a:r>
-              <a:rPr lang="en-US" dirty="0" smtClean="0"/>
-              <a:t>Unless you are using something with “MPI” instructions, you will use 1 node. </a:t>
-            </a:r>
-          </a:p>
-          <a:p>
-            <a:pPr lvl="1"/>
-            <a:r>
-              <a:rPr lang="en-US" dirty="0" smtClean="0"/>
-              <a:t>If you are using more than one processor, typically you will set more than one </a:t>
-            </a:r>
-            <a:r>
-              <a:rPr lang="en-US" dirty="0" err="1" smtClean="0"/>
-              <a:t>ntasks</a:t>
-            </a:r>
-            <a:r>
-              <a:rPr lang="en-US" dirty="0" smtClean="0"/>
-              <a:t>-per-node value. </a:t>
-            </a:r>
-          </a:p>
-          <a:p>
-            <a:pPr lvl="1"/>
-            <a:r>
-              <a:rPr lang="en-US" dirty="0" smtClean="0"/>
-              <a:t>Mem (RAM) is more tricky – this setting depends on the program, your data and what you expect your output to eventually be. Some programs will give you advice on this. Even the best of us allocate more RAM than needed for jobs. </a:t>
-            </a:r>
-          </a:p>
-          <a:p>
-            <a:pPr lvl="1"/>
-            <a:endParaRPr lang="en-US" dirty="0"/>
-          </a:p>
-          <a:p>
-            <a:r>
-              <a:rPr lang="en-US" dirty="0" smtClean="0"/>
-              <a:t>I have a secret weapon that will help you monitor your jobs and see how much memory they actually use. Use this weapon wisely!</a:t>
-            </a:r>
-            <a:endParaRPr lang="en-US" dirty="0"/>
-          </a:p>
-        </p:txBody>
-      </p:sp>
-      <p:pic>
-        <p:nvPicPr>
-          <p:cNvPr id="5" name="Picture 4"/>
-          <p:cNvPicPr>
-            <a:picLocks noChangeAspect="1"/>
-          </p:cNvPicPr>
-          <p:nvPr/>
-        </p:nvPicPr>
-        <p:blipFill>
-          <a:blip r:embed="rId2"/>
-          <a:stretch>
-            <a:fillRect/>
-          </a:stretch>
-        </p:blipFill>
-        <p:spPr>
-          <a:xfrm>
-            <a:off x="645135" y="6102716"/>
-            <a:ext cx="11188635" cy="418367"/>
-          </a:xfrm>
-          <a:prstGeom prst="rect">
-            <a:avLst/>
-          </a:prstGeom>
-        </p:spPr>
-      </p:pic>
-    </p:spTree>
-    <p:extLst>
-      <p:ext uri="{BB962C8B-B14F-4D97-AF65-F5344CB8AC3E}">
-        <p14:creationId xmlns:p14="http://schemas.microsoft.com/office/powerpoint/2010/main" val="526260094"/>
-      </p:ext>
-    </p:extLst>
-  </p:cSld>
-  <p:clrMapOvr>
-    <a:masterClrMapping/>
-  </p:clrMapOvr>
-  <p:timing>
-    <p:tnLst>
-      <p:par>
-        <p:cTn id="1" dur="indefinite" restart="never" nodeType="tmRoot">
-          <p:childTnLst>
-            <p:seq concurrent="1" nextAc="seek">
-              <p:cTn id="2" dur="indefinite" nodeType="mainSeq">
-                <p:childTnLst>
-                  <p:par>
-                    <p:cTn id="3" fill="hold">
-                      <p:stCondLst>
-                        <p:cond delay="indefinite"/>
-                      </p:stCondLst>
-                      <p:childTnLst>
-                        <p:par>
-                          <p:cTn id="4" fill="hold">
-                            <p:stCondLst>
-                              <p:cond delay="0"/>
-                            </p:stCondLst>
-                            <p:childTnLst>
-                              <p:par>
-                                <p:cTn id="5" presetID="1" presetClass="entr" presetSubtype="0" fill="hold" nodeType="clickEffect">
-                                  <p:stCondLst>
-                                    <p:cond delay="0"/>
-                                  </p:stCondLst>
-                                  <p:childTnLst>
-                                    <p:set>
-                                      <p:cBhvr>
-                                        <p:cTn id="6" dur="1" fill="hold">
-                                          <p:stCondLst>
-                                            <p:cond delay="0"/>
-                                          </p:stCondLst>
-                                        </p:cTn>
-                                        <p:tgtEl>
-                                          <p:spTgt spid="3">
-                                            <p:txEl>
-                                              <p:pRg st="2" end="2"/>
-                                            </p:txEl>
-                                          </p:spTgt>
-                                        </p:tgtEl>
-                                        <p:attrNameLst>
-                                          <p:attrName>style.visibility</p:attrName>
-                                        </p:attrNameLst>
-                                      </p:cBhvr>
-                                      <p:to>
-                                        <p:strVal val="visible"/>
-                                      </p:to>
-                                    </p:set>
-                                  </p:childTnLst>
-                                </p:cTn>
-                              </p:par>
-                              <p:par>
-                                <p:cTn id="7" presetID="1" presetClass="entr" presetSubtype="0" fill="hold" nodeType="withEffect">
-                                  <p:stCondLst>
-                                    <p:cond delay="0"/>
-                                  </p:stCondLst>
-                                  <p:childTnLst>
-                                    <p:set>
-                                      <p:cBhvr>
-                                        <p:cTn id="8" dur="1" fill="hold">
-                                          <p:stCondLst>
-                                            <p:cond delay="0"/>
-                                          </p:stCondLst>
-                                        </p:cTn>
-                                        <p:tgtEl>
-                                          <p:spTgt spid="3">
-                                            <p:txEl>
-                                              <p:pRg st="3" end="3"/>
-                                            </p:txEl>
-                                          </p:spTgt>
-                                        </p:tgtEl>
-                                        <p:attrNameLst>
-                                          <p:attrName>style.visibility</p:attrName>
-                                        </p:attrNameLst>
-                                      </p:cBhvr>
-                                      <p:to>
-                                        <p:strVal val="visible"/>
-                                      </p:to>
-                                    </p:set>
-                                  </p:childTnLst>
-                                </p:cTn>
-                              </p:par>
-                              <p:par>
-                                <p:cTn id="9" presetID="1" presetClass="entr" presetSubtype="0" fill="hold" nodeType="withEffect">
-                                  <p:stCondLst>
-                                    <p:cond delay="0"/>
-                                  </p:stCondLst>
-                                  <p:childTnLst>
-                                    <p:set>
-                                      <p:cBhvr>
-                                        <p:cTn id="10" dur="1" fill="hold">
-                                          <p:stCondLst>
-                                            <p:cond delay="0"/>
-                                          </p:stCondLst>
-                                        </p:cTn>
-                                        <p:tgtEl>
-                                          <p:spTgt spid="3">
-                                            <p:txEl>
-                                              <p:pRg st="4" end="4"/>
-                                            </p:txEl>
-                                          </p:spTgt>
-                                        </p:tgtEl>
-                                        <p:attrNameLst>
-                                          <p:attrName>style.visibility</p:attrName>
-                                        </p:attrNameLst>
-                                      </p:cBhvr>
-                                      <p:to>
-                                        <p:strVal val="visible"/>
-                                      </p:to>
-                                    </p:set>
-                                  </p:childTnLst>
-                                </p:cTn>
-                              </p:par>
-                              <p:par>
-                                <p:cTn id="11" presetID="1" presetClass="entr" presetSubtype="0" fill="hold" nodeType="withEffect">
-                                  <p:stCondLst>
-                                    <p:cond delay="0"/>
-                                  </p:stCondLst>
-                                  <p:childTnLst>
-                                    <p:set>
-                                      <p:cBhvr>
-                                        <p:cTn id="12" dur="1" fill="hold">
-                                          <p:stCondLst>
-                                            <p:cond delay="0"/>
-                                          </p:stCondLst>
-                                        </p:cTn>
-                                        <p:tgtEl>
-                                          <p:spTgt spid="3">
-                                            <p:txEl>
-                                              <p:pRg st="5" end="5"/>
-                                            </p:txEl>
-                                          </p:spTgt>
-                                        </p:tgtEl>
-                                        <p:attrNameLst>
-                                          <p:attrName>style.visibility</p:attrName>
-                                        </p:attrNameLst>
-                                      </p:cBhvr>
-                                      <p:to>
-                                        <p:strVal val="visible"/>
-                                      </p:to>
-                                    </p:set>
-                                  </p:childTnLst>
-                                </p:cTn>
-                              </p:par>
-                            </p:childTnLst>
-                          </p:cTn>
-                        </p:par>
-                      </p:childTnLst>
-                    </p:cTn>
-                  </p:par>
-                  <p:par>
-                    <p:cTn id="13" fill="hold">
-                      <p:stCondLst>
-                        <p:cond delay="indefinite"/>
-                      </p:stCondLst>
-                      <p:childTnLst>
-                        <p:par>
-                          <p:cTn id="14" fill="hold">
-                            <p:stCondLst>
-                              <p:cond delay="0"/>
-                            </p:stCondLst>
-                            <p:childTnLst>
-                              <p:par>
-                                <p:cTn id="15" presetID="1" presetClass="entr" presetSubtype="0" fill="hold" nodeType="clickEffect">
-                                  <p:stCondLst>
-                                    <p:cond delay="0"/>
-                                  </p:stCondLst>
-                                  <p:childTnLst>
-                                    <p:set>
-                                      <p:cBhvr>
-                                        <p:cTn id="16" dur="1" fill="hold">
-                                          <p:stCondLst>
-                                            <p:cond delay="0"/>
-                                          </p:stCondLst>
-                                        </p:cTn>
-                                        <p:tgtEl>
-                                          <p:spTgt spid="3">
-                                            <p:txEl>
-                                              <p:pRg st="7" end="7"/>
-                                            </p:txEl>
-                                          </p:spTgt>
-                                        </p:tgtEl>
-                                        <p:attrNameLst>
-                                          <p:attrName>style.visibility</p:attrName>
-                                        </p:attrNameLst>
-                                      </p:cBhvr>
-                                      <p:to>
-                                        <p:strVal val="visible"/>
-                                      </p:to>
-                                    </p:set>
-                                  </p:childTnLst>
-                                </p:cTn>
-                              </p:par>
-                            </p:childTnLst>
-                          </p:cTn>
-                        </p:par>
-                      </p:childTnLst>
-                    </p:cTn>
-                  </p:par>
-                </p:childTnLst>
-              </p:cTn>
-              <p:prevCondLst>
-                <p:cond evt="onPrev" delay="0">
-                  <p:tgtEl>
-                    <p:sldTgt/>
-                  </p:tgtEl>
-                </p:cond>
-              </p:prevCondLst>
-              <p:nextCondLst>
-                <p:cond evt="onNext" delay="0">
-                  <p:tgtEl>
-                    <p:sldTgt/>
-                  </p:tgtEl>
-                </p:cond>
-              </p:nextCondLst>
-            </p:seq>
-          </p:childTnLst>
-        </p:cTn>
-      </p:par>
-    </p:tnLst>
-  </p:timing>
-</p:sld>
-</file>
-
-<file path=ppt/slides/slide39.xml><?xml version="1.0" encoding="utf-8"?>
-<p:sld xmlns:a="http://schemas.openxmlformats.org/drawingml/2006/main" xmlns:r="http://schemas.openxmlformats.org/officeDocument/2006/relationships" xmlns:p="http://schemas.openxmlformats.org/presentationml/2006/main">
-  <p:cSld>
-    <p:spTree>
-      <p:nvGrpSpPr>
-        <p:cNvPr id="1" name=""/>
-        <p:cNvGrpSpPr/>
-        <p:nvPr/>
-      </p:nvGrpSpPr>
-      <p:grpSpPr>
-        <a:xfrm>
-          <a:off x="0" y="0"/>
-          <a:ext cx="0" cy="0"/>
-          <a:chOff x="0" y="0"/>
-          <a:chExt cx="0" cy="0"/>
-        </a:xfrm>
-      </p:grpSpPr>
-      <p:sp>
-        <p:nvSpPr>
-          <p:cNvPr id="2" name="Title 1"/>
-          <p:cNvSpPr>
-            <a:spLocks noGrp="1"/>
-          </p:cNvSpPr>
-          <p:nvPr>
-            <p:ph type="title"/>
-          </p:nvPr>
-        </p:nvSpPr>
-        <p:spPr/>
-        <p:txBody>
-          <a:bodyPr/>
-          <a:lstStyle/>
-          <a:p>
-            <a:r>
-              <a:rPr lang="en-US" dirty="0" smtClean="0"/>
-              <a:t>Conclusions and more learning</a:t>
-            </a:r>
-            <a:endParaRPr lang="en-US" dirty="0"/>
-          </a:p>
-        </p:txBody>
-      </p:sp>
-      <p:sp>
-        <p:nvSpPr>
-          <p:cNvPr id="3" name="Content Placeholder 2"/>
-          <p:cNvSpPr>
-            <a:spLocks noGrp="1"/>
-          </p:cNvSpPr>
-          <p:nvPr>
-            <p:ph idx="1"/>
-          </p:nvPr>
-        </p:nvSpPr>
-        <p:spPr/>
-        <p:txBody>
-          <a:bodyPr>
-            <a:normAutofit fontScale="92500" lnSpcReduction="20000"/>
-          </a:bodyPr>
-          <a:lstStyle/>
-          <a:p>
-            <a:r>
-              <a:rPr lang="en-US" dirty="0" smtClean="0"/>
-              <a:t>You’ve now written and submitted your first shell script! Congratulations! If you submit enough of them, your reward will be to get a survey from the </a:t>
-            </a:r>
-            <a:r>
-              <a:rPr lang="en-US" dirty="0" err="1" smtClean="0"/>
-              <a:t>hpc</a:t>
-            </a:r>
-            <a:r>
-              <a:rPr lang="en-US" dirty="0" smtClean="0"/>
-              <a:t> administration </a:t>
-            </a:r>
-            <a:r>
-              <a:rPr lang="en-US" dirty="0" smtClean="0"/>
-              <a:t>team </a:t>
-            </a:r>
-            <a:r>
-              <a:rPr lang="en-US" dirty="0" smtClean="0"/>
-              <a:t>(probably berating you! Yay!)</a:t>
-            </a:r>
-            <a:endParaRPr lang="en-US" dirty="0" smtClean="0"/>
-          </a:p>
-          <a:p>
-            <a:endParaRPr lang="en-US" dirty="0"/>
-          </a:p>
-          <a:p>
-            <a:r>
-              <a:rPr lang="en-US" dirty="0" smtClean="0"/>
-              <a:t>Using that template </a:t>
-            </a:r>
-            <a:r>
-              <a:rPr lang="en-US" dirty="0" err="1" smtClean="0"/>
-              <a:t>slurm</a:t>
-            </a:r>
-            <a:r>
-              <a:rPr lang="en-US" dirty="0" smtClean="0"/>
-              <a:t> script, you should have the basics down to run your own scripts. Your imagination is the limit! To start you out, I have packaged several example scripts. Many won’t work without tinkering! But these should give you a good idea of the types of things that you can package into shell scripts. To get them: </a:t>
-            </a:r>
-          </a:p>
-          <a:p>
-            <a:endParaRPr lang="en-US" dirty="0"/>
-          </a:p>
-          <a:p>
-            <a:endParaRPr lang="en-US" dirty="0" smtClean="0"/>
-          </a:p>
-          <a:p>
-            <a:r>
-              <a:rPr lang="en-US" dirty="0" smtClean="0"/>
-              <a:t>Always, always practice and try to learn new things! Most of my </a:t>
-            </a:r>
-            <a:r>
-              <a:rPr lang="en-US" dirty="0" err="1" smtClean="0"/>
-              <a:t>slurm</a:t>
-            </a:r>
-            <a:r>
-              <a:rPr lang="en-US" dirty="0" smtClean="0"/>
-              <a:t> scripts are based on examples learned from others!</a:t>
-            </a:r>
-            <a:endParaRPr lang="en-US" dirty="0"/>
-          </a:p>
-        </p:txBody>
-      </p:sp>
-      <p:sp>
-        <p:nvSpPr>
-          <p:cNvPr id="4" name="Rectangle 3"/>
-          <p:cNvSpPr/>
-          <p:nvPr/>
-        </p:nvSpPr>
-        <p:spPr>
-          <a:xfrm>
-            <a:off x="905608" y="4881881"/>
-            <a:ext cx="10682653" cy="461665"/>
-          </a:xfrm>
-          <a:prstGeom prst="rect">
-            <a:avLst/>
-          </a:prstGeom>
-        </p:spPr>
-        <p:txBody>
-          <a:bodyPr wrap="square">
-            <a:spAutoFit/>
-          </a:bodyPr>
-          <a:lstStyle/>
-          <a:p>
-            <a:r>
-              <a:rPr lang="en-US" sz="2400" dirty="0">
-                <a:solidFill>
-                  <a:srgbClr val="0070C0"/>
-                </a:solidFill>
-              </a:rPr>
-              <a:t>https://drive.google.com/open?id=1qnJLVC-npOUZK8p432o_1GsEDEahKscQ</a:t>
-            </a:r>
-          </a:p>
-        </p:txBody>
-      </p:sp>
-    </p:spTree>
-    <p:extLst>
-      <p:ext uri="{BB962C8B-B14F-4D97-AF65-F5344CB8AC3E}">
-        <p14:creationId xmlns:p14="http://schemas.microsoft.com/office/powerpoint/2010/main" val="4234268119"/>
-      </p:ext>
-    </p:extLst>
-  </p:cSld>
-  <p:clrMapOvr>
-    <a:masterClrMapping/>
-  </p:clrMapOvr>
-  <p:timing>
-    <p:tnLst>
-      <p:par>
-        <p:cTn id="1" dur="indefinite" restart="never" nodeType="tmRoot">
-          <p:childTnLst>
-            <p:seq concurrent="1" nextAc="seek">
-              <p:cTn id="2" dur="indefinite" nodeType="mainSeq">
-                <p:childTnLst>
-                  <p:par>
-                    <p:cTn id="3" fill="hold">
-                      <p:stCondLst>
-                        <p:cond delay="indefinite"/>
-                      </p:stCondLst>
-                      <p:childTnLst>
-                        <p:par>
-                          <p:cTn id="4" fill="hold">
-                            <p:stCondLst>
-                              <p:cond delay="0"/>
-                            </p:stCondLst>
-                            <p:childTnLst>
-                              <p:par>
-                                <p:cTn id="5" presetID="1" presetClass="entr" presetSubtype="0" fill="hold" nodeType="clickEffect">
-                                  <p:stCondLst>
-                                    <p:cond delay="0"/>
-                                  </p:stCondLst>
-                                  <p:childTnLst>
-                                    <p:set>
-                                      <p:cBhvr>
-                                        <p:cTn id="6" dur="1" fill="hold">
-                                          <p:stCondLst>
-                                            <p:cond delay="0"/>
-                                          </p:stCondLst>
-                                        </p:cTn>
-                                        <p:tgtEl>
-                                          <p:spTgt spid="3">
-                                            <p:txEl>
-                                              <p:pRg st="2" end="2"/>
-                                            </p:txEl>
-                                          </p:spTgt>
-                                        </p:tgtEl>
-                                        <p:attrNameLst>
-                                          <p:attrName>style.visibility</p:attrName>
-                                        </p:attrNameLst>
-                                      </p:cBhvr>
-                                      <p:to>
-                                        <p:strVal val="visible"/>
-                                      </p:to>
-                                    </p:set>
-                                  </p:childTnLst>
-                                </p:cTn>
-                              </p:par>
-                            </p:childTnLst>
-                          </p:cTn>
-                        </p:par>
-                      </p:childTnLst>
-                    </p:cTn>
-                  </p:par>
-                  <p:par>
-                    <p:cTn id="7" fill="hold">
-                      <p:stCondLst>
-                        <p:cond delay="indefinite"/>
-                      </p:stCondLst>
-                      <p:childTnLst>
-                        <p:par>
-                          <p:cTn id="8" fill="hold">
-                            <p:stCondLst>
-                              <p:cond delay="0"/>
-                            </p:stCondLst>
-                            <p:childTnLst>
-                              <p:par>
-                                <p:cTn id="9" presetID="1" presetClass="entr" presetSubtype="0" fill="hold" nodeType="clickEffect">
-                                  <p:stCondLst>
-                                    <p:cond delay="0"/>
-                                  </p:stCondLst>
-                                  <p:childTnLst>
-                                    <p:set>
-                                      <p:cBhvr>
-                                        <p:cTn id="10" dur="1" fill="hold">
-                                          <p:stCondLst>
-                                            <p:cond delay="0"/>
-                                          </p:stCondLst>
-                                        </p:cTn>
-                                        <p:tgtEl>
-                                          <p:spTgt spid="3">
-                                            <p:txEl>
-                                              <p:pRg st="5" end="5"/>
                                             </p:txEl>
                                           </p:spTgt>
                                         </p:tgtEl>
@@ -16568,6 +16693,717 @@
 </p:sld>
 </file>
 
+<file path=ppt/slides/slide40.xml><?xml version="1.0" encoding="utf-8"?>
+<p:sld xmlns:a="http://schemas.openxmlformats.org/drawingml/2006/main" xmlns:r="http://schemas.openxmlformats.org/officeDocument/2006/relationships" xmlns:p="http://schemas.openxmlformats.org/presentationml/2006/main">
+  <p:cSld>
+    <p:spTree>
+      <p:nvGrpSpPr>
+        <p:cNvPr id="1" name=""/>
+        <p:cNvGrpSpPr/>
+        <p:nvPr/>
+      </p:nvGrpSpPr>
+      <p:grpSpPr>
+        <a:xfrm>
+          <a:off x="0" y="0"/>
+          <a:ext cx="0" cy="0"/>
+          <a:chOff x="0" y="0"/>
+          <a:chExt cx="0" cy="0"/>
+        </a:xfrm>
+      </p:grpSpPr>
+      <p:sp>
+        <p:nvSpPr>
+          <p:cNvPr id="2" name="Title 1"/>
+          <p:cNvSpPr>
+            <a:spLocks noGrp="1"/>
+          </p:cNvSpPr>
+          <p:nvPr>
+            <p:ph type="title"/>
+          </p:nvPr>
+        </p:nvSpPr>
+        <p:spPr/>
+        <p:txBody>
+          <a:bodyPr/>
+          <a:lstStyle/>
+          <a:p>
+            <a:r>
+              <a:rPr lang="en-US" dirty="0" smtClean="0"/>
+              <a:t>How to know what resources to set for your jobs?</a:t>
+            </a:r>
+            <a:endParaRPr lang="en-US" dirty="0"/>
+          </a:p>
+        </p:txBody>
+      </p:sp>
+      <p:sp>
+        <p:nvSpPr>
+          <p:cNvPr id="3" name="Content Placeholder 2"/>
+          <p:cNvSpPr>
+            <a:spLocks noGrp="1"/>
+          </p:cNvSpPr>
+          <p:nvPr>
+            <p:ph idx="1"/>
+          </p:nvPr>
+        </p:nvSpPr>
+        <p:spPr/>
+        <p:txBody>
+          <a:bodyPr>
+            <a:normAutofit fontScale="92500" lnSpcReduction="20000"/>
+          </a:bodyPr>
+          <a:lstStyle/>
+          <a:p>
+            <a:r>
+              <a:rPr lang="en-US" dirty="0" smtClean="0"/>
+              <a:t>This is the million dollar question! In a nutshell – you learn this through experience.</a:t>
+            </a:r>
+          </a:p>
+          <a:p>
+            <a:endParaRPr lang="en-US" dirty="0"/>
+          </a:p>
+          <a:p>
+            <a:r>
+              <a:rPr lang="en-US" dirty="0" smtClean="0"/>
+              <a:t>Some tricks of the trade:</a:t>
+            </a:r>
+          </a:p>
+          <a:p>
+            <a:pPr lvl="1"/>
+            <a:r>
+              <a:rPr lang="en-US" dirty="0" smtClean="0"/>
+              <a:t>Unless you are using something with “MPI” instructions, you will use 1 node. </a:t>
+            </a:r>
+          </a:p>
+          <a:p>
+            <a:pPr lvl="1"/>
+            <a:r>
+              <a:rPr lang="en-US" dirty="0" smtClean="0"/>
+              <a:t>If you are using more than one processor, typically you will set more than one </a:t>
+            </a:r>
+            <a:r>
+              <a:rPr lang="en-US" dirty="0" err="1" smtClean="0"/>
+              <a:t>ntasks</a:t>
+            </a:r>
+            <a:r>
+              <a:rPr lang="en-US" dirty="0" smtClean="0"/>
+              <a:t>-per-node value. </a:t>
+            </a:r>
+          </a:p>
+          <a:p>
+            <a:pPr lvl="1"/>
+            <a:r>
+              <a:rPr lang="en-US" dirty="0" smtClean="0"/>
+              <a:t>Mem (RAM) is more tricky – this setting depends on the program, your data and what you expect your output to eventually be. Some programs will give you advice on this. Even the best of us allocate more RAM than needed for jobs. </a:t>
+            </a:r>
+          </a:p>
+          <a:p>
+            <a:pPr lvl="1"/>
+            <a:endParaRPr lang="en-US" dirty="0"/>
+          </a:p>
+          <a:p>
+            <a:r>
+              <a:rPr lang="en-US" dirty="0" smtClean="0"/>
+              <a:t>I have a secret weapon that will help you monitor your jobs and see how much memory they actually use. Use this weapon wisely!</a:t>
+            </a:r>
+            <a:endParaRPr lang="en-US" dirty="0"/>
+          </a:p>
+        </p:txBody>
+      </p:sp>
+      <p:pic>
+        <p:nvPicPr>
+          <p:cNvPr id="5" name="Picture 4"/>
+          <p:cNvPicPr>
+            <a:picLocks noChangeAspect="1"/>
+          </p:cNvPicPr>
+          <p:nvPr/>
+        </p:nvPicPr>
+        <p:blipFill>
+          <a:blip r:embed="rId2"/>
+          <a:stretch>
+            <a:fillRect/>
+          </a:stretch>
+        </p:blipFill>
+        <p:spPr>
+          <a:xfrm>
+            <a:off x="645135" y="6102716"/>
+            <a:ext cx="11188635" cy="418367"/>
+          </a:xfrm>
+          <a:prstGeom prst="rect">
+            <a:avLst/>
+          </a:prstGeom>
+        </p:spPr>
+      </p:pic>
+    </p:spTree>
+    <p:extLst>
+      <p:ext uri="{BB962C8B-B14F-4D97-AF65-F5344CB8AC3E}">
+        <p14:creationId xmlns:p14="http://schemas.microsoft.com/office/powerpoint/2010/main" val="526260094"/>
+      </p:ext>
+    </p:extLst>
+  </p:cSld>
+  <p:clrMapOvr>
+    <a:masterClrMapping/>
+  </p:clrMapOvr>
+  <p:timing>
+    <p:tnLst>
+      <p:par>
+        <p:cTn id="1" dur="indefinite" restart="never" nodeType="tmRoot">
+          <p:childTnLst>
+            <p:seq concurrent="1" nextAc="seek">
+              <p:cTn id="2" dur="indefinite" nodeType="mainSeq">
+                <p:childTnLst>
+                  <p:par>
+                    <p:cTn id="3" fill="hold">
+                      <p:stCondLst>
+                        <p:cond delay="indefinite"/>
+                      </p:stCondLst>
+                      <p:childTnLst>
+                        <p:par>
+                          <p:cTn id="4" fill="hold">
+                            <p:stCondLst>
+                              <p:cond delay="0"/>
+                            </p:stCondLst>
+                            <p:childTnLst>
+                              <p:par>
+                                <p:cTn id="5" presetID="1" presetClass="entr" presetSubtype="0" fill="hold" nodeType="clickEffect">
+                                  <p:stCondLst>
+                                    <p:cond delay="0"/>
+                                  </p:stCondLst>
+                                  <p:childTnLst>
+                                    <p:set>
+                                      <p:cBhvr>
+                                        <p:cTn id="6" dur="1" fill="hold">
+                                          <p:stCondLst>
+                                            <p:cond delay="0"/>
+                                          </p:stCondLst>
+                                        </p:cTn>
+                                        <p:tgtEl>
+                                          <p:spTgt spid="3">
+                                            <p:txEl>
+                                              <p:pRg st="2" end="2"/>
+                                            </p:txEl>
+                                          </p:spTgt>
+                                        </p:tgtEl>
+                                        <p:attrNameLst>
+                                          <p:attrName>style.visibility</p:attrName>
+                                        </p:attrNameLst>
+                                      </p:cBhvr>
+                                      <p:to>
+                                        <p:strVal val="visible"/>
+                                      </p:to>
+                                    </p:set>
+                                  </p:childTnLst>
+                                </p:cTn>
+                              </p:par>
+                              <p:par>
+                                <p:cTn id="7" presetID="1" presetClass="entr" presetSubtype="0" fill="hold" nodeType="withEffect">
+                                  <p:stCondLst>
+                                    <p:cond delay="0"/>
+                                  </p:stCondLst>
+                                  <p:childTnLst>
+                                    <p:set>
+                                      <p:cBhvr>
+                                        <p:cTn id="8" dur="1" fill="hold">
+                                          <p:stCondLst>
+                                            <p:cond delay="0"/>
+                                          </p:stCondLst>
+                                        </p:cTn>
+                                        <p:tgtEl>
+                                          <p:spTgt spid="3">
+                                            <p:txEl>
+                                              <p:pRg st="3" end="3"/>
+                                            </p:txEl>
+                                          </p:spTgt>
+                                        </p:tgtEl>
+                                        <p:attrNameLst>
+                                          <p:attrName>style.visibility</p:attrName>
+                                        </p:attrNameLst>
+                                      </p:cBhvr>
+                                      <p:to>
+                                        <p:strVal val="visible"/>
+                                      </p:to>
+                                    </p:set>
+                                  </p:childTnLst>
+                                </p:cTn>
+                              </p:par>
+                              <p:par>
+                                <p:cTn id="9" presetID="1" presetClass="entr" presetSubtype="0" fill="hold" nodeType="withEffect">
+                                  <p:stCondLst>
+                                    <p:cond delay="0"/>
+                                  </p:stCondLst>
+                                  <p:childTnLst>
+                                    <p:set>
+                                      <p:cBhvr>
+                                        <p:cTn id="10" dur="1" fill="hold">
+                                          <p:stCondLst>
+                                            <p:cond delay="0"/>
+                                          </p:stCondLst>
+                                        </p:cTn>
+                                        <p:tgtEl>
+                                          <p:spTgt spid="3">
+                                            <p:txEl>
+                                              <p:pRg st="4" end="4"/>
+                                            </p:txEl>
+                                          </p:spTgt>
+                                        </p:tgtEl>
+                                        <p:attrNameLst>
+                                          <p:attrName>style.visibility</p:attrName>
+                                        </p:attrNameLst>
+                                      </p:cBhvr>
+                                      <p:to>
+                                        <p:strVal val="visible"/>
+                                      </p:to>
+                                    </p:set>
+                                  </p:childTnLst>
+                                </p:cTn>
+                              </p:par>
+                              <p:par>
+                                <p:cTn id="11" presetID="1" presetClass="entr" presetSubtype="0" fill="hold" nodeType="withEffect">
+                                  <p:stCondLst>
+                                    <p:cond delay="0"/>
+                                  </p:stCondLst>
+                                  <p:childTnLst>
+                                    <p:set>
+                                      <p:cBhvr>
+                                        <p:cTn id="12" dur="1" fill="hold">
+                                          <p:stCondLst>
+                                            <p:cond delay="0"/>
+                                          </p:stCondLst>
+                                        </p:cTn>
+                                        <p:tgtEl>
+                                          <p:spTgt spid="3">
+                                            <p:txEl>
+                                              <p:pRg st="5" end="5"/>
+                                            </p:txEl>
+                                          </p:spTgt>
+                                        </p:tgtEl>
+                                        <p:attrNameLst>
+                                          <p:attrName>style.visibility</p:attrName>
+                                        </p:attrNameLst>
+                                      </p:cBhvr>
+                                      <p:to>
+                                        <p:strVal val="visible"/>
+                                      </p:to>
+                                    </p:set>
+                                  </p:childTnLst>
+                                </p:cTn>
+                              </p:par>
+                            </p:childTnLst>
+                          </p:cTn>
+                        </p:par>
+                      </p:childTnLst>
+                    </p:cTn>
+                  </p:par>
+                  <p:par>
+                    <p:cTn id="13" fill="hold">
+                      <p:stCondLst>
+                        <p:cond delay="indefinite"/>
+                      </p:stCondLst>
+                      <p:childTnLst>
+                        <p:par>
+                          <p:cTn id="14" fill="hold">
+                            <p:stCondLst>
+                              <p:cond delay="0"/>
+                            </p:stCondLst>
+                            <p:childTnLst>
+                              <p:par>
+                                <p:cTn id="15" presetID="1" presetClass="entr" presetSubtype="0" fill="hold" nodeType="clickEffect">
+                                  <p:stCondLst>
+                                    <p:cond delay="0"/>
+                                  </p:stCondLst>
+                                  <p:childTnLst>
+                                    <p:set>
+                                      <p:cBhvr>
+                                        <p:cTn id="16" dur="1" fill="hold">
+                                          <p:stCondLst>
+                                            <p:cond delay="0"/>
+                                          </p:stCondLst>
+                                        </p:cTn>
+                                        <p:tgtEl>
+                                          <p:spTgt spid="3">
+                                            <p:txEl>
+                                              <p:pRg st="7" end="7"/>
+                                            </p:txEl>
+                                          </p:spTgt>
+                                        </p:tgtEl>
+                                        <p:attrNameLst>
+                                          <p:attrName>style.visibility</p:attrName>
+                                        </p:attrNameLst>
+                                      </p:cBhvr>
+                                      <p:to>
+                                        <p:strVal val="visible"/>
+                                      </p:to>
+                                    </p:set>
+                                  </p:childTnLst>
+                                </p:cTn>
+                              </p:par>
+                              <p:par>
+                                <p:cTn id="17" presetID="1" presetClass="entr" presetSubtype="0" fill="hold" nodeType="withEffect">
+                                  <p:stCondLst>
+                                    <p:cond delay="0"/>
+                                  </p:stCondLst>
+                                  <p:childTnLst>
+                                    <p:set>
+                                      <p:cBhvr>
+                                        <p:cTn id="18" dur="1" fill="hold">
+                                          <p:stCondLst>
+                                            <p:cond delay="0"/>
+                                          </p:stCondLst>
+                                        </p:cTn>
+                                        <p:tgtEl>
+                                          <p:spTgt spid="5"/>
+                                        </p:tgtEl>
+                                        <p:attrNameLst>
+                                          <p:attrName>style.visibility</p:attrName>
+                                        </p:attrNameLst>
+                                      </p:cBhvr>
+                                      <p:to>
+                                        <p:strVal val="visible"/>
+                                      </p:to>
+                                    </p:set>
+                                  </p:childTnLst>
+                                </p:cTn>
+                              </p:par>
+                            </p:childTnLst>
+                          </p:cTn>
+                        </p:par>
+                      </p:childTnLst>
+                    </p:cTn>
+                  </p:par>
+                </p:childTnLst>
+              </p:cTn>
+              <p:prevCondLst>
+                <p:cond evt="onPrev" delay="0">
+                  <p:tgtEl>
+                    <p:sldTgt/>
+                  </p:tgtEl>
+                </p:cond>
+              </p:prevCondLst>
+              <p:nextCondLst>
+                <p:cond evt="onNext" delay="0">
+                  <p:tgtEl>
+                    <p:sldTgt/>
+                  </p:tgtEl>
+                </p:cond>
+              </p:nextCondLst>
+            </p:seq>
+          </p:childTnLst>
+        </p:cTn>
+      </p:par>
+    </p:tnLst>
+  </p:timing>
+</p:sld>
+</file>
+
+<file path=ppt/slides/slide41.xml><?xml version="1.0" encoding="utf-8"?>
+<p:sld xmlns:a="http://schemas.openxmlformats.org/drawingml/2006/main" xmlns:r="http://schemas.openxmlformats.org/officeDocument/2006/relationships" xmlns:p="http://schemas.openxmlformats.org/presentationml/2006/main">
+  <p:cSld>
+    <p:spTree>
+      <p:nvGrpSpPr>
+        <p:cNvPr id="1" name=""/>
+        <p:cNvGrpSpPr/>
+        <p:nvPr/>
+      </p:nvGrpSpPr>
+      <p:grpSpPr>
+        <a:xfrm>
+          <a:off x="0" y="0"/>
+          <a:ext cx="0" cy="0"/>
+          <a:chOff x="0" y="0"/>
+          <a:chExt cx="0" cy="0"/>
+        </a:xfrm>
+      </p:grpSpPr>
+      <p:sp>
+        <p:nvSpPr>
+          <p:cNvPr id="2" name="Title 1"/>
+          <p:cNvSpPr>
+            <a:spLocks noGrp="1"/>
+          </p:cNvSpPr>
+          <p:nvPr>
+            <p:ph type="title"/>
+          </p:nvPr>
+        </p:nvSpPr>
+        <p:spPr/>
+        <p:txBody>
+          <a:bodyPr/>
+          <a:lstStyle/>
+          <a:p>
+            <a:r>
+              <a:rPr lang="en-US" dirty="0" smtClean="0"/>
+              <a:t>Conclusions and more learning</a:t>
+            </a:r>
+            <a:endParaRPr lang="en-US" dirty="0"/>
+          </a:p>
+        </p:txBody>
+      </p:sp>
+      <p:sp>
+        <p:nvSpPr>
+          <p:cNvPr id="3" name="Content Placeholder 2"/>
+          <p:cNvSpPr>
+            <a:spLocks noGrp="1"/>
+          </p:cNvSpPr>
+          <p:nvPr>
+            <p:ph idx="1"/>
+          </p:nvPr>
+        </p:nvSpPr>
+        <p:spPr/>
+        <p:txBody>
+          <a:bodyPr>
+            <a:normAutofit fontScale="92500" lnSpcReduction="20000"/>
+          </a:bodyPr>
+          <a:lstStyle/>
+          <a:p>
+            <a:r>
+              <a:rPr lang="en-US" dirty="0" smtClean="0"/>
+              <a:t>You’ve now written and submitted your first shell script! Congratulations! If you submit enough of them, your reward will be to get a survey from the </a:t>
+            </a:r>
+            <a:r>
+              <a:rPr lang="en-US" dirty="0" err="1" smtClean="0"/>
+              <a:t>hpc</a:t>
+            </a:r>
+            <a:r>
+              <a:rPr lang="en-US" dirty="0" smtClean="0"/>
+              <a:t> administration team (probably berating you! Yay!)</a:t>
+            </a:r>
+          </a:p>
+          <a:p>
+            <a:endParaRPr lang="en-US" dirty="0"/>
+          </a:p>
+          <a:p>
+            <a:r>
+              <a:rPr lang="en-US" dirty="0" smtClean="0"/>
+              <a:t>Using that template </a:t>
+            </a:r>
+            <a:r>
+              <a:rPr lang="en-US" dirty="0" err="1" smtClean="0"/>
+              <a:t>slurm</a:t>
+            </a:r>
+            <a:r>
+              <a:rPr lang="en-US" dirty="0" smtClean="0"/>
+              <a:t> script, you should have the basics down to run your own scripts. Your imagination is the limit! To start you out, I have packaged several example scripts. Many won’t work without tinkering! But these should give you a good idea of the types of things that you can package into shell scripts. To get them: </a:t>
+            </a:r>
+          </a:p>
+          <a:p>
+            <a:endParaRPr lang="en-US" dirty="0"/>
+          </a:p>
+          <a:p>
+            <a:endParaRPr lang="en-US" dirty="0" smtClean="0"/>
+          </a:p>
+          <a:p>
+            <a:r>
+              <a:rPr lang="en-US" dirty="0" smtClean="0"/>
+              <a:t>Always, always practice and try to learn new things! Most of my </a:t>
+            </a:r>
+            <a:r>
+              <a:rPr lang="en-US" dirty="0" err="1" smtClean="0"/>
+              <a:t>slurm</a:t>
+            </a:r>
+            <a:r>
+              <a:rPr lang="en-US" dirty="0" smtClean="0"/>
+              <a:t> scripts are based on examples learned from others!</a:t>
+            </a:r>
+            <a:endParaRPr lang="en-US" dirty="0"/>
+          </a:p>
+        </p:txBody>
+      </p:sp>
+      <p:sp>
+        <p:nvSpPr>
+          <p:cNvPr id="4" name="Rectangle 3"/>
+          <p:cNvSpPr/>
+          <p:nvPr/>
+        </p:nvSpPr>
+        <p:spPr>
+          <a:xfrm>
+            <a:off x="905608" y="4881881"/>
+            <a:ext cx="10682653" cy="461665"/>
+          </a:xfrm>
+          <a:prstGeom prst="rect">
+            <a:avLst/>
+          </a:prstGeom>
+        </p:spPr>
+        <p:txBody>
+          <a:bodyPr wrap="square">
+            <a:spAutoFit/>
+          </a:bodyPr>
+          <a:lstStyle/>
+          <a:p>
+            <a:r>
+              <a:rPr lang="en-US" sz="2400" dirty="0">
+                <a:solidFill>
+                  <a:srgbClr val="0070C0"/>
+                </a:solidFill>
+              </a:rPr>
+              <a:t>https://drive.google.com/open?id=1qnJLVC-npOUZK8p432o_1GsEDEahKscQ</a:t>
+            </a:r>
+          </a:p>
+        </p:txBody>
+      </p:sp>
+    </p:spTree>
+    <p:extLst>
+      <p:ext uri="{BB962C8B-B14F-4D97-AF65-F5344CB8AC3E}">
+        <p14:creationId xmlns:p14="http://schemas.microsoft.com/office/powerpoint/2010/main" val="4234268119"/>
+      </p:ext>
+    </p:extLst>
+  </p:cSld>
+  <p:clrMapOvr>
+    <a:masterClrMapping/>
+  </p:clrMapOvr>
+  <p:timing>
+    <p:tnLst>
+      <p:par>
+        <p:cTn id="1" dur="indefinite" restart="never" nodeType="tmRoot">
+          <p:childTnLst>
+            <p:seq concurrent="1" nextAc="seek">
+              <p:cTn id="2" dur="indefinite" nodeType="mainSeq">
+                <p:childTnLst>
+                  <p:par>
+                    <p:cTn id="3" fill="hold">
+                      <p:stCondLst>
+                        <p:cond delay="indefinite"/>
+                      </p:stCondLst>
+                      <p:childTnLst>
+                        <p:par>
+                          <p:cTn id="4" fill="hold">
+                            <p:stCondLst>
+                              <p:cond delay="0"/>
+                            </p:stCondLst>
+                            <p:childTnLst>
+                              <p:par>
+                                <p:cTn id="5" presetID="1" presetClass="entr" presetSubtype="0" fill="hold" nodeType="clickEffect">
+                                  <p:stCondLst>
+                                    <p:cond delay="0"/>
+                                  </p:stCondLst>
+                                  <p:childTnLst>
+                                    <p:set>
+                                      <p:cBhvr>
+                                        <p:cTn id="6" dur="1" fill="hold">
+                                          <p:stCondLst>
+                                            <p:cond delay="0"/>
+                                          </p:stCondLst>
+                                        </p:cTn>
+                                        <p:tgtEl>
+                                          <p:spTgt spid="3">
+                                            <p:txEl>
+                                              <p:pRg st="2" end="2"/>
+                                            </p:txEl>
+                                          </p:spTgt>
+                                        </p:tgtEl>
+                                        <p:attrNameLst>
+                                          <p:attrName>style.visibility</p:attrName>
+                                        </p:attrNameLst>
+                                      </p:cBhvr>
+                                      <p:to>
+                                        <p:strVal val="visible"/>
+                                      </p:to>
+                                    </p:set>
+                                  </p:childTnLst>
+                                </p:cTn>
+                              </p:par>
+                              <p:par>
+                                <p:cTn id="7" presetID="1" presetClass="entr" presetSubtype="0" fill="hold" grpId="0" nodeType="withEffect">
+                                  <p:stCondLst>
+                                    <p:cond delay="0"/>
+                                  </p:stCondLst>
+                                  <p:childTnLst>
+                                    <p:set>
+                                      <p:cBhvr>
+                                        <p:cTn id="8" dur="1" fill="hold">
+                                          <p:stCondLst>
+                                            <p:cond delay="0"/>
+                                          </p:stCondLst>
+                                        </p:cTn>
+                                        <p:tgtEl>
+                                          <p:spTgt spid="4"/>
+                                        </p:tgtEl>
+                                        <p:attrNameLst>
+                                          <p:attrName>style.visibility</p:attrName>
+                                        </p:attrNameLst>
+                                      </p:cBhvr>
+                                      <p:to>
+                                        <p:strVal val="visible"/>
+                                      </p:to>
+                                    </p:set>
+                                  </p:childTnLst>
+                                </p:cTn>
+                              </p:par>
+                            </p:childTnLst>
+                          </p:cTn>
+                        </p:par>
+                      </p:childTnLst>
+                    </p:cTn>
+                  </p:par>
+                  <p:par>
+                    <p:cTn id="9" fill="hold">
+                      <p:stCondLst>
+                        <p:cond delay="indefinite"/>
+                      </p:stCondLst>
+                      <p:childTnLst>
+                        <p:par>
+                          <p:cTn id="10" fill="hold">
+                            <p:stCondLst>
+                              <p:cond delay="0"/>
+                            </p:stCondLst>
+                            <p:childTnLst>
+                              <p:par>
+                                <p:cTn id="11" presetID="1" presetClass="entr" presetSubtype="0" fill="hold" nodeType="clickEffect">
+                                  <p:stCondLst>
+                                    <p:cond delay="0"/>
+                                  </p:stCondLst>
+                                  <p:childTnLst>
+                                    <p:set>
+                                      <p:cBhvr>
+                                        <p:cTn id="12" dur="1" fill="hold">
+                                          <p:stCondLst>
+                                            <p:cond delay="0"/>
+                                          </p:stCondLst>
+                                        </p:cTn>
+                                        <p:tgtEl>
+                                          <p:spTgt spid="3">
+                                            <p:txEl>
+                                              <p:pRg st="5" end="5"/>
+                                            </p:txEl>
+                                          </p:spTgt>
+                                        </p:tgtEl>
+                                        <p:attrNameLst>
+                                          <p:attrName>style.visibility</p:attrName>
+                                        </p:attrNameLst>
+                                      </p:cBhvr>
+                                      <p:to>
+                                        <p:strVal val="visible"/>
+                                      </p:to>
+                                    </p:set>
+                                  </p:childTnLst>
+                                </p:cTn>
+                              </p:par>
+                            </p:childTnLst>
+                          </p:cTn>
+                        </p:par>
+                      </p:childTnLst>
+                    </p:cTn>
+                  </p:par>
+                </p:childTnLst>
+              </p:cTn>
+              <p:prevCondLst>
+                <p:cond evt="onPrev" delay="0">
+                  <p:tgtEl>
+                    <p:sldTgt/>
+                  </p:tgtEl>
+                </p:cond>
+              </p:prevCondLst>
+              <p:nextCondLst>
+                <p:cond evt="onNext" delay="0">
+                  <p:tgtEl>
+                    <p:sldTgt/>
+                  </p:tgtEl>
+                </p:cond>
+              </p:nextCondLst>
+            </p:seq>
+          </p:childTnLst>
+        </p:cTn>
+      </p:par>
+    </p:tnLst>
+    <p:bldLst>
+      <p:bldP spid="4" grpId="0"/>
+    </p:bldLst>
+  </p:timing>
+</p:sld>
+</file>
+
 <file path=ppt/slides/slide5.xml><?xml version="1.0" encoding="utf-8"?>
 <p:sld xmlns:a="http://schemas.openxmlformats.org/drawingml/2006/main" xmlns:r="http://schemas.openxmlformats.org/officeDocument/2006/relationships" xmlns:p="http://schemas.openxmlformats.org/presentationml/2006/main">
   <p:cSld>
@@ -17034,11 +17870,7 @@
           <a:p>
             <a:r>
               <a:rPr lang="en-US" dirty="0" smtClean="0"/>
-              <a:t>Interesting</a:t>
-            </a:r>
-            <a:r>
-              <a:rPr lang="en-US" dirty="0" smtClean="0"/>
-              <a:t>! We have an impostor! Let’s make it executable with </a:t>
+              <a:t>Interesting! We have an impostor! Let’s make it executable with </a:t>
             </a:r>
             <a:r>
               <a:rPr lang="en-US" dirty="0" err="1" smtClean="0"/>
@@ -17468,7 +18300,6 @@
               <a:rPr lang="en-US" dirty="0"/>
               <a:t>Cry like you’ve never cried before</a:t>
             </a:r>
-            <a:endParaRPr lang="en-US" dirty="0"/>
           </a:p>
         </p:txBody>
       </p:sp>
@@ -17668,15 +18499,7 @@
           <a:p>
             <a:r>
               <a:rPr lang="en-US" dirty="0" smtClean="0"/>
-              <a:t>To get around this, the admins </a:t>
-            </a:r>
-            <a:r>
-              <a:rPr lang="en-US" dirty="0" smtClean="0"/>
-              <a:t>in Iowa implemented </a:t>
-            </a:r>
-            <a:r>
-              <a:rPr lang="en-US" dirty="0" smtClean="0"/>
-              <a:t>a “module” system to preferentially load programs into your $PATH. This way, you can load different versions of the same program (often with the same name!) that do not collide! To see which modules are available, just type “module avail” into the terminal:</a:t>
+              <a:t>To get around this, the admins in Iowa implemented a “module” system to preferentially load programs into your $PATH. This way, you can load different versions of the same program (often with the same name!) that do not collide! To see which modules are available, just type “module avail” into the terminal:</a:t>
             </a:r>
             <a:endParaRPr lang="en-US" dirty="0"/>
           </a:p>
